--- a/01_Introduction.pptx
+++ b/01_Introduction.pptx
@@ -1,12 +1,23 @@
 
 <file path=ppt/presentation.xml><?xml version="1.0" encoding="utf-8"?>
-<p:presentation xmlns:a="http://schemas.openxmlformats.org/drawingml/2006/main" xmlns:r="http://schemas.openxmlformats.org/officeDocument/2006/relationships" xmlns:p="http://schemas.openxmlformats.org/presentationml/2006/main" saveSubsetFonts="1">
+<p:presentation xmlns:a="http://schemas.openxmlformats.org/drawingml/2006/main" xmlns:r="http://schemas.openxmlformats.org/officeDocument/2006/relationships" xmlns:p="http://schemas.openxmlformats.org/presentationml/2006/main" showSpecialPlsOnTitleSld="0" saveSubsetFonts="1">
   <p:sldMasterIdLst>
     <p:sldMasterId id="2147483684" r:id="rId1"/>
   </p:sldMasterIdLst>
+  <p:notesMasterIdLst>
+    <p:notesMasterId r:id="rId12"/>
+  </p:notesMasterIdLst>
   <p:sldIdLst>
     <p:sldId id="256" r:id="rId2"/>
     <p:sldId id="257" r:id="rId3"/>
+    <p:sldId id="261" r:id="rId4"/>
+    <p:sldId id="265" r:id="rId5"/>
+    <p:sldId id="258" r:id="rId6"/>
+    <p:sldId id="259" r:id="rId7"/>
+    <p:sldId id="263" r:id="rId8"/>
+    <p:sldId id="264" r:id="rId9"/>
+    <p:sldId id="260" r:id="rId10"/>
+    <p:sldId id="262" r:id="rId11"/>
   </p:sldIdLst>
   <p:sldSz cx="12192000" cy="6858000"/>
   <p:notesSz cx="6858000" cy="9144000"/>
@@ -124,6 +135,356 @@
 </p:presentation>
 </file>
 
+<file path=ppt/notesMasters/notesMaster1.xml><?xml version="1.0" encoding="utf-8"?>
+<p:notesMaster xmlns:a="http://schemas.openxmlformats.org/drawingml/2006/main" xmlns:r="http://schemas.openxmlformats.org/officeDocument/2006/relationships" xmlns:p="http://schemas.openxmlformats.org/presentationml/2006/main">
+  <p:cSld>
+    <p:bg>
+      <p:bgRef idx="1001">
+        <a:schemeClr val="bg1"/>
+      </p:bgRef>
+    </p:bg>
+    <p:spTree>
+      <p:nvGrpSpPr>
+        <p:cNvPr id="1" name=""/>
+        <p:cNvGrpSpPr/>
+        <p:nvPr/>
+      </p:nvGrpSpPr>
+      <p:grpSpPr>
+        <a:xfrm>
+          <a:off x="0" y="0"/>
+          <a:ext cx="0" cy="0"/>
+          <a:chOff x="0" y="0"/>
+          <a:chExt cx="0" cy="0"/>
+        </a:xfrm>
+      </p:grpSpPr>
+      <p:sp>
+        <p:nvSpPr>
+          <p:cNvPr id="2" name="Header Placeholder 1"/>
+          <p:cNvSpPr>
+            <a:spLocks noGrp="1"/>
+          </p:cNvSpPr>
+          <p:nvPr>
+            <p:ph type="hdr" sz="quarter"/>
+          </p:nvPr>
+        </p:nvSpPr>
+        <p:spPr>
+          <a:xfrm>
+            <a:off x="0" y="0"/>
+            <a:ext cx="2971800" cy="458788"/>
+          </a:xfrm>
+          <a:prstGeom prst="rect">
+            <a:avLst/>
+          </a:prstGeom>
+        </p:spPr>
+        <p:txBody>
+          <a:bodyPr vert="horz" lIns="91440" tIns="45720" rIns="91440" bIns="45720" rtlCol="0"/>
+          <a:lstStyle>
+            <a:lvl1pPr algn="l">
+              <a:defRPr sz="1200"/>
+            </a:lvl1pPr>
+          </a:lstStyle>
+          <a:p>
+            <a:endParaRPr lang="en-US"/>
+          </a:p>
+        </p:txBody>
+      </p:sp>
+      <p:sp>
+        <p:nvSpPr>
+          <p:cNvPr id="3" name="Date Placeholder 2"/>
+          <p:cNvSpPr>
+            <a:spLocks noGrp="1"/>
+          </p:cNvSpPr>
+          <p:nvPr>
+            <p:ph type="dt" idx="1"/>
+          </p:nvPr>
+        </p:nvSpPr>
+        <p:spPr>
+          <a:xfrm>
+            <a:off x="3884613" y="0"/>
+            <a:ext cx="2971800" cy="458788"/>
+          </a:xfrm>
+          <a:prstGeom prst="rect">
+            <a:avLst/>
+          </a:prstGeom>
+        </p:spPr>
+        <p:txBody>
+          <a:bodyPr vert="horz" lIns="91440" tIns="45720" rIns="91440" bIns="45720" rtlCol="0"/>
+          <a:lstStyle>
+            <a:lvl1pPr algn="r">
+              <a:defRPr sz="1200"/>
+            </a:lvl1pPr>
+          </a:lstStyle>
+          <a:p>
+            <a:fld id="{DBFC531D-25D0-4EA8-9C4C-7207B4443956}" type="datetimeFigureOut">
+              <a:rPr lang="en-US" smtClean="0"/>
+              <a:t>5/31/2022</a:t>
+            </a:fld>
+            <a:endParaRPr lang="en-US"/>
+          </a:p>
+        </p:txBody>
+      </p:sp>
+      <p:sp>
+        <p:nvSpPr>
+          <p:cNvPr id="4" name="Slide Image Placeholder 3"/>
+          <p:cNvSpPr>
+            <a:spLocks noGrp="1" noRot="1" noChangeAspect="1"/>
+          </p:cNvSpPr>
+          <p:nvPr>
+            <p:ph type="sldImg" idx="2"/>
+          </p:nvPr>
+        </p:nvSpPr>
+        <p:spPr>
+          <a:xfrm>
+            <a:off x="685800" y="1143000"/>
+            <a:ext cx="5486400" cy="3086100"/>
+          </a:xfrm>
+          <a:prstGeom prst="rect">
+            <a:avLst/>
+          </a:prstGeom>
+          <a:noFill/>
+          <a:ln w="12700">
+            <a:solidFill>
+              <a:prstClr val="black"/>
+            </a:solidFill>
+          </a:ln>
+        </p:spPr>
+        <p:txBody>
+          <a:bodyPr vert="horz" lIns="91440" tIns="45720" rIns="91440" bIns="45720" rtlCol="0" anchor="ctr"/>
+          <a:lstStyle/>
+          <a:p>
+            <a:endParaRPr lang="en-US"/>
+          </a:p>
+        </p:txBody>
+      </p:sp>
+      <p:sp>
+        <p:nvSpPr>
+          <p:cNvPr id="5" name="Notes Placeholder 4"/>
+          <p:cNvSpPr>
+            <a:spLocks noGrp="1"/>
+          </p:cNvSpPr>
+          <p:nvPr>
+            <p:ph type="body" sz="quarter" idx="3"/>
+          </p:nvPr>
+        </p:nvSpPr>
+        <p:spPr>
+          <a:xfrm>
+            <a:off x="685800" y="4400550"/>
+            <a:ext cx="5486400" cy="3600450"/>
+          </a:xfrm>
+          <a:prstGeom prst="rect">
+            <a:avLst/>
+          </a:prstGeom>
+        </p:spPr>
+        <p:txBody>
+          <a:bodyPr vert="horz" lIns="91440" tIns="45720" rIns="91440" bIns="45720" rtlCol="0"/>
+          <a:lstStyle/>
+          <a:p>
+            <a:pPr lvl="0"/>
+            <a:r>
+              <a:rPr lang="en-US" smtClean="0"/>
+              <a:t>Edit Master text styles</a:t>
+            </a:r>
+          </a:p>
+          <a:p>
+            <a:pPr lvl="1"/>
+            <a:r>
+              <a:rPr lang="en-US" smtClean="0"/>
+              <a:t>Second level</a:t>
+            </a:r>
+          </a:p>
+          <a:p>
+            <a:pPr lvl="2"/>
+            <a:r>
+              <a:rPr lang="en-US" smtClean="0"/>
+              <a:t>Third level</a:t>
+            </a:r>
+          </a:p>
+          <a:p>
+            <a:pPr lvl="3"/>
+            <a:r>
+              <a:rPr lang="en-US" smtClean="0"/>
+              <a:t>Fourth level</a:t>
+            </a:r>
+          </a:p>
+          <a:p>
+            <a:pPr lvl="4"/>
+            <a:r>
+              <a:rPr lang="en-US" smtClean="0"/>
+              <a:t>Fifth level</a:t>
+            </a:r>
+            <a:endParaRPr lang="en-US"/>
+          </a:p>
+        </p:txBody>
+      </p:sp>
+      <p:sp>
+        <p:nvSpPr>
+          <p:cNvPr id="6" name="Footer Placeholder 5"/>
+          <p:cNvSpPr>
+            <a:spLocks noGrp="1"/>
+          </p:cNvSpPr>
+          <p:nvPr>
+            <p:ph type="ftr" sz="quarter" idx="4"/>
+          </p:nvPr>
+        </p:nvSpPr>
+        <p:spPr>
+          <a:xfrm>
+            <a:off x="0" y="8685213"/>
+            <a:ext cx="2971800" cy="458787"/>
+          </a:xfrm>
+          <a:prstGeom prst="rect">
+            <a:avLst/>
+          </a:prstGeom>
+        </p:spPr>
+        <p:txBody>
+          <a:bodyPr vert="horz" lIns="91440" tIns="45720" rIns="91440" bIns="45720" rtlCol="0" anchor="b"/>
+          <a:lstStyle>
+            <a:lvl1pPr algn="l">
+              <a:defRPr sz="1200"/>
+            </a:lvl1pPr>
+          </a:lstStyle>
+          <a:p>
+            <a:endParaRPr lang="en-US"/>
+          </a:p>
+        </p:txBody>
+      </p:sp>
+      <p:sp>
+        <p:nvSpPr>
+          <p:cNvPr id="7" name="Slide Number Placeholder 6"/>
+          <p:cNvSpPr>
+            <a:spLocks noGrp="1"/>
+          </p:cNvSpPr>
+          <p:nvPr>
+            <p:ph type="sldNum" sz="quarter" idx="5"/>
+          </p:nvPr>
+        </p:nvSpPr>
+        <p:spPr>
+          <a:xfrm>
+            <a:off x="3884613" y="8685213"/>
+            <a:ext cx="2971800" cy="458787"/>
+          </a:xfrm>
+          <a:prstGeom prst="rect">
+            <a:avLst/>
+          </a:prstGeom>
+        </p:spPr>
+        <p:txBody>
+          <a:bodyPr vert="horz" lIns="91440" tIns="45720" rIns="91440" bIns="45720" rtlCol="0" anchor="b"/>
+          <a:lstStyle>
+            <a:lvl1pPr algn="r">
+              <a:defRPr sz="1200"/>
+            </a:lvl1pPr>
+          </a:lstStyle>
+          <a:p>
+            <a:fld id="{B4EADCF6-4BAA-4B84-A8F1-8C83BA247140}" type="slidenum">
+              <a:rPr lang="en-US" smtClean="0"/>
+              <a:t>‹#›</a:t>
+            </a:fld>
+            <a:endParaRPr lang="en-US"/>
+          </a:p>
+        </p:txBody>
+      </p:sp>
+    </p:spTree>
+    <p:extLst>
+      <p:ext uri="{BB962C8B-B14F-4D97-AF65-F5344CB8AC3E}">
+        <p14:creationId xmlns:p14="http://schemas.microsoft.com/office/powerpoint/2010/main" val="670205788"/>
+      </p:ext>
+    </p:extLst>
+  </p:cSld>
+  <p:clrMap bg1="lt1" tx1="dk1" bg2="lt2" tx2="dk2" accent1="accent1" accent2="accent2" accent3="accent3" accent4="accent4" accent5="accent5" accent6="accent6" hlink="hlink" folHlink="folHlink"/>
+  <p:notesStyle>
+    <a:lvl1pPr marL="0" algn="l" defTabSz="914400" rtl="0" eaLnBrk="1" latinLnBrk="0" hangingPunct="1">
+      <a:defRPr sz="1200" kern="1200">
+        <a:solidFill>
+          <a:schemeClr val="tx1"/>
+        </a:solidFill>
+        <a:latin typeface="+mn-lt"/>
+        <a:ea typeface="+mn-ea"/>
+        <a:cs typeface="+mn-cs"/>
+      </a:defRPr>
+    </a:lvl1pPr>
+    <a:lvl2pPr marL="457200" algn="l" defTabSz="914400" rtl="0" eaLnBrk="1" latinLnBrk="0" hangingPunct="1">
+      <a:defRPr sz="1200" kern="1200">
+        <a:solidFill>
+          <a:schemeClr val="tx1"/>
+        </a:solidFill>
+        <a:latin typeface="+mn-lt"/>
+        <a:ea typeface="+mn-ea"/>
+        <a:cs typeface="+mn-cs"/>
+      </a:defRPr>
+    </a:lvl2pPr>
+    <a:lvl3pPr marL="914400" algn="l" defTabSz="914400" rtl="0" eaLnBrk="1" latinLnBrk="0" hangingPunct="1">
+      <a:defRPr sz="1200" kern="1200">
+        <a:solidFill>
+          <a:schemeClr val="tx1"/>
+        </a:solidFill>
+        <a:latin typeface="+mn-lt"/>
+        <a:ea typeface="+mn-ea"/>
+        <a:cs typeface="+mn-cs"/>
+      </a:defRPr>
+    </a:lvl3pPr>
+    <a:lvl4pPr marL="1371600" algn="l" defTabSz="914400" rtl="0" eaLnBrk="1" latinLnBrk="0" hangingPunct="1">
+      <a:defRPr sz="1200" kern="1200">
+        <a:solidFill>
+          <a:schemeClr val="tx1"/>
+        </a:solidFill>
+        <a:latin typeface="+mn-lt"/>
+        <a:ea typeface="+mn-ea"/>
+        <a:cs typeface="+mn-cs"/>
+      </a:defRPr>
+    </a:lvl4pPr>
+    <a:lvl5pPr marL="1828800" algn="l" defTabSz="914400" rtl="0" eaLnBrk="1" latinLnBrk="0" hangingPunct="1">
+      <a:defRPr sz="1200" kern="1200">
+        <a:solidFill>
+          <a:schemeClr val="tx1"/>
+        </a:solidFill>
+        <a:latin typeface="+mn-lt"/>
+        <a:ea typeface="+mn-ea"/>
+        <a:cs typeface="+mn-cs"/>
+      </a:defRPr>
+    </a:lvl5pPr>
+    <a:lvl6pPr marL="2286000" algn="l" defTabSz="914400" rtl="0" eaLnBrk="1" latinLnBrk="0" hangingPunct="1">
+      <a:defRPr sz="1200" kern="1200">
+        <a:solidFill>
+          <a:schemeClr val="tx1"/>
+        </a:solidFill>
+        <a:latin typeface="+mn-lt"/>
+        <a:ea typeface="+mn-ea"/>
+        <a:cs typeface="+mn-cs"/>
+      </a:defRPr>
+    </a:lvl6pPr>
+    <a:lvl7pPr marL="2743200" algn="l" defTabSz="914400" rtl="0" eaLnBrk="1" latinLnBrk="0" hangingPunct="1">
+      <a:defRPr sz="1200" kern="1200">
+        <a:solidFill>
+          <a:schemeClr val="tx1"/>
+        </a:solidFill>
+        <a:latin typeface="+mn-lt"/>
+        <a:ea typeface="+mn-ea"/>
+        <a:cs typeface="+mn-cs"/>
+      </a:defRPr>
+    </a:lvl7pPr>
+    <a:lvl8pPr marL="3200400" algn="l" defTabSz="914400" rtl="0" eaLnBrk="1" latinLnBrk="0" hangingPunct="1">
+      <a:defRPr sz="1200" kern="1200">
+        <a:solidFill>
+          <a:schemeClr val="tx1"/>
+        </a:solidFill>
+        <a:latin typeface="+mn-lt"/>
+        <a:ea typeface="+mn-ea"/>
+        <a:cs typeface="+mn-cs"/>
+      </a:defRPr>
+    </a:lvl8pPr>
+    <a:lvl9pPr marL="3657600" algn="l" defTabSz="914400" rtl="0" eaLnBrk="1" latinLnBrk="0" hangingPunct="1">
+      <a:defRPr sz="1200" kern="1200">
+        <a:solidFill>
+          <a:schemeClr val="tx1"/>
+        </a:solidFill>
+        <a:latin typeface="+mn-lt"/>
+        <a:ea typeface="+mn-ea"/>
+        <a:cs typeface="+mn-cs"/>
+      </a:defRPr>
+    </a:lvl9pPr>
+  </p:notesStyle>
+</p:notesMaster>
+</file>
+
 <file path=ppt/slideLayouts/slideLayout1.xml><?xml version="1.0" encoding="utf-8"?>
 <p:sldLayout xmlns:a="http://schemas.openxmlformats.org/drawingml/2006/main" xmlns:r="http://schemas.openxmlformats.org/officeDocument/2006/relationships" xmlns:p="http://schemas.openxmlformats.org/presentationml/2006/main" showMasterSp="0" type="title" preserve="1">
   <p:cSld name="Title Slide">
@@ -290,7 +651,7 @@
             </a:lvl1pPr>
           </a:lstStyle>
           <a:p>
-            <a:fld id="{0E00166F-5642-4758-A0C6-7DC4E3F2E794}" type="datetimeFigureOut">
+            <a:fld id="{F4BFCB00-81AB-467B-86AA-35059D5E0AE4}" type="datetime1">
               <a:rPr lang="en-US" smtClean="0"/>
               <a:t>5/31/2022</a:t>
             </a:fld>
@@ -323,6 +684,10 @@
             </a:lvl1pPr>
           </a:lstStyle>
           <a:p>
+            <a:r>
+              <a:rPr lang="en-US" smtClean="0"/>
+              <a:t>github.com/HEGSRR  doi.org/10.17605/OSF.IO/C5A2R</a:t>
+            </a:r>
             <a:endParaRPr lang="en-US"/>
           </a:p>
         </p:txBody>
@@ -518,7 +883,7 @@
           <a:bodyPr/>
           <a:lstStyle/>
           <a:p>
-            <a:fld id="{0E00166F-5642-4758-A0C6-7DC4E3F2E794}" type="datetimeFigureOut">
+            <a:fld id="{199005A6-DE78-42AA-95FF-090EB70A6D7D}" type="datetime1">
               <a:rPr lang="en-US" smtClean="0"/>
               <a:t>5/31/2022</a:t>
             </a:fld>
@@ -541,6 +906,10 @@
           <a:bodyPr/>
           <a:lstStyle/>
           <a:p>
+            <a:r>
+              <a:rPr lang="en-US" smtClean="0"/>
+              <a:t>github.com/HEGSRR  doi.org/10.17605/OSF.IO/C5A2R</a:t>
+            </a:r>
             <a:endParaRPr lang="en-US"/>
           </a:p>
         </p:txBody>
@@ -698,7 +1067,7 @@
           <a:bodyPr/>
           <a:lstStyle/>
           <a:p>
-            <a:fld id="{0E00166F-5642-4758-A0C6-7DC4E3F2E794}" type="datetimeFigureOut">
+            <a:fld id="{E1D54591-2AE9-48E5-8281-190FBBE42B0D}" type="datetime1">
               <a:rPr lang="en-US" smtClean="0"/>
               <a:t>5/31/2022</a:t>
             </a:fld>
@@ -721,6 +1090,10 @@
           <a:bodyPr/>
           <a:lstStyle/>
           <a:p>
+            <a:r>
+              <a:rPr lang="en-US" smtClean="0"/>
+              <a:t>github.com/HEGSRR  doi.org/10.17605/OSF.IO/C5A2R</a:t>
+            </a:r>
             <a:endParaRPr lang="en-US"/>
           </a:p>
         </p:txBody>
@@ -790,33 +1163,33 @@
         </p:nvSpPr>
         <p:spPr/>
         <p:txBody>
+          <a:bodyPr anchor="ctr"/>
+          <a:lstStyle/>
+          <a:p>
+            <a:r>
+              <a:rPr lang="en-US" smtClean="0"/>
+              <a:t>Click to edit Master title style</a:t>
+            </a:r>
+            <a:endParaRPr lang="en-US" dirty="0"/>
+          </a:p>
+        </p:txBody>
+      </p:sp>
+      <p:sp>
+        <p:nvSpPr>
+          <p:cNvPr id="4" name="Date Placeholder 3"/>
+          <p:cNvSpPr>
+            <a:spLocks noGrp="1"/>
+          </p:cNvSpPr>
+          <p:nvPr>
+            <p:ph type="dt" sz="half" idx="10"/>
+          </p:nvPr>
+        </p:nvSpPr>
+        <p:spPr/>
+        <p:txBody>
           <a:bodyPr/>
           <a:lstStyle/>
           <a:p>
-            <a:r>
-              <a:rPr lang="en-US" smtClean="0"/>
-              <a:t>Click to edit Master title style</a:t>
-            </a:r>
-            <a:endParaRPr lang="en-US" dirty="0"/>
-          </a:p>
-        </p:txBody>
-      </p:sp>
-      <p:sp>
-        <p:nvSpPr>
-          <p:cNvPr id="4" name="Date Placeholder 3"/>
-          <p:cNvSpPr>
-            <a:spLocks noGrp="1"/>
-          </p:cNvSpPr>
-          <p:nvPr>
-            <p:ph type="dt" sz="half" idx="10"/>
-          </p:nvPr>
-        </p:nvSpPr>
-        <p:spPr/>
-        <p:txBody>
-          <a:bodyPr/>
-          <a:lstStyle/>
-          <a:p>
-            <a:fld id="{0E00166F-5642-4758-A0C6-7DC4E3F2E794}" type="datetimeFigureOut">
+            <a:fld id="{E2BB4963-528D-4500-9B67-333791626A6E}" type="datetime1">
               <a:rPr lang="en-US" smtClean="0"/>
               <a:t>5/31/2022</a:t>
             </a:fld>
@@ -839,6 +1212,10 @@
           <a:bodyPr/>
           <a:lstStyle/>
           <a:p>
+            <a:r>
+              <a:rPr lang="en-US" smtClean="0"/>
+              <a:t>github.com/HEGSRR  doi.org/10.17605/OSF.IO/C5A2R</a:t>
+            </a:r>
             <a:endParaRPr lang="en-US"/>
           </a:p>
         </p:txBody>
@@ -1132,7 +1509,7 @@
           <a:bodyPr/>
           <a:lstStyle/>
           <a:p>
-            <a:fld id="{0E00166F-5642-4758-A0C6-7DC4E3F2E794}" type="datetimeFigureOut">
+            <a:fld id="{469EA241-FBD8-46D7-82AE-AF612D7B7D2A}" type="datetime1">
               <a:rPr lang="en-US" smtClean="0"/>
               <a:t>5/31/2022</a:t>
             </a:fld>
@@ -1155,6 +1532,10 @@
           <a:bodyPr/>
           <a:lstStyle/>
           <a:p>
+            <a:r>
+              <a:rPr lang="en-US" smtClean="0"/>
+              <a:t>github.com/HEGSRR  doi.org/10.17605/OSF.IO/C5A2R</a:t>
+            </a:r>
             <a:endParaRPr lang="en-US"/>
           </a:p>
         </p:txBody>
@@ -1458,7 +1839,7 @@
           <a:bodyPr/>
           <a:lstStyle/>
           <a:p>
-            <a:fld id="{0E00166F-5642-4758-A0C6-7DC4E3F2E794}" type="datetimeFigureOut">
+            <a:fld id="{8F9E7ABD-92CC-44D5-812F-6E001F6AC66C}" type="datetime1">
               <a:rPr lang="en-US" smtClean="0"/>
               <a:t>5/31/2022</a:t>
             </a:fld>
@@ -1481,6 +1862,10 @@
           <a:bodyPr/>
           <a:lstStyle/>
           <a:p>
+            <a:r>
+              <a:rPr lang="en-US" smtClean="0"/>
+              <a:t>github.com/HEGSRR  doi.org/10.17605/OSF.IO/C5A2R</a:t>
+            </a:r>
             <a:endParaRPr lang="en-US"/>
           </a:p>
         </p:txBody>
@@ -1909,7 +2294,7 @@
           <a:bodyPr/>
           <a:lstStyle/>
           <a:p>
-            <a:fld id="{0E00166F-5642-4758-A0C6-7DC4E3F2E794}" type="datetimeFigureOut">
+            <a:fld id="{22F7C429-F118-4020-A2DD-3BC780BE1E37}" type="datetime1">
               <a:rPr lang="en-US" smtClean="0"/>
               <a:t>5/31/2022</a:t>
             </a:fld>
@@ -1932,6 +2317,10 @@
           <a:bodyPr/>
           <a:lstStyle/>
           <a:p>
+            <a:r>
+              <a:rPr lang="en-US" smtClean="0"/>
+              <a:t>github.com/HEGSRR  doi.org/10.17605/OSF.IO/C5A2R</a:t>
+            </a:r>
             <a:endParaRPr lang="en-US"/>
           </a:p>
         </p:txBody>
@@ -2027,7 +2416,7 @@
           <a:bodyPr/>
           <a:lstStyle/>
           <a:p>
-            <a:fld id="{0E00166F-5642-4758-A0C6-7DC4E3F2E794}" type="datetimeFigureOut">
+            <a:fld id="{EF935929-6DF1-40D0-98F7-4A925CC5EDC4}" type="datetime1">
               <a:rPr lang="en-US" smtClean="0"/>
               <a:t>5/31/2022</a:t>
             </a:fld>
@@ -2050,6 +2439,10 @@
           <a:bodyPr/>
           <a:lstStyle/>
           <a:p>
+            <a:r>
+              <a:rPr lang="en-US" smtClean="0"/>
+              <a:t>github.com/HEGSRR  doi.org/10.17605/OSF.IO/C5A2R</a:t>
+            </a:r>
             <a:endParaRPr lang="en-US"/>
           </a:p>
         </p:txBody>
@@ -2122,7 +2515,7 @@
           <a:bodyPr/>
           <a:lstStyle/>
           <a:p>
-            <a:fld id="{0E00166F-5642-4758-A0C6-7DC4E3F2E794}" type="datetimeFigureOut">
+            <a:fld id="{94491080-5631-4C41-97FA-2B29ED7DB398}" type="datetime1">
               <a:rPr lang="en-US" smtClean="0"/>
               <a:t>5/31/2022</a:t>
             </a:fld>
@@ -2145,6 +2538,10 @@
           <a:bodyPr/>
           <a:lstStyle/>
           <a:p>
+            <a:r>
+              <a:rPr lang="en-US" smtClean="0"/>
+              <a:t>github.com/HEGSRR  doi.org/10.17605/OSF.IO/C5A2R</a:t>
+            </a:r>
             <a:endParaRPr lang="en-US"/>
           </a:p>
         </p:txBody>
@@ -2409,7 +2806,7 @@
           <a:bodyPr/>
           <a:lstStyle/>
           <a:p>
-            <a:fld id="{0E00166F-5642-4758-A0C6-7DC4E3F2E794}" type="datetimeFigureOut">
+            <a:fld id="{4E84E37C-AD71-4C21-80AB-7BB98F34BE7A}" type="datetime1">
               <a:rPr lang="en-US" smtClean="0"/>
               <a:t>5/31/2022</a:t>
             </a:fld>
@@ -2432,6 +2829,10 @@
           <a:bodyPr/>
           <a:lstStyle/>
           <a:p>
+            <a:r>
+              <a:rPr lang="en-US" smtClean="0"/>
+              <a:t>github.com/HEGSRR  doi.org/10.17605/OSF.IO/C5A2R</a:t>
+            </a:r>
             <a:endParaRPr lang="en-US"/>
           </a:p>
         </p:txBody>
@@ -2731,7 +3132,7 @@
           <a:bodyPr/>
           <a:lstStyle/>
           <a:p>
-            <a:fld id="{0E00166F-5642-4758-A0C6-7DC4E3F2E794}" type="datetimeFigureOut">
+            <a:fld id="{8A8F1312-AA6B-4D5C-A2DB-373C62ACA32F}" type="datetime1">
               <a:rPr lang="en-US" smtClean="0"/>
               <a:t>5/31/2022</a:t>
             </a:fld>
@@ -2754,6 +3155,10 @@
           <a:bodyPr/>
           <a:lstStyle/>
           <a:p>
+            <a:r>
+              <a:rPr lang="en-US" smtClean="0"/>
+              <a:t>github.com/HEGSRR  doi.org/10.17605/OSF.IO/C5A2R</a:t>
+            </a:r>
             <a:endParaRPr lang="en-US"/>
           </a:p>
         </p:txBody>
@@ -2879,7 +3284,7 @@
           </a:prstGeom>
         </p:spPr>
         <p:txBody>
-          <a:bodyPr vert="horz" lIns="91440" tIns="45720" rIns="91440" bIns="45720" rtlCol="0" anchor="b">
+          <a:bodyPr vert="horz" lIns="91440" tIns="45720" rIns="91440" bIns="45720" rtlCol="0" anchor="ctr">
             <a:normAutofit/>
           </a:bodyPr>
           <a:lstStyle/>
@@ -2988,7 +3393,7 @@
             </a:lvl1pPr>
           </a:lstStyle>
           <a:p>
-            <a:fld id="{0E00166F-5642-4758-A0C6-7DC4E3F2E794}" type="datetimeFigureOut">
+            <a:fld id="{8B1F2FB7-32C9-40DF-B6A2-F94AAC625BDA}" type="datetime1">
               <a:rPr lang="en-US" smtClean="0"/>
               <a:t>5/31/2022</a:t>
             </a:fld>
@@ -3030,6 +3435,10 @@
             </a:lvl1pPr>
           </a:lstStyle>
           <a:p>
+            <a:r>
+              <a:rPr lang="en-US" smtClean="0"/>
+              <a:t>github.com/HEGSRR  doi.org/10.17605/OSF.IO/C5A2R</a:t>
+            </a:r>
             <a:endParaRPr lang="en-US"/>
           </a:p>
         </p:txBody>
@@ -3140,6 +3549,7 @@
     <p:sldLayoutId id="2147483694" r:id="rId10"/>
     <p:sldLayoutId id="2147483695" r:id="rId11"/>
   </p:sldLayoutIdLst>
+  <p:hf hdr="0" dt="0"/>
   <p:txStyles>
     <p:titleStyle>
       <a:lvl1pPr algn="l" defTabSz="914400" rtl="0" eaLnBrk="1" latinLnBrk="0" hangingPunct="1">
@@ -3152,10 +3562,7 @@
         <a:buNone/>
         <a:defRPr sz="4400" kern="1200" spc="-50" baseline="0">
           <a:solidFill>
-            <a:schemeClr val="tx2">
-              <a:lumMod val="20000"/>
-              <a:lumOff val="80000"/>
-            </a:schemeClr>
+            <a:schemeClr val="bg1"/>
           </a:solidFill>
           <a:latin typeface="+mj-lt"/>
           <a:ea typeface="+mj-ea"/>
@@ -3182,9 +3589,8 @@
         <a:buChar char="•"/>
         <a:defRPr sz="2400" kern="1200" spc="10" baseline="0">
           <a:solidFill>
-            <a:schemeClr val="tx2">
-              <a:lumMod val="20000"/>
-              <a:lumOff val="80000"/>
+            <a:schemeClr val="bg1">
+              <a:lumMod val="95000"/>
             </a:schemeClr>
           </a:solidFill>
           <a:latin typeface="+mn-lt"/>
@@ -3209,9 +3615,8 @@
         <a:buChar char=""/>
         <a:defRPr sz="2000" kern="1200">
           <a:solidFill>
-            <a:schemeClr val="tx2">
-              <a:lumMod val="20000"/>
-              <a:lumOff val="80000"/>
+            <a:schemeClr val="bg1">
+              <a:lumMod val="95000"/>
             </a:schemeClr>
           </a:solidFill>
           <a:latin typeface="+mn-lt"/>
@@ -3236,9 +3641,8 @@
         <a:buChar char=""/>
         <a:defRPr sz="1800" kern="1200">
           <a:solidFill>
-            <a:schemeClr val="tx2">
-              <a:lumMod val="20000"/>
-              <a:lumOff val="80000"/>
+            <a:schemeClr val="bg1">
+              <a:lumMod val="95000"/>
             </a:schemeClr>
           </a:solidFill>
           <a:latin typeface="+mn-lt"/>
@@ -3263,9 +3667,8 @@
         <a:buChar char=""/>
         <a:defRPr sz="1800" kern="1200">
           <a:solidFill>
-            <a:schemeClr val="tx2">
-              <a:lumMod val="20000"/>
-              <a:lumOff val="80000"/>
+            <a:schemeClr val="bg1">
+              <a:lumMod val="95000"/>
             </a:schemeClr>
           </a:solidFill>
           <a:latin typeface="+mn-lt"/>
@@ -3290,9 +3693,8 @@
         <a:buChar char=""/>
         <a:defRPr sz="1800" kern="1200">
           <a:solidFill>
-            <a:schemeClr val="tx2">
-              <a:lumMod val="20000"/>
-              <a:lumOff val="80000"/>
+            <a:schemeClr val="bg1">
+              <a:lumMod val="95000"/>
             </a:schemeClr>
           </a:solidFill>
           <a:latin typeface="+mn-lt"/>
@@ -3537,13 +3939,22 @@
         </p:nvSpPr>
         <p:spPr/>
         <p:txBody>
-          <a:bodyPr>
+          <a:bodyPr anchor="ctr">
             <a:normAutofit/>
           </a:bodyPr>
           <a:lstStyle/>
           <a:p>
-            <a:r>
-              <a:rPr lang="en-US" sz="5400" dirty="0"/>
+            <a:pPr>
+              <a:lnSpc>
+                <a:spcPct val="110000"/>
+              </a:lnSpc>
+            </a:pPr>
+            <a:r>
+              <a:rPr lang="en-US" sz="4800" dirty="0">
+                <a:solidFill>
+                  <a:schemeClr val="accent2"/>
+                </a:solidFill>
+              </a:rPr>
               <a:t>Practicing and Teaching Reproducibility and Replicability in the Human-Environment and Geographical Sciences</a:t>
             </a:r>
           </a:p>
@@ -3565,22 +3976,50 @@
           <a:lstStyle/>
           <a:p>
             <a:r>
-              <a:rPr lang="en-US" dirty="0" smtClean="0"/>
+              <a:rPr lang="en-US" dirty="0" smtClean="0">
+                <a:solidFill>
+                  <a:schemeClr val="accent2">
+                    <a:lumMod val="60000"/>
+                    <a:lumOff val="40000"/>
+                  </a:schemeClr>
+                </a:solidFill>
+              </a:rPr>
               <a:t>Joseph Holler – Middlebury College</a:t>
             </a:r>
           </a:p>
           <a:p>
             <a:r>
-              <a:rPr lang="en-US" dirty="0" smtClean="0"/>
+              <a:rPr lang="en-US" dirty="0" smtClean="0">
+                <a:solidFill>
+                  <a:schemeClr val="accent2">
+                    <a:lumMod val="60000"/>
+                    <a:lumOff val="40000"/>
+                  </a:schemeClr>
+                </a:solidFill>
+              </a:rPr>
               <a:t>Peter Kedron – Arizona State University</a:t>
             </a:r>
           </a:p>
           <a:p>
             <a:r>
-              <a:rPr lang="en-US" dirty="0" smtClean="0"/>
+              <a:rPr lang="en-US" dirty="0" smtClean="0">
+                <a:solidFill>
+                  <a:schemeClr val="accent2">
+                    <a:lumMod val="60000"/>
+                    <a:lumOff val="40000"/>
+                  </a:schemeClr>
+                </a:solidFill>
+              </a:rPr>
               <a:t>Emily Zhou – Middlebury College</a:t>
             </a:r>
-            <a:endParaRPr lang="en-US" dirty="0"/>
+            <a:endParaRPr lang="en-US" dirty="0">
+              <a:solidFill>
+                <a:schemeClr val="accent2">
+                  <a:lumMod val="60000"/>
+                  <a:lumOff val="40000"/>
+                </a:schemeClr>
+              </a:solidFill>
+            </a:endParaRPr>
           </a:p>
         </p:txBody>
       </p:sp>
@@ -3588,6 +4027,196 @@
     <p:extLst>
       <p:ext uri="{BB962C8B-B14F-4D97-AF65-F5344CB8AC3E}">
         <p14:creationId xmlns:p14="http://schemas.microsoft.com/office/powerpoint/2010/main" val="1913677171"/>
+      </p:ext>
+    </p:extLst>
+  </p:cSld>
+  <p:clrMapOvr>
+    <a:masterClrMapping/>
+  </p:clrMapOvr>
+</p:sld>
+</file>
+
+<file path=ppt/slides/slide10.xml><?xml version="1.0" encoding="utf-8"?>
+<p:sld xmlns:a="http://schemas.openxmlformats.org/drawingml/2006/main" xmlns:r="http://schemas.openxmlformats.org/officeDocument/2006/relationships" xmlns:p="http://schemas.openxmlformats.org/presentationml/2006/main">
+  <p:cSld>
+    <p:spTree>
+      <p:nvGrpSpPr>
+        <p:cNvPr id="1" name=""/>
+        <p:cNvGrpSpPr/>
+        <p:nvPr/>
+      </p:nvGrpSpPr>
+      <p:grpSpPr>
+        <a:xfrm>
+          <a:off x="0" y="0"/>
+          <a:ext cx="0" cy="0"/>
+          <a:chOff x="0" y="0"/>
+          <a:chExt cx="0" cy="0"/>
+        </a:xfrm>
+      </p:grpSpPr>
+      <p:sp>
+        <p:nvSpPr>
+          <p:cNvPr id="2" name="Title 1"/>
+          <p:cNvSpPr>
+            <a:spLocks noGrp="1"/>
+          </p:cNvSpPr>
+          <p:nvPr>
+            <p:ph type="title"/>
+          </p:nvPr>
+        </p:nvSpPr>
+        <p:spPr/>
+        <p:txBody>
+          <a:bodyPr/>
+          <a:lstStyle/>
+          <a:p>
+            <a:r>
+              <a:rPr lang="en-US" dirty="0" smtClean="0"/>
+              <a:t>Reading R&amp;R</a:t>
+            </a:r>
+            <a:endParaRPr lang="en-US" dirty="0"/>
+          </a:p>
+        </p:txBody>
+      </p:sp>
+      <p:sp>
+        <p:nvSpPr>
+          <p:cNvPr id="3" name="Footer Placeholder 2"/>
+          <p:cNvSpPr>
+            <a:spLocks noGrp="1"/>
+          </p:cNvSpPr>
+          <p:nvPr>
+            <p:ph type="ftr" sz="quarter" idx="11"/>
+          </p:nvPr>
+        </p:nvSpPr>
+        <p:spPr/>
+        <p:txBody>
+          <a:bodyPr/>
+          <a:lstStyle/>
+          <a:p>
+            <a:r>
+              <a:rPr lang="en-US" smtClean="0"/>
+              <a:t>github.com/HEGSRR  doi.org/10.17605/OSF.IO/C5A2R</a:t>
+            </a:r>
+            <a:endParaRPr lang="en-US"/>
+          </a:p>
+        </p:txBody>
+      </p:sp>
+      <p:sp>
+        <p:nvSpPr>
+          <p:cNvPr id="4" name="Slide Number Placeholder 3"/>
+          <p:cNvSpPr>
+            <a:spLocks noGrp="1"/>
+          </p:cNvSpPr>
+          <p:nvPr>
+            <p:ph type="sldNum" sz="quarter" idx="12"/>
+          </p:nvPr>
+        </p:nvSpPr>
+        <p:spPr/>
+        <p:txBody>
+          <a:bodyPr>
+            <a:normAutofit lnSpcReduction="10000"/>
+          </a:bodyPr>
+          <a:lstStyle/>
+          <a:p>
+            <a:fld id="{981D5A7C-6207-499C-AB20-37C4B4B2E810}" type="slidenum">
+              <a:rPr lang="en-US" smtClean="0"/>
+              <a:t>10</a:t>
+            </a:fld>
+            <a:endParaRPr lang="en-US"/>
+          </a:p>
+        </p:txBody>
+      </p:sp>
+      <p:pic>
+        <p:nvPicPr>
+          <p:cNvPr id="6" name="Content Placeholder 5"/>
+          <p:cNvPicPr>
+            <a:picLocks noGrp="1" noChangeAspect="1"/>
+          </p:cNvPicPr>
+          <p:nvPr>
+            <p:ph idx="1"/>
+          </p:nvPr>
+        </p:nvPicPr>
+        <p:blipFill>
+          <a:blip r:embed="rId2" cstate="print">
+            <a:extLst>
+              <a:ext uri="{28A0092B-C50C-407E-A947-70E740481C1C}">
+                <a14:useLocalDpi xmlns:a14="http://schemas.microsoft.com/office/drawing/2010/main" val="0"/>
+              </a:ext>
+            </a:extLst>
+          </a:blip>
+          <a:stretch>
+            <a:fillRect/>
+          </a:stretch>
+        </p:blipFill>
+        <p:spPr>
+          <a:xfrm>
+            <a:off x="7808890" y="1612032"/>
+            <a:ext cx="3145622" cy="4714751"/>
+          </a:xfrm>
+        </p:spPr>
+      </p:pic>
+      <p:pic>
+        <p:nvPicPr>
+          <p:cNvPr id="9" name="Picture 8"/>
+          <p:cNvPicPr>
+            <a:picLocks noChangeAspect="1"/>
+          </p:cNvPicPr>
+          <p:nvPr/>
+        </p:nvPicPr>
+        <p:blipFill>
+          <a:blip r:embed="rId3" cstate="print">
+            <a:extLst>
+              <a:ext uri="{28A0092B-C50C-407E-A947-70E740481C1C}">
+                <a14:useLocalDpi xmlns:a14="http://schemas.microsoft.com/office/drawing/2010/main" val="0"/>
+              </a:ext>
+            </a:extLst>
+          </a:blip>
+          <a:stretch>
+            <a:fillRect/>
+          </a:stretch>
+        </p:blipFill>
+        <p:spPr>
+          <a:xfrm>
+            <a:off x="4413540" y="1612031"/>
+            <a:ext cx="3119400" cy="4714751"/>
+          </a:xfrm>
+          <a:prstGeom prst="rect">
+            <a:avLst/>
+          </a:prstGeom>
+        </p:spPr>
+      </p:pic>
+      <p:pic>
+        <p:nvPicPr>
+          <p:cNvPr id="11" name="Picture 10"/>
+          <p:cNvPicPr>
+            <a:picLocks noChangeAspect="1"/>
+          </p:cNvPicPr>
+          <p:nvPr/>
+        </p:nvPicPr>
+        <p:blipFill>
+          <a:blip r:embed="rId4">
+            <a:extLst>
+              <a:ext uri="{28A0092B-C50C-407E-A947-70E740481C1C}">
+                <a14:useLocalDpi xmlns:a14="http://schemas.microsoft.com/office/drawing/2010/main" val="0"/>
+              </a:ext>
+            </a:extLst>
+          </a:blip>
+          <a:stretch>
+            <a:fillRect/>
+          </a:stretch>
+        </p:blipFill>
+        <p:spPr>
+          <a:xfrm>
+            <a:off x="994425" y="1612034"/>
+            <a:ext cx="3143166" cy="4714749"/>
+          </a:xfrm>
+          <a:prstGeom prst="rect">
+            <a:avLst/>
+          </a:prstGeom>
+        </p:spPr>
+      </p:pic>
+    </p:spTree>
+    <p:extLst>
+      <p:ext uri="{BB962C8B-B14F-4D97-AF65-F5344CB8AC3E}">
+        <p14:creationId xmlns:p14="http://schemas.microsoft.com/office/powerpoint/2010/main" val="1672409873"/>
       </p:ext>
     </p:extLst>
   </p:cSld>
@@ -3629,7 +4258,11 @@
           <a:bodyPr/>
           <a:lstStyle/>
           <a:p>
-            <a:endParaRPr lang="en-US"/>
+            <a:r>
+              <a:rPr lang="en-US" dirty="0" smtClean="0"/>
+              <a:t>Support</a:t>
+            </a:r>
+            <a:endParaRPr lang="en-US" dirty="0"/>
           </a:p>
         </p:txBody>
       </p:sp>
@@ -3653,6 +4286,121 @@
           <a:bodyPr/>
           <a:lstStyle/>
           <a:p>
+            <a:r>
+              <a:rPr lang="en-US" dirty="0" smtClean="0"/>
+              <a:t>NSF </a:t>
+            </a:r>
+            <a:r>
+              <a:rPr lang="en-US" dirty="0" smtClean="0"/>
+              <a:t>BCS-2049837</a:t>
+            </a:r>
+            <a:r>
+              <a:rPr lang="en-US" dirty="0"/>
+              <a:t/>
+            </a:r>
+            <a:br>
+              <a:rPr lang="en-US" dirty="0"/>
+            </a:br>
+            <a:r>
+              <a:rPr lang="en-US" dirty="0" smtClean="0"/>
+              <a:t>Transforming </a:t>
+            </a:r>
+            <a:r>
+              <a:rPr lang="en-US" dirty="0"/>
+              <a:t>Theory-Building and </a:t>
+            </a:r>
+            <a:r>
+              <a:rPr lang="en-US" dirty="0" smtClean="0"/>
+              <a:t>STEM Education </a:t>
+            </a:r>
+            <a:r>
+              <a:rPr lang="en-US" dirty="0"/>
+              <a:t>Through Reproductions and Replications in the Geographical </a:t>
+            </a:r>
+            <a:r>
+              <a:rPr lang="en-US" dirty="0" smtClean="0"/>
+              <a:t>Sciences</a:t>
+            </a:r>
+          </a:p>
+          <a:p>
+            <a:r>
+              <a:rPr lang="en-US" dirty="0" smtClean="0"/>
+              <a:t>Geospatial Software Institute COVID-19 Fellows</a:t>
+            </a:r>
+            <a:br>
+              <a:rPr lang="en-US" dirty="0" smtClean="0"/>
+            </a:br>
+            <a:r>
+              <a:rPr lang="en-US" dirty="0" smtClean="0"/>
+              <a:t>University of Illinois </a:t>
+            </a:r>
+            <a:r>
+              <a:rPr lang="en-US" dirty="0"/>
+              <a:t>Urbana-Champaign</a:t>
+            </a:r>
+            <a:r>
+              <a:rPr lang="en-US" dirty="0" smtClean="0"/>
+              <a:t/>
+            </a:r>
+            <a:br>
+              <a:rPr lang="en-US" dirty="0" smtClean="0"/>
+            </a:br>
+            <a:r>
+              <a:rPr lang="en-US" dirty="0" smtClean="0"/>
+              <a:t>National Science Foundation </a:t>
+            </a:r>
+            <a:r>
+              <a:rPr lang="en-US" dirty="0"/>
+              <a:t>OAC-1743184</a:t>
+            </a:r>
+            <a:endParaRPr lang="en-US" dirty="0"/>
+          </a:p>
+        </p:txBody>
+      </p:sp>
+      <p:sp>
+        <p:nvSpPr>
+          <p:cNvPr id="4" name="Footer Placeholder 3"/>
+          <p:cNvSpPr>
+            <a:spLocks noGrp="1"/>
+          </p:cNvSpPr>
+          <p:nvPr>
+            <p:ph type="ftr" sz="quarter" idx="11"/>
+          </p:nvPr>
+        </p:nvSpPr>
+        <p:spPr/>
+        <p:txBody>
+          <a:bodyPr/>
+          <a:lstStyle/>
+          <a:p>
+            <a:r>
+              <a:rPr lang="en-US" dirty="0" smtClean="0"/>
+              <a:t>github.com/HEGSRR  doi.org/10.17605/OSF.IO/C5A2R</a:t>
+            </a:r>
+            <a:endParaRPr lang="en-US" dirty="0"/>
+          </a:p>
+        </p:txBody>
+      </p:sp>
+      <p:sp>
+        <p:nvSpPr>
+          <p:cNvPr id="5" name="Slide Number Placeholder 4"/>
+          <p:cNvSpPr>
+            <a:spLocks noGrp="1"/>
+          </p:cNvSpPr>
+          <p:nvPr>
+            <p:ph type="sldNum" sz="quarter" idx="12"/>
+          </p:nvPr>
+        </p:nvSpPr>
+        <p:spPr/>
+        <p:txBody>
+          <a:bodyPr>
+            <a:normAutofit lnSpcReduction="10000"/>
+          </a:bodyPr>
+          <a:lstStyle/>
+          <a:p>
+            <a:fld id="{981D5A7C-6207-499C-AB20-37C4B4B2E810}" type="slidenum">
+              <a:rPr lang="en-US" smtClean="0"/>
+              <a:t>2</a:t>
+            </a:fld>
             <a:endParaRPr lang="en-US"/>
           </a:p>
         </p:txBody>
@@ -3661,6 +4409,1994 @@
     <p:extLst>
       <p:ext uri="{BB962C8B-B14F-4D97-AF65-F5344CB8AC3E}">
         <p14:creationId xmlns:p14="http://schemas.microsoft.com/office/powerpoint/2010/main" val="3265737462"/>
+      </p:ext>
+    </p:extLst>
+  </p:cSld>
+  <p:clrMapOvr>
+    <a:masterClrMapping/>
+  </p:clrMapOvr>
+</p:sld>
+</file>
+
+<file path=ppt/slides/slide3.xml><?xml version="1.0" encoding="utf-8"?>
+<p:sld xmlns:a="http://schemas.openxmlformats.org/drawingml/2006/main" xmlns:r="http://schemas.openxmlformats.org/officeDocument/2006/relationships" xmlns:p="http://schemas.openxmlformats.org/presentationml/2006/main">
+  <p:cSld>
+    <p:spTree>
+      <p:nvGrpSpPr>
+        <p:cNvPr id="1" name=""/>
+        <p:cNvGrpSpPr/>
+        <p:nvPr/>
+      </p:nvGrpSpPr>
+      <p:grpSpPr>
+        <a:xfrm>
+          <a:off x="0" y="0"/>
+          <a:ext cx="0" cy="0"/>
+          <a:chOff x="0" y="0"/>
+          <a:chExt cx="0" cy="0"/>
+        </a:xfrm>
+      </p:grpSpPr>
+      <p:sp>
+        <p:nvSpPr>
+          <p:cNvPr id="2" name="Title 1"/>
+          <p:cNvSpPr>
+            <a:spLocks noGrp="1"/>
+          </p:cNvSpPr>
+          <p:nvPr>
+            <p:ph type="title"/>
+          </p:nvPr>
+        </p:nvSpPr>
+        <p:spPr/>
+        <p:txBody>
+          <a:bodyPr/>
+          <a:lstStyle/>
+          <a:p>
+            <a:r>
+              <a:rPr lang="en-US" dirty="0" smtClean="0"/>
+              <a:t>Defining R&amp;R</a:t>
+            </a:r>
+            <a:endParaRPr lang="en-US" dirty="0"/>
+          </a:p>
+        </p:txBody>
+      </p:sp>
+      <p:sp>
+        <p:nvSpPr>
+          <p:cNvPr id="3" name="Footer Placeholder 2"/>
+          <p:cNvSpPr>
+            <a:spLocks noGrp="1"/>
+          </p:cNvSpPr>
+          <p:nvPr>
+            <p:ph type="ftr" sz="quarter" idx="11"/>
+          </p:nvPr>
+        </p:nvSpPr>
+        <p:spPr/>
+        <p:txBody>
+          <a:bodyPr/>
+          <a:lstStyle/>
+          <a:p>
+            <a:r>
+              <a:rPr lang="en-US" smtClean="0"/>
+              <a:t>github.com/HEGSRR  doi.org/10.17605/OSF.IO/C5A2R</a:t>
+            </a:r>
+            <a:endParaRPr lang="en-US"/>
+          </a:p>
+        </p:txBody>
+      </p:sp>
+      <p:sp>
+        <p:nvSpPr>
+          <p:cNvPr id="4" name="Slide Number Placeholder 3"/>
+          <p:cNvSpPr>
+            <a:spLocks noGrp="1"/>
+          </p:cNvSpPr>
+          <p:nvPr>
+            <p:ph type="sldNum" sz="quarter" idx="12"/>
+          </p:nvPr>
+        </p:nvSpPr>
+        <p:spPr/>
+        <p:txBody>
+          <a:bodyPr>
+            <a:normAutofit lnSpcReduction="10000"/>
+          </a:bodyPr>
+          <a:lstStyle/>
+          <a:p>
+            <a:fld id="{981D5A7C-6207-499C-AB20-37C4B4B2E810}" type="slidenum">
+              <a:rPr lang="en-US" smtClean="0"/>
+              <a:t>3</a:t>
+            </a:fld>
+            <a:endParaRPr lang="en-US"/>
+          </a:p>
+        </p:txBody>
+      </p:sp>
+      <p:graphicFrame>
+        <p:nvGraphicFramePr>
+          <p:cNvPr id="6" name="Content Placeholder 5"/>
+          <p:cNvGraphicFramePr>
+            <a:graphicFrameLocks noGrp="1"/>
+          </p:cNvGraphicFramePr>
+          <p:nvPr>
+            <p:ph idx="1"/>
+            <p:extLst>
+              <p:ext uri="{D42A27DB-BD31-4B8C-83A1-F6EECF244321}">
+                <p14:modId xmlns:p14="http://schemas.microsoft.com/office/powerpoint/2010/main" val="2587913890"/>
+              </p:ext>
+            </p:extLst>
+          </p:nvPr>
+        </p:nvGraphicFramePr>
+        <p:xfrm>
+          <a:off x="1262063" y="1606859"/>
+          <a:ext cx="9426651" cy="3942397"/>
+        </p:xfrm>
+        <a:graphic>
+          <a:graphicData uri="http://schemas.openxmlformats.org/drawingml/2006/table">
+            <a:tbl>
+              <a:tblPr firstRow="1" bandRow="1">
+                <a:tableStyleId>{5940675A-B579-460E-94D1-54222C63F5DA}</a:tableStyleId>
+              </a:tblPr>
+              <a:tblGrid>
+                <a:gridCol w="1837397">
+                  <a:extLst>
+                    <a:ext uri="{9D8B030D-6E8A-4147-A177-3AD203B41FA5}">
+                      <a16:colId xmlns:a16="http://schemas.microsoft.com/office/drawing/2014/main" val="2506318435"/>
+                    </a:ext>
+                  </a:extLst>
+                </a:gridCol>
+                <a:gridCol w="3794627">
+                  <a:extLst>
+                    <a:ext uri="{9D8B030D-6E8A-4147-A177-3AD203B41FA5}">
+                      <a16:colId xmlns:a16="http://schemas.microsoft.com/office/drawing/2014/main" val="3000939811"/>
+                    </a:ext>
+                  </a:extLst>
+                </a:gridCol>
+                <a:gridCol w="3794627">
+                  <a:extLst>
+                    <a:ext uri="{9D8B030D-6E8A-4147-A177-3AD203B41FA5}">
+                      <a16:colId xmlns:a16="http://schemas.microsoft.com/office/drawing/2014/main" val="1608059136"/>
+                    </a:ext>
+                  </a:extLst>
+                </a:gridCol>
+              </a:tblGrid>
+              <a:tr h="898835">
+                <a:tc>
+                  <a:txBody>
+                    <a:bodyPr/>
+                    <a:lstStyle/>
+                    <a:p>
+                      <a:pPr algn="ctr"/>
+                      <a:endParaRPr lang="en-US" sz="2400" dirty="0">
+                        <a:solidFill>
+                          <a:schemeClr val="bg1"/>
+                        </a:solidFill>
+                      </a:endParaRPr>
+                    </a:p>
+                  </a:txBody>
+                  <a:tcPr anchor="ctr">
+                    <a:lnL w="28575" cap="flat" cmpd="sng" algn="ctr">
+                      <a:noFill/>
+                      <a:prstDash val="solid"/>
+                      <a:round/>
+                      <a:headEnd type="none" w="med" len="med"/>
+                      <a:tailEnd type="none" w="med" len="med"/>
+                    </a:lnL>
+                    <a:lnR w="28575" cap="flat" cmpd="sng" algn="ctr">
+                      <a:noFill/>
+                      <a:prstDash val="solid"/>
+                      <a:round/>
+                      <a:headEnd type="none" w="med" len="med"/>
+                      <a:tailEnd type="none" w="med" len="med"/>
+                    </a:lnR>
+                    <a:lnT w="28575" cap="flat" cmpd="sng" algn="ctr">
+                      <a:noFill/>
+                      <a:prstDash val="solid"/>
+                      <a:round/>
+                      <a:headEnd type="none" w="med" len="med"/>
+                      <a:tailEnd type="none" w="med" len="med"/>
+                    </a:lnT>
+                    <a:lnB w="28575" cap="flat" cmpd="sng" algn="ctr">
+                      <a:noFill/>
+                      <a:prstDash val="solid"/>
+                      <a:round/>
+                      <a:headEnd type="none" w="med" len="med"/>
+                      <a:tailEnd type="none" w="med" len="med"/>
+                    </a:lnB>
+                    <a:lnTlToBr w="12700" cmpd="sng">
+                      <a:noFill/>
+                      <a:prstDash val="solid"/>
+                    </a:lnTlToBr>
+                    <a:lnBlToTr w="12700" cmpd="sng">
+                      <a:noFill/>
+                      <a:prstDash val="solid"/>
+                    </a:lnBlToTr>
+                  </a:tcPr>
+                </a:tc>
+                <a:tc>
+                  <a:txBody>
+                    <a:bodyPr/>
+                    <a:lstStyle/>
+                    <a:p>
+                      <a:pPr algn="ctr"/>
+                      <a:r>
+                        <a:rPr lang="en-US" sz="2400" dirty="0" smtClean="0">
+                          <a:solidFill>
+                            <a:schemeClr val="bg1"/>
+                          </a:solidFill>
+                        </a:rPr>
+                        <a:t>Same Methods</a:t>
+                      </a:r>
+                      <a:endParaRPr lang="en-US" sz="2400" dirty="0">
+                        <a:solidFill>
+                          <a:schemeClr val="bg1"/>
+                        </a:solidFill>
+                      </a:endParaRPr>
+                    </a:p>
+                  </a:txBody>
+                  <a:tcPr anchor="ctr">
+                    <a:lnL w="28575" cap="flat" cmpd="sng" algn="ctr">
+                      <a:noFill/>
+                      <a:prstDash val="solid"/>
+                      <a:round/>
+                      <a:headEnd type="none" w="med" len="med"/>
+                      <a:tailEnd type="none" w="med" len="med"/>
+                    </a:lnL>
+                    <a:lnR w="28575" cap="flat" cmpd="sng" algn="ctr">
+                      <a:noFill/>
+                      <a:prstDash val="solid"/>
+                      <a:round/>
+                      <a:headEnd type="none" w="med" len="med"/>
+                      <a:tailEnd type="none" w="med" len="med"/>
+                    </a:lnR>
+                    <a:lnT w="28575" cap="flat" cmpd="sng" algn="ctr">
+                      <a:noFill/>
+                      <a:prstDash val="solid"/>
+                      <a:round/>
+                      <a:headEnd type="none" w="med" len="med"/>
+                      <a:tailEnd type="none" w="med" len="med"/>
+                    </a:lnT>
+                    <a:lnB w="28575" cap="flat" cmpd="sng" algn="ctr">
+                      <a:solidFill>
+                        <a:schemeClr val="accent3"/>
+                      </a:solidFill>
+                      <a:prstDash val="solid"/>
+                      <a:round/>
+                      <a:headEnd type="none" w="med" len="med"/>
+                      <a:tailEnd type="none" w="med" len="med"/>
+                    </a:lnB>
+                    <a:lnTlToBr w="12700" cmpd="sng">
+                      <a:noFill/>
+                      <a:prstDash val="solid"/>
+                    </a:lnTlToBr>
+                    <a:lnBlToTr w="12700" cmpd="sng">
+                      <a:noFill/>
+                      <a:prstDash val="solid"/>
+                    </a:lnBlToTr>
+                  </a:tcPr>
+                </a:tc>
+                <a:tc>
+                  <a:txBody>
+                    <a:bodyPr/>
+                    <a:lstStyle/>
+                    <a:p>
+                      <a:pPr algn="ctr"/>
+                      <a:r>
+                        <a:rPr lang="en-US" sz="2400" dirty="0" smtClean="0">
+                          <a:solidFill>
+                            <a:schemeClr val="bg1"/>
+                          </a:solidFill>
+                        </a:rPr>
+                        <a:t>Varied Methods</a:t>
+                      </a:r>
+                      <a:endParaRPr lang="en-US" sz="2400" dirty="0">
+                        <a:solidFill>
+                          <a:schemeClr val="bg1"/>
+                        </a:solidFill>
+                      </a:endParaRPr>
+                    </a:p>
+                  </a:txBody>
+                  <a:tcPr anchor="ctr">
+                    <a:lnL w="28575" cap="flat" cmpd="sng" algn="ctr">
+                      <a:noFill/>
+                      <a:prstDash val="solid"/>
+                      <a:round/>
+                      <a:headEnd type="none" w="med" len="med"/>
+                      <a:tailEnd type="none" w="med" len="med"/>
+                    </a:lnL>
+                    <a:lnR w="28575" cap="flat" cmpd="sng" algn="ctr">
+                      <a:noFill/>
+                      <a:prstDash val="solid"/>
+                      <a:round/>
+                      <a:headEnd type="none" w="med" len="med"/>
+                      <a:tailEnd type="none" w="med" len="med"/>
+                    </a:lnR>
+                    <a:lnT w="28575" cap="flat" cmpd="sng" algn="ctr">
+                      <a:noFill/>
+                      <a:prstDash val="solid"/>
+                      <a:round/>
+                      <a:headEnd type="none" w="med" len="med"/>
+                      <a:tailEnd type="none" w="med" len="med"/>
+                    </a:lnT>
+                    <a:lnB w="28575" cap="flat" cmpd="sng" algn="ctr">
+                      <a:solidFill>
+                        <a:schemeClr val="accent3"/>
+                      </a:solidFill>
+                      <a:prstDash val="solid"/>
+                      <a:round/>
+                      <a:headEnd type="none" w="med" len="med"/>
+                      <a:tailEnd type="none" w="med" len="med"/>
+                    </a:lnB>
+                    <a:lnTlToBr w="12700" cmpd="sng">
+                      <a:noFill/>
+                      <a:prstDash val="solid"/>
+                    </a:lnTlToBr>
+                    <a:lnBlToTr w="12700" cmpd="sng">
+                      <a:noFill/>
+                      <a:prstDash val="solid"/>
+                    </a:lnBlToTr>
+                  </a:tcPr>
+                </a:tc>
+                <a:extLst>
+                  <a:ext uri="{0D108BD9-81ED-4DB2-BD59-A6C34878D82A}">
+                    <a16:rowId xmlns:a16="http://schemas.microsoft.com/office/drawing/2014/main" val="3511202423"/>
+                  </a:ext>
+                </a:extLst>
+              </a:tr>
+              <a:tr h="1521781">
+                <a:tc>
+                  <a:txBody>
+                    <a:bodyPr/>
+                    <a:lstStyle/>
+                    <a:p>
+                      <a:pPr algn="ctr"/>
+                      <a:r>
+                        <a:rPr lang="en-US" sz="2400" dirty="0" smtClean="0">
+                          <a:solidFill>
+                            <a:schemeClr val="bg1"/>
+                          </a:solidFill>
+                        </a:rPr>
+                        <a:t>Same</a:t>
+                      </a:r>
+                      <a:br>
+                        <a:rPr lang="en-US" sz="2400" dirty="0" smtClean="0">
+                          <a:solidFill>
+                            <a:schemeClr val="bg1"/>
+                          </a:solidFill>
+                        </a:rPr>
+                      </a:br>
+                      <a:r>
+                        <a:rPr lang="en-US" sz="2400" dirty="0" smtClean="0">
+                          <a:solidFill>
+                            <a:schemeClr val="bg1"/>
+                          </a:solidFill>
+                        </a:rPr>
+                        <a:t>Data</a:t>
+                      </a:r>
+                      <a:endParaRPr lang="en-US" sz="2400" dirty="0">
+                        <a:solidFill>
+                          <a:schemeClr val="bg1"/>
+                        </a:solidFill>
+                      </a:endParaRPr>
+                    </a:p>
+                  </a:txBody>
+                  <a:tcPr anchor="ctr">
+                    <a:lnL w="28575" cap="flat" cmpd="sng" algn="ctr">
+                      <a:noFill/>
+                      <a:prstDash val="solid"/>
+                      <a:round/>
+                      <a:headEnd type="none" w="med" len="med"/>
+                      <a:tailEnd type="none" w="med" len="med"/>
+                    </a:lnL>
+                    <a:lnR w="28575" cap="flat" cmpd="sng" algn="ctr">
+                      <a:solidFill>
+                        <a:schemeClr val="accent3"/>
+                      </a:solidFill>
+                      <a:prstDash val="solid"/>
+                      <a:round/>
+                      <a:headEnd type="none" w="med" len="med"/>
+                      <a:tailEnd type="none" w="med" len="med"/>
+                    </a:lnR>
+                    <a:lnT w="28575" cap="flat" cmpd="sng" algn="ctr">
+                      <a:noFill/>
+                      <a:prstDash val="solid"/>
+                      <a:round/>
+                      <a:headEnd type="none" w="med" len="med"/>
+                      <a:tailEnd type="none" w="med" len="med"/>
+                    </a:lnT>
+                    <a:lnB w="28575" cap="flat" cmpd="sng" algn="ctr">
+                      <a:noFill/>
+                      <a:prstDash val="solid"/>
+                      <a:round/>
+                      <a:headEnd type="none" w="med" len="med"/>
+                      <a:tailEnd type="none" w="med" len="med"/>
+                    </a:lnB>
+                    <a:lnTlToBr w="12700" cmpd="sng">
+                      <a:noFill/>
+                      <a:prstDash val="solid"/>
+                    </a:lnTlToBr>
+                    <a:lnBlToTr w="12700" cmpd="sng">
+                      <a:noFill/>
+                      <a:prstDash val="solid"/>
+                    </a:lnBlToTr>
+                  </a:tcPr>
+                </a:tc>
+                <a:tc>
+                  <a:txBody>
+                    <a:bodyPr/>
+                    <a:lstStyle/>
+                    <a:p>
+                      <a:pPr algn="ctr"/>
+                      <a:r>
+                        <a:rPr lang="en-US" sz="2400" dirty="0" smtClean="0">
+                          <a:solidFill>
+                            <a:schemeClr val="bg1"/>
+                          </a:solidFill>
+                        </a:rPr>
+                        <a:t>Reproduction</a:t>
+                      </a:r>
+                      <a:endParaRPr lang="en-US" sz="2400" dirty="0">
+                        <a:solidFill>
+                          <a:schemeClr val="bg1"/>
+                        </a:solidFill>
+                      </a:endParaRPr>
+                    </a:p>
+                  </a:txBody>
+                  <a:tcPr anchor="ctr">
+                    <a:lnL w="28575" cap="flat" cmpd="sng" algn="ctr">
+                      <a:solidFill>
+                        <a:schemeClr val="accent3"/>
+                      </a:solidFill>
+                      <a:prstDash val="solid"/>
+                      <a:round/>
+                      <a:headEnd type="none" w="med" len="med"/>
+                      <a:tailEnd type="none" w="med" len="med"/>
+                    </a:lnL>
+                    <a:lnR w="28575" cap="flat" cmpd="sng" algn="ctr">
+                      <a:solidFill>
+                        <a:schemeClr val="accent3"/>
+                      </a:solidFill>
+                      <a:prstDash val="solid"/>
+                      <a:round/>
+                      <a:headEnd type="none" w="med" len="med"/>
+                      <a:tailEnd type="none" w="med" len="med"/>
+                    </a:lnR>
+                    <a:lnT w="28575" cap="flat" cmpd="sng" algn="ctr">
+                      <a:solidFill>
+                        <a:schemeClr val="accent3"/>
+                      </a:solidFill>
+                      <a:prstDash val="solid"/>
+                      <a:round/>
+                      <a:headEnd type="none" w="med" len="med"/>
+                      <a:tailEnd type="none" w="med" len="med"/>
+                    </a:lnT>
+                    <a:lnB w="28575" cap="flat" cmpd="sng" algn="ctr">
+                      <a:solidFill>
+                        <a:schemeClr val="accent3"/>
+                      </a:solidFill>
+                      <a:prstDash val="solid"/>
+                      <a:round/>
+                      <a:headEnd type="none" w="med" len="med"/>
+                      <a:tailEnd type="none" w="med" len="med"/>
+                    </a:lnB>
+                    <a:lnTlToBr w="12700" cmpd="sng">
+                      <a:noFill/>
+                      <a:prstDash val="solid"/>
+                    </a:lnTlToBr>
+                    <a:lnBlToTr w="12700" cmpd="sng">
+                      <a:noFill/>
+                      <a:prstDash val="solid"/>
+                    </a:lnBlToTr>
+                    <a:solidFill>
+                      <a:schemeClr val="tx2"/>
+                    </a:solidFill>
+                  </a:tcPr>
+                </a:tc>
+                <a:tc>
+                  <a:txBody>
+                    <a:bodyPr/>
+                    <a:lstStyle/>
+                    <a:p>
+                      <a:pPr algn="ctr"/>
+                      <a:r>
+                        <a:rPr lang="en-US" sz="2400" dirty="0" smtClean="0">
+                          <a:solidFill>
+                            <a:schemeClr val="bg1"/>
+                          </a:solidFill>
+                        </a:rPr>
+                        <a:t>Reanalysis</a:t>
+                      </a:r>
+                      <a:endParaRPr lang="en-US" sz="2400" dirty="0">
+                        <a:solidFill>
+                          <a:schemeClr val="bg1"/>
+                        </a:solidFill>
+                      </a:endParaRPr>
+                    </a:p>
+                  </a:txBody>
+                  <a:tcPr anchor="ctr">
+                    <a:lnL w="28575" cap="flat" cmpd="sng" algn="ctr">
+                      <a:solidFill>
+                        <a:schemeClr val="accent3"/>
+                      </a:solidFill>
+                      <a:prstDash val="solid"/>
+                      <a:round/>
+                      <a:headEnd type="none" w="med" len="med"/>
+                      <a:tailEnd type="none" w="med" len="med"/>
+                    </a:lnL>
+                    <a:lnR w="28575" cap="flat" cmpd="sng" algn="ctr">
+                      <a:solidFill>
+                        <a:schemeClr val="accent3"/>
+                      </a:solidFill>
+                      <a:prstDash val="solid"/>
+                      <a:round/>
+                      <a:headEnd type="none" w="med" len="med"/>
+                      <a:tailEnd type="none" w="med" len="med"/>
+                    </a:lnR>
+                    <a:lnT w="28575" cap="flat" cmpd="sng" algn="ctr">
+                      <a:solidFill>
+                        <a:schemeClr val="accent3"/>
+                      </a:solidFill>
+                      <a:prstDash val="solid"/>
+                      <a:round/>
+                      <a:headEnd type="none" w="med" len="med"/>
+                      <a:tailEnd type="none" w="med" len="med"/>
+                    </a:lnT>
+                    <a:lnB w="28575" cap="flat" cmpd="sng" algn="ctr">
+                      <a:solidFill>
+                        <a:schemeClr val="accent3"/>
+                      </a:solidFill>
+                      <a:prstDash val="solid"/>
+                      <a:round/>
+                      <a:headEnd type="none" w="med" len="med"/>
+                      <a:tailEnd type="none" w="med" len="med"/>
+                    </a:lnB>
+                    <a:lnTlToBr w="12700" cmpd="sng">
+                      <a:noFill/>
+                      <a:prstDash val="solid"/>
+                    </a:lnTlToBr>
+                    <a:lnBlToTr w="12700" cmpd="sng">
+                      <a:noFill/>
+                      <a:prstDash val="solid"/>
+                    </a:lnBlToTr>
+                    <a:solidFill>
+                      <a:schemeClr val="tx2"/>
+                    </a:solidFill>
+                  </a:tcPr>
+                </a:tc>
+                <a:extLst>
+                  <a:ext uri="{0D108BD9-81ED-4DB2-BD59-A6C34878D82A}">
+                    <a16:rowId xmlns:a16="http://schemas.microsoft.com/office/drawing/2014/main" val="3473996389"/>
+                  </a:ext>
+                </a:extLst>
+              </a:tr>
+              <a:tr h="1521781">
+                <a:tc>
+                  <a:txBody>
+                    <a:bodyPr/>
+                    <a:lstStyle/>
+                    <a:p>
+                      <a:pPr algn="ctr"/>
+                      <a:r>
+                        <a:rPr lang="en-US" sz="2400" dirty="0" smtClean="0">
+                          <a:solidFill>
+                            <a:schemeClr val="bg1"/>
+                          </a:solidFill>
+                        </a:rPr>
+                        <a:t>Different</a:t>
+                      </a:r>
+                      <a:br>
+                        <a:rPr lang="en-US" sz="2400" dirty="0" smtClean="0">
+                          <a:solidFill>
+                            <a:schemeClr val="bg1"/>
+                          </a:solidFill>
+                        </a:rPr>
+                      </a:br>
+                      <a:r>
+                        <a:rPr lang="en-US" sz="2400" dirty="0" smtClean="0">
+                          <a:solidFill>
+                            <a:schemeClr val="bg1"/>
+                          </a:solidFill>
+                        </a:rPr>
+                        <a:t>Data</a:t>
+                      </a:r>
+                      <a:endParaRPr lang="en-US" sz="2400" dirty="0">
+                        <a:solidFill>
+                          <a:schemeClr val="bg1"/>
+                        </a:solidFill>
+                      </a:endParaRPr>
+                    </a:p>
+                  </a:txBody>
+                  <a:tcPr anchor="ctr">
+                    <a:lnL w="28575" cap="flat" cmpd="sng" algn="ctr">
+                      <a:noFill/>
+                      <a:prstDash val="solid"/>
+                      <a:round/>
+                      <a:headEnd type="none" w="med" len="med"/>
+                      <a:tailEnd type="none" w="med" len="med"/>
+                    </a:lnL>
+                    <a:lnR w="28575" cap="flat" cmpd="sng" algn="ctr">
+                      <a:solidFill>
+                        <a:schemeClr val="accent3"/>
+                      </a:solidFill>
+                      <a:prstDash val="solid"/>
+                      <a:round/>
+                      <a:headEnd type="none" w="med" len="med"/>
+                      <a:tailEnd type="none" w="med" len="med"/>
+                    </a:lnR>
+                    <a:lnT w="28575" cap="flat" cmpd="sng" algn="ctr">
+                      <a:noFill/>
+                      <a:prstDash val="solid"/>
+                      <a:round/>
+                      <a:headEnd type="none" w="med" len="med"/>
+                      <a:tailEnd type="none" w="med" len="med"/>
+                    </a:lnT>
+                    <a:lnB w="28575" cap="flat" cmpd="sng" algn="ctr">
+                      <a:noFill/>
+                      <a:prstDash val="solid"/>
+                      <a:round/>
+                      <a:headEnd type="none" w="med" len="med"/>
+                      <a:tailEnd type="none" w="med" len="med"/>
+                    </a:lnB>
+                    <a:lnTlToBr w="12700" cmpd="sng">
+                      <a:noFill/>
+                      <a:prstDash val="solid"/>
+                    </a:lnTlToBr>
+                    <a:lnBlToTr w="12700" cmpd="sng">
+                      <a:noFill/>
+                      <a:prstDash val="solid"/>
+                    </a:lnBlToTr>
+                  </a:tcPr>
+                </a:tc>
+                <a:tc>
+                  <a:txBody>
+                    <a:bodyPr/>
+                    <a:lstStyle/>
+                    <a:p>
+                      <a:pPr algn="ctr"/>
+                      <a:r>
+                        <a:rPr lang="en-US" sz="2400" dirty="0" smtClean="0">
+                          <a:solidFill>
+                            <a:schemeClr val="bg1"/>
+                          </a:solidFill>
+                        </a:rPr>
+                        <a:t>Replication</a:t>
+                      </a:r>
+                      <a:endParaRPr lang="en-US" sz="2400" dirty="0">
+                        <a:solidFill>
+                          <a:schemeClr val="bg1"/>
+                        </a:solidFill>
+                      </a:endParaRPr>
+                    </a:p>
+                  </a:txBody>
+                  <a:tcPr anchor="ctr">
+                    <a:lnL w="28575" cap="flat" cmpd="sng" algn="ctr">
+                      <a:solidFill>
+                        <a:schemeClr val="accent3"/>
+                      </a:solidFill>
+                      <a:prstDash val="solid"/>
+                      <a:round/>
+                      <a:headEnd type="none" w="med" len="med"/>
+                      <a:tailEnd type="none" w="med" len="med"/>
+                    </a:lnL>
+                    <a:lnR w="28575" cap="flat" cmpd="sng" algn="ctr">
+                      <a:solidFill>
+                        <a:schemeClr val="accent3"/>
+                      </a:solidFill>
+                      <a:prstDash val="solid"/>
+                      <a:round/>
+                      <a:headEnd type="none" w="med" len="med"/>
+                      <a:tailEnd type="none" w="med" len="med"/>
+                    </a:lnR>
+                    <a:lnT w="28575" cap="flat" cmpd="sng" algn="ctr">
+                      <a:solidFill>
+                        <a:schemeClr val="accent3"/>
+                      </a:solidFill>
+                      <a:prstDash val="solid"/>
+                      <a:round/>
+                      <a:headEnd type="none" w="med" len="med"/>
+                      <a:tailEnd type="none" w="med" len="med"/>
+                    </a:lnT>
+                    <a:lnB w="28575" cap="flat" cmpd="sng" algn="ctr">
+                      <a:solidFill>
+                        <a:schemeClr val="accent3"/>
+                      </a:solidFill>
+                      <a:prstDash val="solid"/>
+                      <a:round/>
+                      <a:headEnd type="none" w="med" len="med"/>
+                      <a:tailEnd type="none" w="med" len="med"/>
+                    </a:lnB>
+                    <a:lnTlToBr w="12700" cmpd="sng">
+                      <a:noFill/>
+                      <a:prstDash val="solid"/>
+                    </a:lnTlToBr>
+                    <a:lnBlToTr w="12700" cmpd="sng">
+                      <a:noFill/>
+                      <a:prstDash val="solid"/>
+                    </a:lnBlToTr>
+                    <a:solidFill>
+                      <a:schemeClr val="tx2"/>
+                    </a:solidFill>
+                  </a:tcPr>
+                </a:tc>
+                <a:tc>
+                  <a:txBody>
+                    <a:bodyPr/>
+                    <a:lstStyle/>
+                    <a:p>
+                      <a:pPr algn="ctr"/>
+                      <a:r>
+                        <a:rPr lang="en-US" sz="2400" dirty="0" smtClean="0">
+                          <a:solidFill>
+                            <a:schemeClr val="bg1"/>
+                          </a:solidFill>
+                        </a:rPr>
+                        <a:t>Extension</a:t>
+                      </a:r>
+                      <a:endParaRPr lang="en-US" sz="2400" dirty="0">
+                        <a:solidFill>
+                          <a:schemeClr val="bg1"/>
+                        </a:solidFill>
+                      </a:endParaRPr>
+                    </a:p>
+                  </a:txBody>
+                  <a:tcPr anchor="ctr">
+                    <a:lnL w="28575" cap="flat" cmpd="sng" algn="ctr">
+                      <a:solidFill>
+                        <a:schemeClr val="accent3"/>
+                      </a:solidFill>
+                      <a:prstDash val="solid"/>
+                      <a:round/>
+                      <a:headEnd type="none" w="med" len="med"/>
+                      <a:tailEnd type="none" w="med" len="med"/>
+                    </a:lnL>
+                    <a:lnR w="28575" cap="flat" cmpd="sng" algn="ctr">
+                      <a:solidFill>
+                        <a:schemeClr val="accent3"/>
+                      </a:solidFill>
+                      <a:prstDash val="solid"/>
+                      <a:round/>
+                      <a:headEnd type="none" w="med" len="med"/>
+                      <a:tailEnd type="none" w="med" len="med"/>
+                    </a:lnR>
+                    <a:lnT w="28575" cap="flat" cmpd="sng" algn="ctr">
+                      <a:solidFill>
+                        <a:schemeClr val="accent3"/>
+                      </a:solidFill>
+                      <a:prstDash val="solid"/>
+                      <a:round/>
+                      <a:headEnd type="none" w="med" len="med"/>
+                      <a:tailEnd type="none" w="med" len="med"/>
+                    </a:lnT>
+                    <a:lnB w="28575" cap="flat" cmpd="sng" algn="ctr">
+                      <a:solidFill>
+                        <a:schemeClr val="accent3"/>
+                      </a:solidFill>
+                      <a:prstDash val="solid"/>
+                      <a:round/>
+                      <a:headEnd type="none" w="med" len="med"/>
+                      <a:tailEnd type="none" w="med" len="med"/>
+                    </a:lnB>
+                    <a:lnTlToBr w="12700" cmpd="sng">
+                      <a:noFill/>
+                      <a:prstDash val="solid"/>
+                    </a:lnTlToBr>
+                    <a:lnBlToTr w="12700" cmpd="sng">
+                      <a:noFill/>
+                      <a:prstDash val="solid"/>
+                    </a:lnBlToTr>
+                    <a:solidFill>
+                      <a:schemeClr val="tx2"/>
+                    </a:solidFill>
+                  </a:tcPr>
+                </a:tc>
+                <a:extLst>
+                  <a:ext uri="{0D108BD9-81ED-4DB2-BD59-A6C34878D82A}">
+                    <a16:rowId xmlns:a16="http://schemas.microsoft.com/office/drawing/2014/main" val="2507816090"/>
+                  </a:ext>
+                </a:extLst>
+              </a:tr>
+            </a:tbl>
+          </a:graphicData>
+        </a:graphic>
+      </p:graphicFrame>
+      <p:sp>
+        <p:nvSpPr>
+          <p:cNvPr id="8" name="Content Placeholder 2"/>
+          <p:cNvSpPr txBox="1">
+            <a:spLocks/>
+          </p:cNvSpPr>
+          <p:nvPr/>
+        </p:nvSpPr>
+        <p:spPr>
+          <a:xfrm>
+            <a:off x="3087584" y="5762996"/>
+            <a:ext cx="7601130" cy="513608"/>
+          </a:xfrm>
+          <a:prstGeom prst="rect">
+            <a:avLst/>
+          </a:prstGeom>
+        </p:spPr>
+        <p:txBody>
+          <a:bodyPr vert="horz" lIns="91440" tIns="45720" rIns="91440" bIns="45720" rtlCol="0">
+            <a:normAutofit/>
+          </a:bodyPr>
+          <a:lstStyle>
+            <a:lvl1pPr marL="182880" indent="-182880" algn="l" defTabSz="914400" rtl="0" eaLnBrk="1" latinLnBrk="0" hangingPunct="1">
+              <a:lnSpc>
+                <a:spcPct val="114000"/>
+              </a:lnSpc>
+              <a:spcBef>
+                <a:spcPts val="1400"/>
+              </a:spcBef>
+              <a:spcAft>
+                <a:spcPts val="200"/>
+              </a:spcAft>
+              <a:buClr>
+                <a:schemeClr val="accent1"/>
+              </a:buClr>
+              <a:buSzPct val="80000"/>
+              <a:buFont typeface="Arial" pitchFamily="34" charset="0"/>
+              <a:buChar char="•"/>
+              <a:defRPr sz="2400" kern="1200" spc="10" baseline="0">
+                <a:solidFill>
+                  <a:schemeClr val="bg1">
+                    <a:lumMod val="95000"/>
+                  </a:schemeClr>
+                </a:solidFill>
+                <a:latin typeface="+mn-lt"/>
+                <a:ea typeface="+mn-ea"/>
+                <a:cs typeface="+mn-cs"/>
+              </a:defRPr>
+            </a:lvl1pPr>
+            <a:lvl2pPr marL="457200" indent="-182880" algn="l" defTabSz="914400" rtl="0" eaLnBrk="1" latinLnBrk="0" hangingPunct="1">
+              <a:lnSpc>
+                <a:spcPct val="114000"/>
+              </a:lnSpc>
+              <a:spcBef>
+                <a:spcPts val="300"/>
+              </a:spcBef>
+              <a:spcAft>
+                <a:spcPts val="300"/>
+              </a:spcAft>
+              <a:buClr>
+                <a:schemeClr val="accent1"/>
+              </a:buClr>
+              <a:buFont typeface="Wingdings 2" pitchFamily="18" charset="2"/>
+              <a:buChar char=""/>
+              <a:defRPr sz="2000" kern="1200">
+                <a:solidFill>
+                  <a:schemeClr val="bg1">
+                    <a:lumMod val="95000"/>
+                  </a:schemeClr>
+                </a:solidFill>
+                <a:latin typeface="+mn-lt"/>
+                <a:ea typeface="+mn-ea"/>
+                <a:cs typeface="+mn-cs"/>
+              </a:defRPr>
+            </a:lvl2pPr>
+            <a:lvl3pPr marL="731520" indent="-182880" algn="l" defTabSz="914400" rtl="0" eaLnBrk="1" latinLnBrk="0" hangingPunct="1">
+              <a:lnSpc>
+                <a:spcPct val="114000"/>
+              </a:lnSpc>
+              <a:spcBef>
+                <a:spcPts val="300"/>
+              </a:spcBef>
+              <a:spcAft>
+                <a:spcPts val="300"/>
+              </a:spcAft>
+              <a:buClr>
+                <a:schemeClr val="accent1"/>
+              </a:buClr>
+              <a:buFont typeface="Wingdings 2" pitchFamily="18" charset="2"/>
+              <a:buChar char=""/>
+              <a:defRPr sz="1800" kern="1200">
+                <a:solidFill>
+                  <a:schemeClr val="bg1">
+                    <a:lumMod val="95000"/>
+                  </a:schemeClr>
+                </a:solidFill>
+                <a:latin typeface="+mn-lt"/>
+                <a:ea typeface="+mn-ea"/>
+                <a:cs typeface="+mn-cs"/>
+              </a:defRPr>
+            </a:lvl3pPr>
+            <a:lvl4pPr marL="1005840" indent="-182880" algn="l" defTabSz="914400" rtl="0" eaLnBrk="1" latinLnBrk="0" hangingPunct="1">
+              <a:lnSpc>
+                <a:spcPct val="114000"/>
+              </a:lnSpc>
+              <a:spcBef>
+                <a:spcPts val="300"/>
+              </a:spcBef>
+              <a:spcAft>
+                <a:spcPts val="300"/>
+              </a:spcAft>
+              <a:buClr>
+                <a:schemeClr val="accent1"/>
+              </a:buClr>
+              <a:buFont typeface="Wingdings 2" pitchFamily="18" charset="2"/>
+              <a:buChar char=""/>
+              <a:defRPr sz="1800" kern="1200">
+                <a:solidFill>
+                  <a:schemeClr val="bg1">
+                    <a:lumMod val="95000"/>
+                  </a:schemeClr>
+                </a:solidFill>
+                <a:latin typeface="+mn-lt"/>
+                <a:ea typeface="+mn-ea"/>
+                <a:cs typeface="+mn-cs"/>
+              </a:defRPr>
+            </a:lvl4pPr>
+            <a:lvl5pPr marL="1280160" indent="-182880" algn="l" defTabSz="914400" rtl="0" eaLnBrk="1" latinLnBrk="0" hangingPunct="1">
+              <a:lnSpc>
+                <a:spcPct val="114000"/>
+              </a:lnSpc>
+              <a:spcBef>
+                <a:spcPts val="300"/>
+              </a:spcBef>
+              <a:spcAft>
+                <a:spcPts val="300"/>
+              </a:spcAft>
+              <a:buClr>
+                <a:schemeClr val="accent1"/>
+              </a:buClr>
+              <a:buFont typeface="Wingdings 2" pitchFamily="18" charset="2"/>
+              <a:buChar char=""/>
+              <a:defRPr sz="1800" kern="1200">
+                <a:solidFill>
+                  <a:schemeClr val="bg1">
+                    <a:lumMod val="95000"/>
+                  </a:schemeClr>
+                </a:solidFill>
+                <a:latin typeface="+mn-lt"/>
+                <a:ea typeface="+mn-ea"/>
+                <a:cs typeface="+mn-cs"/>
+              </a:defRPr>
+            </a:lvl5pPr>
+            <a:lvl6pPr marL="1600000" indent="-228600" algn="l" defTabSz="914400" rtl="0" eaLnBrk="1" latinLnBrk="0" hangingPunct="1">
+              <a:lnSpc>
+                <a:spcPct val="90000"/>
+              </a:lnSpc>
+              <a:spcBef>
+                <a:spcPts val="300"/>
+              </a:spcBef>
+              <a:spcAft>
+                <a:spcPts val="300"/>
+              </a:spcAft>
+              <a:buClr>
+                <a:schemeClr val="accent1"/>
+              </a:buClr>
+              <a:buFont typeface="Wingdings 2" pitchFamily="18" charset="2"/>
+              <a:buChar char=""/>
+              <a:defRPr sz="1400" kern="1200">
+                <a:solidFill>
+                  <a:schemeClr val="tx1">
+                    <a:lumMod val="85000"/>
+                    <a:lumOff val="15000"/>
+                  </a:schemeClr>
+                </a:solidFill>
+                <a:latin typeface="+mn-lt"/>
+                <a:ea typeface="+mn-ea"/>
+                <a:cs typeface="+mn-cs"/>
+              </a:defRPr>
+            </a:lvl6pPr>
+            <a:lvl7pPr marL="1900000" indent="-228600" algn="l" defTabSz="914400" rtl="0" eaLnBrk="1" latinLnBrk="0" hangingPunct="1">
+              <a:lnSpc>
+                <a:spcPct val="90000"/>
+              </a:lnSpc>
+              <a:spcBef>
+                <a:spcPts val="300"/>
+              </a:spcBef>
+              <a:spcAft>
+                <a:spcPts val="300"/>
+              </a:spcAft>
+              <a:buClr>
+                <a:schemeClr val="accent1"/>
+              </a:buClr>
+              <a:buFont typeface="Wingdings 2" pitchFamily="18" charset="2"/>
+              <a:buChar char=""/>
+              <a:defRPr sz="1400" kern="1200">
+                <a:solidFill>
+                  <a:schemeClr val="tx1">
+                    <a:lumMod val="85000"/>
+                    <a:lumOff val="15000"/>
+                  </a:schemeClr>
+                </a:solidFill>
+                <a:latin typeface="+mn-lt"/>
+                <a:ea typeface="+mn-ea"/>
+                <a:cs typeface="+mn-cs"/>
+              </a:defRPr>
+            </a:lvl7pPr>
+            <a:lvl8pPr marL="2200000" indent="-228600" algn="l" defTabSz="914400" rtl="0" eaLnBrk="1" latinLnBrk="0" hangingPunct="1">
+              <a:lnSpc>
+                <a:spcPct val="90000"/>
+              </a:lnSpc>
+              <a:spcBef>
+                <a:spcPts val="300"/>
+              </a:spcBef>
+              <a:spcAft>
+                <a:spcPts val="300"/>
+              </a:spcAft>
+              <a:buClr>
+                <a:schemeClr val="accent1"/>
+              </a:buClr>
+              <a:buFont typeface="Wingdings 2" pitchFamily="18" charset="2"/>
+              <a:buChar char=""/>
+              <a:defRPr sz="1400" kern="1200">
+                <a:solidFill>
+                  <a:schemeClr val="tx1">
+                    <a:lumMod val="85000"/>
+                    <a:lumOff val="15000"/>
+                  </a:schemeClr>
+                </a:solidFill>
+                <a:latin typeface="+mn-lt"/>
+                <a:ea typeface="+mn-ea"/>
+                <a:cs typeface="+mn-cs"/>
+              </a:defRPr>
+            </a:lvl8pPr>
+            <a:lvl9pPr marL="2500000" indent="-228600" algn="l" defTabSz="914400" rtl="0" eaLnBrk="1" latinLnBrk="0" hangingPunct="1">
+              <a:lnSpc>
+                <a:spcPct val="90000"/>
+              </a:lnSpc>
+              <a:spcBef>
+                <a:spcPts val="300"/>
+              </a:spcBef>
+              <a:spcAft>
+                <a:spcPts val="300"/>
+              </a:spcAft>
+              <a:buClr>
+                <a:schemeClr val="accent1"/>
+              </a:buClr>
+              <a:buFont typeface="Wingdings 2" pitchFamily="18" charset="2"/>
+              <a:buChar char=""/>
+              <a:defRPr sz="1400" kern="1200">
+                <a:solidFill>
+                  <a:schemeClr val="tx1">
+                    <a:lumMod val="85000"/>
+                    <a:lumOff val="15000"/>
+                  </a:schemeClr>
+                </a:solidFill>
+                <a:latin typeface="+mn-lt"/>
+                <a:ea typeface="+mn-ea"/>
+                <a:cs typeface="+mn-cs"/>
+              </a:defRPr>
+            </a:lvl9pPr>
+          </a:lstStyle>
+          <a:p>
+            <a:pPr marL="0" indent="0" algn="ctr">
+              <a:buNone/>
+            </a:pPr>
+            <a:r>
+              <a:rPr lang="en-US" sz="1800" dirty="0" smtClean="0"/>
+              <a:t>Table modified from Christensen, </a:t>
+            </a:r>
+            <a:r>
+              <a:rPr lang="en-US" sz="1800" dirty="0" err="1" smtClean="0"/>
+              <a:t>Freese</a:t>
+            </a:r>
+            <a:r>
+              <a:rPr lang="en-US" sz="1800" dirty="0" smtClean="0"/>
+              <a:t> and Miguel (2019)</a:t>
+            </a:r>
+            <a:endParaRPr lang="en-US" sz="1800" dirty="0"/>
+          </a:p>
+        </p:txBody>
+      </p:sp>
+    </p:spTree>
+    <p:extLst>
+      <p:ext uri="{BB962C8B-B14F-4D97-AF65-F5344CB8AC3E}">
+        <p14:creationId xmlns:p14="http://schemas.microsoft.com/office/powerpoint/2010/main" val="1152631371"/>
+      </p:ext>
+    </p:extLst>
+  </p:cSld>
+  <p:clrMapOvr>
+    <a:masterClrMapping/>
+  </p:clrMapOvr>
+</p:sld>
+</file>
+
+<file path=ppt/slides/slide4.xml><?xml version="1.0" encoding="utf-8"?>
+<p:sld xmlns:a="http://schemas.openxmlformats.org/drawingml/2006/main" xmlns:r="http://schemas.openxmlformats.org/officeDocument/2006/relationships" xmlns:p="http://schemas.openxmlformats.org/presentationml/2006/main">
+  <p:cSld>
+    <p:spTree>
+      <p:nvGrpSpPr>
+        <p:cNvPr id="1" name=""/>
+        <p:cNvGrpSpPr/>
+        <p:nvPr/>
+      </p:nvGrpSpPr>
+      <p:grpSpPr>
+        <a:xfrm>
+          <a:off x="0" y="0"/>
+          <a:ext cx="0" cy="0"/>
+          <a:chOff x="0" y="0"/>
+          <a:chExt cx="0" cy="0"/>
+        </a:xfrm>
+      </p:grpSpPr>
+      <p:sp>
+        <p:nvSpPr>
+          <p:cNvPr id="2" name="Title 1"/>
+          <p:cNvSpPr>
+            <a:spLocks noGrp="1"/>
+          </p:cNvSpPr>
+          <p:nvPr>
+            <p:ph type="title"/>
+          </p:nvPr>
+        </p:nvSpPr>
+        <p:spPr/>
+        <p:txBody>
+          <a:bodyPr/>
+          <a:lstStyle/>
+          <a:p>
+            <a:r>
+              <a:rPr lang="en-US" dirty="0" smtClean="0"/>
+              <a:t>Defining R&amp;R</a:t>
+            </a:r>
+            <a:endParaRPr lang="en-US" dirty="0"/>
+          </a:p>
+        </p:txBody>
+      </p:sp>
+      <p:sp>
+        <p:nvSpPr>
+          <p:cNvPr id="3" name="Footer Placeholder 2"/>
+          <p:cNvSpPr>
+            <a:spLocks noGrp="1"/>
+          </p:cNvSpPr>
+          <p:nvPr>
+            <p:ph type="ftr" sz="quarter" idx="11"/>
+          </p:nvPr>
+        </p:nvSpPr>
+        <p:spPr/>
+        <p:txBody>
+          <a:bodyPr/>
+          <a:lstStyle/>
+          <a:p>
+            <a:r>
+              <a:rPr lang="en-US" smtClean="0"/>
+              <a:t>github.com/HEGSRR  doi.org/10.17605/OSF.IO/C5A2R</a:t>
+            </a:r>
+            <a:endParaRPr lang="en-US"/>
+          </a:p>
+        </p:txBody>
+      </p:sp>
+      <p:sp>
+        <p:nvSpPr>
+          <p:cNvPr id="4" name="Slide Number Placeholder 3"/>
+          <p:cNvSpPr>
+            <a:spLocks noGrp="1"/>
+          </p:cNvSpPr>
+          <p:nvPr>
+            <p:ph type="sldNum" sz="quarter" idx="12"/>
+          </p:nvPr>
+        </p:nvSpPr>
+        <p:spPr/>
+        <p:txBody>
+          <a:bodyPr>
+            <a:normAutofit lnSpcReduction="10000"/>
+          </a:bodyPr>
+          <a:lstStyle/>
+          <a:p>
+            <a:fld id="{981D5A7C-6207-499C-AB20-37C4B4B2E810}" type="slidenum">
+              <a:rPr lang="en-US" smtClean="0"/>
+              <a:t>4</a:t>
+            </a:fld>
+            <a:endParaRPr lang="en-US"/>
+          </a:p>
+        </p:txBody>
+      </p:sp>
+      <p:sp>
+        <p:nvSpPr>
+          <p:cNvPr id="5" name="Content Placeholder 4"/>
+          <p:cNvSpPr>
+            <a:spLocks noGrp="1"/>
+          </p:cNvSpPr>
+          <p:nvPr>
+            <p:ph idx="1"/>
+          </p:nvPr>
+        </p:nvSpPr>
+        <p:spPr/>
+        <p:txBody>
+          <a:bodyPr/>
+          <a:lstStyle/>
+          <a:p>
+            <a:endParaRPr lang="en-US"/>
+          </a:p>
+        </p:txBody>
+      </p:sp>
+    </p:spTree>
+    <p:extLst>
+      <p:ext uri="{BB962C8B-B14F-4D97-AF65-F5344CB8AC3E}">
+        <p14:creationId xmlns:p14="http://schemas.microsoft.com/office/powerpoint/2010/main" val="2609929176"/>
+      </p:ext>
+    </p:extLst>
+  </p:cSld>
+  <p:clrMapOvr>
+    <a:masterClrMapping/>
+  </p:clrMapOvr>
+</p:sld>
+</file>
+
+<file path=ppt/slides/slide5.xml><?xml version="1.0" encoding="utf-8"?>
+<p:sld xmlns:a="http://schemas.openxmlformats.org/drawingml/2006/main" xmlns:r="http://schemas.openxmlformats.org/officeDocument/2006/relationships" xmlns:p="http://schemas.openxmlformats.org/presentationml/2006/main">
+  <p:cSld>
+    <p:spTree>
+      <p:nvGrpSpPr>
+        <p:cNvPr id="1" name=""/>
+        <p:cNvGrpSpPr/>
+        <p:nvPr/>
+      </p:nvGrpSpPr>
+      <p:grpSpPr>
+        <a:xfrm>
+          <a:off x="0" y="0"/>
+          <a:ext cx="0" cy="0"/>
+          <a:chOff x="0" y="0"/>
+          <a:chExt cx="0" cy="0"/>
+        </a:xfrm>
+      </p:grpSpPr>
+      <p:sp>
+        <p:nvSpPr>
+          <p:cNvPr id="2" name="Title 1"/>
+          <p:cNvSpPr>
+            <a:spLocks noGrp="1"/>
+          </p:cNvSpPr>
+          <p:nvPr>
+            <p:ph type="title"/>
+          </p:nvPr>
+        </p:nvSpPr>
+        <p:spPr/>
+        <p:txBody>
+          <a:bodyPr/>
+          <a:lstStyle/>
+          <a:p>
+            <a:r>
+              <a:rPr lang="en-US" dirty="0" smtClean="0"/>
+              <a:t>Practicing</a:t>
+            </a:r>
+            <a:r>
+              <a:rPr lang="en-US" i="1" dirty="0" smtClean="0"/>
+              <a:t> </a:t>
+            </a:r>
+            <a:r>
+              <a:rPr lang="en-US" dirty="0" smtClean="0"/>
+              <a:t>R&amp;R in HEGS</a:t>
+            </a:r>
+            <a:endParaRPr lang="en-US" i="1" dirty="0"/>
+          </a:p>
+        </p:txBody>
+      </p:sp>
+      <p:sp>
+        <p:nvSpPr>
+          <p:cNvPr id="3" name="Content Placeholder 2"/>
+          <p:cNvSpPr>
+            <a:spLocks noGrp="1"/>
+          </p:cNvSpPr>
+          <p:nvPr>
+            <p:ph idx="1"/>
+          </p:nvPr>
+        </p:nvSpPr>
+        <p:spPr/>
+        <p:txBody>
+          <a:bodyPr/>
+          <a:lstStyle/>
+          <a:p>
+            <a:r>
+              <a:rPr lang="en-US" dirty="0" smtClean="0"/>
+              <a:t>Reproducible research practices</a:t>
+            </a:r>
+          </a:p>
+          <a:p>
+            <a:r>
+              <a:rPr lang="en-US" dirty="0" smtClean="0"/>
+              <a:t>Open science principles</a:t>
+            </a:r>
+          </a:p>
+          <a:p>
+            <a:r>
+              <a:rPr lang="en-US" dirty="0" smtClean="0"/>
+              <a:t>Designing, implementing, and publishing reproduction studies and replication studies in geography</a:t>
+            </a:r>
+            <a:endParaRPr lang="en-US" dirty="0"/>
+          </a:p>
+        </p:txBody>
+      </p:sp>
+      <p:sp>
+        <p:nvSpPr>
+          <p:cNvPr id="4" name="Footer Placeholder 3"/>
+          <p:cNvSpPr>
+            <a:spLocks noGrp="1"/>
+          </p:cNvSpPr>
+          <p:nvPr>
+            <p:ph type="ftr" sz="quarter" idx="11"/>
+          </p:nvPr>
+        </p:nvSpPr>
+        <p:spPr/>
+        <p:txBody>
+          <a:bodyPr/>
+          <a:lstStyle/>
+          <a:p>
+            <a:r>
+              <a:rPr lang="en-US" smtClean="0"/>
+              <a:t>github.com/HEGSRR  doi.org/10.17605/OSF.IO/C5A2R</a:t>
+            </a:r>
+            <a:endParaRPr lang="en-US"/>
+          </a:p>
+        </p:txBody>
+      </p:sp>
+      <p:sp>
+        <p:nvSpPr>
+          <p:cNvPr id="5" name="Slide Number Placeholder 4"/>
+          <p:cNvSpPr>
+            <a:spLocks noGrp="1"/>
+          </p:cNvSpPr>
+          <p:nvPr>
+            <p:ph type="sldNum" sz="quarter" idx="12"/>
+          </p:nvPr>
+        </p:nvSpPr>
+        <p:spPr/>
+        <p:txBody>
+          <a:bodyPr>
+            <a:normAutofit lnSpcReduction="10000"/>
+          </a:bodyPr>
+          <a:lstStyle/>
+          <a:p>
+            <a:fld id="{981D5A7C-6207-499C-AB20-37C4B4B2E810}" type="slidenum">
+              <a:rPr lang="en-US" smtClean="0"/>
+              <a:t>5</a:t>
+            </a:fld>
+            <a:endParaRPr lang="en-US"/>
+          </a:p>
+        </p:txBody>
+      </p:sp>
+    </p:spTree>
+    <p:extLst>
+      <p:ext uri="{BB962C8B-B14F-4D97-AF65-F5344CB8AC3E}">
+        <p14:creationId xmlns:p14="http://schemas.microsoft.com/office/powerpoint/2010/main" val="3225258025"/>
+      </p:ext>
+    </p:extLst>
+  </p:cSld>
+  <p:clrMapOvr>
+    <a:masterClrMapping/>
+  </p:clrMapOvr>
+</p:sld>
+</file>
+
+<file path=ppt/slides/slide6.xml><?xml version="1.0" encoding="utf-8"?>
+<p:sld xmlns:a="http://schemas.openxmlformats.org/drawingml/2006/main" xmlns:r="http://schemas.openxmlformats.org/officeDocument/2006/relationships" xmlns:p="http://schemas.openxmlformats.org/presentationml/2006/main">
+  <p:cSld>
+    <p:spTree>
+      <p:nvGrpSpPr>
+        <p:cNvPr id="1" name=""/>
+        <p:cNvGrpSpPr/>
+        <p:nvPr/>
+      </p:nvGrpSpPr>
+      <p:grpSpPr>
+        <a:xfrm>
+          <a:off x="0" y="0"/>
+          <a:ext cx="0" cy="0"/>
+          <a:chOff x="0" y="0"/>
+          <a:chExt cx="0" cy="0"/>
+        </a:xfrm>
+      </p:grpSpPr>
+      <p:sp>
+        <p:nvSpPr>
+          <p:cNvPr id="2" name="Title 1"/>
+          <p:cNvSpPr>
+            <a:spLocks noGrp="1"/>
+          </p:cNvSpPr>
+          <p:nvPr>
+            <p:ph type="title"/>
+          </p:nvPr>
+        </p:nvSpPr>
+        <p:spPr/>
+        <p:txBody>
+          <a:bodyPr/>
+          <a:lstStyle/>
+          <a:p>
+            <a:r>
+              <a:rPr lang="en-US" dirty="0" smtClean="0"/>
+              <a:t>Teaching R&amp;R in HEGS</a:t>
+            </a:r>
+            <a:endParaRPr lang="en-US" dirty="0"/>
+          </a:p>
+        </p:txBody>
+      </p:sp>
+      <p:sp>
+        <p:nvSpPr>
+          <p:cNvPr id="3" name="Content Placeholder 2"/>
+          <p:cNvSpPr>
+            <a:spLocks noGrp="1"/>
+          </p:cNvSpPr>
+          <p:nvPr>
+            <p:ph idx="1"/>
+          </p:nvPr>
+        </p:nvSpPr>
+        <p:spPr/>
+        <p:txBody>
+          <a:bodyPr>
+            <a:normAutofit/>
+          </a:bodyPr>
+          <a:lstStyle/>
+          <a:p>
+            <a:r>
+              <a:rPr lang="en-US" dirty="0" smtClean="0"/>
+              <a:t>Teaching competencies for doing reproducible research</a:t>
+            </a:r>
+          </a:p>
+          <a:p>
+            <a:r>
+              <a:rPr lang="en-US" dirty="0" smtClean="0"/>
+              <a:t>Reproduction and replication studies with students in…</a:t>
+            </a:r>
+          </a:p>
+          <a:p>
+            <a:pPr lvl="1"/>
+            <a:r>
+              <a:rPr lang="en-US" dirty="0" smtClean="0"/>
+              <a:t>Methods courses</a:t>
+            </a:r>
+          </a:p>
+          <a:p>
+            <a:pPr lvl="1"/>
+            <a:r>
+              <a:rPr lang="en-US" dirty="0" smtClean="0"/>
+              <a:t>Independent or small groups</a:t>
+            </a:r>
+          </a:p>
+          <a:p>
+            <a:pPr lvl="1"/>
+            <a:r>
+              <a:rPr lang="en-US" dirty="0" smtClean="0"/>
+              <a:t>Research assistantships</a:t>
+            </a:r>
+          </a:p>
+          <a:p>
+            <a:r>
+              <a:rPr lang="en-US" dirty="0" smtClean="0"/>
+              <a:t>Teaching geographic concepts and methods through reproduction and replication studies</a:t>
+            </a:r>
+            <a:endParaRPr lang="en-US" dirty="0"/>
+          </a:p>
+        </p:txBody>
+      </p:sp>
+      <p:sp>
+        <p:nvSpPr>
+          <p:cNvPr id="4" name="Footer Placeholder 3"/>
+          <p:cNvSpPr>
+            <a:spLocks noGrp="1"/>
+          </p:cNvSpPr>
+          <p:nvPr>
+            <p:ph type="ftr" sz="quarter" idx="11"/>
+          </p:nvPr>
+        </p:nvSpPr>
+        <p:spPr/>
+        <p:txBody>
+          <a:bodyPr/>
+          <a:lstStyle/>
+          <a:p>
+            <a:r>
+              <a:rPr lang="en-US" smtClean="0"/>
+              <a:t>github.com/HEGSRR  doi.org/10.17605/OSF.IO/C5A2R</a:t>
+            </a:r>
+            <a:endParaRPr lang="en-US"/>
+          </a:p>
+        </p:txBody>
+      </p:sp>
+      <p:sp>
+        <p:nvSpPr>
+          <p:cNvPr id="5" name="Slide Number Placeholder 4"/>
+          <p:cNvSpPr>
+            <a:spLocks noGrp="1"/>
+          </p:cNvSpPr>
+          <p:nvPr>
+            <p:ph type="sldNum" sz="quarter" idx="12"/>
+          </p:nvPr>
+        </p:nvSpPr>
+        <p:spPr/>
+        <p:txBody>
+          <a:bodyPr>
+            <a:normAutofit lnSpcReduction="10000"/>
+          </a:bodyPr>
+          <a:lstStyle/>
+          <a:p>
+            <a:fld id="{981D5A7C-6207-499C-AB20-37C4B4B2E810}" type="slidenum">
+              <a:rPr lang="en-US" smtClean="0"/>
+              <a:t>6</a:t>
+            </a:fld>
+            <a:endParaRPr lang="en-US"/>
+          </a:p>
+        </p:txBody>
+      </p:sp>
+    </p:spTree>
+    <p:extLst>
+      <p:ext uri="{BB962C8B-B14F-4D97-AF65-F5344CB8AC3E}">
+        <p14:creationId xmlns:p14="http://schemas.microsoft.com/office/powerpoint/2010/main" val="944982193"/>
+      </p:ext>
+    </p:extLst>
+  </p:cSld>
+  <p:clrMapOvr>
+    <a:masterClrMapping/>
+  </p:clrMapOvr>
+</p:sld>
+</file>
+
+<file path=ppt/slides/slide7.xml><?xml version="1.0" encoding="utf-8"?>
+<p:sld xmlns:a="http://schemas.openxmlformats.org/drawingml/2006/main" xmlns:r="http://schemas.openxmlformats.org/officeDocument/2006/relationships" xmlns:p="http://schemas.openxmlformats.org/presentationml/2006/main">
+  <p:cSld>
+    <p:spTree>
+      <p:nvGrpSpPr>
+        <p:cNvPr id="1" name=""/>
+        <p:cNvGrpSpPr/>
+        <p:nvPr/>
+      </p:nvGrpSpPr>
+      <p:grpSpPr>
+        <a:xfrm>
+          <a:off x="0" y="0"/>
+          <a:ext cx="0" cy="0"/>
+          <a:chOff x="0" y="0"/>
+          <a:chExt cx="0" cy="0"/>
+        </a:xfrm>
+      </p:grpSpPr>
+      <p:sp>
+        <p:nvSpPr>
+          <p:cNvPr id="2" name="Title 1"/>
+          <p:cNvSpPr>
+            <a:spLocks noGrp="1"/>
+          </p:cNvSpPr>
+          <p:nvPr>
+            <p:ph type="title"/>
+          </p:nvPr>
+        </p:nvSpPr>
+        <p:spPr/>
+        <p:txBody>
+          <a:bodyPr/>
+          <a:lstStyle/>
+          <a:p>
+            <a:r>
+              <a:rPr lang="en-US" dirty="0" smtClean="0"/>
+              <a:t>Teaching R&amp;R in HEGS</a:t>
+            </a:r>
+            <a:endParaRPr lang="en-US" dirty="0"/>
+          </a:p>
+        </p:txBody>
+      </p:sp>
+      <p:sp>
+        <p:nvSpPr>
+          <p:cNvPr id="3" name="Footer Placeholder 2"/>
+          <p:cNvSpPr>
+            <a:spLocks noGrp="1"/>
+          </p:cNvSpPr>
+          <p:nvPr>
+            <p:ph type="ftr" sz="quarter" idx="11"/>
+          </p:nvPr>
+        </p:nvSpPr>
+        <p:spPr/>
+        <p:txBody>
+          <a:bodyPr/>
+          <a:lstStyle/>
+          <a:p>
+            <a:r>
+              <a:rPr lang="en-US" smtClean="0"/>
+              <a:t>github.com/HEGSRR  doi.org/10.17605/OSF.IO/C5A2R</a:t>
+            </a:r>
+            <a:endParaRPr lang="en-US"/>
+          </a:p>
+        </p:txBody>
+      </p:sp>
+      <p:sp>
+        <p:nvSpPr>
+          <p:cNvPr id="4" name="Slide Number Placeholder 3"/>
+          <p:cNvSpPr>
+            <a:spLocks noGrp="1"/>
+          </p:cNvSpPr>
+          <p:nvPr>
+            <p:ph type="sldNum" sz="quarter" idx="12"/>
+          </p:nvPr>
+        </p:nvSpPr>
+        <p:spPr/>
+        <p:txBody>
+          <a:bodyPr>
+            <a:normAutofit lnSpcReduction="10000"/>
+          </a:bodyPr>
+          <a:lstStyle/>
+          <a:p>
+            <a:fld id="{981D5A7C-6207-499C-AB20-37C4B4B2E810}" type="slidenum">
+              <a:rPr lang="en-US" smtClean="0"/>
+              <a:t>7</a:t>
+            </a:fld>
+            <a:endParaRPr lang="en-US"/>
+          </a:p>
+        </p:txBody>
+      </p:sp>
+      <p:sp>
+        <p:nvSpPr>
+          <p:cNvPr id="5" name="Content Placeholder 4"/>
+          <p:cNvSpPr>
+            <a:spLocks noGrp="1"/>
+          </p:cNvSpPr>
+          <p:nvPr>
+            <p:ph idx="1"/>
+          </p:nvPr>
+        </p:nvSpPr>
+        <p:spPr/>
+        <p:txBody>
+          <a:bodyPr/>
+          <a:lstStyle/>
+          <a:p>
+            <a:r>
+              <a:rPr lang="en-US" dirty="0" smtClean="0"/>
+              <a:t>Software-specific methods &amp; extensions? No…</a:t>
+            </a:r>
+          </a:p>
+          <a:p>
+            <a:r>
+              <a:rPr lang="en-US" dirty="0" smtClean="0"/>
+              <a:t>Learn and practice competencies for:</a:t>
+            </a:r>
+          </a:p>
+          <a:p>
+            <a:pPr lvl="1"/>
+            <a:r>
+              <a:rPr lang="en-US" dirty="0" smtClean="0"/>
+              <a:t>Reading published research</a:t>
+            </a:r>
+          </a:p>
+          <a:p>
+            <a:pPr lvl="1"/>
+            <a:r>
+              <a:rPr lang="en-US" dirty="0"/>
+              <a:t>Research </a:t>
+            </a:r>
+            <a:r>
+              <a:rPr lang="en-US" dirty="0" smtClean="0"/>
+              <a:t>planning / design</a:t>
+            </a:r>
+            <a:endParaRPr lang="en-US" dirty="0"/>
+          </a:p>
+          <a:p>
+            <a:pPr lvl="1"/>
+            <a:r>
+              <a:rPr lang="en-US" dirty="0" smtClean="0"/>
+              <a:t>Learning new (open source) software</a:t>
+            </a:r>
+          </a:p>
+          <a:p>
+            <a:pPr lvl="1"/>
+            <a:r>
+              <a:rPr lang="en-US" dirty="0" smtClean="0"/>
+              <a:t>Comparing results / assessing error and uncertainty</a:t>
+            </a:r>
+          </a:p>
+          <a:p>
+            <a:pPr lvl="1"/>
+            <a:r>
+              <a:rPr lang="en-US" dirty="0" smtClean="0"/>
+              <a:t>Reporting findings</a:t>
+            </a:r>
+          </a:p>
+          <a:p>
+            <a:pPr lvl="1"/>
+            <a:endParaRPr lang="en-US" dirty="0"/>
+          </a:p>
+        </p:txBody>
+      </p:sp>
+    </p:spTree>
+    <p:extLst>
+      <p:ext uri="{BB962C8B-B14F-4D97-AF65-F5344CB8AC3E}">
+        <p14:creationId xmlns:p14="http://schemas.microsoft.com/office/powerpoint/2010/main" val="3490376964"/>
+      </p:ext>
+    </p:extLst>
+  </p:cSld>
+  <p:clrMapOvr>
+    <a:masterClrMapping/>
+  </p:clrMapOvr>
+</p:sld>
+</file>
+
+<file path=ppt/slides/slide8.xml><?xml version="1.0" encoding="utf-8"?>
+<p:sld xmlns:a="http://schemas.openxmlformats.org/drawingml/2006/main" xmlns:r="http://schemas.openxmlformats.org/officeDocument/2006/relationships" xmlns:p="http://schemas.openxmlformats.org/presentationml/2006/main">
+  <p:cSld>
+    <p:spTree>
+      <p:nvGrpSpPr>
+        <p:cNvPr id="1" name=""/>
+        <p:cNvGrpSpPr/>
+        <p:nvPr/>
+      </p:nvGrpSpPr>
+      <p:grpSpPr>
+        <a:xfrm>
+          <a:off x="0" y="0"/>
+          <a:ext cx="0" cy="0"/>
+          <a:chOff x="0" y="0"/>
+          <a:chExt cx="0" cy="0"/>
+        </a:xfrm>
+      </p:grpSpPr>
+      <p:sp>
+        <p:nvSpPr>
+          <p:cNvPr id="2" name="Title 1"/>
+          <p:cNvSpPr>
+            <a:spLocks noGrp="1"/>
+          </p:cNvSpPr>
+          <p:nvPr>
+            <p:ph type="title"/>
+          </p:nvPr>
+        </p:nvSpPr>
+        <p:spPr/>
+        <p:txBody>
+          <a:bodyPr/>
+          <a:lstStyle/>
+          <a:p>
+            <a:r>
+              <a:rPr lang="en-US" dirty="0" smtClean="0"/>
+              <a:t>Teaching R&amp;R in HEGS</a:t>
+            </a:r>
+            <a:endParaRPr lang="en-US" dirty="0"/>
+          </a:p>
+        </p:txBody>
+      </p:sp>
+      <p:sp>
+        <p:nvSpPr>
+          <p:cNvPr id="3" name="Footer Placeholder 2"/>
+          <p:cNvSpPr>
+            <a:spLocks noGrp="1"/>
+          </p:cNvSpPr>
+          <p:nvPr>
+            <p:ph type="ftr" sz="quarter" idx="11"/>
+          </p:nvPr>
+        </p:nvSpPr>
+        <p:spPr/>
+        <p:txBody>
+          <a:bodyPr/>
+          <a:lstStyle/>
+          <a:p>
+            <a:r>
+              <a:rPr lang="en-US" smtClean="0"/>
+              <a:t>github.com/HEGSRR  doi.org/10.17605/OSF.IO/C5A2R</a:t>
+            </a:r>
+            <a:endParaRPr lang="en-US"/>
+          </a:p>
+        </p:txBody>
+      </p:sp>
+      <p:sp>
+        <p:nvSpPr>
+          <p:cNvPr id="4" name="Slide Number Placeholder 3"/>
+          <p:cNvSpPr>
+            <a:spLocks noGrp="1"/>
+          </p:cNvSpPr>
+          <p:nvPr>
+            <p:ph type="sldNum" sz="quarter" idx="12"/>
+          </p:nvPr>
+        </p:nvSpPr>
+        <p:spPr/>
+        <p:txBody>
+          <a:bodyPr>
+            <a:normAutofit lnSpcReduction="10000"/>
+          </a:bodyPr>
+          <a:lstStyle/>
+          <a:p>
+            <a:fld id="{981D5A7C-6207-499C-AB20-37C4B4B2E810}" type="slidenum">
+              <a:rPr lang="en-US" smtClean="0"/>
+              <a:t>8</a:t>
+            </a:fld>
+            <a:endParaRPr lang="en-US"/>
+          </a:p>
+        </p:txBody>
+      </p:sp>
+      <p:sp>
+        <p:nvSpPr>
+          <p:cNvPr id="5" name="Content Placeholder 4"/>
+          <p:cNvSpPr>
+            <a:spLocks noGrp="1"/>
+          </p:cNvSpPr>
+          <p:nvPr>
+            <p:ph idx="1"/>
+          </p:nvPr>
+        </p:nvSpPr>
+        <p:spPr>
+          <a:xfrm>
+            <a:off x="6374166" y="1595077"/>
+            <a:ext cx="4456130" cy="4681306"/>
+          </a:xfrm>
+        </p:spPr>
+        <p:txBody>
+          <a:bodyPr>
+            <a:normAutofit/>
+          </a:bodyPr>
+          <a:lstStyle/>
+          <a:p>
+            <a:r>
+              <a:rPr lang="en-US" dirty="0" smtClean="0"/>
+              <a:t>Reproduction studies as project-based learning</a:t>
+            </a:r>
+          </a:p>
+          <a:p>
+            <a:pPr lvl="1"/>
+            <a:r>
+              <a:rPr lang="en-US" dirty="0" smtClean="0"/>
+              <a:t>Refocus learning goals on competencies</a:t>
+            </a:r>
+          </a:p>
+          <a:p>
+            <a:pPr lvl="1"/>
+            <a:r>
+              <a:rPr lang="en-US" dirty="0" smtClean="0"/>
+              <a:t>Improved engagement</a:t>
+            </a:r>
+          </a:p>
+          <a:p>
+            <a:pPr lvl="1"/>
+            <a:r>
+              <a:rPr lang="en-US" dirty="0" smtClean="0"/>
+              <a:t>Retain diversity in STEM</a:t>
+            </a:r>
+          </a:p>
+          <a:p>
+            <a:pPr lvl="2"/>
+            <a:endParaRPr lang="en-US" dirty="0" smtClean="0"/>
+          </a:p>
+          <a:p>
+            <a:pPr lvl="2"/>
+            <a:endParaRPr lang="en-US" dirty="0"/>
+          </a:p>
+        </p:txBody>
+      </p:sp>
+      <p:pic>
+        <p:nvPicPr>
+          <p:cNvPr id="1026" name="Picture 2" descr="https://lh4.googleusercontent.com/_XMqRFyCQ-y8_r2_S4Bk_uasq31BldkyB4sNV-5jMHg5feLCqc6eCMTowm_5r6mPF3xmlK67wW-fpQabtomYl1SAr0OKO1MVlDM25wl-vnsJJmlYoArgdS-axOyKXiEvvkyBN9VQKnZ9Zk6jLjgb"/>
+          <p:cNvPicPr>
+            <a:picLocks noChangeAspect="1" noChangeArrowheads="1"/>
+          </p:cNvPicPr>
+          <p:nvPr/>
+        </p:nvPicPr>
+        <p:blipFill rotWithShape="1">
+          <a:blip r:embed="rId2" cstate="print">
+            <a:extLst>
+              <a:ext uri="{28A0092B-C50C-407E-A947-70E740481C1C}">
+                <a14:useLocalDpi xmlns:a14="http://schemas.microsoft.com/office/drawing/2010/main" val="0"/>
+              </a:ext>
+            </a:extLst>
+          </a:blip>
+          <a:srcRect t="22835"/>
+          <a:stretch/>
+        </p:blipFill>
+        <p:spPr bwMode="auto">
+          <a:xfrm>
+            <a:off x="1454414" y="1595077"/>
+            <a:ext cx="4727210" cy="4681305"/>
+          </a:xfrm>
+          <a:prstGeom prst="rect">
+            <a:avLst/>
+          </a:prstGeom>
+          <a:noFill/>
+          <a:extLst>
+            <a:ext uri="{909E8E84-426E-40DD-AFC4-6F175D3DCCD1}">
+              <a14:hiddenFill xmlns:a14="http://schemas.microsoft.com/office/drawing/2010/main">
+                <a:solidFill>
+                  <a:srgbClr val="FFFFFF"/>
+                </a:solidFill>
+              </a14:hiddenFill>
+            </a:ext>
+          </a:extLst>
+        </p:spPr>
+      </p:pic>
+    </p:spTree>
+    <p:extLst>
+      <p:ext uri="{BB962C8B-B14F-4D97-AF65-F5344CB8AC3E}">
+        <p14:creationId xmlns:p14="http://schemas.microsoft.com/office/powerpoint/2010/main" val="3192259551"/>
+      </p:ext>
+    </p:extLst>
+  </p:cSld>
+  <p:clrMapOvr>
+    <a:masterClrMapping/>
+  </p:clrMapOvr>
+</p:sld>
+</file>
+
+<file path=ppt/slides/slide9.xml><?xml version="1.0" encoding="utf-8"?>
+<p:sld xmlns:a="http://schemas.openxmlformats.org/drawingml/2006/main" xmlns:r="http://schemas.openxmlformats.org/officeDocument/2006/relationships" xmlns:p="http://schemas.openxmlformats.org/presentationml/2006/main">
+  <p:cSld>
+    <p:spTree>
+      <p:nvGrpSpPr>
+        <p:cNvPr id="1" name=""/>
+        <p:cNvGrpSpPr/>
+        <p:nvPr/>
+      </p:nvGrpSpPr>
+      <p:grpSpPr>
+        <a:xfrm>
+          <a:off x="0" y="0"/>
+          <a:ext cx="0" cy="0"/>
+          <a:chOff x="0" y="0"/>
+          <a:chExt cx="0" cy="0"/>
+        </a:xfrm>
+      </p:grpSpPr>
+      <p:sp>
+        <p:nvSpPr>
+          <p:cNvPr id="2" name="Title 1"/>
+          <p:cNvSpPr>
+            <a:spLocks noGrp="1"/>
+          </p:cNvSpPr>
+          <p:nvPr>
+            <p:ph type="title"/>
+          </p:nvPr>
+        </p:nvSpPr>
+        <p:spPr/>
+        <p:txBody>
+          <a:bodyPr/>
+          <a:lstStyle/>
+          <a:p>
+            <a:r>
+              <a:rPr lang="en-US" dirty="0" smtClean="0"/>
+              <a:t>State of the Research</a:t>
+            </a:r>
+            <a:endParaRPr lang="en-US" dirty="0"/>
+          </a:p>
+        </p:txBody>
+      </p:sp>
+      <p:sp>
+        <p:nvSpPr>
+          <p:cNvPr id="3" name="Content Placeholder 2"/>
+          <p:cNvSpPr>
+            <a:spLocks noGrp="1"/>
+          </p:cNvSpPr>
+          <p:nvPr>
+            <p:ph idx="1"/>
+          </p:nvPr>
+        </p:nvSpPr>
+        <p:spPr/>
+        <p:txBody>
+          <a:bodyPr/>
+          <a:lstStyle/>
+          <a:p>
+            <a:r>
+              <a:rPr lang="en-US" i="1" dirty="0" smtClean="0"/>
+              <a:t>Annals of Epidemiology</a:t>
+            </a:r>
+            <a:endParaRPr lang="en-US" i="1" dirty="0"/>
+          </a:p>
+        </p:txBody>
+      </p:sp>
+      <p:sp>
+        <p:nvSpPr>
+          <p:cNvPr id="4" name="Footer Placeholder 3"/>
+          <p:cNvSpPr>
+            <a:spLocks noGrp="1"/>
+          </p:cNvSpPr>
+          <p:nvPr>
+            <p:ph type="ftr" sz="quarter" idx="11"/>
+          </p:nvPr>
+        </p:nvSpPr>
+        <p:spPr/>
+        <p:txBody>
+          <a:bodyPr/>
+          <a:lstStyle/>
+          <a:p>
+            <a:r>
+              <a:rPr lang="en-US" smtClean="0"/>
+              <a:t>github.com/HEGSRR  doi.org/10.17605/OSF.IO/C5A2R</a:t>
+            </a:r>
+            <a:endParaRPr lang="en-US"/>
+          </a:p>
+        </p:txBody>
+      </p:sp>
+      <p:sp>
+        <p:nvSpPr>
+          <p:cNvPr id="5" name="Slide Number Placeholder 4"/>
+          <p:cNvSpPr>
+            <a:spLocks noGrp="1"/>
+          </p:cNvSpPr>
+          <p:nvPr>
+            <p:ph type="sldNum" sz="quarter" idx="12"/>
+          </p:nvPr>
+        </p:nvSpPr>
+        <p:spPr/>
+        <p:txBody>
+          <a:bodyPr>
+            <a:normAutofit lnSpcReduction="10000"/>
+          </a:bodyPr>
+          <a:lstStyle/>
+          <a:p>
+            <a:fld id="{981D5A7C-6207-499C-AB20-37C4B4B2E810}" type="slidenum">
+              <a:rPr lang="en-US" smtClean="0"/>
+              <a:t>9</a:t>
+            </a:fld>
+            <a:endParaRPr lang="en-US"/>
+          </a:p>
+        </p:txBody>
+      </p:sp>
+    </p:spTree>
+    <p:extLst>
+      <p:ext uri="{BB962C8B-B14F-4D97-AF65-F5344CB8AC3E}">
+        <p14:creationId xmlns:p14="http://schemas.microsoft.com/office/powerpoint/2010/main" val="937141648"/>
       </p:ext>
     </p:extLst>
   </p:cSld>
@@ -3921,4 +6657,265 @@
     </a:ext>
   </a:extLst>
 </a:theme>
+</file>
+
+<file path=ppt/theme/theme2.xml><?xml version="1.0" encoding="utf-8"?>
+<a:theme xmlns:a="http://schemas.openxmlformats.org/drawingml/2006/main" name="Office Theme">
+  <a:themeElements>
+    <a:clrScheme name="Office">
+      <a:dk1>
+        <a:sysClr val="windowText" lastClr="000000"/>
+      </a:dk1>
+      <a:lt1>
+        <a:sysClr val="window" lastClr="FFFFFF"/>
+      </a:lt1>
+      <a:dk2>
+        <a:srgbClr val="44546A"/>
+      </a:dk2>
+      <a:lt2>
+        <a:srgbClr val="E7E6E6"/>
+      </a:lt2>
+      <a:accent1>
+        <a:srgbClr val="5B9BD5"/>
+      </a:accent1>
+      <a:accent2>
+        <a:srgbClr val="ED7D31"/>
+      </a:accent2>
+      <a:accent3>
+        <a:srgbClr val="A5A5A5"/>
+      </a:accent3>
+      <a:accent4>
+        <a:srgbClr val="FFC000"/>
+      </a:accent4>
+      <a:accent5>
+        <a:srgbClr val="4472C4"/>
+      </a:accent5>
+      <a:accent6>
+        <a:srgbClr val="70AD47"/>
+      </a:accent6>
+      <a:hlink>
+        <a:srgbClr val="0563C1"/>
+      </a:hlink>
+      <a:folHlink>
+        <a:srgbClr val="954F72"/>
+      </a:folHlink>
+    </a:clrScheme>
+    <a:fontScheme name="Office">
+      <a:majorFont>
+        <a:latin typeface="Calibri Light" panose="020F0302020204030204"/>
+        <a:ea typeface=""/>
+        <a:cs typeface=""/>
+        <a:font script="Jpan" typeface="游ゴシック Light"/>
+        <a:font script="Hang" typeface="맑은 고딕"/>
+        <a:font script="Hans" typeface="等线 Light"/>
+        <a:font script="Hant" typeface="新細明體"/>
+        <a:font script="Arab" typeface="Times New Roman"/>
+        <a:font script="Hebr" typeface="Times New Roman"/>
+        <a:font script="Thai" typeface="Angsana New"/>
+        <a:font script="Ethi" typeface="Nyala"/>
+        <a:font script="Beng" typeface="Vrinda"/>
+        <a:font script="Gujr" typeface="Shruti"/>
+        <a:font script="Khmr" typeface="MoolBoran"/>
+        <a:font script="Knda" typeface="Tunga"/>
+        <a:font script="Guru" typeface="Raavi"/>
+        <a:font script="Cans" typeface="Euphemia"/>
+        <a:font script="Cher" typeface="Plantagenet Cherokee"/>
+        <a:font script="Yiii" typeface="Microsoft Yi Baiti"/>
+        <a:font script="Tibt" typeface="Microsoft Himalaya"/>
+        <a:font script="Thaa" typeface="MV Boli"/>
+        <a:font script="Deva" typeface="Mangal"/>
+        <a:font script="Telu" typeface="Gautami"/>
+        <a:font script="Taml" typeface="Latha"/>
+        <a:font script="Syrc" typeface="Estrangelo Edessa"/>
+        <a:font script="Orya" typeface="Kalinga"/>
+        <a:font script="Mlym" typeface="Kartika"/>
+        <a:font script="Laoo" typeface="DokChampa"/>
+        <a:font script="Sinh" typeface="Iskoola Pota"/>
+        <a:font script="Mong" typeface="Mongolian Baiti"/>
+        <a:font script="Viet" typeface="Times New Roman"/>
+        <a:font script="Uigh" typeface="Microsoft Uighur"/>
+        <a:font script="Geor" typeface="Sylfaen"/>
+      </a:majorFont>
+      <a:minorFont>
+        <a:latin typeface="Calibri" panose="020F0502020204030204"/>
+        <a:ea typeface=""/>
+        <a:cs typeface=""/>
+        <a:font script="Jpan" typeface="游ゴシック"/>
+        <a:font script="Hang" typeface="맑은 고딕"/>
+        <a:font script="Hans" typeface="等线"/>
+        <a:font script="Hant" typeface="新細明體"/>
+        <a:font script="Arab" typeface="Arial"/>
+        <a:font script="Hebr" typeface="Arial"/>
+        <a:font script="Thai" typeface="Cordia New"/>
+        <a:font script="Ethi" typeface="Nyala"/>
+        <a:font script="Beng" typeface="Vrinda"/>
+        <a:font script="Gujr" typeface="Shruti"/>
+        <a:font script="Khmr" typeface="DaunPenh"/>
+        <a:font script="Knda" typeface="Tunga"/>
+        <a:font script="Guru" typeface="Raavi"/>
+        <a:font script="Cans" typeface="Euphemia"/>
+        <a:font script="Cher" typeface="Plantagenet Cherokee"/>
+        <a:font script="Yiii" typeface="Microsoft Yi Baiti"/>
+        <a:font script="Tibt" typeface="Microsoft Himalaya"/>
+        <a:font script="Thaa" typeface="MV Boli"/>
+        <a:font script="Deva" typeface="Mangal"/>
+        <a:font script="Telu" typeface="Gautami"/>
+        <a:font script="Taml" typeface="Latha"/>
+        <a:font script="Syrc" typeface="Estrangelo Edessa"/>
+        <a:font script="Orya" typeface="Kalinga"/>
+        <a:font script="Mlym" typeface="Kartika"/>
+        <a:font script="Laoo" typeface="DokChampa"/>
+        <a:font script="Sinh" typeface="Iskoola Pota"/>
+        <a:font script="Mong" typeface="Mongolian Baiti"/>
+        <a:font script="Viet" typeface="Arial"/>
+        <a:font script="Uigh" typeface="Microsoft Uighur"/>
+        <a:font script="Geor" typeface="Sylfaen"/>
+      </a:minorFont>
+    </a:fontScheme>
+    <a:fmtScheme name="Office">
+      <a:fillStyleLst>
+        <a:solidFill>
+          <a:schemeClr val="phClr"/>
+        </a:solidFill>
+        <a:gradFill rotWithShape="1">
+          <a:gsLst>
+            <a:gs pos="0">
+              <a:schemeClr val="phClr">
+                <a:lumMod val="110000"/>
+                <a:satMod val="105000"/>
+                <a:tint val="67000"/>
+              </a:schemeClr>
+            </a:gs>
+            <a:gs pos="50000">
+              <a:schemeClr val="phClr">
+                <a:lumMod val="105000"/>
+                <a:satMod val="103000"/>
+                <a:tint val="73000"/>
+              </a:schemeClr>
+            </a:gs>
+            <a:gs pos="100000">
+              <a:schemeClr val="phClr">
+                <a:lumMod val="105000"/>
+                <a:satMod val="109000"/>
+                <a:tint val="81000"/>
+              </a:schemeClr>
+            </a:gs>
+          </a:gsLst>
+          <a:lin ang="5400000" scaled="0"/>
+        </a:gradFill>
+        <a:gradFill rotWithShape="1">
+          <a:gsLst>
+            <a:gs pos="0">
+              <a:schemeClr val="phClr">
+                <a:satMod val="103000"/>
+                <a:lumMod val="102000"/>
+                <a:tint val="94000"/>
+              </a:schemeClr>
+            </a:gs>
+            <a:gs pos="50000">
+              <a:schemeClr val="phClr">
+                <a:satMod val="110000"/>
+                <a:lumMod val="100000"/>
+                <a:shade val="100000"/>
+              </a:schemeClr>
+            </a:gs>
+            <a:gs pos="100000">
+              <a:schemeClr val="phClr">
+                <a:lumMod val="99000"/>
+                <a:satMod val="120000"/>
+                <a:shade val="78000"/>
+              </a:schemeClr>
+            </a:gs>
+          </a:gsLst>
+          <a:lin ang="5400000" scaled="0"/>
+        </a:gradFill>
+      </a:fillStyleLst>
+      <a:lnStyleLst>
+        <a:ln w="6350" cap="flat" cmpd="sng" algn="ctr">
+          <a:solidFill>
+            <a:schemeClr val="phClr"/>
+          </a:solidFill>
+          <a:prstDash val="solid"/>
+          <a:miter lim="800000"/>
+        </a:ln>
+        <a:ln w="12700" cap="flat" cmpd="sng" algn="ctr">
+          <a:solidFill>
+            <a:schemeClr val="phClr"/>
+          </a:solidFill>
+          <a:prstDash val="solid"/>
+          <a:miter lim="800000"/>
+        </a:ln>
+        <a:ln w="19050" cap="flat" cmpd="sng" algn="ctr">
+          <a:solidFill>
+            <a:schemeClr val="phClr"/>
+          </a:solidFill>
+          <a:prstDash val="solid"/>
+          <a:miter lim="800000"/>
+        </a:ln>
+      </a:lnStyleLst>
+      <a:effectStyleLst>
+        <a:effectStyle>
+          <a:effectLst/>
+        </a:effectStyle>
+        <a:effectStyle>
+          <a:effectLst/>
+        </a:effectStyle>
+        <a:effectStyle>
+          <a:effectLst>
+            <a:outerShdw blurRad="57150" dist="19050" dir="5400000" algn="ctr" rotWithShape="0">
+              <a:srgbClr val="000000">
+                <a:alpha val="63000"/>
+              </a:srgbClr>
+            </a:outerShdw>
+          </a:effectLst>
+        </a:effectStyle>
+      </a:effectStyleLst>
+      <a:bgFillStyleLst>
+        <a:solidFill>
+          <a:schemeClr val="phClr"/>
+        </a:solidFill>
+        <a:solidFill>
+          <a:schemeClr val="phClr">
+            <a:tint val="95000"/>
+            <a:satMod val="170000"/>
+          </a:schemeClr>
+        </a:solidFill>
+        <a:gradFill rotWithShape="1">
+          <a:gsLst>
+            <a:gs pos="0">
+              <a:schemeClr val="phClr">
+                <a:tint val="93000"/>
+                <a:satMod val="150000"/>
+                <a:shade val="98000"/>
+                <a:lumMod val="102000"/>
+              </a:schemeClr>
+            </a:gs>
+            <a:gs pos="50000">
+              <a:schemeClr val="phClr">
+                <a:tint val="98000"/>
+                <a:satMod val="130000"/>
+                <a:shade val="90000"/>
+                <a:lumMod val="103000"/>
+              </a:schemeClr>
+            </a:gs>
+            <a:gs pos="100000">
+              <a:schemeClr val="phClr">
+                <a:shade val="63000"/>
+                <a:satMod val="120000"/>
+              </a:schemeClr>
+            </a:gs>
+          </a:gsLst>
+          <a:lin ang="5400000" scaled="0"/>
+        </a:gradFill>
+      </a:bgFillStyleLst>
+    </a:fmtScheme>
+  </a:themeElements>
+  <a:objectDefaults/>
+  <a:extraClrSchemeLst/>
+  <a:extLst>
+    <a:ext uri="{05A4C25C-085E-4340-85A3-A5531E510DB2}">
+      <thm15:themeFamily xmlns:thm15="http://schemas.microsoft.com/office/thememl/2012/main" name="Office Theme" id="{62F939B6-93AF-4DB8-9C6B-D6C7DFDC589F}" vid="{4A3C46E8-61CC-4603-A589-7422A47A8E4A}"/>
+    </a:ext>
+  </a:extLst>
+</a:theme>
 </file>
--- a/01_Introduction.pptx
+++ b/01_Introduction.pptx
@@ -5,7 +5,7 @@
     <p:sldMasterId id="2147483684" r:id="rId1"/>
   </p:sldMasterIdLst>
   <p:notesMasterIdLst>
-    <p:notesMasterId r:id="rId12"/>
+    <p:notesMasterId r:id="rId14"/>
   </p:notesMasterIdLst>
   <p:sldIdLst>
     <p:sldId id="256" r:id="rId2"/>
@@ -18,6 +18,8 @@
     <p:sldId id="264" r:id="rId9"/>
     <p:sldId id="260" r:id="rId10"/>
     <p:sldId id="262" r:id="rId11"/>
+    <p:sldId id="266" r:id="rId12"/>
+    <p:sldId id="267" r:id="rId13"/>
   </p:sldIdLst>
   <p:sldSz cx="12192000" cy="6858000"/>
   <p:notesSz cx="6858000" cy="9144000"/>
@@ -4217,6 +4219,317 @@
     <p:extLst>
       <p:ext uri="{BB962C8B-B14F-4D97-AF65-F5344CB8AC3E}">
         <p14:creationId xmlns:p14="http://schemas.microsoft.com/office/powerpoint/2010/main" val="1672409873"/>
+      </p:ext>
+    </p:extLst>
+  </p:cSld>
+  <p:clrMapOvr>
+    <a:masterClrMapping/>
+  </p:clrMapOvr>
+</p:sld>
+</file>
+
+<file path=ppt/slides/slide11.xml><?xml version="1.0" encoding="utf-8"?>
+<p:sld xmlns:a="http://schemas.openxmlformats.org/drawingml/2006/main" xmlns:r="http://schemas.openxmlformats.org/officeDocument/2006/relationships" xmlns:p="http://schemas.openxmlformats.org/presentationml/2006/main">
+  <p:cSld>
+    <p:spTree>
+      <p:nvGrpSpPr>
+        <p:cNvPr id="1" name=""/>
+        <p:cNvGrpSpPr/>
+        <p:nvPr/>
+      </p:nvGrpSpPr>
+      <p:grpSpPr>
+        <a:xfrm>
+          <a:off x="0" y="0"/>
+          <a:ext cx="0" cy="0"/>
+          <a:chOff x="0" y="0"/>
+          <a:chExt cx="0" cy="0"/>
+        </a:xfrm>
+      </p:grpSpPr>
+      <p:sp>
+        <p:nvSpPr>
+          <p:cNvPr id="2" name="Title 1"/>
+          <p:cNvSpPr>
+            <a:spLocks noGrp="1"/>
+          </p:cNvSpPr>
+          <p:nvPr>
+            <p:ph type="title"/>
+          </p:nvPr>
+        </p:nvSpPr>
+        <p:spPr/>
+        <p:txBody>
+          <a:bodyPr/>
+          <a:lstStyle/>
+          <a:p>
+            <a:r>
+              <a:rPr lang="en-US" dirty="0" smtClean="0"/>
+              <a:t>Improving R&amp;R</a:t>
+            </a:r>
+            <a:endParaRPr lang="en-US" dirty="0"/>
+          </a:p>
+        </p:txBody>
+      </p:sp>
+      <p:sp>
+        <p:nvSpPr>
+          <p:cNvPr id="3" name="Footer Placeholder 2"/>
+          <p:cNvSpPr>
+            <a:spLocks noGrp="1"/>
+          </p:cNvSpPr>
+          <p:nvPr>
+            <p:ph type="ftr" sz="quarter" idx="11"/>
+          </p:nvPr>
+        </p:nvSpPr>
+        <p:spPr/>
+        <p:txBody>
+          <a:bodyPr/>
+          <a:lstStyle/>
+          <a:p>
+            <a:r>
+              <a:rPr lang="en-US" smtClean="0"/>
+              <a:t>github.com/HEGSRR  doi.org/10.17605/OSF.IO/C5A2R</a:t>
+            </a:r>
+            <a:endParaRPr lang="en-US"/>
+          </a:p>
+        </p:txBody>
+      </p:sp>
+      <p:sp>
+        <p:nvSpPr>
+          <p:cNvPr id="4" name="Slide Number Placeholder 3"/>
+          <p:cNvSpPr>
+            <a:spLocks noGrp="1"/>
+          </p:cNvSpPr>
+          <p:nvPr>
+            <p:ph type="sldNum" sz="quarter" idx="12"/>
+          </p:nvPr>
+        </p:nvSpPr>
+        <p:spPr/>
+        <p:txBody>
+          <a:bodyPr>
+            <a:normAutofit lnSpcReduction="10000"/>
+          </a:bodyPr>
+          <a:lstStyle/>
+          <a:p>
+            <a:fld id="{981D5A7C-6207-499C-AB20-37C4B4B2E810}" type="slidenum">
+              <a:rPr lang="en-US" smtClean="0"/>
+              <a:t>11</a:t>
+            </a:fld>
+            <a:endParaRPr lang="en-US"/>
+          </a:p>
+        </p:txBody>
+      </p:sp>
+      <p:sp>
+        <p:nvSpPr>
+          <p:cNvPr id="5" name="Content Placeholder 4"/>
+          <p:cNvSpPr>
+            <a:spLocks noGrp="1"/>
+          </p:cNvSpPr>
+          <p:nvPr>
+            <p:ph idx="1"/>
+          </p:nvPr>
+        </p:nvSpPr>
+        <p:spPr/>
+        <p:txBody>
+          <a:bodyPr>
+            <a:normAutofit fontScale="85000" lnSpcReduction="20000"/>
+          </a:bodyPr>
+          <a:lstStyle/>
+          <a:p>
+            <a:r>
+              <a:rPr lang="en-US" dirty="0" smtClean="0"/>
+              <a:t>Preregister research plan</a:t>
+            </a:r>
+          </a:p>
+          <a:p>
+            <a:r>
+              <a:rPr lang="en-US" dirty="0" smtClean="0"/>
+              <a:t>Data</a:t>
+            </a:r>
+          </a:p>
+          <a:p>
+            <a:pPr lvl="1"/>
+            <a:r>
+              <a:rPr lang="en-US" dirty="0" smtClean="0"/>
+              <a:t>raw, preprocessed, and results</a:t>
+            </a:r>
+          </a:p>
+          <a:p>
+            <a:pPr lvl="1"/>
+            <a:r>
+              <a:rPr lang="en-US" dirty="0" smtClean="0"/>
+              <a:t>metadata</a:t>
+            </a:r>
+          </a:p>
+          <a:p>
+            <a:r>
+              <a:rPr lang="en-US" dirty="0" smtClean="0"/>
+              <a:t>Code</a:t>
+            </a:r>
+          </a:p>
+          <a:p>
+            <a:pPr lvl="1"/>
+            <a:r>
+              <a:rPr lang="en-US" dirty="0" smtClean="0"/>
+              <a:t>computational notebook</a:t>
+            </a:r>
+          </a:p>
+          <a:p>
+            <a:pPr lvl="1"/>
+            <a:r>
+              <a:rPr lang="en-US" dirty="0" smtClean="0"/>
+              <a:t>legibility</a:t>
+            </a:r>
+          </a:p>
+          <a:p>
+            <a:r>
+              <a:rPr lang="en-US" dirty="0" smtClean="0"/>
+              <a:t>Processing environment</a:t>
+            </a:r>
+          </a:p>
+          <a:p>
+            <a:pPr lvl="1"/>
+            <a:r>
+              <a:rPr lang="en-US" dirty="0" smtClean="0"/>
+              <a:t>Open source software</a:t>
+            </a:r>
+          </a:p>
+          <a:p>
+            <a:pPr lvl="1"/>
+            <a:r>
+              <a:rPr lang="en-US" dirty="0" smtClean="0"/>
+              <a:t>Specify or containerize environment</a:t>
+            </a:r>
+          </a:p>
+          <a:p>
+            <a:r>
+              <a:rPr lang="en-US" dirty="0" smtClean="0"/>
+              <a:t>Publish with open license &amp; persistent identifier (e.g. DOI)</a:t>
+            </a:r>
+          </a:p>
+          <a:p>
+            <a:pPr lvl="1"/>
+            <a:endParaRPr lang="en-US" dirty="0"/>
+          </a:p>
+        </p:txBody>
+      </p:sp>
+    </p:spTree>
+    <p:extLst>
+      <p:ext uri="{BB962C8B-B14F-4D97-AF65-F5344CB8AC3E}">
+        <p14:creationId xmlns:p14="http://schemas.microsoft.com/office/powerpoint/2010/main" val="1726238140"/>
+      </p:ext>
+    </p:extLst>
+  </p:cSld>
+  <p:clrMapOvr>
+    <a:masterClrMapping/>
+  </p:clrMapOvr>
+</p:sld>
+</file>
+
+<file path=ppt/slides/slide12.xml><?xml version="1.0" encoding="utf-8"?>
+<p:sld xmlns:a="http://schemas.openxmlformats.org/drawingml/2006/main" xmlns:r="http://schemas.openxmlformats.org/officeDocument/2006/relationships" xmlns:p="http://schemas.openxmlformats.org/presentationml/2006/main">
+  <p:cSld>
+    <p:spTree>
+      <p:nvGrpSpPr>
+        <p:cNvPr id="1" name=""/>
+        <p:cNvGrpSpPr/>
+        <p:nvPr/>
+      </p:nvGrpSpPr>
+      <p:grpSpPr>
+        <a:xfrm>
+          <a:off x="0" y="0"/>
+          <a:ext cx="0" cy="0"/>
+          <a:chOff x="0" y="0"/>
+          <a:chExt cx="0" cy="0"/>
+        </a:xfrm>
+      </p:grpSpPr>
+      <p:sp>
+        <p:nvSpPr>
+          <p:cNvPr id="2" name="Title 1"/>
+          <p:cNvSpPr>
+            <a:spLocks noGrp="1"/>
+          </p:cNvSpPr>
+          <p:nvPr>
+            <p:ph type="title"/>
+          </p:nvPr>
+        </p:nvSpPr>
+        <p:spPr/>
+        <p:txBody>
+          <a:bodyPr/>
+          <a:lstStyle/>
+          <a:p>
+            <a:endParaRPr lang="en-US"/>
+          </a:p>
+        </p:txBody>
+      </p:sp>
+      <p:sp>
+        <p:nvSpPr>
+          <p:cNvPr id="3" name="Footer Placeholder 2"/>
+          <p:cNvSpPr>
+            <a:spLocks noGrp="1"/>
+          </p:cNvSpPr>
+          <p:nvPr>
+            <p:ph type="ftr" sz="quarter" idx="11"/>
+          </p:nvPr>
+        </p:nvSpPr>
+        <p:spPr/>
+        <p:txBody>
+          <a:bodyPr/>
+          <a:lstStyle/>
+          <a:p>
+            <a:r>
+              <a:rPr lang="en-US" smtClean="0"/>
+              <a:t>github.com/HEGSRR  doi.org/10.17605/OSF.IO/C5A2R</a:t>
+            </a:r>
+            <a:endParaRPr lang="en-US"/>
+          </a:p>
+        </p:txBody>
+      </p:sp>
+      <p:sp>
+        <p:nvSpPr>
+          <p:cNvPr id="4" name="Slide Number Placeholder 3"/>
+          <p:cNvSpPr>
+            <a:spLocks noGrp="1"/>
+          </p:cNvSpPr>
+          <p:nvPr>
+            <p:ph type="sldNum" sz="quarter" idx="12"/>
+          </p:nvPr>
+        </p:nvSpPr>
+        <p:spPr/>
+        <p:txBody>
+          <a:bodyPr>
+            <a:normAutofit lnSpcReduction="10000"/>
+          </a:bodyPr>
+          <a:lstStyle/>
+          <a:p>
+            <a:fld id="{981D5A7C-6207-499C-AB20-37C4B4B2E810}" type="slidenum">
+              <a:rPr lang="en-US" smtClean="0"/>
+              <a:t>12</a:t>
+            </a:fld>
+            <a:endParaRPr lang="en-US"/>
+          </a:p>
+        </p:txBody>
+      </p:sp>
+      <p:sp>
+        <p:nvSpPr>
+          <p:cNvPr id="5" name="Content Placeholder 4"/>
+          <p:cNvSpPr>
+            <a:spLocks noGrp="1"/>
+          </p:cNvSpPr>
+          <p:nvPr>
+            <p:ph idx="1"/>
+          </p:nvPr>
+        </p:nvSpPr>
+        <p:spPr/>
+        <p:txBody>
+          <a:bodyPr/>
+          <a:lstStyle/>
+          <a:p>
+            <a:endParaRPr lang="en-US"/>
+          </a:p>
+        </p:txBody>
+      </p:sp>
+    </p:spTree>
+    <p:extLst>
+      <p:ext uri="{BB962C8B-B14F-4D97-AF65-F5344CB8AC3E}">
+        <p14:creationId xmlns:p14="http://schemas.microsoft.com/office/powerpoint/2010/main" val="1699781817"/>
       </p:ext>
     </p:extLst>
   </p:cSld>

--- a/01_Introduction.pptx
+++ b/01_Introduction.pptx
@@ -5,21 +5,36 @@
     <p:sldMasterId id="2147483684" r:id="rId1"/>
   </p:sldMasterIdLst>
   <p:notesMasterIdLst>
-    <p:notesMasterId r:id="rId14"/>
+    <p:notesMasterId r:id="rId29"/>
   </p:notesMasterIdLst>
   <p:sldIdLst>
     <p:sldId id="256" r:id="rId2"/>
     <p:sldId id="257" r:id="rId3"/>
-    <p:sldId id="261" r:id="rId4"/>
-    <p:sldId id="265" r:id="rId5"/>
-    <p:sldId id="258" r:id="rId6"/>
-    <p:sldId id="259" r:id="rId7"/>
-    <p:sldId id="263" r:id="rId8"/>
-    <p:sldId id="264" r:id="rId9"/>
-    <p:sldId id="260" r:id="rId10"/>
-    <p:sldId id="262" r:id="rId11"/>
-    <p:sldId id="266" r:id="rId12"/>
-    <p:sldId id="267" r:id="rId13"/>
+    <p:sldId id="268" r:id="rId4"/>
+    <p:sldId id="277" r:id="rId5"/>
+    <p:sldId id="278" r:id="rId6"/>
+    <p:sldId id="275" r:id="rId7"/>
+    <p:sldId id="272" r:id="rId8"/>
+    <p:sldId id="276" r:id="rId9"/>
+    <p:sldId id="261" r:id="rId10"/>
+    <p:sldId id="265" r:id="rId11"/>
+    <p:sldId id="273" r:id="rId12"/>
+    <p:sldId id="258" r:id="rId13"/>
+    <p:sldId id="259" r:id="rId14"/>
+    <p:sldId id="263" r:id="rId15"/>
+    <p:sldId id="264" r:id="rId16"/>
+    <p:sldId id="269" r:id="rId17"/>
+    <p:sldId id="266" r:id="rId18"/>
+    <p:sldId id="260" r:id="rId19"/>
+    <p:sldId id="262" r:id="rId20"/>
+    <p:sldId id="274" r:id="rId21"/>
+    <p:sldId id="270" r:id="rId22"/>
+    <p:sldId id="271" r:id="rId23"/>
+    <p:sldId id="279" r:id="rId24"/>
+    <p:sldId id="283" r:id="rId25"/>
+    <p:sldId id="281" r:id="rId26"/>
+    <p:sldId id="280" r:id="rId27"/>
+    <p:sldId id="282" r:id="rId28"/>
   </p:sldIdLst>
   <p:sldSz cx="12192000" cy="6858000"/>
   <p:notesSz cx="6858000" cy="9144000"/>
@@ -119,6 +134,49 @@
     </a:lvl9pPr>
   </p:defaultTextStyle>
   <p:extLst>
+    <p:ext uri="{521415D9-36F7-43E2-AB2F-B90AF26B5E84}">
+      <p14:sectionLst xmlns:p14="http://schemas.microsoft.com/office/powerpoint/2010/main">
+        <p14:section name="Default Section" id="{5E47AAC5-9A45-4C5F-9066-09BD55028E6B}">
+          <p14:sldIdLst>
+            <p14:sldId id="256"/>
+            <p14:sldId id="257"/>
+            <p14:sldId id="268"/>
+            <p14:sldId id="277"/>
+            <p14:sldId id="278"/>
+            <p14:sldId id="275"/>
+            <p14:sldId id="272"/>
+            <p14:sldId id="276"/>
+            <p14:sldId id="261"/>
+            <p14:sldId id="265"/>
+            <p14:sldId id="273"/>
+            <p14:sldId id="258"/>
+            <p14:sldId id="259"/>
+            <p14:sldId id="263"/>
+            <p14:sldId id="264"/>
+            <p14:sldId id="269"/>
+            <p14:sldId id="266"/>
+            <p14:sldId id="260"/>
+            <p14:sldId id="262"/>
+            <p14:sldId id="274"/>
+          </p14:sldIdLst>
+        </p14:section>
+        <p14:section name="Research Template" id="{9CEDC25B-A509-4E89-AA8B-C9BFFECF31FD}">
+          <p14:sldIdLst>
+            <p14:sldId id="270"/>
+            <p14:sldId id="271"/>
+          </p14:sldIdLst>
+        </p14:section>
+        <p14:section name="Spatial Scan Statistic" id="{39FF2EA0-AA93-4F5D-B1CD-4AB6E653975E}">
+          <p14:sldIdLst>
+            <p14:sldId id="279"/>
+            <p14:sldId id="283"/>
+            <p14:sldId id="281"/>
+            <p14:sldId id="280"/>
+            <p14:sldId id="282"/>
+          </p14:sldIdLst>
+        </p14:section>
+      </p14:sectionLst>
+    </p:ext>
     <p:ext uri="{EFAFB233-063F-42B5-8137-9DF3F51BA10A}">
       <p15:sldGuideLst xmlns:p15="http://schemas.microsoft.com/office/powerpoint/2012/main">
         <p15:guide id="1" orient="horz" pos="2160" userDrawn="1">
@@ -219,7 +277,7 @@
           <a:p>
             <a:fld id="{DBFC531D-25D0-4EA8-9C4C-7207B4443956}" type="datetimeFigureOut">
               <a:rPr lang="en-US" smtClean="0"/>
-              <a:t>5/31/2022</a:t>
+              <a:t>6/1/2022</a:t>
             </a:fld>
             <a:endParaRPr lang="en-US"/>
           </a:p>
@@ -487,6 +545,147 @@
 </p:notesMaster>
 </file>
 
+<file path=ppt/notesSlides/notesSlide1.xml><?xml version="1.0" encoding="utf-8"?>
+<p:notes xmlns:a="http://schemas.openxmlformats.org/drawingml/2006/main" xmlns:r="http://schemas.openxmlformats.org/officeDocument/2006/relationships" xmlns:p="http://schemas.openxmlformats.org/presentationml/2006/main">
+  <p:cSld>
+    <p:spTree>
+      <p:nvGrpSpPr>
+        <p:cNvPr id="1" name=""/>
+        <p:cNvGrpSpPr/>
+        <p:nvPr/>
+      </p:nvGrpSpPr>
+      <p:grpSpPr>
+        <a:xfrm>
+          <a:off x="0" y="0"/>
+          <a:ext cx="0" cy="0"/>
+          <a:chOff x="0" y="0"/>
+          <a:chExt cx="0" cy="0"/>
+        </a:xfrm>
+      </p:grpSpPr>
+      <p:sp>
+        <p:nvSpPr>
+          <p:cNvPr id="2" name="Slide Image Placeholder 1"/>
+          <p:cNvSpPr>
+            <a:spLocks noGrp="1" noRot="1" noChangeAspect="1"/>
+          </p:cNvSpPr>
+          <p:nvPr>
+            <p:ph type="sldImg"/>
+          </p:nvPr>
+        </p:nvSpPr>
+        <p:spPr/>
+      </p:sp>
+      <p:sp>
+        <p:nvSpPr>
+          <p:cNvPr id="3" name="Notes Placeholder 2"/>
+          <p:cNvSpPr>
+            <a:spLocks noGrp="1"/>
+          </p:cNvSpPr>
+          <p:nvPr>
+            <p:ph type="body" idx="1"/>
+          </p:nvPr>
+        </p:nvSpPr>
+        <p:spPr/>
+        <p:txBody>
+          <a:bodyPr/>
+          <a:lstStyle/>
+          <a:p>
+            <a:pPr marL="0" marR="0" lvl="0" indent="0" algn="l" defTabSz="914400" rtl="0" eaLnBrk="1" fontAlgn="auto" latinLnBrk="0" hangingPunct="1">
+              <a:lnSpc>
+                <a:spcPct val="100000"/>
+              </a:lnSpc>
+              <a:spcBef>
+                <a:spcPts val="0"/>
+              </a:spcBef>
+              <a:spcAft>
+                <a:spcPts val="0"/>
+              </a:spcAft>
+              <a:buClrTx/>
+              <a:buSzTx/>
+              <a:buFontTx/>
+              <a:buNone/>
+              <a:tabLst/>
+              <a:defRPr/>
+            </a:pPr>
+            <a:r>
+              <a:rPr lang="en-US" dirty="0" smtClean="0"/>
+              <a:t>Survey is out!</a:t>
+            </a:r>
+          </a:p>
+          <a:p>
+            <a:endParaRPr lang="en-US" dirty="0" smtClean="0"/>
+          </a:p>
+          <a:p>
+            <a:r>
+              <a:rPr lang="en-US" dirty="0" smtClean="0"/>
+              <a:t>Seven reproduction studies</a:t>
+            </a:r>
+          </a:p>
+          <a:p>
+            <a:r>
+              <a:rPr lang="en-US" dirty="0" smtClean="0"/>
+              <a:t>Two</a:t>
+            </a:r>
+            <a:r>
+              <a:rPr lang="en-US" baseline="0" dirty="0" smtClean="0"/>
+              <a:t> replication studies</a:t>
+            </a:r>
+          </a:p>
+          <a:p>
+            <a:endParaRPr lang="en-US" baseline="0" dirty="0" smtClean="0"/>
+          </a:p>
+          <a:p>
+            <a:r>
+              <a:rPr lang="en-US" baseline="0" dirty="0" smtClean="0"/>
+              <a:t>Undergraduate Open Source GIScience course; Graduate spatial statistics course; Graduate reading group; Seven </a:t>
+            </a:r>
+            <a:r>
+              <a:rPr lang="en-US" baseline="0" dirty="0" err="1" smtClean="0"/>
+              <a:t>ind.</a:t>
+            </a:r>
+            <a:r>
+              <a:rPr lang="en-US" baseline="0" dirty="0" smtClean="0"/>
+              <a:t> studies / RAs</a:t>
+            </a:r>
+            <a:endParaRPr lang="en-US" dirty="0"/>
+          </a:p>
+        </p:txBody>
+      </p:sp>
+      <p:sp>
+        <p:nvSpPr>
+          <p:cNvPr id="4" name="Slide Number Placeholder 3"/>
+          <p:cNvSpPr>
+            <a:spLocks noGrp="1"/>
+          </p:cNvSpPr>
+          <p:nvPr>
+            <p:ph type="sldNum" sz="quarter" idx="10"/>
+          </p:nvPr>
+        </p:nvSpPr>
+        <p:spPr/>
+        <p:txBody>
+          <a:bodyPr/>
+          <a:lstStyle/>
+          <a:p>
+            <a:fld id="{B4EADCF6-4BAA-4B84-A8F1-8C83BA247140}" type="slidenum">
+              <a:rPr lang="en-US" smtClean="0"/>
+              <a:t>4</a:t>
+            </a:fld>
+            <a:endParaRPr lang="en-US"/>
+          </a:p>
+        </p:txBody>
+      </p:sp>
+    </p:spTree>
+    <p:extLst>
+      <p:ext uri="{BB962C8B-B14F-4D97-AF65-F5344CB8AC3E}">
+        <p14:creationId xmlns:p14="http://schemas.microsoft.com/office/powerpoint/2010/main" val="2580022698"/>
+      </p:ext>
+    </p:extLst>
+  </p:cSld>
+  <p:clrMapOvr>
+    <a:masterClrMapping/>
+  </p:clrMapOvr>
+</p:notes>
+</file>
+
 <file path=ppt/slideLayouts/slideLayout1.xml><?xml version="1.0" encoding="utf-8"?>
 <p:sldLayout xmlns:a="http://schemas.openxmlformats.org/drawingml/2006/main" xmlns:r="http://schemas.openxmlformats.org/officeDocument/2006/relationships" xmlns:p="http://schemas.openxmlformats.org/presentationml/2006/main" showMasterSp="0" type="title" preserve="1">
   <p:cSld name="Title Slide">
@@ -537,7 +736,7 @@
           <a:lstStyle>
             <a:lvl1pPr algn="l">
               <a:lnSpc>
-                <a:spcPct val="85000"/>
+                <a:spcPct val="110000"/>
               </a:lnSpc>
               <a:defRPr sz="7200" baseline="0">
                 <a:solidFill>
@@ -548,7 +747,7 @@
           </a:lstStyle>
           <a:p>
             <a:r>
-              <a:rPr lang="en-US" smtClean="0"/>
+              <a:rPr lang="en-US" dirty="0" smtClean="0"/>
               <a:t>Click to edit Master title style</a:t>
             </a:r>
             <a:endParaRPr lang="en-US" dirty="0"/>
@@ -655,7 +854,7 @@
           <a:p>
             <a:fld id="{F4BFCB00-81AB-467B-86AA-35059D5E0AE4}" type="datetime1">
               <a:rPr lang="en-US" smtClean="0"/>
-              <a:t>5/31/2022</a:t>
+              <a:t>6/1/2022</a:t>
             </a:fld>
             <a:endParaRPr lang="en-US"/>
           </a:p>
@@ -887,7 +1086,7 @@
           <a:p>
             <a:fld id="{199005A6-DE78-42AA-95FF-090EB70A6D7D}" type="datetime1">
               <a:rPr lang="en-US" smtClean="0"/>
-              <a:t>5/31/2022</a:t>
+              <a:t>6/1/2022</a:t>
             </a:fld>
             <a:endParaRPr lang="en-US"/>
           </a:p>
@@ -1071,7 +1270,7 @@
           <a:p>
             <a:fld id="{E1D54591-2AE9-48E5-8281-190FBBE42B0D}" type="datetime1">
               <a:rPr lang="en-US" smtClean="0"/>
-              <a:t>5/31/2022</a:t>
+              <a:t>6/1/2022</a:t>
             </a:fld>
             <a:endParaRPr lang="en-US"/>
           </a:p>
@@ -1193,7 +1392,7 @@
           <a:p>
             <a:fld id="{E2BB4963-528D-4500-9B67-333791626A6E}" type="datetime1">
               <a:rPr lang="en-US" smtClean="0"/>
-              <a:t>5/31/2022</a:t>
+              <a:t>6/1/2022</a:t>
             </a:fld>
             <a:endParaRPr lang="en-US"/>
           </a:p>
@@ -1360,14 +1559,14 @@
           <a:lstStyle>
             <a:lvl1pPr>
               <a:lnSpc>
-                <a:spcPct val="85000"/>
+                <a:spcPct val="110000"/>
               </a:lnSpc>
               <a:defRPr sz="7200" b="0"/>
             </a:lvl1pPr>
           </a:lstStyle>
           <a:p>
             <a:r>
-              <a:rPr lang="en-US" smtClean="0"/>
+              <a:rPr lang="en-US" dirty="0" smtClean="0"/>
               <a:t>Click to edit Master title style</a:t>
             </a:r>
             <a:endParaRPr lang="en-US" dirty="0"/>
@@ -1513,7 +1712,7 @@
           <a:p>
             <a:fld id="{469EA241-FBD8-46D7-82AE-AF612D7B7D2A}" type="datetime1">
               <a:rPr lang="en-US" smtClean="0"/>
-              <a:t>5/31/2022</a:t>
+              <a:t>6/1/2022</a:t>
             </a:fld>
             <a:endParaRPr lang="en-US"/>
           </a:p>
@@ -1843,7 +2042,7 @@
           <a:p>
             <a:fld id="{8F9E7ABD-92CC-44D5-812F-6E001F6AC66C}" type="datetime1">
               <a:rPr lang="en-US" smtClean="0"/>
-              <a:t>5/31/2022</a:t>
+              <a:t>6/1/2022</a:t>
             </a:fld>
             <a:endParaRPr lang="en-US"/>
           </a:p>
@@ -2298,7 +2497,7 @@
           <a:p>
             <a:fld id="{22F7C429-F118-4020-A2DD-3BC780BE1E37}" type="datetime1">
               <a:rPr lang="en-US" smtClean="0"/>
-              <a:t>5/31/2022</a:t>
+              <a:t>6/1/2022</a:t>
             </a:fld>
             <a:endParaRPr lang="en-US"/>
           </a:p>
@@ -2420,7 +2619,7 @@
           <a:p>
             <a:fld id="{EF935929-6DF1-40D0-98F7-4A925CC5EDC4}" type="datetime1">
               <a:rPr lang="en-US" smtClean="0"/>
-              <a:t>5/31/2022</a:t>
+              <a:t>6/1/2022</a:t>
             </a:fld>
             <a:endParaRPr lang="en-US"/>
           </a:p>
@@ -2519,7 +2718,7 @@
           <a:p>
             <a:fld id="{94491080-5631-4C41-97FA-2B29ED7DB398}" type="datetime1">
               <a:rPr lang="en-US" smtClean="0"/>
-              <a:t>5/31/2022</a:t>
+              <a:t>6/1/2022</a:t>
             </a:fld>
             <a:endParaRPr lang="en-US"/>
           </a:p>
@@ -2810,7 +3009,7 @@
           <a:p>
             <a:fld id="{4E84E37C-AD71-4C21-80AB-7BB98F34BE7A}" type="datetime1">
               <a:rPr lang="en-US" smtClean="0"/>
-              <a:t>5/31/2022</a:t>
+              <a:t>6/1/2022</a:t>
             </a:fld>
             <a:endParaRPr lang="en-US"/>
           </a:p>
@@ -3136,7 +3335,7 @@
           <a:p>
             <a:fld id="{8A8F1312-AA6B-4D5C-A2DB-373C62ACA32F}" type="datetime1">
               <a:rPr lang="en-US" smtClean="0"/>
-              <a:t>5/31/2022</a:t>
+              <a:t>6/1/2022</a:t>
             </a:fld>
             <a:endParaRPr lang="en-US"/>
           </a:p>
@@ -3397,7 +3596,7 @@
           <a:p>
             <a:fld id="{8B1F2FB7-32C9-40DF-B6A2-F94AAC625BDA}" type="datetime1">
               <a:rPr lang="en-US" smtClean="0"/>
-              <a:t>5/31/2022</a:t>
+              <a:t>6/1/2022</a:t>
             </a:fld>
             <a:endParaRPr lang="en-US"/>
           </a:p>
@@ -3556,7 +3755,7 @@
     <p:titleStyle>
       <a:lvl1pPr algn="l" defTabSz="914400" rtl="0" eaLnBrk="1" latinLnBrk="0" hangingPunct="1">
         <a:lnSpc>
-          <a:spcPct val="90000"/>
+          <a:spcPct val="110000"/>
         </a:lnSpc>
         <a:spcBef>
           <a:spcPct val="0"/>
@@ -4072,7 +4271,7 @@
           <a:p>
             <a:r>
               <a:rPr lang="en-US" dirty="0" smtClean="0"/>
-              <a:t>Reading R&amp;R</a:t>
+              <a:t>Defining R&amp;R</a:t>
             </a:r>
             <a:endParaRPr lang="en-US" dirty="0"/>
           </a:p>
@@ -4121,6 +4320,1531 @@
             <a:fld id="{981D5A7C-6207-499C-AB20-37C4B4B2E810}" type="slidenum">
               <a:rPr lang="en-US" smtClean="0"/>
               <a:t>10</a:t>
+            </a:fld>
+            <a:endParaRPr lang="en-US"/>
+          </a:p>
+        </p:txBody>
+      </p:sp>
+      <p:sp>
+        <p:nvSpPr>
+          <p:cNvPr id="5" name="Content Placeholder 4"/>
+          <p:cNvSpPr>
+            <a:spLocks noGrp="1"/>
+          </p:cNvSpPr>
+          <p:nvPr>
+            <p:ph idx="1"/>
+          </p:nvPr>
+        </p:nvSpPr>
+        <p:spPr/>
+        <p:txBody>
+          <a:bodyPr/>
+          <a:lstStyle/>
+          <a:p>
+            <a:r>
+              <a:rPr lang="en-US" b="1" dirty="0"/>
+              <a:t>Reproducibility</a:t>
+            </a:r>
+            <a:r>
+              <a:rPr lang="en-US" dirty="0"/>
+              <a:t>: Obtaining consistent results using the same input data, computational steps, methods and code, and conditions of analysis</a:t>
+            </a:r>
+          </a:p>
+          <a:p>
+            <a:r>
+              <a:rPr lang="en-US" b="1" dirty="0"/>
+              <a:t>Replicability</a:t>
+            </a:r>
+            <a:r>
+              <a:rPr lang="en-US" dirty="0"/>
+              <a:t>: Obtaining consistent results using the same input data, computational steps, methods and code, and conditions of analysis</a:t>
+            </a:r>
+          </a:p>
+          <a:p>
+            <a:r>
+              <a:rPr lang="en-US" dirty="0" smtClean="0"/>
+              <a:t>Definitions vary by discipline NASEM (2019)</a:t>
+            </a:r>
+            <a:endParaRPr lang="en-US" dirty="0"/>
+          </a:p>
+        </p:txBody>
+      </p:sp>
+    </p:spTree>
+    <p:extLst>
+      <p:ext uri="{BB962C8B-B14F-4D97-AF65-F5344CB8AC3E}">
+        <p14:creationId xmlns:p14="http://schemas.microsoft.com/office/powerpoint/2010/main" val="2609929176"/>
+      </p:ext>
+    </p:extLst>
+  </p:cSld>
+  <p:clrMapOvr>
+    <a:masterClrMapping/>
+  </p:clrMapOvr>
+</p:sld>
+</file>
+
+<file path=ppt/slides/slide11.xml><?xml version="1.0" encoding="utf-8"?>
+<p:sld xmlns:a="http://schemas.openxmlformats.org/drawingml/2006/main" xmlns:r="http://schemas.openxmlformats.org/officeDocument/2006/relationships" xmlns:p="http://schemas.openxmlformats.org/presentationml/2006/main">
+  <p:cSld>
+    <p:spTree>
+      <p:nvGrpSpPr>
+        <p:cNvPr id="1" name=""/>
+        <p:cNvGrpSpPr/>
+        <p:nvPr/>
+      </p:nvGrpSpPr>
+      <p:grpSpPr>
+        <a:xfrm>
+          <a:off x="0" y="0"/>
+          <a:ext cx="0" cy="0"/>
+          <a:chOff x="0" y="0"/>
+          <a:chExt cx="0" cy="0"/>
+        </a:xfrm>
+      </p:grpSpPr>
+      <p:sp>
+        <p:nvSpPr>
+          <p:cNvPr id="2" name="Title 1"/>
+          <p:cNvSpPr>
+            <a:spLocks noGrp="1"/>
+          </p:cNvSpPr>
+          <p:nvPr>
+            <p:ph type="title"/>
+          </p:nvPr>
+        </p:nvSpPr>
+        <p:spPr/>
+        <p:txBody>
+          <a:bodyPr/>
+          <a:lstStyle/>
+          <a:p>
+            <a:r>
+              <a:rPr lang="en-US" dirty="0" smtClean="0"/>
+              <a:t>Let’s Discuss</a:t>
+            </a:r>
+            <a:endParaRPr lang="en-US" dirty="0"/>
+          </a:p>
+        </p:txBody>
+      </p:sp>
+      <p:pic>
+        <p:nvPicPr>
+          <p:cNvPr id="6" name="Content Placeholder 5" descr="Download Chat Png Image HQ PNG Image | FreePNGImg"/>
+          <p:cNvPicPr>
+            <a:picLocks noGrp="1" noChangeAspect="1"/>
+          </p:cNvPicPr>
+          <p:nvPr>
+            <p:ph sz="half" idx="1"/>
+          </p:nvPr>
+        </p:nvPicPr>
+        <p:blipFill>
+          <a:blip r:embed="rId2" cstate="print">
+            <a:extLst>
+              <a:ext uri="{28A0092B-C50C-407E-A947-70E740481C1C}">
+                <a14:useLocalDpi xmlns:a14="http://schemas.microsoft.com/office/drawing/2010/main" val="0"/>
+              </a:ext>
+            </a:extLst>
+          </a:blip>
+          <a:stretch>
+            <a:fillRect/>
+          </a:stretch>
+        </p:blipFill>
+        <p:spPr>
+          <a:xfrm>
+            <a:off x="1262064" y="2882900"/>
+            <a:ext cx="3641924" cy="2913538"/>
+          </a:xfrm>
+        </p:spPr>
+      </p:pic>
+      <p:sp>
+        <p:nvSpPr>
+          <p:cNvPr id="7" name="Content Placeholder 6"/>
+          <p:cNvSpPr>
+            <a:spLocks noGrp="1"/>
+          </p:cNvSpPr>
+          <p:nvPr>
+            <p:ph sz="half" idx="2"/>
+          </p:nvPr>
+        </p:nvSpPr>
+        <p:spPr>
+          <a:xfrm>
+            <a:off x="5156200" y="1828800"/>
+            <a:ext cx="5450840" cy="4351337"/>
+          </a:xfrm>
+        </p:spPr>
+        <p:txBody>
+          <a:bodyPr/>
+          <a:lstStyle/>
+          <a:p>
+            <a:r>
+              <a:rPr lang="en-US" dirty="0" smtClean="0"/>
+              <a:t>Reproducibility takes work to achieve… </a:t>
+            </a:r>
+            <a:br>
+              <a:rPr lang="en-US" dirty="0" smtClean="0"/>
+            </a:br>
+            <a:r>
+              <a:rPr lang="en-US" dirty="0" smtClean="0"/>
+              <a:t>(as if publishing research is not work enough)</a:t>
+            </a:r>
+          </a:p>
+          <a:p>
+            <a:r>
+              <a:rPr lang="en-US" dirty="0" smtClean="0"/>
+              <a:t>Why should we try? What are our individual and collective motivations?</a:t>
+            </a:r>
+            <a:endParaRPr lang="en-US" dirty="0"/>
+          </a:p>
+        </p:txBody>
+      </p:sp>
+      <p:sp>
+        <p:nvSpPr>
+          <p:cNvPr id="3" name="Footer Placeholder 2"/>
+          <p:cNvSpPr>
+            <a:spLocks noGrp="1"/>
+          </p:cNvSpPr>
+          <p:nvPr>
+            <p:ph type="ftr" sz="quarter" idx="11"/>
+          </p:nvPr>
+        </p:nvSpPr>
+        <p:spPr/>
+        <p:txBody>
+          <a:bodyPr/>
+          <a:lstStyle/>
+          <a:p>
+            <a:r>
+              <a:rPr lang="en-US" smtClean="0"/>
+              <a:t>github.com/HEGSRR  doi.org/10.17605/OSF.IO/C5A2R</a:t>
+            </a:r>
+            <a:endParaRPr lang="en-US"/>
+          </a:p>
+        </p:txBody>
+      </p:sp>
+      <p:sp>
+        <p:nvSpPr>
+          <p:cNvPr id="4" name="Slide Number Placeholder 3"/>
+          <p:cNvSpPr>
+            <a:spLocks noGrp="1"/>
+          </p:cNvSpPr>
+          <p:nvPr>
+            <p:ph type="sldNum" sz="quarter" idx="12"/>
+          </p:nvPr>
+        </p:nvSpPr>
+        <p:spPr/>
+        <p:txBody>
+          <a:bodyPr>
+            <a:normAutofit lnSpcReduction="10000"/>
+          </a:bodyPr>
+          <a:lstStyle/>
+          <a:p>
+            <a:fld id="{981D5A7C-6207-499C-AB20-37C4B4B2E810}" type="slidenum">
+              <a:rPr lang="en-US" smtClean="0"/>
+              <a:t>11</a:t>
+            </a:fld>
+            <a:endParaRPr lang="en-US"/>
+          </a:p>
+        </p:txBody>
+      </p:sp>
+    </p:spTree>
+    <p:extLst>
+      <p:ext uri="{BB962C8B-B14F-4D97-AF65-F5344CB8AC3E}">
+        <p14:creationId xmlns:p14="http://schemas.microsoft.com/office/powerpoint/2010/main" val="4152463243"/>
+      </p:ext>
+    </p:extLst>
+  </p:cSld>
+  <p:clrMapOvr>
+    <a:masterClrMapping/>
+  </p:clrMapOvr>
+</p:sld>
+</file>
+
+<file path=ppt/slides/slide12.xml><?xml version="1.0" encoding="utf-8"?>
+<p:sld xmlns:a="http://schemas.openxmlformats.org/drawingml/2006/main" xmlns:r="http://schemas.openxmlformats.org/officeDocument/2006/relationships" xmlns:p="http://schemas.openxmlformats.org/presentationml/2006/main">
+  <p:cSld>
+    <p:spTree>
+      <p:nvGrpSpPr>
+        <p:cNvPr id="1" name=""/>
+        <p:cNvGrpSpPr/>
+        <p:nvPr/>
+      </p:nvGrpSpPr>
+      <p:grpSpPr>
+        <a:xfrm>
+          <a:off x="0" y="0"/>
+          <a:ext cx="0" cy="0"/>
+          <a:chOff x="0" y="0"/>
+          <a:chExt cx="0" cy="0"/>
+        </a:xfrm>
+      </p:grpSpPr>
+      <p:sp>
+        <p:nvSpPr>
+          <p:cNvPr id="2" name="Title 1"/>
+          <p:cNvSpPr>
+            <a:spLocks noGrp="1"/>
+          </p:cNvSpPr>
+          <p:nvPr>
+            <p:ph type="title"/>
+          </p:nvPr>
+        </p:nvSpPr>
+        <p:spPr/>
+        <p:txBody>
+          <a:bodyPr/>
+          <a:lstStyle/>
+          <a:p>
+            <a:r>
+              <a:rPr lang="en-US" dirty="0" smtClean="0"/>
+              <a:t>Practicing</a:t>
+            </a:r>
+            <a:r>
+              <a:rPr lang="en-US" i="1" dirty="0" smtClean="0"/>
+              <a:t> </a:t>
+            </a:r>
+            <a:r>
+              <a:rPr lang="en-US" dirty="0" smtClean="0"/>
+              <a:t>R&amp;R</a:t>
+            </a:r>
+            <a:endParaRPr lang="en-US" i="1" dirty="0"/>
+          </a:p>
+        </p:txBody>
+      </p:sp>
+      <p:sp>
+        <p:nvSpPr>
+          <p:cNvPr id="3" name="Content Placeholder 2"/>
+          <p:cNvSpPr>
+            <a:spLocks noGrp="1"/>
+          </p:cNvSpPr>
+          <p:nvPr>
+            <p:ph idx="1"/>
+          </p:nvPr>
+        </p:nvSpPr>
+        <p:spPr/>
+        <p:txBody>
+          <a:bodyPr/>
+          <a:lstStyle/>
+          <a:p>
+            <a:r>
+              <a:rPr lang="en-US" dirty="0" smtClean="0"/>
+              <a:t>Reproducible research practices in original studies</a:t>
+            </a:r>
+          </a:p>
+          <a:p>
+            <a:r>
+              <a:rPr lang="en-US" dirty="0" smtClean="0"/>
+              <a:t>Designing, implementing, and publishing reproduction studies and replication studies in geography</a:t>
+            </a:r>
+            <a:endParaRPr lang="en-US" dirty="0"/>
+          </a:p>
+        </p:txBody>
+      </p:sp>
+      <p:sp>
+        <p:nvSpPr>
+          <p:cNvPr id="4" name="Footer Placeholder 3"/>
+          <p:cNvSpPr>
+            <a:spLocks noGrp="1"/>
+          </p:cNvSpPr>
+          <p:nvPr>
+            <p:ph type="ftr" sz="quarter" idx="11"/>
+          </p:nvPr>
+        </p:nvSpPr>
+        <p:spPr/>
+        <p:txBody>
+          <a:bodyPr/>
+          <a:lstStyle/>
+          <a:p>
+            <a:r>
+              <a:rPr lang="en-US" smtClean="0"/>
+              <a:t>github.com/HEGSRR  doi.org/10.17605/OSF.IO/C5A2R</a:t>
+            </a:r>
+            <a:endParaRPr lang="en-US"/>
+          </a:p>
+        </p:txBody>
+      </p:sp>
+      <p:sp>
+        <p:nvSpPr>
+          <p:cNvPr id="5" name="Slide Number Placeholder 4"/>
+          <p:cNvSpPr>
+            <a:spLocks noGrp="1"/>
+          </p:cNvSpPr>
+          <p:nvPr>
+            <p:ph type="sldNum" sz="quarter" idx="12"/>
+          </p:nvPr>
+        </p:nvSpPr>
+        <p:spPr/>
+        <p:txBody>
+          <a:bodyPr>
+            <a:normAutofit lnSpcReduction="10000"/>
+          </a:bodyPr>
+          <a:lstStyle/>
+          <a:p>
+            <a:fld id="{981D5A7C-6207-499C-AB20-37C4B4B2E810}" type="slidenum">
+              <a:rPr lang="en-US" smtClean="0"/>
+              <a:t>12</a:t>
+            </a:fld>
+            <a:endParaRPr lang="en-US"/>
+          </a:p>
+        </p:txBody>
+      </p:sp>
+    </p:spTree>
+    <p:extLst>
+      <p:ext uri="{BB962C8B-B14F-4D97-AF65-F5344CB8AC3E}">
+        <p14:creationId xmlns:p14="http://schemas.microsoft.com/office/powerpoint/2010/main" val="3225258025"/>
+      </p:ext>
+    </p:extLst>
+  </p:cSld>
+  <p:clrMapOvr>
+    <a:masterClrMapping/>
+  </p:clrMapOvr>
+</p:sld>
+</file>
+
+<file path=ppt/slides/slide13.xml><?xml version="1.0" encoding="utf-8"?>
+<p:sld xmlns:a="http://schemas.openxmlformats.org/drawingml/2006/main" xmlns:r="http://schemas.openxmlformats.org/officeDocument/2006/relationships" xmlns:p="http://schemas.openxmlformats.org/presentationml/2006/main">
+  <p:cSld>
+    <p:spTree>
+      <p:nvGrpSpPr>
+        <p:cNvPr id="1" name=""/>
+        <p:cNvGrpSpPr/>
+        <p:nvPr/>
+      </p:nvGrpSpPr>
+      <p:grpSpPr>
+        <a:xfrm>
+          <a:off x="0" y="0"/>
+          <a:ext cx="0" cy="0"/>
+          <a:chOff x="0" y="0"/>
+          <a:chExt cx="0" cy="0"/>
+        </a:xfrm>
+      </p:grpSpPr>
+      <p:sp>
+        <p:nvSpPr>
+          <p:cNvPr id="2" name="Title 1"/>
+          <p:cNvSpPr>
+            <a:spLocks noGrp="1"/>
+          </p:cNvSpPr>
+          <p:nvPr>
+            <p:ph type="title"/>
+          </p:nvPr>
+        </p:nvSpPr>
+        <p:spPr/>
+        <p:txBody>
+          <a:bodyPr/>
+          <a:lstStyle/>
+          <a:p>
+            <a:r>
+              <a:rPr lang="en-US" dirty="0" smtClean="0"/>
+              <a:t>Teaching R&amp;R</a:t>
+            </a:r>
+            <a:endParaRPr lang="en-US" dirty="0"/>
+          </a:p>
+        </p:txBody>
+      </p:sp>
+      <p:sp>
+        <p:nvSpPr>
+          <p:cNvPr id="3" name="Content Placeholder 2"/>
+          <p:cNvSpPr>
+            <a:spLocks noGrp="1"/>
+          </p:cNvSpPr>
+          <p:nvPr>
+            <p:ph idx="1"/>
+          </p:nvPr>
+        </p:nvSpPr>
+        <p:spPr/>
+        <p:txBody>
+          <a:bodyPr>
+            <a:normAutofit/>
+          </a:bodyPr>
+          <a:lstStyle/>
+          <a:p>
+            <a:r>
+              <a:rPr lang="en-US" dirty="0" smtClean="0"/>
+              <a:t>Teaching competencies for doing reproducible research</a:t>
+            </a:r>
+          </a:p>
+          <a:p>
+            <a:r>
+              <a:rPr lang="en-US" dirty="0" smtClean="0"/>
+              <a:t>Reproduction and replication studies with students in…</a:t>
+            </a:r>
+          </a:p>
+          <a:p>
+            <a:pPr lvl="1"/>
+            <a:r>
+              <a:rPr lang="en-US" dirty="0" smtClean="0"/>
+              <a:t>Methods courses</a:t>
+            </a:r>
+          </a:p>
+          <a:p>
+            <a:pPr lvl="1"/>
+            <a:r>
+              <a:rPr lang="en-US" dirty="0" smtClean="0"/>
+              <a:t>Independent or small groups</a:t>
+            </a:r>
+          </a:p>
+          <a:p>
+            <a:pPr lvl="1"/>
+            <a:r>
+              <a:rPr lang="en-US" dirty="0" smtClean="0"/>
+              <a:t>Research assistantships</a:t>
+            </a:r>
+          </a:p>
+          <a:p>
+            <a:r>
+              <a:rPr lang="en-US" dirty="0" smtClean="0"/>
+              <a:t>Teaching geographic concepts and methods through reproduction and replication studies</a:t>
+            </a:r>
+            <a:endParaRPr lang="en-US" dirty="0"/>
+          </a:p>
+        </p:txBody>
+      </p:sp>
+      <p:sp>
+        <p:nvSpPr>
+          <p:cNvPr id="4" name="Footer Placeholder 3"/>
+          <p:cNvSpPr>
+            <a:spLocks noGrp="1"/>
+          </p:cNvSpPr>
+          <p:nvPr>
+            <p:ph type="ftr" sz="quarter" idx="11"/>
+          </p:nvPr>
+        </p:nvSpPr>
+        <p:spPr/>
+        <p:txBody>
+          <a:bodyPr/>
+          <a:lstStyle/>
+          <a:p>
+            <a:r>
+              <a:rPr lang="en-US" smtClean="0"/>
+              <a:t>github.com/HEGSRR  doi.org/10.17605/OSF.IO/C5A2R</a:t>
+            </a:r>
+            <a:endParaRPr lang="en-US"/>
+          </a:p>
+        </p:txBody>
+      </p:sp>
+      <p:sp>
+        <p:nvSpPr>
+          <p:cNvPr id="5" name="Slide Number Placeholder 4"/>
+          <p:cNvSpPr>
+            <a:spLocks noGrp="1"/>
+          </p:cNvSpPr>
+          <p:nvPr>
+            <p:ph type="sldNum" sz="quarter" idx="12"/>
+          </p:nvPr>
+        </p:nvSpPr>
+        <p:spPr/>
+        <p:txBody>
+          <a:bodyPr>
+            <a:normAutofit lnSpcReduction="10000"/>
+          </a:bodyPr>
+          <a:lstStyle/>
+          <a:p>
+            <a:fld id="{981D5A7C-6207-499C-AB20-37C4B4B2E810}" type="slidenum">
+              <a:rPr lang="en-US" smtClean="0"/>
+              <a:t>13</a:t>
+            </a:fld>
+            <a:endParaRPr lang="en-US"/>
+          </a:p>
+        </p:txBody>
+      </p:sp>
+    </p:spTree>
+    <p:extLst>
+      <p:ext uri="{BB962C8B-B14F-4D97-AF65-F5344CB8AC3E}">
+        <p14:creationId xmlns:p14="http://schemas.microsoft.com/office/powerpoint/2010/main" val="944982193"/>
+      </p:ext>
+    </p:extLst>
+  </p:cSld>
+  <p:clrMapOvr>
+    <a:masterClrMapping/>
+  </p:clrMapOvr>
+</p:sld>
+</file>
+
+<file path=ppt/slides/slide14.xml><?xml version="1.0" encoding="utf-8"?>
+<p:sld xmlns:a="http://schemas.openxmlformats.org/drawingml/2006/main" xmlns:r="http://schemas.openxmlformats.org/officeDocument/2006/relationships" xmlns:p="http://schemas.openxmlformats.org/presentationml/2006/main">
+  <p:cSld>
+    <p:spTree>
+      <p:nvGrpSpPr>
+        <p:cNvPr id="1" name=""/>
+        <p:cNvGrpSpPr/>
+        <p:nvPr/>
+      </p:nvGrpSpPr>
+      <p:grpSpPr>
+        <a:xfrm>
+          <a:off x="0" y="0"/>
+          <a:ext cx="0" cy="0"/>
+          <a:chOff x="0" y="0"/>
+          <a:chExt cx="0" cy="0"/>
+        </a:xfrm>
+      </p:grpSpPr>
+      <p:sp>
+        <p:nvSpPr>
+          <p:cNvPr id="2" name="Title 1"/>
+          <p:cNvSpPr>
+            <a:spLocks noGrp="1"/>
+          </p:cNvSpPr>
+          <p:nvPr>
+            <p:ph type="title"/>
+          </p:nvPr>
+        </p:nvSpPr>
+        <p:spPr/>
+        <p:txBody>
+          <a:bodyPr/>
+          <a:lstStyle/>
+          <a:p>
+            <a:r>
+              <a:rPr lang="en-US" dirty="0" smtClean="0"/>
+              <a:t>Adjusting Learning Goals</a:t>
+            </a:r>
+            <a:endParaRPr lang="en-US" dirty="0"/>
+          </a:p>
+        </p:txBody>
+      </p:sp>
+      <p:sp>
+        <p:nvSpPr>
+          <p:cNvPr id="3" name="Footer Placeholder 2"/>
+          <p:cNvSpPr>
+            <a:spLocks noGrp="1"/>
+          </p:cNvSpPr>
+          <p:nvPr>
+            <p:ph type="ftr" sz="quarter" idx="11"/>
+          </p:nvPr>
+        </p:nvSpPr>
+        <p:spPr/>
+        <p:txBody>
+          <a:bodyPr/>
+          <a:lstStyle/>
+          <a:p>
+            <a:r>
+              <a:rPr lang="en-US" smtClean="0"/>
+              <a:t>github.com/HEGSRR  doi.org/10.17605/OSF.IO/C5A2R</a:t>
+            </a:r>
+            <a:endParaRPr lang="en-US"/>
+          </a:p>
+        </p:txBody>
+      </p:sp>
+      <p:sp>
+        <p:nvSpPr>
+          <p:cNvPr id="4" name="Slide Number Placeholder 3"/>
+          <p:cNvSpPr>
+            <a:spLocks noGrp="1"/>
+          </p:cNvSpPr>
+          <p:nvPr>
+            <p:ph type="sldNum" sz="quarter" idx="12"/>
+          </p:nvPr>
+        </p:nvSpPr>
+        <p:spPr/>
+        <p:txBody>
+          <a:bodyPr>
+            <a:normAutofit lnSpcReduction="10000"/>
+          </a:bodyPr>
+          <a:lstStyle/>
+          <a:p>
+            <a:fld id="{981D5A7C-6207-499C-AB20-37C4B4B2E810}" type="slidenum">
+              <a:rPr lang="en-US" smtClean="0"/>
+              <a:t>14</a:t>
+            </a:fld>
+            <a:endParaRPr lang="en-US"/>
+          </a:p>
+        </p:txBody>
+      </p:sp>
+      <p:sp>
+        <p:nvSpPr>
+          <p:cNvPr id="5" name="Content Placeholder 4"/>
+          <p:cNvSpPr>
+            <a:spLocks noGrp="1"/>
+          </p:cNvSpPr>
+          <p:nvPr>
+            <p:ph idx="1"/>
+          </p:nvPr>
+        </p:nvSpPr>
+        <p:spPr/>
+        <p:txBody>
+          <a:bodyPr/>
+          <a:lstStyle/>
+          <a:p>
+            <a:r>
+              <a:rPr lang="en-US" dirty="0" smtClean="0"/>
+              <a:t>Software-specific methods &amp; extensions? No…</a:t>
+            </a:r>
+          </a:p>
+          <a:p>
+            <a:r>
+              <a:rPr lang="en-US" dirty="0" smtClean="0"/>
+              <a:t>Learn and practice competencies for:</a:t>
+            </a:r>
+          </a:p>
+          <a:p>
+            <a:pPr lvl="1"/>
+            <a:r>
+              <a:rPr lang="en-US" dirty="0" smtClean="0"/>
+              <a:t>Reading published research</a:t>
+            </a:r>
+          </a:p>
+          <a:p>
+            <a:pPr lvl="1"/>
+            <a:r>
+              <a:rPr lang="en-US" dirty="0"/>
+              <a:t>Research </a:t>
+            </a:r>
+            <a:r>
+              <a:rPr lang="en-US" dirty="0" smtClean="0"/>
+              <a:t>planning / design</a:t>
+            </a:r>
+            <a:endParaRPr lang="en-US" dirty="0"/>
+          </a:p>
+          <a:p>
+            <a:pPr lvl="1"/>
+            <a:r>
+              <a:rPr lang="en-US" dirty="0" smtClean="0"/>
+              <a:t>Learning new (open source) software</a:t>
+            </a:r>
+          </a:p>
+          <a:p>
+            <a:pPr lvl="1"/>
+            <a:r>
+              <a:rPr lang="en-US" dirty="0" smtClean="0"/>
+              <a:t>Comparing results / assessing error and uncertainty</a:t>
+            </a:r>
+          </a:p>
+          <a:p>
+            <a:pPr lvl="1"/>
+            <a:r>
+              <a:rPr lang="en-US" dirty="0" smtClean="0"/>
+              <a:t>Reporting findings</a:t>
+            </a:r>
+          </a:p>
+          <a:p>
+            <a:pPr lvl="1"/>
+            <a:endParaRPr lang="en-US" dirty="0"/>
+          </a:p>
+        </p:txBody>
+      </p:sp>
+    </p:spTree>
+    <p:extLst>
+      <p:ext uri="{BB962C8B-B14F-4D97-AF65-F5344CB8AC3E}">
+        <p14:creationId xmlns:p14="http://schemas.microsoft.com/office/powerpoint/2010/main" val="3490376964"/>
+      </p:ext>
+    </p:extLst>
+  </p:cSld>
+  <p:clrMapOvr>
+    <a:masterClrMapping/>
+  </p:clrMapOvr>
+</p:sld>
+</file>
+
+<file path=ppt/slides/slide15.xml><?xml version="1.0" encoding="utf-8"?>
+<p:sld xmlns:a="http://schemas.openxmlformats.org/drawingml/2006/main" xmlns:r="http://schemas.openxmlformats.org/officeDocument/2006/relationships" xmlns:p="http://schemas.openxmlformats.org/presentationml/2006/main">
+  <p:cSld>
+    <p:spTree>
+      <p:nvGrpSpPr>
+        <p:cNvPr id="1" name=""/>
+        <p:cNvGrpSpPr/>
+        <p:nvPr/>
+      </p:nvGrpSpPr>
+      <p:grpSpPr>
+        <a:xfrm>
+          <a:off x="0" y="0"/>
+          <a:ext cx="0" cy="0"/>
+          <a:chOff x="0" y="0"/>
+          <a:chExt cx="0" cy="0"/>
+        </a:xfrm>
+      </p:grpSpPr>
+      <p:sp>
+        <p:nvSpPr>
+          <p:cNvPr id="2" name="Title 1"/>
+          <p:cNvSpPr>
+            <a:spLocks noGrp="1"/>
+          </p:cNvSpPr>
+          <p:nvPr>
+            <p:ph type="title"/>
+          </p:nvPr>
+        </p:nvSpPr>
+        <p:spPr/>
+        <p:txBody>
+          <a:bodyPr/>
+          <a:lstStyle/>
+          <a:p>
+            <a:r>
+              <a:rPr lang="en-US" dirty="0" smtClean="0"/>
+              <a:t>Project-Based Learning</a:t>
+            </a:r>
+            <a:endParaRPr lang="en-US" dirty="0"/>
+          </a:p>
+        </p:txBody>
+      </p:sp>
+      <p:sp>
+        <p:nvSpPr>
+          <p:cNvPr id="3" name="Footer Placeholder 2"/>
+          <p:cNvSpPr>
+            <a:spLocks noGrp="1"/>
+          </p:cNvSpPr>
+          <p:nvPr>
+            <p:ph type="ftr" sz="quarter" idx="11"/>
+          </p:nvPr>
+        </p:nvSpPr>
+        <p:spPr/>
+        <p:txBody>
+          <a:bodyPr/>
+          <a:lstStyle/>
+          <a:p>
+            <a:r>
+              <a:rPr lang="en-US" smtClean="0"/>
+              <a:t>github.com/HEGSRR  doi.org/10.17605/OSF.IO/C5A2R</a:t>
+            </a:r>
+            <a:endParaRPr lang="en-US"/>
+          </a:p>
+        </p:txBody>
+      </p:sp>
+      <p:sp>
+        <p:nvSpPr>
+          <p:cNvPr id="4" name="Slide Number Placeholder 3"/>
+          <p:cNvSpPr>
+            <a:spLocks noGrp="1"/>
+          </p:cNvSpPr>
+          <p:nvPr>
+            <p:ph type="sldNum" sz="quarter" idx="12"/>
+          </p:nvPr>
+        </p:nvSpPr>
+        <p:spPr/>
+        <p:txBody>
+          <a:bodyPr>
+            <a:normAutofit lnSpcReduction="10000"/>
+          </a:bodyPr>
+          <a:lstStyle/>
+          <a:p>
+            <a:fld id="{981D5A7C-6207-499C-AB20-37C4B4B2E810}" type="slidenum">
+              <a:rPr lang="en-US" smtClean="0"/>
+              <a:t>15</a:t>
+            </a:fld>
+            <a:endParaRPr lang="en-US"/>
+          </a:p>
+        </p:txBody>
+      </p:sp>
+      <p:sp>
+        <p:nvSpPr>
+          <p:cNvPr id="5" name="Content Placeholder 4"/>
+          <p:cNvSpPr>
+            <a:spLocks noGrp="1"/>
+          </p:cNvSpPr>
+          <p:nvPr>
+            <p:ph idx="1"/>
+          </p:nvPr>
+        </p:nvSpPr>
+        <p:spPr>
+          <a:xfrm>
+            <a:off x="6374166" y="1595077"/>
+            <a:ext cx="4456130" cy="4681306"/>
+          </a:xfrm>
+        </p:spPr>
+        <p:txBody>
+          <a:bodyPr>
+            <a:normAutofit/>
+          </a:bodyPr>
+          <a:lstStyle/>
+          <a:p>
+            <a:r>
+              <a:rPr lang="en-US" dirty="0" smtClean="0"/>
+              <a:t>Reproduction studies as project-based learning</a:t>
+            </a:r>
+          </a:p>
+          <a:p>
+            <a:pPr lvl="1"/>
+            <a:r>
+              <a:rPr lang="en-US" dirty="0" smtClean="0"/>
+              <a:t>Refocus learning goals on competencies</a:t>
+            </a:r>
+          </a:p>
+          <a:p>
+            <a:pPr lvl="1"/>
+            <a:r>
+              <a:rPr lang="en-US" dirty="0" smtClean="0"/>
+              <a:t>Improved engagement</a:t>
+            </a:r>
+          </a:p>
+          <a:p>
+            <a:pPr lvl="1"/>
+            <a:r>
+              <a:rPr lang="en-US" dirty="0" smtClean="0"/>
+              <a:t>Retain diversity in STEM</a:t>
+            </a:r>
+          </a:p>
+          <a:p>
+            <a:r>
+              <a:rPr lang="en-US" dirty="0" smtClean="0"/>
+              <a:t>PBL </a:t>
+            </a:r>
+            <a:r>
+              <a:rPr lang="en-US" dirty="0"/>
+              <a:t>Gold Standard: </a:t>
+            </a:r>
+            <a:r>
+              <a:rPr lang="en-US" dirty="0">
+                <a:hlinkClick r:id="rId2"/>
+              </a:rPr>
+              <a:t>https://</a:t>
+            </a:r>
+            <a:r>
+              <a:rPr lang="en-US" dirty="0" smtClean="0">
+                <a:hlinkClick r:id="rId2"/>
+              </a:rPr>
+              <a:t>www.pblworks.org/what-is-pbl/gold-standard-project-design</a:t>
+            </a:r>
+            <a:r>
+              <a:rPr lang="en-US" dirty="0" smtClean="0"/>
+              <a:t> </a:t>
+            </a:r>
+          </a:p>
+          <a:p>
+            <a:pPr lvl="2"/>
+            <a:endParaRPr lang="en-US" dirty="0" smtClean="0"/>
+          </a:p>
+          <a:p>
+            <a:pPr lvl="2"/>
+            <a:endParaRPr lang="en-US" dirty="0"/>
+          </a:p>
+        </p:txBody>
+      </p:sp>
+      <p:pic>
+        <p:nvPicPr>
+          <p:cNvPr id="1026" name="Picture 2" descr="https://lh4.googleusercontent.com/_XMqRFyCQ-y8_r2_S4Bk_uasq31BldkyB4sNV-5jMHg5feLCqc6eCMTowm_5r6mPF3xmlK67wW-fpQabtomYl1SAr0OKO1MVlDM25wl-vnsJJmlYoArgdS-axOyKXiEvvkyBN9VQKnZ9Zk6jLjgb"/>
+          <p:cNvPicPr>
+            <a:picLocks noChangeAspect="1" noChangeArrowheads="1"/>
+          </p:cNvPicPr>
+          <p:nvPr/>
+        </p:nvPicPr>
+        <p:blipFill rotWithShape="1">
+          <a:blip r:embed="rId3" cstate="print">
+            <a:extLst>
+              <a:ext uri="{28A0092B-C50C-407E-A947-70E740481C1C}">
+                <a14:useLocalDpi xmlns:a14="http://schemas.microsoft.com/office/drawing/2010/main" val="0"/>
+              </a:ext>
+            </a:extLst>
+          </a:blip>
+          <a:srcRect t="22835"/>
+          <a:stretch/>
+        </p:blipFill>
+        <p:spPr bwMode="auto">
+          <a:xfrm>
+            <a:off x="1454414" y="1595077"/>
+            <a:ext cx="4727210" cy="4681305"/>
+          </a:xfrm>
+          <a:prstGeom prst="rect">
+            <a:avLst/>
+          </a:prstGeom>
+          <a:noFill/>
+          <a:extLst>
+            <a:ext uri="{909E8E84-426E-40DD-AFC4-6F175D3DCCD1}">
+              <a14:hiddenFill xmlns:a14="http://schemas.microsoft.com/office/drawing/2010/main">
+                <a:solidFill>
+                  <a:srgbClr val="FFFFFF"/>
+                </a:solidFill>
+              </a14:hiddenFill>
+            </a:ext>
+          </a:extLst>
+        </p:spPr>
+      </p:pic>
+    </p:spTree>
+    <p:extLst>
+      <p:ext uri="{BB962C8B-B14F-4D97-AF65-F5344CB8AC3E}">
+        <p14:creationId xmlns:p14="http://schemas.microsoft.com/office/powerpoint/2010/main" val="3192259551"/>
+      </p:ext>
+    </p:extLst>
+  </p:cSld>
+  <p:clrMapOvr>
+    <a:masterClrMapping/>
+  </p:clrMapOvr>
+</p:sld>
+</file>
+
+<file path=ppt/slides/slide16.xml><?xml version="1.0" encoding="utf-8"?>
+<p:sld xmlns:a="http://schemas.openxmlformats.org/drawingml/2006/main" xmlns:r="http://schemas.openxmlformats.org/officeDocument/2006/relationships" xmlns:p="http://schemas.openxmlformats.org/presentationml/2006/main">
+  <p:cSld>
+    <p:spTree>
+      <p:nvGrpSpPr>
+        <p:cNvPr id="1" name=""/>
+        <p:cNvGrpSpPr/>
+        <p:nvPr/>
+      </p:nvGrpSpPr>
+      <p:grpSpPr>
+        <a:xfrm>
+          <a:off x="0" y="0"/>
+          <a:ext cx="0" cy="0"/>
+          <a:chOff x="0" y="0"/>
+          <a:chExt cx="0" cy="0"/>
+        </a:xfrm>
+      </p:grpSpPr>
+      <p:sp>
+        <p:nvSpPr>
+          <p:cNvPr id="2" name="Title 1"/>
+          <p:cNvSpPr>
+            <a:spLocks noGrp="1"/>
+          </p:cNvSpPr>
+          <p:nvPr>
+            <p:ph type="title"/>
+          </p:nvPr>
+        </p:nvSpPr>
+        <p:spPr/>
+        <p:txBody>
+          <a:bodyPr>
+            <a:normAutofit fontScale="90000"/>
+          </a:bodyPr>
+          <a:lstStyle/>
+          <a:p>
+            <a:r>
+              <a:rPr lang="en-US" dirty="0" smtClean="0"/>
+              <a:t>Many necessary conditions for Reproducibility</a:t>
+            </a:r>
+            <a:endParaRPr lang="en-US" dirty="0"/>
+          </a:p>
+        </p:txBody>
+      </p:sp>
+      <p:sp>
+        <p:nvSpPr>
+          <p:cNvPr id="3" name="Footer Placeholder 2"/>
+          <p:cNvSpPr>
+            <a:spLocks noGrp="1"/>
+          </p:cNvSpPr>
+          <p:nvPr>
+            <p:ph type="ftr" sz="quarter" idx="11"/>
+          </p:nvPr>
+        </p:nvSpPr>
+        <p:spPr/>
+        <p:txBody>
+          <a:bodyPr/>
+          <a:lstStyle/>
+          <a:p>
+            <a:r>
+              <a:rPr lang="en-US" smtClean="0"/>
+              <a:t>github.com/HEGSRR  doi.org/10.17605/OSF.IO/C5A2R</a:t>
+            </a:r>
+            <a:endParaRPr lang="en-US"/>
+          </a:p>
+        </p:txBody>
+      </p:sp>
+      <p:sp>
+        <p:nvSpPr>
+          <p:cNvPr id="4" name="Slide Number Placeholder 3"/>
+          <p:cNvSpPr>
+            <a:spLocks noGrp="1"/>
+          </p:cNvSpPr>
+          <p:nvPr>
+            <p:ph type="sldNum" sz="quarter" idx="12"/>
+          </p:nvPr>
+        </p:nvSpPr>
+        <p:spPr/>
+        <p:txBody>
+          <a:bodyPr>
+            <a:normAutofit lnSpcReduction="10000"/>
+          </a:bodyPr>
+          <a:lstStyle/>
+          <a:p>
+            <a:fld id="{981D5A7C-6207-499C-AB20-37C4B4B2E810}" type="slidenum">
+              <a:rPr lang="en-US" smtClean="0"/>
+              <a:t>16</a:t>
+            </a:fld>
+            <a:endParaRPr lang="en-US"/>
+          </a:p>
+        </p:txBody>
+      </p:sp>
+      <p:pic>
+        <p:nvPicPr>
+          <p:cNvPr id="6" name="Content Placeholder 5"/>
+          <p:cNvPicPr>
+            <a:picLocks noGrp="1" noChangeAspect="1"/>
+          </p:cNvPicPr>
+          <p:nvPr>
+            <p:ph idx="1"/>
+          </p:nvPr>
+        </p:nvPicPr>
+        <p:blipFill>
+          <a:blip r:embed="rId2">
+            <a:extLst>
+              <a:ext uri="{28A0092B-C50C-407E-A947-70E740481C1C}">
+                <a14:useLocalDpi xmlns:a14="http://schemas.microsoft.com/office/drawing/2010/main" val="0"/>
+              </a:ext>
+            </a:extLst>
+          </a:blip>
+          <a:stretch>
+            <a:fillRect/>
+          </a:stretch>
+        </p:blipFill>
+        <p:spPr>
+          <a:xfrm>
+            <a:off x="2784295" y="2146613"/>
+            <a:ext cx="5610405" cy="3740270"/>
+          </a:xfrm>
+        </p:spPr>
+      </p:pic>
+    </p:spTree>
+    <p:extLst>
+      <p:ext uri="{BB962C8B-B14F-4D97-AF65-F5344CB8AC3E}">
+        <p14:creationId xmlns:p14="http://schemas.microsoft.com/office/powerpoint/2010/main" val="3334064592"/>
+      </p:ext>
+    </p:extLst>
+  </p:cSld>
+  <p:clrMapOvr>
+    <a:masterClrMapping/>
+  </p:clrMapOvr>
+</p:sld>
+</file>
+
+<file path=ppt/slides/slide17.xml><?xml version="1.0" encoding="utf-8"?>
+<p:sld xmlns:a="http://schemas.openxmlformats.org/drawingml/2006/main" xmlns:r="http://schemas.openxmlformats.org/officeDocument/2006/relationships" xmlns:p="http://schemas.openxmlformats.org/presentationml/2006/main">
+  <p:cSld>
+    <p:spTree>
+      <p:nvGrpSpPr>
+        <p:cNvPr id="1" name=""/>
+        <p:cNvGrpSpPr/>
+        <p:nvPr/>
+      </p:nvGrpSpPr>
+      <p:grpSpPr>
+        <a:xfrm>
+          <a:off x="0" y="0"/>
+          <a:ext cx="0" cy="0"/>
+          <a:chOff x="0" y="0"/>
+          <a:chExt cx="0" cy="0"/>
+        </a:xfrm>
+      </p:grpSpPr>
+      <p:sp>
+        <p:nvSpPr>
+          <p:cNvPr id="2" name="Title 1"/>
+          <p:cNvSpPr>
+            <a:spLocks noGrp="1"/>
+          </p:cNvSpPr>
+          <p:nvPr>
+            <p:ph type="title"/>
+          </p:nvPr>
+        </p:nvSpPr>
+        <p:spPr/>
+        <p:txBody>
+          <a:bodyPr/>
+          <a:lstStyle/>
+          <a:p>
+            <a:r>
+              <a:rPr lang="en-US" dirty="0" smtClean="0"/>
+              <a:t>Improving R&amp;R</a:t>
+            </a:r>
+            <a:endParaRPr lang="en-US" dirty="0"/>
+          </a:p>
+        </p:txBody>
+      </p:sp>
+      <p:sp>
+        <p:nvSpPr>
+          <p:cNvPr id="3" name="Footer Placeholder 2"/>
+          <p:cNvSpPr>
+            <a:spLocks noGrp="1"/>
+          </p:cNvSpPr>
+          <p:nvPr>
+            <p:ph type="ftr" sz="quarter" idx="11"/>
+          </p:nvPr>
+        </p:nvSpPr>
+        <p:spPr/>
+        <p:txBody>
+          <a:bodyPr/>
+          <a:lstStyle/>
+          <a:p>
+            <a:r>
+              <a:rPr lang="en-US" smtClean="0"/>
+              <a:t>github.com/HEGSRR  doi.org/10.17605/OSF.IO/C5A2R</a:t>
+            </a:r>
+            <a:endParaRPr lang="en-US"/>
+          </a:p>
+        </p:txBody>
+      </p:sp>
+      <p:sp>
+        <p:nvSpPr>
+          <p:cNvPr id="4" name="Slide Number Placeholder 3"/>
+          <p:cNvSpPr>
+            <a:spLocks noGrp="1"/>
+          </p:cNvSpPr>
+          <p:nvPr>
+            <p:ph type="sldNum" sz="quarter" idx="12"/>
+          </p:nvPr>
+        </p:nvSpPr>
+        <p:spPr/>
+        <p:txBody>
+          <a:bodyPr>
+            <a:normAutofit lnSpcReduction="10000"/>
+          </a:bodyPr>
+          <a:lstStyle/>
+          <a:p>
+            <a:fld id="{981D5A7C-6207-499C-AB20-37C4B4B2E810}" type="slidenum">
+              <a:rPr lang="en-US" smtClean="0"/>
+              <a:t>17</a:t>
+            </a:fld>
+            <a:endParaRPr lang="en-US"/>
+          </a:p>
+        </p:txBody>
+      </p:sp>
+      <p:sp>
+        <p:nvSpPr>
+          <p:cNvPr id="5" name="Content Placeholder 4"/>
+          <p:cNvSpPr>
+            <a:spLocks noGrp="1"/>
+          </p:cNvSpPr>
+          <p:nvPr>
+            <p:ph idx="1"/>
+          </p:nvPr>
+        </p:nvSpPr>
+        <p:spPr>
+          <a:xfrm>
+            <a:off x="1261872" y="1574800"/>
+            <a:ext cx="8595360" cy="4864100"/>
+          </a:xfrm>
+        </p:spPr>
+        <p:txBody>
+          <a:bodyPr>
+            <a:normAutofit fontScale="55000" lnSpcReduction="20000"/>
+          </a:bodyPr>
+          <a:lstStyle/>
+          <a:p>
+            <a:r>
+              <a:rPr lang="en-US" dirty="0" smtClean="0"/>
+              <a:t>Preregister research plan</a:t>
+            </a:r>
+          </a:p>
+          <a:p>
+            <a:r>
+              <a:rPr lang="en-US" dirty="0" smtClean="0"/>
+              <a:t>Data</a:t>
+            </a:r>
+          </a:p>
+          <a:p>
+            <a:pPr lvl="1"/>
+            <a:r>
+              <a:rPr lang="en-US" dirty="0" smtClean="0"/>
+              <a:t>raw, preprocessed, and results</a:t>
+            </a:r>
+          </a:p>
+          <a:p>
+            <a:r>
+              <a:rPr lang="en-US" dirty="0" smtClean="0"/>
+              <a:t>Code</a:t>
+            </a:r>
+          </a:p>
+          <a:p>
+            <a:pPr lvl="1"/>
+            <a:r>
+              <a:rPr lang="en-US" dirty="0" smtClean="0"/>
+              <a:t>computational notebook</a:t>
+            </a:r>
+          </a:p>
+          <a:p>
+            <a:pPr lvl="1"/>
+            <a:r>
+              <a:rPr lang="en-US" dirty="0" smtClean="0"/>
+              <a:t>legibility</a:t>
+            </a:r>
+          </a:p>
+          <a:p>
+            <a:r>
+              <a:rPr lang="en-US" dirty="0" smtClean="0"/>
+              <a:t>Processing environment</a:t>
+            </a:r>
+          </a:p>
+          <a:p>
+            <a:pPr lvl="1"/>
+            <a:r>
+              <a:rPr lang="en-US" dirty="0" smtClean="0"/>
+              <a:t>Open source software</a:t>
+            </a:r>
+          </a:p>
+          <a:p>
+            <a:pPr lvl="1"/>
+            <a:r>
+              <a:rPr lang="en-US" dirty="0" smtClean="0"/>
+              <a:t>Specify or containerize environment</a:t>
+            </a:r>
+          </a:p>
+          <a:p>
+            <a:r>
+              <a:rPr lang="en-US" dirty="0" smtClean="0"/>
+              <a:t>Metadata</a:t>
+            </a:r>
+          </a:p>
+          <a:p>
+            <a:r>
+              <a:rPr lang="en-US" dirty="0" smtClean="0"/>
+              <a:t>Open Licenses</a:t>
+            </a:r>
+          </a:p>
+          <a:p>
+            <a:r>
+              <a:rPr lang="en-US" dirty="0" smtClean="0"/>
+              <a:t>Persistent identifier (e.g. DOI, ORCID)</a:t>
+            </a:r>
+          </a:p>
+          <a:p>
+            <a:r>
+              <a:rPr lang="en-US" dirty="0"/>
+              <a:t>FAIR (findable, accessible, interoperable, reusable) principles</a:t>
+            </a:r>
+          </a:p>
+          <a:p>
+            <a:r>
+              <a:rPr lang="en-US" dirty="0" smtClean="0"/>
+              <a:t>Version Tracking, living papers</a:t>
+            </a:r>
+            <a:endParaRPr lang="en-US" dirty="0"/>
+          </a:p>
+        </p:txBody>
+      </p:sp>
+    </p:spTree>
+    <p:extLst>
+      <p:ext uri="{BB962C8B-B14F-4D97-AF65-F5344CB8AC3E}">
+        <p14:creationId xmlns:p14="http://schemas.microsoft.com/office/powerpoint/2010/main" val="1726238140"/>
+      </p:ext>
+    </p:extLst>
+  </p:cSld>
+  <p:clrMapOvr>
+    <a:masterClrMapping/>
+  </p:clrMapOvr>
+</p:sld>
+</file>
+
+<file path=ppt/slides/slide18.xml><?xml version="1.0" encoding="utf-8"?>
+<p:sld xmlns:a="http://schemas.openxmlformats.org/drawingml/2006/main" xmlns:r="http://schemas.openxmlformats.org/officeDocument/2006/relationships" xmlns:p="http://schemas.openxmlformats.org/presentationml/2006/main">
+  <p:cSld>
+    <p:spTree>
+      <p:nvGrpSpPr>
+        <p:cNvPr id="1" name=""/>
+        <p:cNvGrpSpPr/>
+        <p:nvPr/>
+      </p:nvGrpSpPr>
+      <p:grpSpPr>
+        <a:xfrm>
+          <a:off x="0" y="0"/>
+          <a:ext cx="0" cy="0"/>
+          <a:chOff x="0" y="0"/>
+          <a:chExt cx="0" cy="0"/>
+        </a:xfrm>
+      </p:grpSpPr>
+      <p:sp>
+        <p:nvSpPr>
+          <p:cNvPr id="2" name="Title 1"/>
+          <p:cNvSpPr>
+            <a:spLocks noGrp="1"/>
+          </p:cNvSpPr>
+          <p:nvPr>
+            <p:ph type="title"/>
+          </p:nvPr>
+        </p:nvSpPr>
+        <p:spPr/>
+        <p:txBody>
+          <a:bodyPr/>
+          <a:lstStyle/>
+          <a:p>
+            <a:r>
+              <a:rPr lang="en-US" dirty="0" smtClean="0"/>
+              <a:t>State of the Research</a:t>
+            </a:r>
+            <a:endParaRPr lang="en-US" dirty="0"/>
+          </a:p>
+        </p:txBody>
+      </p:sp>
+      <p:sp>
+        <p:nvSpPr>
+          <p:cNvPr id="3" name="Content Placeholder 2"/>
+          <p:cNvSpPr>
+            <a:spLocks noGrp="1"/>
+          </p:cNvSpPr>
+          <p:nvPr>
+            <p:ph idx="1"/>
+          </p:nvPr>
+        </p:nvSpPr>
+        <p:spPr/>
+        <p:txBody>
+          <a:bodyPr/>
+          <a:lstStyle/>
+          <a:p>
+            <a:r>
+              <a:rPr lang="en-US" dirty="0" smtClean="0"/>
+              <a:t>Curriculum: </a:t>
+            </a:r>
+            <a:r>
+              <a:rPr lang="en-US" dirty="0" smtClean="0">
+                <a:hlinkClick r:id="rId2"/>
+              </a:rPr>
+              <a:t>https://gis4dev.github.io</a:t>
+            </a:r>
+            <a:r>
+              <a:rPr lang="en-US" dirty="0" smtClean="0"/>
+              <a:t> </a:t>
+            </a:r>
+          </a:p>
+          <a:p>
+            <a:endParaRPr lang="en-US" dirty="0" smtClean="0"/>
+          </a:p>
+          <a:p>
+            <a:r>
+              <a:rPr lang="en-US" dirty="0" smtClean="0"/>
+              <a:t>Survey of Reproducibility Practices in Geography</a:t>
+            </a:r>
+          </a:p>
+          <a:p>
+            <a:r>
+              <a:rPr lang="en-US" dirty="0" smtClean="0"/>
+              <a:t>Three COVID-19 Spatial Statistics Studies @ ASU</a:t>
+            </a:r>
+          </a:p>
+          <a:p>
+            <a:pPr lvl="1"/>
+            <a:r>
+              <a:rPr lang="en-US" dirty="0" err="1" smtClean="0"/>
+              <a:t>Vijayan</a:t>
+            </a:r>
+            <a:endParaRPr lang="en-US" dirty="0" smtClean="0"/>
+          </a:p>
+          <a:p>
+            <a:r>
+              <a:rPr lang="en-US" dirty="0" smtClean="0"/>
+              <a:t>Spatial Bayesian COVID-19 Study @ ASU</a:t>
+            </a:r>
+          </a:p>
+          <a:p>
+            <a:pPr lvl="1"/>
+            <a:r>
+              <a:rPr lang="en-US" i="1" dirty="0" smtClean="0"/>
+              <a:t>Annals of Epidemiology</a:t>
+            </a:r>
+            <a:endParaRPr lang="en-US" i="1" dirty="0"/>
+          </a:p>
+        </p:txBody>
+      </p:sp>
+      <p:sp>
+        <p:nvSpPr>
+          <p:cNvPr id="4" name="Footer Placeholder 3"/>
+          <p:cNvSpPr>
+            <a:spLocks noGrp="1"/>
+          </p:cNvSpPr>
+          <p:nvPr>
+            <p:ph type="ftr" sz="quarter" idx="11"/>
+          </p:nvPr>
+        </p:nvSpPr>
+        <p:spPr/>
+        <p:txBody>
+          <a:bodyPr/>
+          <a:lstStyle/>
+          <a:p>
+            <a:r>
+              <a:rPr lang="en-US" smtClean="0"/>
+              <a:t>github.com/HEGSRR  doi.org/10.17605/OSF.IO/C5A2R</a:t>
+            </a:r>
+            <a:endParaRPr lang="en-US"/>
+          </a:p>
+        </p:txBody>
+      </p:sp>
+      <p:sp>
+        <p:nvSpPr>
+          <p:cNvPr id="5" name="Slide Number Placeholder 4"/>
+          <p:cNvSpPr>
+            <a:spLocks noGrp="1"/>
+          </p:cNvSpPr>
+          <p:nvPr>
+            <p:ph type="sldNum" sz="quarter" idx="12"/>
+          </p:nvPr>
+        </p:nvSpPr>
+        <p:spPr/>
+        <p:txBody>
+          <a:bodyPr>
+            <a:normAutofit lnSpcReduction="10000"/>
+          </a:bodyPr>
+          <a:lstStyle/>
+          <a:p>
+            <a:fld id="{981D5A7C-6207-499C-AB20-37C4B4B2E810}" type="slidenum">
+              <a:rPr lang="en-US" smtClean="0"/>
+              <a:t>18</a:t>
+            </a:fld>
+            <a:endParaRPr lang="en-US"/>
+          </a:p>
+        </p:txBody>
+      </p:sp>
+    </p:spTree>
+    <p:extLst>
+      <p:ext uri="{BB962C8B-B14F-4D97-AF65-F5344CB8AC3E}">
+        <p14:creationId xmlns:p14="http://schemas.microsoft.com/office/powerpoint/2010/main" val="937141648"/>
+      </p:ext>
+    </p:extLst>
+  </p:cSld>
+  <p:clrMapOvr>
+    <a:masterClrMapping/>
+  </p:clrMapOvr>
+</p:sld>
+</file>
+
+<file path=ppt/slides/slide19.xml><?xml version="1.0" encoding="utf-8"?>
+<p:sld xmlns:a="http://schemas.openxmlformats.org/drawingml/2006/main" xmlns:r="http://schemas.openxmlformats.org/officeDocument/2006/relationships" xmlns:p="http://schemas.openxmlformats.org/presentationml/2006/main">
+  <p:cSld>
+    <p:spTree>
+      <p:nvGrpSpPr>
+        <p:cNvPr id="1" name=""/>
+        <p:cNvGrpSpPr/>
+        <p:nvPr/>
+      </p:nvGrpSpPr>
+      <p:grpSpPr>
+        <a:xfrm>
+          <a:off x="0" y="0"/>
+          <a:ext cx="0" cy="0"/>
+          <a:chOff x="0" y="0"/>
+          <a:chExt cx="0" cy="0"/>
+        </a:xfrm>
+      </p:grpSpPr>
+      <p:sp>
+        <p:nvSpPr>
+          <p:cNvPr id="2" name="Title 1"/>
+          <p:cNvSpPr>
+            <a:spLocks noGrp="1"/>
+          </p:cNvSpPr>
+          <p:nvPr>
+            <p:ph type="title"/>
+          </p:nvPr>
+        </p:nvSpPr>
+        <p:spPr/>
+        <p:txBody>
+          <a:bodyPr/>
+          <a:lstStyle/>
+          <a:p>
+            <a:r>
+              <a:rPr lang="en-US" dirty="0" smtClean="0"/>
+              <a:t>Reading R&amp;R</a:t>
+            </a:r>
+            <a:endParaRPr lang="en-US" dirty="0"/>
+          </a:p>
+        </p:txBody>
+      </p:sp>
+      <p:sp>
+        <p:nvSpPr>
+          <p:cNvPr id="3" name="Footer Placeholder 2"/>
+          <p:cNvSpPr>
+            <a:spLocks noGrp="1"/>
+          </p:cNvSpPr>
+          <p:nvPr>
+            <p:ph type="ftr" sz="quarter" idx="11"/>
+          </p:nvPr>
+        </p:nvSpPr>
+        <p:spPr/>
+        <p:txBody>
+          <a:bodyPr/>
+          <a:lstStyle/>
+          <a:p>
+            <a:r>
+              <a:rPr lang="en-US" smtClean="0"/>
+              <a:t>github.com/HEGSRR  doi.org/10.17605/OSF.IO/C5A2R</a:t>
+            </a:r>
+            <a:endParaRPr lang="en-US"/>
+          </a:p>
+        </p:txBody>
+      </p:sp>
+      <p:sp>
+        <p:nvSpPr>
+          <p:cNvPr id="4" name="Slide Number Placeholder 3"/>
+          <p:cNvSpPr>
+            <a:spLocks noGrp="1"/>
+          </p:cNvSpPr>
+          <p:nvPr>
+            <p:ph type="sldNum" sz="quarter" idx="12"/>
+          </p:nvPr>
+        </p:nvSpPr>
+        <p:spPr/>
+        <p:txBody>
+          <a:bodyPr>
+            <a:normAutofit lnSpcReduction="10000"/>
+          </a:bodyPr>
+          <a:lstStyle/>
+          <a:p>
+            <a:fld id="{981D5A7C-6207-499C-AB20-37C4B4B2E810}" type="slidenum">
+              <a:rPr lang="en-US" smtClean="0"/>
+              <a:t>19</a:t>
             </a:fld>
             <a:endParaRPr lang="en-US"/>
           </a:p>
@@ -4228,317 +5952,6 @@
 </p:sld>
 </file>
 
-<file path=ppt/slides/slide11.xml><?xml version="1.0" encoding="utf-8"?>
-<p:sld xmlns:a="http://schemas.openxmlformats.org/drawingml/2006/main" xmlns:r="http://schemas.openxmlformats.org/officeDocument/2006/relationships" xmlns:p="http://schemas.openxmlformats.org/presentationml/2006/main">
-  <p:cSld>
-    <p:spTree>
-      <p:nvGrpSpPr>
-        <p:cNvPr id="1" name=""/>
-        <p:cNvGrpSpPr/>
-        <p:nvPr/>
-      </p:nvGrpSpPr>
-      <p:grpSpPr>
-        <a:xfrm>
-          <a:off x="0" y="0"/>
-          <a:ext cx="0" cy="0"/>
-          <a:chOff x="0" y="0"/>
-          <a:chExt cx="0" cy="0"/>
-        </a:xfrm>
-      </p:grpSpPr>
-      <p:sp>
-        <p:nvSpPr>
-          <p:cNvPr id="2" name="Title 1"/>
-          <p:cNvSpPr>
-            <a:spLocks noGrp="1"/>
-          </p:cNvSpPr>
-          <p:nvPr>
-            <p:ph type="title"/>
-          </p:nvPr>
-        </p:nvSpPr>
-        <p:spPr/>
-        <p:txBody>
-          <a:bodyPr/>
-          <a:lstStyle/>
-          <a:p>
-            <a:r>
-              <a:rPr lang="en-US" dirty="0" smtClean="0"/>
-              <a:t>Improving R&amp;R</a:t>
-            </a:r>
-            <a:endParaRPr lang="en-US" dirty="0"/>
-          </a:p>
-        </p:txBody>
-      </p:sp>
-      <p:sp>
-        <p:nvSpPr>
-          <p:cNvPr id="3" name="Footer Placeholder 2"/>
-          <p:cNvSpPr>
-            <a:spLocks noGrp="1"/>
-          </p:cNvSpPr>
-          <p:nvPr>
-            <p:ph type="ftr" sz="quarter" idx="11"/>
-          </p:nvPr>
-        </p:nvSpPr>
-        <p:spPr/>
-        <p:txBody>
-          <a:bodyPr/>
-          <a:lstStyle/>
-          <a:p>
-            <a:r>
-              <a:rPr lang="en-US" smtClean="0"/>
-              <a:t>github.com/HEGSRR  doi.org/10.17605/OSF.IO/C5A2R</a:t>
-            </a:r>
-            <a:endParaRPr lang="en-US"/>
-          </a:p>
-        </p:txBody>
-      </p:sp>
-      <p:sp>
-        <p:nvSpPr>
-          <p:cNvPr id="4" name="Slide Number Placeholder 3"/>
-          <p:cNvSpPr>
-            <a:spLocks noGrp="1"/>
-          </p:cNvSpPr>
-          <p:nvPr>
-            <p:ph type="sldNum" sz="quarter" idx="12"/>
-          </p:nvPr>
-        </p:nvSpPr>
-        <p:spPr/>
-        <p:txBody>
-          <a:bodyPr>
-            <a:normAutofit lnSpcReduction="10000"/>
-          </a:bodyPr>
-          <a:lstStyle/>
-          <a:p>
-            <a:fld id="{981D5A7C-6207-499C-AB20-37C4B4B2E810}" type="slidenum">
-              <a:rPr lang="en-US" smtClean="0"/>
-              <a:t>11</a:t>
-            </a:fld>
-            <a:endParaRPr lang="en-US"/>
-          </a:p>
-        </p:txBody>
-      </p:sp>
-      <p:sp>
-        <p:nvSpPr>
-          <p:cNvPr id="5" name="Content Placeholder 4"/>
-          <p:cNvSpPr>
-            <a:spLocks noGrp="1"/>
-          </p:cNvSpPr>
-          <p:nvPr>
-            <p:ph idx="1"/>
-          </p:nvPr>
-        </p:nvSpPr>
-        <p:spPr/>
-        <p:txBody>
-          <a:bodyPr>
-            <a:normAutofit fontScale="85000" lnSpcReduction="20000"/>
-          </a:bodyPr>
-          <a:lstStyle/>
-          <a:p>
-            <a:r>
-              <a:rPr lang="en-US" dirty="0" smtClean="0"/>
-              <a:t>Preregister research plan</a:t>
-            </a:r>
-          </a:p>
-          <a:p>
-            <a:r>
-              <a:rPr lang="en-US" dirty="0" smtClean="0"/>
-              <a:t>Data</a:t>
-            </a:r>
-          </a:p>
-          <a:p>
-            <a:pPr lvl="1"/>
-            <a:r>
-              <a:rPr lang="en-US" dirty="0" smtClean="0"/>
-              <a:t>raw, preprocessed, and results</a:t>
-            </a:r>
-          </a:p>
-          <a:p>
-            <a:pPr lvl="1"/>
-            <a:r>
-              <a:rPr lang="en-US" dirty="0" smtClean="0"/>
-              <a:t>metadata</a:t>
-            </a:r>
-          </a:p>
-          <a:p>
-            <a:r>
-              <a:rPr lang="en-US" dirty="0" smtClean="0"/>
-              <a:t>Code</a:t>
-            </a:r>
-          </a:p>
-          <a:p>
-            <a:pPr lvl="1"/>
-            <a:r>
-              <a:rPr lang="en-US" dirty="0" smtClean="0"/>
-              <a:t>computational notebook</a:t>
-            </a:r>
-          </a:p>
-          <a:p>
-            <a:pPr lvl="1"/>
-            <a:r>
-              <a:rPr lang="en-US" dirty="0" smtClean="0"/>
-              <a:t>legibility</a:t>
-            </a:r>
-          </a:p>
-          <a:p>
-            <a:r>
-              <a:rPr lang="en-US" dirty="0" smtClean="0"/>
-              <a:t>Processing environment</a:t>
-            </a:r>
-          </a:p>
-          <a:p>
-            <a:pPr lvl="1"/>
-            <a:r>
-              <a:rPr lang="en-US" dirty="0" smtClean="0"/>
-              <a:t>Open source software</a:t>
-            </a:r>
-          </a:p>
-          <a:p>
-            <a:pPr lvl="1"/>
-            <a:r>
-              <a:rPr lang="en-US" dirty="0" smtClean="0"/>
-              <a:t>Specify or containerize environment</a:t>
-            </a:r>
-          </a:p>
-          <a:p>
-            <a:r>
-              <a:rPr lang="en-US" dirty="0" smtClean="0"/>
-              <a:t>Publish with open license &amp; persistent identifier (e.g. DOI)</a:t>
-            </a:r>
-          </a:p>
-          <a:p>
-            <a:pPr lvl="1"/>
-            <a:endParaRPr lang="en-US" dirty="0"/>
-          </a:p>
-        </p:txBody>
-      </p:sp>
-    </p:spTree>
-    <p:extLst>
-      <p:ext uri="{BB962C8B-B14F-4D97-AF65-F5344CB8AC3E}">
-        <p14:creationId xmlns:p14="http://schemas.microsoft.com/office/powerpoint/2010/main" val="1726238140"/>
-      </p:ext>
-    </p:extLst>
-  </p:cSld>
-  <p:clrMapOvr>
-    <a:masterClrMapping/>
-  </p:clrMapOvr>
-</p:sld>
-</file>
-
-<file path=ppt/slides/slide12.xml><?xml version="1.0" encoding="utf-8"?>
-<p:sld xmlns:a="http://schemas.openxmlformats.org/drawingml/2006/main" xmlns:r="http://schemas.openxmlformats.org/officeDocument/2006/relationships" xmlns:p="http://schemas.openxmlformats.org/presentationml/2006/main">
-  <p:cSld>
-    <p:spTree>
-      <p:nvGrpSpPr>
-        <p:cNvPr id="1" name=""/>
-        <p:cNvGrpSpPr/>
-        <p:nvPr/>
-      </p:nvGrpSpPr>
-      <p:grpSpPr>
-        <a:xfrm>
-          <a:off x="0" y="0"/>
-          <a:ext cx="0" cy="0"/>
-          <a:chOff x="0" y="0"/>
-          <a:chExt cx="0" cy="0"/>
-        </a:xfrm>
-      </p:grpSpPr>
-      <p:sp>
-        <p:nvSpPr>
-          <p:cNvPr id="2" name="Title 1"/>
-          <p:cNvSpPr>
-            <a:spLocks noGrp="1"/>
-          </p:cNvSpPr>
-          <p:nvPr>
-            <p:ph type="title"/>
-          </p:nvPr>
-        </p:nvSpPr>
-        <p:spPr/>
-        <p:txBody>
-          <a:bodyPr/>
-          <a:lstStyle/>
-          <a:p>
-            <a:endParaRPr lang="en-US"/>
-          </a:p>
-        </p:txBody>
-      </p:sp>
-      <p:sp>
-        <p:nvSpPr>
-          <p:cNvPr id="3" name="Footer Placeholder 2"/>
-          <p:cNvSpPr>
-            <a:spLocks noGrp="1"/>
-          </p:cNvSpPr>
-          <p:nvPr>
-            <p:ph type="ftr" sz="quarter" idx="11"/>
-          </p:nvPr>
-        </p:nvSpPr>
-        <p:spPr/>
-        <p:txBody>
-          <a:bodyPr/>
-          <a:lstStyle/>
-          <a:p>
-            <a:r>
-              <a:rPr lang="en-US" smtClean="0"/>
-              <a:t>github.com/HEGSRR  doi.org/10.17605/OSF.IO/C5A2R</a:t>
-            </a:r>
-            <a:endParaRPr lang="en-US"/>
-          </a:p>
-        </p:txBody>
-      </p:sp>
-      <p:sp>
-        <p:nvSpPr>
-          <p:cNvPr id="4" name="Slide Number Placeholder 3"/>
-          <p:cNvSpPr>
-            <a:spLocks noGrp="1"/>
-          </p:cNvSpPr>
-          <p:nvPr>
-            <p:ph type="sldNum" sz="quarter" idx="12"/>
-          </p:nvPr>
-        </p:nvSpPr>
-        <p:spPr/>
-        <p:txBody>
-          <a:bodyPr>
-            <a:normAutofit lnSpcReduction="10000"/>
-          </a:bodyPr>
-          <a:lstStyle/>
-          <a:p>
-            <a:fld id="{981D5A7C-6207-499C-AB20-37C4B4B2E810}" type="slidenum">
-              <a:rPr lang="en-US" smtClean="0"/>
-              <a:t>12</a:t>
-            </a:fld>
-            <a:endParaRPr lang="en-US"/>
-          </a:p>
-        </p:txBody>
-      </p:sp>
-      <p:sp>
-        <p:nvSpPr>
-          <p:cNvPr id="5" name="Content Placeholder 4"/>
-          <p:cNvSpPr>
-            <a:spLocks noGrp="1"/>
-          </p:cNvSpPr>
-          <p:nvPr>
-            <p:ph idx="1"/>
-          </p:nvPr>
-        </p:nvSpPr>
-        <p:spPr/>
-        <p:txBody>
-          <a:bodyPr/>
-          <a:lstStyle/>
-          <a:p>
-            <a:endParaRPr lang="en-US"/>
-          </a:p>
-        </p:txBody>
-      </p:sp>
-    </p:spTree>
-    <p:extLst>
-      <p:ext uri="{BB962C8B-B14F-4D97-AF65-F5344CB8AC3E}">
-        <p14:creationId xmlns:p14="http://schemas.microsoft.com/office/powerpoint/2010/main" val="1699781817"/>
-      </p:ext>
-    </p:extLst>
-  </p:cSld>
-  <p:clrMapOvr>
-    <a:masterClrMapping/>
-  </p:clrMapOvr>
-</p:sld>
-</file>
-
 <file path=ppt/slides/slide2.xml><?xml version="1.0" encoding="utf-8"?>
 <p:sld xmlns:a="http://schemas.openxmlformats.org/drawingml/2006/main" xmlns:r="http://schemas.openxmlformats.org/officeDocument/2006/relationships" xmlns:p="http://schemas.openxmlformats.org/presentationml/2006/main">
   <p:cSld>
@@ -4601,11 +6014,7 @@
           <a:p>
             <a:r>
               <a:rPr lang="en-US" dirty="0" smtClean="0"/>
-              <a:t>NSF </a:t>
-            </a:r>
-            <a:r>
-              <a:rPr lang="en-US" dirty="0" smtClean="0"/>
-              <a:t>BCS-2049837</a:t>
+              <a:t>NSF BCS-2049837</a:t>
             </a:r>
             <a:r>
               <a:rPr lang="en-US" dirty="0"/>
@@ -4666,7 +6075,6 @@
               <a:rPr lang="en-US" dirty="0"/>
               <a:t>OAC-1743184</a:t>
             </a:r>
-            <a:endParaRPr lang="en-US" dirty="0"/>
           </a:p>
         </p:txBody>
       </p:sp>
@@ -4722,6 +6130,1230 @@
     <p:extLst>
       <p:ext uri="{BB962C8B-B14F-4D97-AF65-F5344CB8AC3E}">
         <p14:creationId xmlns:p14="http://schemas.microsoft.com/office/powerpoint/2010/main" val="3265737462"/>
+      </p:ext>
+    </p:extLst>
+  </p:cSld>
+  <p:clrMapOvr>
+    <a:masterClrMapping/>
+  </p:clrMapOvr>
+</p:sld>
+</file>
+
+<file path=ppt/slides/slide20.xml><?xml version="1.0" encoding="utf-8"?>
+<p:sld xmlns:a="http://schemas.openxmlformats.org/drawingml/2006/main" xmlns:r="http://schemas.openxmlformats.org/officeDocument/2006/relationships" xmlns:p="http://schemas.openxmlformats.org/presentationml/2006/main">
+  <p:cSld>
+    <p:spTree>
+      <p:nvGrpSpPr>
+        <p:cNvPr id="1" name=""/>
+        <p:cNvGrpSpPr/>
+        <p:nvPr/>
+      </p:nvGrpSpPr>
+      <p:grpSpPr>
+        <a:xfrm>
+          <a:off x="0" y="0"/>
+          <a:ext cx="0" cy="0"/>
+          <a:chOff x="0" y="0"/>
+          <a:chExt cx="0" cy="0"/>
+        </a:xfrm>
+      </p:grpSpPr>
+      <p:sp>
+        <p:nvSpPr>
+          <p:cNvPr id="2" name="Title 1"/>
+          <p:cNvSpPr>
+            <a:spLocks noGrp="1"/>
+          </p:cNvSpPr>
+          <p:nvPr>
+            <p:ph type="title"/>
+          </p:nvPr>
+        </p:nvSpPr>
+        <p:spPr/>
+        <p:txBody>
+          <a:bodyPr/>
+          <a:lstStyle/>
+          <a:p>
+            <a:r>
+              <a:rPr lang="en-US" dirty="0" smtClean="0"/>
+              <a:t>Vision for R&amp;R in Geography</a:t>
+            </a:r>
+            <a:endParaRPr lang="en-US" dirty="0"/>
+          </a:p>
+        </p:txBody>
+      </p:sp>
+      <p:sp>
+        <p:nvSpPr>
+          <p:cNvPr id="3" name="Footer Placeholder 2"/>
+          <p:cNvSpPr>
+            <a:spLocks noGrp="1"/>
+          </p:cNvSpPr>
+          <p:nvPr>
+            <p:ph type="ftr" sz="quarter" idx="11"/>
+          </p:nvPr>
+        </p:nvSpPr>
+        <p:spPr/>
+        <p:txBody>
+          <a:bodyPr/>
+          <a:lstStyle/>
+          <a:p>
+            <a:r>
+              <a:rPr lang="en-US" smtClean="0"/>
+              <a:t>github.com/HEGSRR  doi.org/10.17605/OSF.IO/C5A2R</a:t>
+            </a:r>
+            <a:endParaRPr lang="en-US"/>
+          </a:p>
+        </p:txBody>
+      </p:sp>
+      <p:sp>
+        <p:nvSpPr>
+          <p:cNvPr id="4" name="Slide Number Placeholder 3"/>
+          <p:cNvSpPr>
+            <a:spLocks noGrp="1"/>
+          </p:cNvSpPr>
+          <p:nvPr>
+            <p:ph type="sldNum" sz="quarter" idx="12"/>
+          </p:nvPr>
+        </p:nvSpPr>
+        <p:spPr/>
+        <p:txBody>
+          <a:bodyPr>
+            <a:normAutofit lnSpcReduction="10000"/>
+          </a:bodyPr>
+          <a:lstStyle/>
+          <a:p>
+            <a:fld id="{981D5A7C-6207-499C-AB20-37C4B4B2E810}" type="slidenum">
+              <a:rPr lang="en-US" smtClean="0"/>
+              <a:t>20</a:t>
+            </a:fld>
+            <a:endParaRPr lang="en-US"/>
+          </a:p>
+        </p:txBody>
+      </p:sp>
+      <p:sp>
+        <p:nvSpPr>
+          <p:cNvPr id="5" name="Content Placeholder 4"/>
+          <p:cNvSpPr>
+            <a:spLocks noGrp="1"/>
+          </p:cNvSpPr>
+          <p:nvPr>
+            <p:ph idx="1"/>
+          </p:nvPr>
+        </p:nvSpPr>
+        <p:spPr/>
+        <p:txBody>
+          <a:bodyPr>
+            <a:normAutofit lnSpcReduction="10000"/>
+          </a:bodyPr>
+          <a:lstStyle/>
+          <a:p>
+            <a:r>
+              <a:rPr lang="en-US" dirty="0" smtClean="0"/>
+              <a:t>Studies are preregistered, conducted with open source software, published with permissible licenses, and attached to executable compendia</a:t>
+            </a:r>
+          </a:p>
+          <a:p>
+            <a:r>
+              <a:rPr lang="en-US" dirty="0" smtClean="0"/>
+              <a:t>Reproduction and replication studies are encouraged and published by preeminent journals</a:t>
+            </a:r>
+          </a:p>
+          <a:p>
+            <a:r>
+              <a:rPr lang="en-US" dirty="0" smtClean="0"/>
+              <a:t>Students learn contemporary methods and classic theories through reproductions and replications</a:t>
+            </a:r>
+          </a:p>
+          <a:p>
+            <a:r>
+              <a:rPr lang="en-US" dirty="0" smtClean="0"/>
+              <a:t>Students conduct and publish reproductions and replications</a:t>
+            </a:r>
+          </a:p>
+          <a:p>
+            <a:endParaRPr lang="en-US" dirty="0"/>
+          </a:p>
+        </p:txBody>
+      </p:sp>
+    </p:spTree>
+    <p:extLst>
+      <p:ext uri="{BB962C8B-B14F-4D97-AF65-F5344CB8AC3E}">
+        <p14:creationId xmlns:p14="http://schemas.microsoft.com/office/powerpoint/2010/main" val="2281751692"/>
+      </p:ext>
+    </p:extLst>
+  </p:cSld>
+  <p:clrMapOvr>
+    <a:masterClrMapping/>
+  </p:clrMapOvr>
+</p:sld>
+</file>
+
+<file path=ppt/slides/slide21.xml><?xml version="1.0" encoding="utf-8"?>
+<p:sld xmlns:a="http://schemas.openxmlformats.org/drawingml/2006/main" xmlns:r="http://schemas.openxmlformats.org/officeDocument/2006/relationships" xmlns:p="http://schemas.openxmlformats.org/presentationml/2006/main">
+  <p:cSld>
+    <p:spTree>
+      <p:nvGrpSpPr>
+        <p:cNvPr id="1" name=""/>
+        <p:cNvGrpSpPr/>
+        <p:nvPr/>
+      </p:nvGrpSpPr>
+      <p:grpSpPr>
+        <a:xfrm>
+          <a:off x="0" y="0"/>
+          <a:ext cx="0" cy="0"/>
+          <a:chOff x="0" y="0"/>
+          <a:chExt cx="0" cy="0"/>
+        </a:xfrm>
+      </p:grpSpPr>
+      <p:sp>
+        <p:nvSpPr>
+          <p:cNvPr id="2" name="Title 1"/>
+          <p:cNvSpPr>
+            <a:spLocks noGrp="1"/>
+          </p:cNvSpPr>
+          <p:nvPr>
+            <p:ph type="title"/>
+          </p:nvPr>
+        </p:nvSpPr>
+        <p:spPr/>
+        <p:txBody>
+          <a:bodyPr>
+            <a:normAutofit/>
+          </a:bodyPr>
+          <a:lstStyle/>
+          <a:p>
+            <a:r>
+              <a:rPr lang="en-US" sz="4800" b="1" dirty="0"/>
+              <a:t>Template for </a:t>
+            </a:r>
+            <a:r>
+              <a:rPr lang="en-US" sz="4800" b="1" dirty="0" smtClean="0"/>
+              <a:t/>
+            </a:r>
+            <a:br>
+              <a:rPr lang="en-US" sz="4800" b="1" dirty="0" smtClean="0"/>
+            </a:br>
+            <a:r>
+              <a:rPr lang="en-US" sz="4800" b="1" dirty="0" smtClean="0"/>
+              <a:t>R&amp;R Research </a:t>
+            </a:r>
+            <a:r>
+              <a:rPr lang="en-US" sz="4800" b="1" dirty="0"/>
+              <a:t>in </a:t>
+            </a:r>
+            <a:r>
+              <a:rPr lang="en-US" sz="4800" b="1" dirty="0" smtClean="0"/>
+              <a:t>HEGS</a:t>
+            </a:r>
+            <a:endParaRPr lang="en-US" sz="4800" b="1" dirty="0">
+              <a:effectLst/>
+            </a:endParaRPr>
+          </a:p>
+        </p:txBody>
+      </p:sp>
+      <p:sp>
+        <p:nvSpPr>
+          <p:cNvPr id="4" name="Text Placeholder 3"/>
+          <p:cNvSpPr>
+            <a:spLocks noGrp="1"/>
+          </p:cNvSpPr>
+          <p:nvPr>
+            <p:ph type="body" idx="1"/>
+          </p:nvPr>
+        </p:nvSpPr>
+        <p:spPr/>
+        <p:txBody>
+          <a:bodyPr/>
+          <a:lstStyle/>
+          <a:p>
+            <a:endParaRPr lang="en-US" dirty="0"/>
+          </a:p>
+        </p:txBody>
+      </p:sp>
+    </p:spTree>
+    <p:extLst>
+      <p:ext uri="{BB962C8B-B14F-4D97-AF65-F5344CB8AC3E}">
+        <p14:creationId xmlns:p14="http://schemas.microsoft.com/office/powerpoint/2010/main" val="728304785"/>
+      </p:ext>
+    </p:extLst>
+  </p:cSld>
+  <p:clrMapOvr>
+    <a:masterClrMapping/>
+  </p:clrMapOvr>
+</p:sld>
+</file>
+
+<file path=ppt/slides/slide22.xml><?xml version="1.0" encoding="utf-8"?>
+<p:sld xmlns:a="http://schemas.openxmlformats.org/drawingml/2006/main" xmlns:r="http://schemas.openxmlformats.org/officeDocument/2006/relationships" xmlns:p="http://schemas.openxmlformats.org/presentationml/2006/main">
+  <p:cSld>
+    <p:spTree>
+      <p:nvGrpSpPr>
+        <p:cNvPr id="1" name=""/>
+        <p:cNvGrpSpPr/>
+        <p:nvPr/>
+      </p:nvGrpSpPr>
+      <p:grpSpPr>
+        <a:xfrm>
+          <a:off x="0" y="0"/>
+          <a:ext cx="0" cy="0"/>
+          <a:chOff x="0" y="0"/>
+          <a:chExt cx="0" cy="0"/>
+        </a:xfrm>
+      </p:grpSpPr>
+      <p:sp>
+        <p:nvSpPr>
+          <p:cNvPr id="6" name="Title 5"/>
+          <p:cNvSpPr>
+            <a:spLocks noGrp="1"/>
+          </p:cNvSpPr>
+          <p:nvPr>
+            <p:ph type="title"/>
+          </p:nvPr>
+        </p:nvSpPr>
+        <p:spPr/>
+        <p:txBody>
+          <a:bodyPr/>
+          <a:lstStyle/>
+          <a:p>
+            <a:r>
+              <a:rPr lang="en-US" dirty="0" smtClean="0"/>
+              <a:t>(Executable) Research Compendium</a:t>
+            </a:r>
+            <a:endParaRPr lang="en-US" dirty="0"/>
+          </a:p>
+        </p:txBody>
+      </p:sp>
+      <p:sp>
+        <p:nvSpPr>
+          <p:cNvPr id="4" name="Footer Placeholder 3"/>
+          <p:cNvSpPr>
+            <a:spLocks noGrp="1"/>
+          </p:cNvSpPr>
+          <p:nvPr>
+            <p:ph type="ftr" sz="quarter" idx="11"/>
+          </p:nvPr>
+        </p:nvSpPr>
+        <p:spPr/>
+        <p:txBody>
+          <a:bodyPr/>
+          <a:lstStyle/>
+          <a:p>
+            <a:r>
+              <a:rPr lang="en-US" smtClean="0"/>
+              <a:t>github.com/HEGSRR  doi.org/10.17605/OSF.IO/C5A2R</a:t>
+            </a:r>
+            <a:endParaRPr lang="en-US"/>
+          </a:p>
+        </p:txBody>
+      </p:sp>
+      <p:sp>
+        <p:nvSpPr>
+          <p:cNvPr id="5" name="Slide Number Placeholder 4"/>
+          <p:cNvSpPr>
+            <a:spLocks noGrp="1"/>
+          </p:cNvSpPr>
+          <p:nvPr>
+            <p:ph type="sldNum" sz="quarter" idx="12"/>
+          </p:nvPr>
+        </p:nvSpPr>
+        <p:spPr/>
+        <p:txBody>
+          <a:bodyPr>
+            <a:normAutofit lnSpcReduction="10000"/>
+          </a:bodyPr>
+          <a:lstStyle/>
+          <a:p>
+            <a:fld id="{981D5A7C-6207-499C-AB20-37C4B4B2E810}" type="slidenum">
+              <a:rPr lang="en-US" smtClean="0"/>
+              <a:t>22</a:t>
+            </a:fld>
+            <a:endParaRPr lang="en-US"/>
+          </a:p>
+        </p:txBody>
+      </p:sp>
+      <p:sp>
+        <p:nvSpPr>
+          <p:cNvPr id="7" name="Content Placeholder 6"/>
+          <p:cNvSpPr>
+            <a:spLocks noGrp="1"/>
+          </p:cNvSpPr>
+          <p:nvPr>
+            <p:ph idx="1"/>
+          </p:nvPr>
+        </p:nvSpPr>
+        <p:spPr/>
+        <p:txBody>
+          <a:bodyPr/>
+          <a:lstStyle/>
+          <a:p>
+            <a:r>
+              <a:rPr lang="en-US" dirty="0" smtClean="0"/>
+              <a:t>Computational Notebook: Narrative and Code</a:t>
+            </a:r>
+          </a:p>
+          <a:p>
+            <a:r>
+              <a:rPr lang="en-US" dirty="0" smtClean="0"/>
+              <a:t>Data</a:t>
+            </a:r>
+          </a:p>
+          <a:p>
+            <a:r>
+              <a:rPr lang="en-US" dirty="0" smtClean="0"/>
+              <a:t>Processing Environment</a:t>
+            </a:r>
+          </a:p>
+          <a:p>
+            <a:r>
+              <a:rPr lang="en-US" dirty="0" smtClean="0"/>
+              <a:t>Metadata</a:t>
+            </a:r>
+          </a:p>
+          <a:p>
+            <a:r>
+              <a:rPr lang="en-US" dirty="0" smtClean="0"/>
+              <a:t>License</a:t>
+            </a:r>
+          </a:p>
+          <a:p>
+            <a:r>
+              <a:rPr lang="en-US" dirty="0" smtClean="0"/>
+              <a:t>Compile: Markdown </a:t>
+            </a:r>
+            <a:r>
+              <a:rPr lang="en-US" dirty="0" smtClean="0">
+                <a:sym typeface="Wingdings" panose="05000000000000000000" pitchFamily="2" charset="2"/>
+              </a:rPr>
+              <a:t> </a:t>
+            </a:r>
+            <a:r>
+              <a:rPr lang="en-US" dirty="0" err="1" smtClean="0"/>
+              <a:t>LaTeX</a:t>
+            </a:r>
+            <a:r>
+              <a:rPr lang="en-US" dirty="0" smtClean="0"/>
+              <a:t> </a:t>
+            </a:r>
+            <a:r>
+              <a:rPr lang="en-US" dirty="0">
+                <a:sym typeface="Wingdings" panose="05000000000000000000" pitchFamily="2" charset="2"/>
+              </a:rPr>
+              <a:t></a:t>
+            </a:r>
+            <a:r>
+              <a:rPr lang="en-US" dirty="0" smtClean="0"/>
+              <a:t> Publication &amp; Website</a:t>
+            </a:r>
+          </a:p>
+        </p:txBody>
+      </p:sp>
+    </p:spTree>
+    <p:extLst>
+      <p:ext uri="{BB962C8B-B14F-4D97-AF65-F5344CB8AC3E}">
+        <p14:creationId xmlns:p14="http://schemas.microsoft.com/office/powerpoint/2010/main" val="2689614884"/>
+      </p:ext>
+    </p:extLst>
+  </p:cSld>
+  <p:clrMapOvr>
+    <a:masterClrMapping/>
+  </p:clrMapOvr>
+</p:sld>
+</file>
+
+<file path=ppt/slides/slide23.xml><?xml version="1.0" encoding="utf-8"?>
+<p:sld xmlns:a="http://schemas.openxmlformats.org/drawingml/2006/main" xmlns:r="http://schemas.openxmlformats.org/officeDocument/2006/relationships" xmlns:p="http://schemas.openxmlformats.org/presentationml/2006/main">
+  <p:cSld>
+    <p:spTree>
+      <p:nvGrpSpPr>
+        <p:cNvPr id="1" name=""/>
+        <p:cNvGrpSpPr/>
+        <p:nvPr/>
+      </p:nvGrpSpPr>
+      <p:grpSpPr>
+        <a:xfrm>
+          <a:off x="0" y="0"/>
+          <a:ext cx="0" cy="0"/>
+          <a:chOff x="0" y="0"/>
+          <a:chExt cx="0" cy="0"/>
+        </a:xfrm>
+      </p:grpSpPr>
+      <p:sp>
+        <p:nvSpPr>
+          <p:cNvPr id="2" name="Title 1"/>
+          <p:cNvSpPr>
+            <a:spLocks noGrp="1"/>
+          </p:cNvSpPr>
+          <p:nvPr>
+            <p:ph type="title"/>
+          </p:nvPr>
+        </p:nvSpPr>
+        <p:spPr/>
+        <p:txBody>
+          <a:bodyPr>
+            <a:normAutofit fontScale="90000"/>
+          </a:bodyPr>
+          <a:lstStyle/>
+          <a:p>
+            <a:r>
+              <a:rPr lang="en-US" dirty="0" smtClean="0"/>
+              <a:t>The Spatial Scan Statistic: </a:t>
+            </a:r>
+            <a:br>
+              <a:rPr lang="en-US" dirty="0" smtClean="0"/>
+            </a:br>
+            <a:r>
+              <a:rPr lang="en-US" dirty="0" err="1" smtClean="0"/>
+              <a:t>SaTScan</a:t>
+            </a:r>
+            <a:r>
+              <a:rPr lang="en-US" dirty="0" smtClean="0"/>
+              <a:t> &amp; </a:t>
+            </a:r>
+            <a:r>
+              <a:rPr lang="en-US" dirty="0" err="1" smtClean="0"/>
+              <a:t>SpatialEpi</a:t>
+            </a:r>
+            <a:endParaRPr lang="en-US" dirty="0"/>
+          </a:p>
+        </p:txBody>
+      </p:sp>
+      <p:sp>
+        <p:nvSpPr>
+          <p:cNvPr id="3" name="Text Placeholder 2"/>
+          <p:cNvSpPr>
+            <a:spLocks noGrp="1"/>
+          </p:cNvSpPr>
+          <p:nvPr>
+            <p:ph type="body" idx="1"/>
+          </p:nvPr>
+        </p:nvSpPr>
+        <p:spPr/>
+        <p:txBody>
+          <a:bodyPr/>
+          <a:lstStyle/>
+          <a:p>
+            <a:endParaRPr lang="en-US"/>
+          </a:p>
+        </p:txBody>
+      </p:sp>
+      <p:sp>
+        <p:nvSpPr>
+          <p:cNvPr id="4" name="Footer Placeholder 3"/>
+          <p:cNvSpPr>
+            <a:spLocks noGrp="1"/>
+          </p:cNvSpPr>
+          <p:nvPr>
+            <p:ph type="ftr" sz="quarter" idx="11"/>
+          </p:nvPr>
+        </p:nvSpPr>
+        <p:spPr/>
+        <p:txBody>
+          <a:bodyPr/>
+          <a:lstStyle/>
+          <a:p>
+            <a:r>
+              <a:rPr lang="en-US" smtClean="0"/>
+              <a:t>github.com/HEGSRR  doi.org/10.17605/OSF.IO/C5A2R</a:t>
+            </a:r>
+            <a:endParaRPr lang="en-US"/>
+          </a:p>
+        </p:txBody>
+      </p:sp>
+      <p:sp>
+        <p:nvSpPr>
+          <p:cNvPr id="5" name="Slide Number Placeholder 4"/>
+          <p:cNvSpPr>
+            <a:spLocks noGrp="1"/>
+          </p:cNvSpPr>
+          <p:nvPr>
+            <p:ph type="sldNum" sz="quarter" idx="12"/>
+          </p:nvPr>
+        </p:nvSpPr>
+        <p:spPr/>
+        <p:txBody>
+          <a:bodyPr>
+            <a:normAutofit lnSpcReduction="10000"/>
+          </a:bodyPr>
+          <a:lstStyle/>
+          <a:p>
+            <a:fld id="{981D5A7C-6207-499C-AB20-37C4B4B2E810}" type="slidenum">
+              <a:rPr lang="en-US" smtClean="0"/>
+              <a:t>23</a:t>
+            </a:fld>
+            <a:endParaRPr lang="en-US"/>
+          </a:p>
+        </p:txBody>
+      </p:sp>
+    </p:spTree>
+    <p:extLst>
+      <p:ext uri="{BB962C8B-B14F-4D97-AF65-F5344CB8AC3E}">
+        <p14:creationId xmlns:p14="http://schemas.microsoft.com/office/powerpoint/2010/main" val="949268639"/>
+      </p:ext>
+    </p:extLst>
+  </p:cSld>
+  <p:clrMapOvr>
+    <a:masterClrMapping/>
+  </p:clrMapOvr>
+</p:sld>
+</file>
+
+<file path=ppt/slides/slide24.xml><?xml version="1.0" encoding="utf-8"?>
+<p:sld xmlns:a="http://schemas.openxmlformats.org/drawingml/2006/main" xmlns:r="http://schemas.openxmlformats.org/officeDocument/2006/relationships" xmlns:p="http://schemas.openxmlformats.org/presentationml/2006/main">
+  <p:cSld>
+    <p:spTree>
+      <p:nvGrpSpPr>
+        <p:cNvPr id="1" name=""/>
+        <p:cNvGrpSpPr/>
+        <p:nvPr/>
+      </p:nvGrpSpPr>
+      <p:grpSpPr>
+        <a:xfrm>
+          <a:off x="0" y="0"/>
+          <a:ext cx="0" cy="0"/>
+          <a:chOff x="0" y="0"/>
+          <a:chExt cx="0" cy="0"/>
+        </a:xfrm>
+      </p:grpSpPr>
+      <p:sp>
+        <p:nvSpPr>
+          <p:cNvPr id="6" name="Title 5"/>
+          <p:cNvSpPr>
+            <a:spLocks noGrp="1"/>
+          </p:cNvSpPr>
+          <p:nvPr>
+            <p:ph type="title"/>
+          </p:nvPr>
+        </p:nvSpPr>
+        <p:spPr/>
+        <p:txBody>
+          <a:bodyPr/>
+          <a:lstStyle/>
+          <a:p>
+            <a:r>
+              <a:rPr lang="en-US" dirty="0" err="1" smtClean="0"/>
+              <a:t>SaTScan</a:t>
+            </a:r>
+            <a:endParaRPr lang="en-US" dirty="0"/>
+          </a:p>
+        </p:txBody>
+      </p:sp>
+      <p:sp>
+        <p:nvSpPr>
+          <p:cNvPr id="4" name="Footer Placeholder 3"/>
+          <p:cNvSpPr>
+            <a:spLocks noGrp="1"/>
+          </p:cNvSpPr>
+          <p:nvPr>
+            <p:ph type="ftr" sz="quarter" idx="11"/>
+          </p:nvPr>
+        </p:nvSpPr>
+        <p:spPr/>
+        <p:txBody>
+          <a:bodyPr/>
+          <a:lstStyle/>
+          <a:p>
+            <a:r>
+              <a:rPr lang="en-US" smtClean="0"/>
+              <a:t>github.com/HEGSRR  doi.org/10.17605/OSF.IO/C5A2R</a:t>
+            </a:r>
+            <a:endParaRPr lang="en-US"/>
+          </a:p>
+        </p:txBody>
+      </p:sp>
+      <p:sp>
+        <p:nvSpPr>
+          <p:cNvPr id="5" name="Slide Number Placeholder 4"/>
+          <p:cNvSpPr>
+            <a:spLocks noGrp="1"/>
+          </p:cNvSpPr>
+          <p:nvPr>
+            <p:ph type="sldNum" sz="quarter" idx="12"/>
+          </p:nvPr>
+        </p:nvSpPr>
+        <p:spPr/>
+        <p:txBody>
+          <a:bodyPr>
+            <a:normAutofit lnSpcReduction="10000"/>
+          </a:bodyPr>
+          <a:lstStyle/>
+          <a:p>
+            <a:fld id="{981D5A7C-6207-499C-AB20-37C4B4B2E810}" type="slidenum">
+              <a:rPr lang="en-US" smtClean="0"/>
+              <a:t>24</a:t>
+            </a:fld>
+            <a:endParaRPr lang="en-US"/>
+          </a:p>
+        </p:txBody>
+      </p:sp>
+      <p:sp>
+        <p:nvSpPr>
+          <p:cNvPr id="7" name="Content Placeholder 6"/>
+          <p:cNvSpPr>
+            <a:spLocks noGrp="1"/>
+          </p:cNvSpPr>
+          <p:nvPr>
+            <p:ph idx="1"/>
+          </p:nvPr>
+        </p:nvSpPr>
+        <p:spPr/>
+        <p:txBody>
+          <a:bodyPr>
+            <a:normAutofit fontScale="85000" lnSpcReduction="20000"/>
+          </a:bodyPr>
+          <a:lstStyle/>
+          <a:p>
+            <a:r>
+              <a:rPr lang="en-US" dirty="0" smtClean="0"/>
+              <a:t>Free</a:t>
+            </a:r>
+          </a:p>
+          <a:p>
+            <a:r>
+              <a:rPr lang="en-US" dirty="0" smtClean="0"/>
+              <a:t>Not open source</a:t>
+            </a:r>
+          </a:p>
+          <a:p>
+            <a:r>
+              <a:rPr lang="en-US" dirty="0" smtClean="0"/>
+              <a:t>Requires three input files and many parameters</a:t>
+            </a:r>
+          </a:p>
+          <a:p>
+            <a:r>
+              <a:rPr lang="en-US" dirty="0">
+                <a:hlinkClick r:id="rId2"/>
+              </a:rPr>
+              <a:t>https://</a:t>
+            </a:r>
+            <a:r>
+              <a:rPr lang="en-US" dirty="0" smtClean="0">
+                <a:hlinkClick r:id="rId2"/>
+              </a:rPr>
+              <a:t>www.satscan.org</a:t>
+            </a:r>
+            <a:r>
+              <a:rPr lang="en-US" dirty="0" smtClean="0"/>
+              <a:t> </a:t>
+            </a:r>
+          </a:p>
+          <a:p>
+            <a:r>
+              <a:rPr lang="en-US" dirty="0" smtClean="0"/>
+              <a:t>Reproducible?</a:t>
+            </a:r>
+          </a:p>
+          <a:p>
+            <a:pPr lvl="1"/>
+            <a:r>
+              <a:rPr lang="en-US" dirty="0" smtClean="0"/>
+              <a:t>Requires manual use of multiple programs or…</a:t>
+            </a:r>
+          </a:p>
+          <a:p>
+            <a:pPr lvl="1"/>
+            <a:r>
+              <a:rPr lang="en-US" dirty="0" smtClean="0"/>
+              <a:t>Requires separate installation of </a:t>
+            </a:r>
+            <a:r>
+              <a:rPr lang="en-US" dirty="0" err="1" smtClean="0"/>
+              <a:t>SaTScan</a:t>
+            </a:r>
+            <a:r>
+              <a:rPr lang="en-US" dirty="0" smtClean="0"/>
+              <a:t> and system-specific  commands from within R</a:t>
+            </a:r>
+          </a:p>
+          <a:p>
+            <a:r>
+              <a:rPr lang="en-US" sz="1800" dirty="0" err="1"/>
+              <a:t>SaTScan</a:t>
+            </a:r>
+            <a:r>
+              <a:rPr lang="en-US" sz="1800" dirty="0"/>
+              <a:t>™ is a trademark of Martin </a:t>
+            </a:r>
+            <a:r>
+              <a:rPr lang="en-US" sz="1800" dirty="0" err="1"/>
+              <a:t>Kulldorff</a:t>
+            </a:r>
+            <a:r>
+              <a:rPr lang="en-US" sz="1800" dirty="0"/>
+              <a:t>. The </a:t>
+            </a:r>
+            <a:r>
+              <a:rPr lang="en-US" sz="1800" dirty="0" err="1"/>
+              <a:t>SaTScan</a:t>
+            </a:r>
+            <a:r>
+              <a:rPr lang="en-US" sz="1800" dirty="0"/>
+              <a:t>™ software was developed under the joint auspices of (</a:t>
+            </a:r>
+            <a:r>
+              <a:rPr lang="en-US" sz="1800" dirty="0" err="1"/>
+              <a:t>i</a:t>
+            </a:r>
+            <a:r>
+              <a:rPr lang="en-US" sz="1800" dirty="0"/>
+              <a:t>) Martin </a:t>
+            </a:r>
+            <a:r>
+              <a:rPr lang="en-US" sz="1800" dirty="0" err="1"/>
+              <a:t>Kulldorff</a:t>
+            </a:r>
+            <a:r>
+              <a:rPr lang="en-US" sz="1800" dirty="0"/>
+              <a:t>, (ii) the National Cancer Institute, and (iii) the New York City Department of Health and Mental Hygiene.</a:t>
+            </a:r>
+          </a:p>
+        </p:txBody>
+      </p:sp>
+      <p:pic>
+        <p:nvPicPr>
+          <p:cNvPr id="8" name="Picture 7"/>
+          <p:cNvPicPr>
+            <a:picLocks noChangeAspect="1"/>
+          </p:cNvPicPr>
+          <p:nvPr/>
+        </p:nvPicPr>
+        <p:blipFill>
+          <a:blip r:embed="rId3">
+            <a:extLst>
+              <a:ext uri="{28A0092B-C50C-407E-A947-70E740481C1C}">
+                <a14:useLocalDpi xmlns:a14="http://schemas.microsoft.com/office/drawing/2010/main" val="0"/>
+              </a:ext>
+            </a:extLst>
+          </a:blip>
+          <a:stretch>
+            <a:fillRect/>
+          </a:stretch>
+        </p:blipFill>
+        <p:spPr>
+          <a:xfrm>
+            <a:off x="4971479" y="1028541"/>
+            <a:ext cx="4467225" cy="1095375"/>
+          </a:xfrm>
+          <a:prstGeom prst="rect">
+            <a:avLst/>
+          </a:prstGeom>
+        </p:spPr>
+      </p:pic>
+    </p:spTree>
+    <p:extLst>
+      <p:ext uri="{BB962C8B-B14F-4D97-AF65-F5344CB8AC3E}">
+        <p14:creationId xmlns:p14="http://schemas.microsoft.com/office/powerpoint/2010/main" val="739203877"/>
+      </p:ext>
+    </p:extLst>
+  </p:cSld>
+  <p:clrMapOvr>
+    <a:masterClrMapping/>
+  </p:clrMapOvr>
+</p:sld>
+</file>
+
+<file path=ppt/slides/slide25.xml><?xml version="1.0" encoding="utf-8"?>
+<p:sld xmlns:a="http://schemas.openxmlformats.org/drawingml/2006/main" xmlns:r="http://schemas.openxmlformats.org/officeDocument/2006/relationships" xmlns:p="http://schemas.openxmlformats.org/presentationml/2006/main">
+  <p:cSld>
+    <p:spTree>
+      <p:nvGrpSpPr>
+        <p:cNvPr id="1" name=""/>
+        <p:cNvGrpSpPr/>
+        <p:nvPr/>
+      </p:nvGrpSpPr>
+      <p:grpSpPr>
+        <a:xfrm>
+          <a:off x="0" y="0"/>
+          <a:ext cx="0" cy="0"/>
+          <a:chOff x="0" y="0"/>
+          <a:chExt cx="0" cy="0"/>
+        </a:xfrm>
+      </p:grpSpPr>
+      <p:sp>
+        <p:nvSpPr>
+          <p:cNvPr id="6" name="Title 5"/>
+          <p:cNvSpPr>
+            <a:spLocks noGrp="1"/>
+          </p:cNvSpPr>
+          <p:nvPr>
+            <p:ph type="title"/>
+          </p:nvPr>
+        </p:nvSpPr>
+        <p:spPr/>
+        <p:txBody>
+          <a:bodyPr/>
+          <a:lstStyle/>
+          <a:p>
+            <a:r>
+              <a:rPr lang="en-US" dirty="0" err="1" smtClean="0"/>
+              <a:t>SaTScan</a:t>
+            </a:r>
+            <a:r>
+              <a:rPr lang="en-US" dirty="0" smtClean="0"/>
+              <a:t> Input</a:t>
+            </a:r>
+            <a:endParaRPr lang="en-US" dirty="0"/>
+          </a:p>
+        </p:txBody>
+      </p:sp>
+      <p:sp>
+        <p:nvSpPr>
+          <p:cNvPr id="4" name="Footer Placeholder 3"/>
+          <p:cNvSpPr>
+            <a:spLocks noGrp="1"/>
+          </p:cNvSpPr>
+          <p:nvPr>
+            <p:ph type="ftr" sz="quarter" idx="11"/>
+          </p:nvPr>
+        </p:nvSpPr>
+        <p:spPr/>
+        <p:txBody>
+          <a:bodyPr/>
+          <a:lstStyle/>
+          <a:p>
+            <a:r>
+              <a:rPr lang="en-US" smtClean="0"/>
+              <a:t>github.com/HEGSRR  doi.org/10.17605/OSF.IO/C5A2R</a:t>
+            </a:r>
+            <a:endParaRPr lang="en-US"/>
+          </a:p>
+        </p:txBody>
+      </p:sp>
+      <p:sp>
+        <p:nvSpPr>
+          <p:cNvPr id="5" name="Slide Number Placeholder 4"/>
+          <p:cNvSpPr>
+            <a:spLocks noGrp="1"/>
+          </p:cNvSpPr>
+          <p:nvPr>
+            <p:ph type="sldNum" sz="quarter" idx="12"/>
+          </p:nvPr>
+        </p:nvSpPr>
+        <p:spPr/>
+        <p:txBody>
+          <a:bodyPr>
+            <a:normAutofit lnSpcReduction="10000"/>
+          </a:bodyPr>
+          <a:lstStyle/>
+          <a:p>
+            <a:fld id="{981D5A7C-6207-499C-AB20-37C4B4B2E810}" type="slidenum">
+              <a:rPr lang="en-US" smtClean="0"/>
+              <a:t>25</a:t>
+            </a:fld>
+            <a:endParaRPr lang="en-US"/>
+          </a:p>
+        </p:txBody>
+      </p:sp>
+      <p:pic>
+        <p:nvPicPr>
+          <p:cNvPr id="8" name="Content Placeholder 7"/>
+          <p:cNvPicPr>
+            <a:picLocks noGrp="1" noChangeAspect="1"/>
+          </p:cNvPicPr>
+          <p:nvPr>
+            <p:ph idx="1"/>
+          </p:nvPr>
+        </p:nvPicPr>
+        <p:blipFill>
+          <a:blip r:embed="rId2"/>
+          <a:stretch>
+            <a:fillRect/>
+          </a:stretch>
+        </p:blipFill>
+        <p:spPr>
+          <a:xfrm>
+            <a:off x="2470827" y="1513702"/>
+            <a:ext cx="6026298" cy="4955360"/>
+          </a:xfrm>
+          <a:prstGeom prst="rect">
+            <a:avLst/>
+          </a:prstGeom>
+        </p:spPr>
+      </p:pic>
+    </p:spTree>
+    <p:extLst>
+      <p:ext uri="{BB962C8B-B14F-4D97-AF65-F5344CB8AC3E}">
+        <p14:creationId xmlns:p14="http://schemas.microsoft.com/office/powerpoint/2010/main" val="948952441"/>
+      </p:ext>
+    </p:extLst>
+  </p:cSld>
+  <p:clrMapOvr>
+    <a:masterClrMapping/>
+  </p:clrMapOvr>
+</p:sld>
+</file>
+
+<file path=ppt/slides/slide26.xml><?xml version="1.0" encoding="utf-8"?>
+<p:sld xmlns:a="http://schemas.openxmlformats.org/drawingml/2006/main" xmlns:r="http://schemas.openxmlformats.org/officeDocument/2006/relationships" xmlns:p="http://schemas.openxmlformats.org/presentationml/2006/main">
+  <p:cSld>
+    <p:spTree>
+      <p:nvGrpSpPr>
+        <p:cNvPr id="1" name=""/>
+        <p:cNvGrpSpPr/>
+        <p:nvPr/>
+      </p:nvGrpSpPr>
+      <p:grpSpPr>
+        <a:xfrm>
+          <a:off x="0" y="0"/>
+          <a:ext cx="0" cy="0"/>
+          <a:chOff x="0" y="0"/>
+          <a:chExt cx="0" cy="0"/>
+        </a:xfrm>
+      </p:grpSpPr>
+      <p:sp>
+        <p:nvSpPr>
+          <p:cNvPr id="6" name="Title 5"/>
+          <p:cNvSpPr>
+            <a:spLocks noGrp="1"/>
+          </p:cNvSpPr>
+          <p:nvPr>
+            <p:ph type="title"/>
+          </p:nvPr>
+        </p:nvSpPr>
+        <p:spPr/>
+        <p:txBody>
+          <a:bodyPr/>
+          <a:lstStyle/>
+          <a:p>
+            <a:r>
+              <a:rPr lang="en-US" dirty="0" err="1" smtClean="0"/>
+              <a:t>SaTScan</a:t>
+            </a:r>
+            <a:r>
+              <a:rPr lang="en-US" dirty="0" smtClean="0"/>
+              <a:t> Analysis</a:t>
+            </a:r>
+            <a:endParaRPr lang="en-US" dirty="0"/>
+          </a:p>
+        </p:txBody>
+      </p:sp>
+      <p:sp>
+        <p:nvSpPr>
+          <p:cNvPr id="4" name="Footer Placeholder 3"/>
+          <p:cNvSpPr>
+            <a:spLocks noGrp="1"/>
+          </p:cNvSpPr>
+          <p:nvPr>
+            <p:ph type="ftr" sz="quarter" idx="11"/>
+          </p:nvPr>
+        </p:nvSpPr>
+        <p:spPr/>
+        <p:txBody>
+          <a:bodyPr/>
+          <a:lstStyle/>
+          <a:p>
+            <a:r>
+              <a:rPr lang="en-US" smtClean="0"/>
+              <a:t>github.com/HEGSRR  doi.org/10.17605/OSF.IO/C5A2R</a:t>
+            </a:r>
+            <a:endParaRPr lang="en-US"/>
+          </a:p>
+        </p:txBody>
+      </p:sp>
+      <p:sp>
+        <p:nvSpPr>
+          <p:cNvPr id="5" name="Slide Number Placeholder 4"/>
+          <p:cNvSpPr>
+            <a:spLocks noGrp="1"/>
+          </p:cNvSpPr>
+          <p:nvPr>
+            <p:ph type="sldNum" sz="quarter" idx="12"/>
+          </p:nvPr>
+        </p:nvSpPr>
+        <p:spPr/>
+        <p:txBody>
+          <a:bodyPr>
+            <a:normAutofit lnSpcReduction="10000"/>
+          </a:bodyPr>
+          <a:lstStyle/>
+          <a:p>
+            <a:fld id="{981D5A7C-6207-499C-AB20-37C4B4B2E810}" type="slidenum">
+              <a:rPr lang="en-US" smtClean="0"/>
+              <a:t>26</a:t>
+            </a:fld>
+            <a:endParaRPr lang="en-US"/>
+          </a:p>
+        </p:txBody>
+      </p:sp>
+      <p:pic>
+        <p:nvPicPr>
+          <p:cNvPr id="9" name="Content Placeholder 8"/>
+          <p:cNvPicPr>
+            <a:picLocks noGrp="1" noChangeAspect="1"/>
+          </p:cNvPicPr>
+          <p:nvPr>
+            <p:ph idx="1"/>
+          </p:nvPr>
+        </p:nvPicPr>
+        <p:blipFill>
+          <a:blip r:embed="rId2"/>
+          <a:stretch>
+            <a:fillRect/>
+          </a:stretch>
+        </p:blipFill>
+        <p:spPr>
+          <a:xfrm>
+            <a:off x="2276394" y="1691322"/>
+            <a:ext cx="6896789" cy="4584094"/>
+          </a:xfrm>
+          <a:prstGeom prst="rect">
+            <a:avLst/>
+          </a:prstGeom>
+        </p:spPr>
+      </p:pic>
+    </p:spTree>
+    <p:extLst>
+      <p:ext uri="{BB962C8B-B14F-4D97-AF65-F5344CB8AC3E}">
+        <p14:creationId xmlns:p14="http://schemas.microsoft.com/office/powerpoint/2010/main" val="4212160383"/>
+      </p:ext>
+    </p:extLst>
+  </p:cSld>
+  <p:clrMapOvr>
+    <a:masterClrMapping/>
+  </p:clrMapOvr>
+</p:sld>
+</file>
+
+<file path=ppt/slides/slide27.xml><?xml version="1.0" encoding="utf-8"?>
+<p:sld xmlns:a="http://schemas.openxmlformats.org/drawingml/2006/main" xmlns:r="http://schemas.openxmlformats.org/officeDocument/2006/relationships" xmlns:p="http://schemas.openxmlformats.org/presentationml/2006/main">
+  <p:cSld>
+    <p:spTree>
+      <p:nvGrpSpPr>
+        <p:cNvPr id="1" name=""/>
+        <p:cNvGrpSpPr/>
+        <p:nvPr/>
+      </p:nvGrpSpPr>
+      <p:grpSpPr>
+        <a:xfrm>
+          <a:off x="0" y="0"/>
+          <a:ext cx="0" cy="0"/>
+          <a:chOff x="0" y="0"/>
+          <a:chExt cx="0" cy="0"/>
+        </a:xfrm>
+      </p:grpSpPr>
+      <p:sp>
+        <p:nvSpPr>
+          <p:cNvPr id="2" name="Title 1"/>
+          <p:cNvSpPr>
+            <a:spLocks noGrp="1"/>
+          </p:cNvSpPr>
+          <p:nvPr>
+            <p:ph type="title"/>
+          </p:nvPr>
+        </p:nvSpPr>
+        <p:spPr/>
+        <p:txBody>
+          <a:bodyPr/>
+          <a:lstStyle/>
+          <a:p>
+            <a:r>
+              <a:rPr lang="en-US" dirty="0" err="1"/>
+              <a:t>SaTScan</a:t>
+            </a:r>
+            <a:r>
+              <a:rPr lang="en-US" dirty="0"/>
+              <a:t> </a:t>
+            </a:r>
+            <a:r>
+              <a:rPr lang="en-US" dirty="0" smtClean="0"/>
+              <a:t>Advanced Options</a:t>
+            </a:r>
+            <a:endParaRPr lang="en-US" dirty="0"/>
+          </a:p>
+        </p:txBody>
+      </p:sp>
+      <p:sp>
+        <p:nvSpPr>
+          <p:cNvPr id="3" name="Footer Placeholder 2"/>
+          <p:cNvSpPr>
+            <a:spLocks noGrp="1"/>
+          </p:cNvSpPr>
+          <p:nvPr>
+            <p:ph type="ftr" sz="quarter" idx="11"/>
+          </p:nvPr>
+        </p:nvSpPr>
+        <p:spPr/>
+        <p:txBody>
+          <a:bodyPr/>
+          <a:lstStyle/>
+          <a:p>
+            <a:r>
+              <a:rPr lang="en-US" smtClean="0"/>
+              <a:t>github.com/HEGSRR  doi.org/10.17605/OSF.IO/C5A2R</a:t>
+            </a:r>
+            <a:endParaRPr lang="en-US"/>
+          </a:p>
+        </p:txBody>
+      </p:sp>
+      <p:sp>
+        <p:nvSpPr>
+          <p:cNvPr id="4" name="Slide Number Placeholder 3"/>
+          <p:cNvSpPr>
+            <a:spLocks noGrp="1"/>
+          </p:cNvSpPr>
+          <p:nvPr>
+            <p:ph type="sldNum" sz="quarter" idx="12"/>
+          </p:nvPr>
+        </p:nvSpPr>
+        <p:spPr/>
+        <p:txBody>
+          <a:bodyPr>
+            <a:normAutofit lnSpcReduction="10000"/>
+          </a:bodyPr>
+          <a:lstStyle/>
+          <a:p>
+            <a:fld id="{981D5A7C-6207-499C-AB20-37C4B4B2E810}" type="slidenum">
+              <a:rPr lang="en-US" smtClean="0"/>
+              <a:t>27</a:t>
+            </a:fld>
+            <a:endParaRPr lang="en-US"/>
+          </a:p>
+        </p:txBody>
+      </p:sp>
+      <p:sp>
+        <p:nvSpPr>
+          <p:cNvPr id="5" name="Content Placeholder 4"/>
+          <p:cNvSpPr>
+            <a:spLocks noGrp="1"/>
+          </p:cNvSpPr>
+          <p:nvPr>
+            <p:ph idx="1"/>
+          </p:nvPr>
+        </p:nvSpPr>
+        <p:spPr/>
+        <p:txBody>
+          <a:bodyPr/>
+          <a:lstStyle/>
+          <a:p>
+            <a:r>
+              <a:rPr lang="en-US" dirty="0" smtClean="0"/>
+              <a:t>Check data for temporal extent</a:t>
+            </a:r>
+          </a:p>
+          <a:p>
+            <a:r>
+              <a:rPr lang="en-US" dirty="0" smtClean="0"/>
+              <a:t>Check data for geographic extent</a:t>
+            </a:r>
+          </a:p>
+          <a:p>
+            <a:r>
+              <a:rPr lang="en-US" dirty="0" smtClean="0"/>
+              <a:t>Define non-Euclidean spatial neighbors</a:t>
+            </a:r>
+          </a:p>
+          <a:p>
+            <a:r>
+              <a:rPr lang="en-US" dirty="0" smtClean="0"/>
+              <a:t>Use network space</a:t>
+            </a:r>
+          </a:p>
+          <a:p>
+            <a:endParaRPr lang="en-US" dirty="0"/>
+          </a:p>
+        </p:txBody>
+      </p:sp>
+    </p:spTree>
+    <p:extLst>
+      <p:ext uri="{BB962C8B-B14F-4D97-AF65-F5344CB8AC3E}">
+        <p14:creationId xmlns:p14="http://schemas.microsoft.com/office/powerpoint/2010/main" val="1661944316"/>
       </p:ext>
     </p:extLst>
   </p:cSld>
@@ -4765,7 +7397,7 @@
           <a:p>
             <a:r>
               <a:rPr lang="en-US" dirty="0" smtClean="0"/>
-              <a:t>Defining R&amp;R</a:t>
+              <a:t>Introductions</a:t>
             </a:r>
             <a:endParaRPr lang="en-US" dirty="0"/>
           </a:p>
@@ -4814,6 +7446,1103 @@
             <a:fld id="{981D5A7C-6207-499C-AB20-37C4B4B2E810}" type="slidenum">
               <a:rPr lang="en-US" smtClean="0"/>
               <a:t>3</a:t>
+            </a:fld>
+            <a:endParaRPr lang="en-US"/>
+          </a:p>
+        </p:txBody>
+      </p:sp>
+      <p:sp>
+        <p:nvSpPr>
+          <p:cNvPr id="5" name="Content Placeholder 4"/>
+          <p:cNvSpPr>
+            <a:spLocks noGrp="1"/>
+          </p:cNvSpPr>
+          <p:nvPr>
+            <p:ph idx="1"/>
+          </p:nvPr>
+        </p:nvSpPr>
+        <p:spPr/>
+        <p:txBody>
+          <a:bodyPr/>
+          <a:lstStyle/>
+          <a:p>
+            <a:r>
+              <a:rPr lang="en-US" dirty="0" smtClean="0"/>
+              <a:t>Name</a:t>
+            </a:r>
+          </a:p>
+          <a:p>
+            <a:r>
+              <a:rPr lang="en-US" dirty="0" smtClean="0"/>
+              <a:t>Institution</a:t>
+            </a:r>
+          </a:p>
+          <a:p>
+            <a:r>
+              <a:rPr lang="en-US" dirty="0" smtClean="0"/>
+              <a:t>Experience with open source GIS in your research or teaching?</a:t>
+            </a:r>
+          </a:p>
+          <a:p>
+            <a:r>
+              <a:rPr lang="en-US" dirty="0" smtClean="0"/>
+              <a:t>Experience with reproducibility in geographic sciences?</a:t>
+            </a:r>
+            <a:endParaRPr lang="en-US" dirty="0"/>
+          </a:p>
+        </p:txBody>
+      </p:sp>
+    </p:spTree>
+    <p:extLst>
+      <p:ext uri="{BB962C8B-B14F-4D97-AF65-F5344CB8AC3E}">
+        <p14:creationId xmlns:p14="http://schemas.microsoft.com/office/powerpoint/2010/main" val="1778278052"/>
+      </p:ext>
+    </p:extLst>
+  </p:cSld>
+  <p:clrMapOvr>
+    <a:masterClrMapping/>
+  </p:clrMapOvr>
+</p:sld>
+</file>
+
+<file path=ppt/slides/slide4.xml><?xml version="1.0" encoding="utf-8"?>
+<p:sld xmlns:a="http://schemas.openxmlformats.org/drawingml/2006/main" xmlns:r="http://schemas.openxmlformats.org/officeDocument/2006/relationships" xmlns:p="http://schemas.openxmlformats.org/presentationml/2006/main">
+  <p:cSld>
+    <p:spTree>
+      <p:nvGrpSpPr>
+        <p:cNvPr id="1" name=""/>
+        <p:cNvGrpSpPr/>
+        <p:nvPr/>
+      </p:nvGrpSpPr>
+      <p:grpSpPr>
+        <a:xfrm>
+          <a:off x="0" y="0"/>
+          <a:ext cx="0" cy="0"/>
+          <a:chOff x="0" y="0"/>
+          <a:chExt cx="0" cy="0"/>
+        </a:xfrm>
+      </p:grpSpPr>
+      <p:sp>
+        <p:nvSpPr>
+          <p:cNvPr id="2" name="Title 1"/>
+          <p:cNvSpPr>
+            <a:spLocks noGrp="1"/>
+          </p:cNvSpPr>
+          <p:nvPr>
+            <p:ph type="title"/>
+          </p:nvPr>
+        </p:nvSpPr>
+        <p:spPr/>
+        <p:txBody>
+          <a:bodyPr/>
+          <a:lstStyle/>
+          <a:p>
+            <a:r>
+              <a:rPr lang="en-US" dirty="0" smtClean="0"/>
+              <a:t>Research Objectives</a:t>
+            </a:r>
+            <a:endParaRPr lang="en-US" dirty="0"/>
+          </a:p>
+        </p:txBody>
+      </p:sp>
+      <p:sp>
+        <p:nvSpPr>
+          <p:cNvPr id="3" name="Footer Placeholder 2"/>
+          <p:cNvSpPr>
+            <a:spLocks noGrp="1"/>
+          </p:cNvSpPr>
+          <p:nvPr>
+            <p:ph type="ftr" sz="quarter" idx="11"/>
+          </p:nvPr>
+        </p:nvSpPr>
+        <p:spPr/>
+        <p:txBody>
+          <a:bodyPr/>
+          <a:lstStyle/>
+          <a:p>
+            <a:r>
+              <a:rPr lang="en-US" smtClean="0"/>
+              <a:t>github.com/HEGSRR  doi.org/10.17605/OSF.IO/C5A2R</a:t>
+            </a:r>
+            <a:endParaRPr lang="en-US"/>
+          </a:p>
+        </p:txBody>
+      </p:sp>
+      <p:sp>
+        <p:nvSpPr>
+          <p:cNvPr id="4" name="Slide Number Placeholder 3"/>
+          <p:cNvSpPr>
+            <a:spLocks noGrp="1"/>
+          </p:cNvSpPr>
+          <p:nvPr>
+            <p:ph type="sldNum" sz="quarter" idx="12"/>
+          </p:nvPr>
+        </p:nvSpPr>
+        <p:spPr/>
+        <p:txBody>
+          <a:bodyPr>
+            <a:normAutofit lnSpcReduction="10000"/>
+          </a:bodyPr>
+          <a:lstStyle/>
+          <a:p>
+            <a:fld id="{981D5A7C-6207-499C-AB20-37C4B4B2E810}" type="slidenum">
+              <a:rPr lang="en-US" smtClean="0"/>
+              <a:t>4</a:t>
+            </a:fld>
+            <a:endParaRPr lang="en-US"/>
+          </a:p>
+        </p:txBody>
+      </p:sp>
+      <p:sp>
+        <p:nvSpPr>
+          <p:cNvPr id="5" name="Content Placeholder 4"/>
+          <p:cNvSpPr>
+            <a:spLocks noGrp="1"/>
+          </p:cNvSpPr>
+          <p:nvPr>
+            <p:ph idx="1"/>
+          </p:nvPr>
+        </p:nvSpPr>
+        <p:spPr/>
+        <p:txBody>
+          <a:bodyPr>
+            <a:normAutofit fontScale="92500"/>
+          </a:bodyPr>
+          <a:lstStyle/>
+          <a:p>
+            <a:pPr marL="457200" indent="-457200">
+              <a:buFont typeface="+mj-lt"/>
+              <a:buAutoNum type="arabicPeriod"/>
+            </a:pPr>
+            <a:r>
+              <a:rPr lang="en-US" dirty="0"/>
+              <a:t>Assess reproducible research practices in the geographical sciences and identify barriers to reproducibility</a:t>
+            </a:r>
+            <a:r>
+              <a:rPr lang="en-US" dirty="0" smtClean="0"/>
+              <a:t>.</a:t>
+            </a:r>
+            <a:br>
+              <a:rPr lang="en-US" dirty="0" smtClean="0"/>
+            </a:br>
+            <a:endParaRPr lang="en-US" dirty="0" smtClean="0"/>
+          </a:p>
+          <a:p>
+            <a:pPr marL="457200" indent="-457200">
+              <a:buFont typeface="+mj-lt"/>
+              <a:buAutoNum type="arabicPeriod"/>
+            </a:pPr>
+            <a:r>
+              <a:rPr lang="en-US" dirty="0" smtClean="0"/>
+              <a:t>Assess </a:t>
+            </a:r>
+            <a:r>
+              <a:rPr lang="en-US" dirty="0"/>
+              <a:t>the credibility and generalizability of recent high-impact HEGS research by conducting reproductions and replications</a:t>
+            </a:r>
+            <a:r>
+              <a:rPr lang="en-US" dirty="0" smtClean="0"/>
+              <a:t>.</a:t>
+            </a:r>
+            <a:br>
+              <a:rPr lang="en-US" dirty="0" smtClean="0"/>
+            </a:br>
+            <a:endParaRPr lang="en-US" dirty="0" smtClean="0"/>
+          </a:p>
+          <a:p>
+            <a:pPr marL="457200" indent="-457200">
+              <a:buFont typeface="+mj-lt"/>
+              <a:buAutoNum type="arabicPeriod"/>
+            </a:pPr>
+            <a:r>
+              <a:rPr lang="en-US" dirty="0" smtClean="0"/>
+              <a:t>Establish </a:t>
+            </a:r>
+            <a:r>
+              <a:rPr lang="en-US" dirty="0"/>
+              <a:t>and evaluate a pedagogy that uses reproductions and replications to improve student learning and STEM competencies</a:t>
+            </a:r>
+            <a:r>
+              <a:rPr lang="en-US" dirty="0" smtClean="0"/>
+              <a:t>.</a:t>
+            </a:r>
+            <a:endParaRPr lang="en-US" dirty="0"/>
+          </a:p>
+        </p:txBody>
+      </p:sp>
+    </p:spTree>
+    <p:extLst>
+      <p:ext uri="{BB962C8B-B14F-4D97-AF65-F5344CB8AC3E}">
+        <p14:creationId xmlns:p14="http://schemas.microsoft.com/office/powerpoint/2010/main" val="891577508"/>
+      </p:ext>
+    </p:extLst>
+  </p:cSld>
+  <p:clrMapOvr>
+    <a:masterClrMapping/>
+  </p:clrMapOvr>
+</p:sld>
+</file>
+
+<file path=ppt/slides/slide5.xml><?xml version="1.0" encoding="utf-8"?>
+<p:sld xmlns:a="http://schemas.openxmlformats.org/drawingml/2006/main" xmlns:r="http://schemas.openxmlformats.org/officeDocument/2006/relationships" xmlns:p="http://schemas.openxmlformats.org/presentationml/2006/main">
+  <p:cSld>
+    <p:spTree>
+      <p:nvGrpSpPr>
+        <p:cNvPr id="1" name=""/>
+        <p:cNvGrpSpPr/>
+        <p:nvPr/>
+      </p:nvGrpSpPr>
+      <p:grpSpPr>
+        <a:xfrm>
+          <a:off x="0" y="0"/>
+          <a:ext cx="0" cy="0"/>
+          <a:chOff x="0" y="0"/>
+          <a:chExt cx="0" cy="0"/>
+        </a:xfrm>
+      </p:grpSpPr>
+      <p:sp>
+        <p:nvSpPr>
+          <p:cNvPr id="2" name="Title 1"/>
+          <p:cNvSpPr>
+            <a:spLocks noGrp="1"/>
+          </p:cNvSpPr>
+          <p:nvPr>
+            <p:ph type="title"/>
+          </p:nvPr>
+        </p:nvSpPr>
+        <p:spPr/>
+        <p:txBody>
+          <a:bodyPr/>
+          <a:lstStyle/>
+          <a:p>
+            <a:r>
+              <a:rPr lang="en-US" dirty="0" smtClean="0"/>
+              <a:t>Science under stress: COVID-19</a:t>
+            </a:r>
+            <a:endParaRPr lang="en-US" dirty="0"/>
+          </a:p>
+        </p:txBody>
+      </p:sp>
+      <p:sp>
+        <p:nvSpPr>
+          <p:cNvPr id="3" name="Footer Placeholder 2"/>
+          <p:cNvSpPr>
+            <a:spLocks noGrp="1"/>
+          </p:cNvSpPr>
+          <p:nvPr>
+            <p:ph type="ftr" sz="quarter" idx="11"/>
+          </p:nvPr>
+        </p:nvSpPr>
+        <p:spPr/>
+        <p:txBody>
+          <a:bodyPr/>
+          <a:lstStyle/>
+          <a:p>
+            <a:r>
+              <a:rPr lang="en-US" smtClean="0"/>
+              <a:t>github.com/HEGSRR  doi.org/10.17605/OSF.IO/C5A2R</a:t>
+            </a:r>
+            <a:endParaRPr lang="en-US"/>
+          </a:p>
+        </p:txBody>
+      </p:sp>
+      <p:sp>
+        <p:nvSpPr>
+          <p:cNvPr id="4" name="Slide Number Placeholder 3"/>
+          <p:cNvSpPr>
+            <a:spLocks noGrp="1"/>
+          </p:cNvSpPr>
+          <p:nvPr>
+            <p:ph type="sldNum" sz="quarter" idx="12"/>
+          </p:nvPr>
+        </p:nvSpPr>
+        <p:spPr/>
+        <p:txBody>
+          <a:bodyPr>
+            <a:normAutofit lnSpcReduction="10000"/>
+          </a:bodyPr>
+          <a:lstStyle/>
+          <a:p>
+            <a:fld id="{981D5A7C-6207-499C-AB20-37C4B4B2E810}" type="slidenum">
+              <a:rPr lang="en-US" smtClean="0"/>
+              <a:t>5</a:t>
+            </a:fld>
+            <a:endParaRPr lang="en-US"/>
+          </a:p>
+        </p:txBody>
+      </p:sp>
+      <p:sp>
+        <p:nvSpPr>
+          <p:cNvPr id="5" name="Content Placeholder 4"/>
+          <p:cNvSpPr>
+            <a:spLocks noGrp="1"/>
+          </p:cNvSpPr>
+          <p:nvPr>
+            <p:ph idx="1"/>
+          </p:nvPr>
+        </p:nvSpPr>
+        <p:spPr>
+          <a:xfrm>
+            <a:off x="1261872" y="1828800"/>
+            <a:ext cx="7452550" cy="4351337"/>
+          </a:xfrm>
+        </p:spPr>
+        <p:txBody>
+          <a:bodyPr>
+            <a:normAutofit fontScale="70000" lnSpcReduction="20000"/>
+          </a:bodyPr>
+          <a:lstStyle/>
+          <a:p>
+            <a:r>
+              <a:rPr lang="en-US" dirty="0" smtClean="0"/>
+              <a:t>Reproducibility Crisis</a:t>
+            </a:r>
+          </a:p>
+          <a:p>
+            <a:r>
+              <a:rPr lang="en-US" dirty="0" smtClean="0"/>
+              <a:t>Reproducibility rules @ Environmental Protection Agency &amp;</a:t>
+            </a:r>
+            <a:br>
+              <a:rPr lang="en-US" dirty="0" smtClean="0"/>
+            </a:br>
+            <a:r>
+              <a:rPr lang="en-US" dirty="0" smtClean="0"/>
+              <a:t>Office of Budget Administration</a:t>
+            </a:r>
+          </a:p>
+          <a:p>
+            <a:r>
+              <a:rPr lang="en-US" dirty="0" smtClean="0"/>
+              <a:t>Knowledge evolving rapidly</a:t>
+            </a:r>
+          </a:p>
+          <a:p>
+            <a:pPr lvl="1"/>
+            <a:r>
+              <a:rPr lang="en-US" dirty="0" smtClean="0"/>
+              <a:t>Open access preprint repositories </a:t>
+            </a:r>
+            <a:r>
+              <a:rPr lang="en-US" dirty="0" err="1" smtClean="0"/>
+              <a:t>medRxiv</a:t>
+            </a:r>
+            <a:r>
+              <a:rPr lang="en-US" dirty="0" smtClean="0"/>
+              <a:t>, </a:t>
+            </a:r>
+            <a:r>
+              <a:rPr lang="en-US" dirty="0" err="1" smtClean="0"/>
+              <a:t>bioRxiv</a:t>
+            </a:r>
+            <a:endParaRPr lang="en-US" dirty="0" smtClean="0"/>
+          </a:p>
+          <a:p>
+            <a:pPr lvl="1"/>
+            <a:r>
+              <a:rPr lang="en-US" dirty="0" smtClean="0"/>
+              <a:t>Accelerated peer review and publishing process</a:t>
+            </a:r>
+          </a:p>
+          <a:p>
+            <a:r>
+              <a:rPr lang="en-US" dirty="0" smtClean="0"/>
+              <a:t>Retractions from hasty science?</a:t>
+            </a:r>
+          </a:p>
+          <a:p>
+            <a:pPr lvl="1"/>
+            <a:r>
+              <a:rPr lang="en-US" dirty="0" err="1"/>
+              <a:t>Hydroxychloroquine</a:t>
+            </a:r>
+            <a:r>
+              <a:rPr lang="en-US" dirty="0"/>
+              <a:t>, </a:t>
+            </a:r>
+            <a:r>
+              <a:rPr lang="en-US" dirty="0" err="1"/>
+              <a:t>Surgisphere</a:t>
+            </a:r>
+            <a:r>
+              <a:rPr lang="en-US" dirty="0"/>
+              <a:t>, </a:t>
+            </a:r>
+            <a:r>
+              <a:rPr lang="en-US" i="1" dirty="0"/>
+              <a:t>The Lancet</a:t>
+            </a:r>
+            <a:r>
+              <a:rPr lang="en-US" dirty="0"/>
+              <a:t> &amp; </a:t>
+            </a:r>
+            <a:r>
+              <a:rPr lang="en-US" i="1" dirty="0"/>
+              <a:t>New England Journal of </a:t>
+            </a:r>
+            <a:r>
+              <a:rPr lang="en-US" i="1" dirty="0" smtClean="0"/>
+              <a:t>Medicine</a:t>
+            </a:r>
+          </a:p>
+          <a:p>
+            <a:pPr lvl="1"/>
+            <a:r>
+              <a:rPr lang="en-US" i="1" dirty="0" smtClean="0"/>
+              <a:t>An alarming retraction rate for scientific publications on Coronavirus Disease </a:t>
+            </a:r>
+            <a:br>
+              <a:rPr lang="en-US" i="1" dirty="0" smtClean="0"/>
+            </a:br>
+            <a:r>
+              <a:rPr lang="en-US" dirty="0" smtClean="0"/>
+              <a:t>(Yeo-</a:t>
+            </a:r>
+            <a:r>
+              <a:rPr lang="en-US" dirty="0" err="1" smtClean="0"/>
+              <a:t>Teh</a:t>
+            </a:r>
+            <a:r>
+              <a:rPr lang="en-US" dirty="0" smtClean="0"/>
+              <a:t> and Tang 2021)</a:t>
+            </a:r>
+          </a:p>
+          <a:p>
+            <a:r>
+              <a:rPr lang="en-US" dirty="0" smtClean="0"/>
+              <a:t>Crisis of public trust?</a:t>
+            </a:r>
+            <a:endParaRPr lang="en-US" dirty="0"/>
+          </a:p>
+          <a:p>
+            <a:pPr lvl="1"/>
+            <a:endParaRPr lang="en-US" dirty="0"/>
+          </a:p>
+          <a:p>
+            <a:endParaRPr lang="en-US" dirty="0"/>
+          </a:p>
+        </p:txBody>
+      </p:sp>
+      <p:pic>
+        <p:nvPicPr>
+          <p:cNvPr id="6" name="Picture 5"/>
+          <p:cNvPicPr>
+            <a:picLocks noChangeAspect="1"/>
+          </p:cNvPicPr>
+          <p:nvPr/>
+        </p:nvPicPr>
+        <p:blipFill rotWithShape="1">
+          <a:blip r:embed="rId2">
+            <a:extLst>
+              <a:ext uri="{28A0092B-C50C-407E-A947-70E740481C1C}">
+                <a14:useLocalDpi xmlns:a14="http://schemas.microsoft.com/office/drawing/2010/main" val="0"/>
+              </a:ext>
+            </a:extLst>
+          </a:blip>
+          <a:srcRect l="18000" r="18445"/>
+          <a:stretch/>
+        </p:blipFill>
+        <p:spPr>
+          <a:xfrm>
+            <a:off x="8619934" y="1828800"/>
+            <a:ext cx="2334578" cy="2057041"/>
+          </a:xfrm>
+          <a:prstGeom prst="rect">
+            <a:avLst/>
+          </a:prstGeom>
+        </p:spPr>
+      </p:pic>
+    </p:spTree>
+    <p:extLst>
+      <p:ext uri="{BB962C8B-B14F-4D97-AF65-F5344CB8AC3E}">
+        <p14:creationId xmlns:p14="http://schemas.microsoft.com/office/powerpoint/2010/main" val="2144408165"/>
+      </p:ext>
+    </p:extLst>
+  </p:cSld>
+  <p:clrMapOvr>
+    <a:masterClrMapping/>
+  </p:clrMapOvr>
+</p:sld>
+</file>
+
+<file path=ppt/slides/slide6.xml><?xml version="1.0" encoding="utf-8"?>
+<p:sld xmlns:a="http://schemas.openxmlformats.org/drawingml/2006/main" xmlns:r="http://schemas.openxmlformats.org/officeDocument/2006/relationships" xmlns:p="http://schemas.openxmlformats.org/presentationml/2006/main">
+  <p:cSld>
+    <p:spTree>
+      <p:nvGrpSpPr>
+        <p:cNvPr id="1" name=""/>
+        <p:cNvGrpSpPr/>
+        <p:nvPr/>
+      </p:nvGrpSpPr>
+      <p:grpSpPr>
+        <a:xfrm>
+          <a:off x="0" y="0"/>
+          <a:ext cx="0" cy="0"/>
+          <a:chOff x="0" y="0"/>
+          <a:chExt cx="0" cy="0"/>
+        </a:xfrm>
+      </p:grpSpPr>
+      <p:sp>
+        <p:nvSpPr>
+          <p:cNvPr id="2" name="Title 1"/>
+          <p:cNvSpPr>
+            <a:spLocks noGrp="1"/>
+          </p:cNvSpPr>
+          <p:nvPr>
+            <p:ph type="title"/>
+          </p:nvPr>
+        </p:nvSpPr>
+        <p:spPr/>
+        <p:txBody>
+          <a:bodyPr/>
+          <a:lstStyle/>
+          <a:p>
+            <a:r>
+              <a:rPr lang="en-US" dirty="0" smtClean="0"/>
+              <a:t>(how) do we trust science?</a:t>
+            </a:r>
+            <a:endParaRPr lang="en-US" dirty="0"/>
+          </a:p>
+        </p:txBody>
+      </p:sp>
+      <p:sp>
+        <p:nvSpPr>
+          <p:cNvPr id="3" name="Footer Placeholder 2"/>
+          <p:cNvSpPr>
+            <a:spLocks noGrp="1"/>
+          </p:cNvSpPr>
+          <p:nvPr>
+            <p:ph type="ftr" sz="quarter" idx="11"/>
+          </p:nvPr>
+        </p:nvSpPr>
+        <p:spPr/>
+        <p:txBody>
+          <a:bodyPr/>
+          <a:lstStyle/>
+          <a:p>
+            <a:r>
+              <a:rPr lang="en-US" smtClean="0"/>
+              <a:t>github.com/HEGSRR  doi.org/10.17605/OSF.IO/C5A2R</a:t>
+            </a:r>
+            <a:endParaRPr lang="en-US"/>
+          </a:p>
+        </p:txBody>
+      </p:sp>
+      <p:sp>
+        <p:nvSpPr>
+          <p:cNvPr id="4" name="Slide Number Placeholder 3"/>
+          <p:cNvSpPr>
+            <a:spLocks noGrp="1"/>
+          </p:cNvSpPr>
+          <p:nvPr>
+            <p:ph type="sldNum" sz="quarter" idx="12"/>
+          </p:nvPr>
+        </p:nvSpPr>
+        <p:spPr/>
+        <p:txBody>
+          <a:bodyPr>
+            <a:normAutofit lnSpcReduction="10000"/>
+          </a:bodyPr>
+          <a:lstStyle/>
+          <a:p>
+            <a:fld id="{981D5A7C-6207-499C-AB20-37C4B4B2E810}" type="slidenum">
+              <a:rPr lang="en-US" smtClean="0"/>
+              <a:t>6</a:t>
+            </a:fld>
+            <a:endParaRPr lang="en-US"/>
+          </a:p>
+        </p:txBody>
+      </p:sp>
+      <p:sp>
+        <p:nvSpPr>
+          <p:cNvPr id="5" name="Content Placeholder 4"/>
+          <p:cNvSpPr>
+            <a:spLocks noGrp="1"/>
+          </p:cNvSpPr>
+          <p:nvPr>
+            <p:ph idx="1"/>
+          </p:nvPr>
+        </p:nvSpPr>
+        <p:spPr/>
+        <p:txBody>
+          <a:bodyPr>
+            <a:normAutofit/>
+          </a:bodyPr>
+          <a:lstStyle/>
+          <a:p>
+            <a:r>
+              <a:rPr lang="en-US" dirty="0" smtClean="0"/>
+              <a:t>Community with self-corrective mechanisms</a:t>
+            </a:r>
+          </a:p>
+          <a:p>
+            <a:pPr lvl="1"/>
+            <a:r>
+              <a:rPr lang="en-US" dirty="0" smtClean="0"/>
+              <a:t>Peer Review</a:t>
+            </a:r>
+          </a:p>
+          <a:p>
+            <a:pPr lvl="1"/>
+            <a:r>
+              <a:rPr lang="en-US" dirty="0" smtClean="0"/>
+              <a:t>Debate / test alternative hypotheses – Kuhn’s paradigm shifts</a:t>
+            </a:r>
+          </a:p>
+          <a:p>
+            <a:r>
+              <a:rPr lang="en-US" dirty="0" smtClean="0"/>
+              <a:t>Internal validity</a:t>
+            </a:r>
+          </a:p>
+          <a:p>
+            <a:r>
+              <a:rPr lang="en-US" dirty="0" smtClean="0"/>
+              <a:t>External validity</a:t>
+            </a:r>
+          </a:p>
+          <a:p>
+            <a:r>
+              <a:rPr lang="en-US" dirty="0" smtClean="0"/>
+              <a:t>Reliability</a:t>
+            </a:r>
+          </a:p>
+          <a:p>
+            <a:r>
+              <a:rPr lang="en-US" dirty="0" smtClean="0"/>
+              <a:t>Credibility</a:t>
+            </a:r>
+          </a:p>
+        </p:txBody>
+      </p:sp>
+    </p:spTree>
+    <p:extLst>
+      <p:ext uri="{BB962C8B-B14F-4D97-AF65-F5344CB8AC3E}">
+        <p14:creationId xmlns:p14="http://schemas.microsoft.com/office/powerpoint/2010/main" val="546462016"/>
+      </p:ext>
+    </p:extLst>
+  </p:cSld>
+  <p:clrMapOvr>
+    <a:masterClrMapping/>
+  </p:clrMapOvr>
+</p:sld>
+</file>
+
+<file path=ppt/slides/slide7.xml><?xml version="1.0" encoding="utf-8"?>
+<p:sld xmlns:a="http://schemas.openxmlformats.org/drawingml/2006/main" xmlns:r="http://schemas.openxmlformats.org/officeDocument/2006/relationships" xmlns:p="http://schemas.openxmlformats.org/presentationml/2006/main">
+  <p:cSld>
+    <p:spTree>
+      <p:nvGrpSpPr>
+        <p:cNvPr id="1" name=""/>
+        <p:cNvGrpSpPr/>
+        <p:nvPr/>
+      </p:nvGrpSpPr>
+      <p:grpSpPr>
+        <a:xfrm>
+          <a:off x="0" y="0"/>
+          <a:ext cx="0" cy="0"/>
+          <a:chOff x="0" y="0"/>
+          <a:chExt cx="0" cy="0"/>
+        </a:xfrm>
+      </p:grpSpPr>
+      <p:sp>
+        <p:nvSpPr>
+          <p:cNvPr id="2" name="Title 1"/>
+          <p:cNvSpPr>
+            <a:spLocks noGrp="1"/>
+          </p:cNvSpPr>
+          <p:nvPr>
+            <p:ph type="title"/>
+          </p:nvPr>
+        </p:nvSpPr>
+        <p:spPr/>
+        <p:txBody>
+          <a:bodyPr>
+            <a:normAutofit fontScale="90000"/>
+          </a:bodyPr>
+          <a:lstStyle/>
+          <a:p>
+            <a:r>
+              <a:rPr lang="en-US" dirty="0" smtClean="0"/>
+              <a:t>Spatial heterogeneity &amp; </a:t>
+            </a:r>
+            <a:br>
+              <a:rPr lang="en-US" dirty="0" smtClean="0"/>
+            </a:br>
+            <a:r>
+              <a:rPr lang="en-US" dirty="0" smtClean="0"/>
+              <a:t>scientific discovery</a:t>
+            </a:r>
+            <a:endParaRPr lang="en-US" dirty="0"/>
+          </a:p>
+        </p:txBody>
+      </p:sp>
+      <p:sp>
+        <p:nvSpPr>
+          <p:cNvPr id="3" name="Footer Placeholder 2"/>
+          <p:cNvSpPr>
+            <a:spLocks noGrp="1"/>
+          </p:cNvSpPr>
+          <p:nvPr>
+            <p:ph type="ftr" sz="quarter" idx="11"/>
+          </p:nvPr>
+        </p:nvSpPr>
+        <p:spPr/>
+        <p:txBody>
+          <a:bodyPr/>
+          <a:lstStyle/>
+          <a:p>
+            <a:r>
+              <a:rPr lang="en-US" smtClean="0"/>
+              <a:t>github.com/HEGSRR  doi.org/10.17605/OSF.IO/C5A2R</a:t>
+            </a:r>
+            <a:endParaRPr lang="en-US"/>
+          </a:p>
+        </p:txBody>
+      </p:sp>
+      <p:sp>
+        <p:nvSpPr>
+          <p:cNvPr id="4" name="Slide Number Placeholder 3"/>
+          <p:cNvSpPr>
+            <a:spLocks noGrp="1"/>
+          </p:cNvSpPr>
+          <p:nvPr>
+            <p:ph type="sldNum" sz="quarter" idx="12"/>
+          </p:nvPr>
+        </p:nvSpPr>
+        <p:spPr/>
+        <p:txBody>
+          <a:bodyPr>
+            <a:normAutofit lnSpcReduction="10000"/>
+          </a:bodyPr>
+          <a:lstStyle/>
+          <a:p>
+            <a:fld id="{981D5A7C-6207-499C-AB20-37C4B4B2E810}" type="slidenum">
+              <a:rPr lang="en-US" smtClean="0"/>
+              <a:t>7</a:t>
+            </a:fld>
+            <a:endParaRPr lang="en-US"/>
+          </a:p>
+        </p:txBody>
+      </p:sp>
+      <p:pic>
+        <p:nvPicPr>
+          <p:cNvPr id="6" name="Picture 6"/>
+          <p:cNvPicPr>
+            <a:picLocks noChangeAspect="1" noChangeArrowheads="1"/>
+          </p:cNvPicPr>
+          <p:nvPr/>
+        </p:nvPicPr>
+        <p:blipFill>
+          <a:blip r:embed="rId2">
+            <a:extLst>
+              <a:ext uri="{28A0092B-C50C-407E-A947-70E740481C1C}">
+                <a14:useLocalDpi xmlns:a14="http://schemas.microsoft.com/office/drawing/2010/main" val="0"/>
+              </a:ext>
+            </a:extLst>
+          </a:blip>
+          <a:srcRect/>
+          <a:stretch>
+            <a:fillRect/>
+          </a:stretch>
+        </p:blipFill>
+        <p:spPr bwMode="auto">
+          <a:xfrm>
+            <a:off x="1012633" y="2438399"/>
+            <a:ext cx="9651303" cy="2969633"/>
+          </a:xfrm>
+          <a:prstGeom prst="rect">
+            <a:avLst/>
+          </a:prstGeom>
+          <a:noFill/>
+          <a:ln>
+            <a:noFill/>
+          </a:ln>
+          <a:extLst>
+            <a:ext uri="{909E8E84-426E-40DD-AFC4-6F175D3DCCD1}">
+              <a14:hiddenFill xmlns:a14="http://schemas.microsoft.com/office/drawing/2010/main">
+                <a:solidFill>
+                  <a:srgbClr val="FFFFFF"/>
+                </a:solidFill>
+              </a14:hiddenFill>
+            </a:ext>
+            <a:ext uri="{91240B29-F687-4F45-9708-019B960494DF}">
+              <a14:hiddenLine xmlns:a14="http://schemas.microsoft.com/office/drawing/2010/main" w="9525">
+                <a:solidFill>
+                  <a:srgbClr val="000000"/>
+                </a:solidFill>
+                <a:miter lim="800000"/>
+                <a:headEnd/>
+                <a:tailEnd/>
+              </a14:hiddenLine>
+            </a:ext>
+          </a:extLst>
+        </p:spPr>
+      </p:pic>
+    </p:spTree>
+    <p:extLst>
+      <p:ext uri="{BB962C8B-B14F-4D97-AF65-F5344CB8AC3E}">
+        <p14:creationId xmlns:p14="http://schemas.microsoft.com/office/powerpoint/2010/main" val="1928579549"/>
+      </p:ext>
+    </p:extLst>
+  </p:cSld>
+  <p:clrMapOvr>
+    <a:masterClrMapping/>
+  </p:clrMapOvr>
+</p:sld>
+</file>
+
+<file path=ppt/slides/slide8.xml><?xml version="1.0" encoding="utf-8"?>
+<p:sld xmlns:a="http://schemas.openxmlformats.org/drawingml/2006/main" xmlns:r="http://schemas.openxmlformats.org/officeDocument/2006/relationships" xmlns:p="http://schemas.openxmlformats.org/presentationml/2006/main">
+  <p:cSld>
+    <p:spTree>
+      <p:nvGrpSpPr>
+        <p:cNvPr id="1" name=""/>
+        <p:cNvGrpSpPr/>
+        <p:nvPr/>
+      </p:nvGrpSpPr>
+      <p:grpSpPr>
+        <a:xfrm>
+          <a:off x="0" y="0"/>
+          <a:ext cx="0" cy="0"/>
+          <a:chOff x="0" y="0"/>
+          <a:chExt cx="0" cy="0"/>
+        </a:xfrm>
+      </p:grpSpPr>
+      <p:sp>
+        <p:nvSpPr>
+          <p:cNvPr id="2" name="Title 1"/>
+          <p:cNvSpPr>
+            <a:spLocks noGrp="1"/>
+          </p:cNvSpPr>
+          <p:nvPr>
+            <p:ph type="title"/>
+          </p:nvPr>
+        </p:nvSpPr>
+        <p:spPr/>
+        <p:txBody>
+          <a:bodyPr/>
+          <a:lstStyle/>
+          <a:p>
+            <a:r>
+              <a:rPr lang="en-US" dirty="0" smtClean="0"/>
+              <a:t>Accumulation of Evidence</a:t>
+            </a:r>
+            <a:endParaRPr lang="en-US" dirty="0"/>
+          </a:p>
+        </p:txBody>
+      </p:sp>
+      <p:pic>
+        <p:nvPicPr>
+          <p:cNvPr id="8" name="Content Placeholder 7"/>
+          <p:cNvPicPr>
+            <a:picLocks noGrp="1" noChangeAspect="1"/>
+          </p:cNvPicPr>
+          <p:nvPr>
+            <p:ph sz="half" idx="1"/>
+          </p:nvPr>
+        </p:nvPicPr>
+        <p:blipFill>
+          <a:blip r:embed="rId2" cstate="print">
+            <a:extLst>
+              <a:ext uri="{28A0092B-C50C-407E-A947-70E740481C1C}">
+                <a14:useLocalDpi xmlns:a14="http://schemas.microsoft.com/office/drawing/2010/main" val="0"/>
+              </a:ext>
+            </a:extLst>
+          </a:blip>
+          <a:stretch>
+            <a:fillRect/>
+          </a:stretch>
+        </p:blipFill>
+        <p:spPr>
+          <a:xfrm>
+            <a:off x="1087958" y="1826010"/>
+            <a:ext cx="4893742" cy="4346190"/>
+          </a:xfrm>
+        </p:spPr>
+      </p:pic>
+      <p:sp>
+        <p:nvSpPr>
+          <p:cNvPr id="9" name="Content Placeholder 8"/>
+          <p:cNvSpPr>
+            <a:spLocks noGrp="1"/>
+          </p:cNvSpPr>
+          <p:nvPr>
+            <p:ph sz="half" idx="2"/>
+          </p:nvPr>
+        </p:nvSpPr>
+        <p:spPr/>
+        <p:txBody>
+          <a:bodyPr/>
+          <a:lstStyle/>
+          <a:p>
+            <a:r>
+              <a:rPr lang="en-US" dirty="0"/>
+              <a:t>Nichols, J. D., M. K. </a:t>
+            </a:r>
+            <a:r>
+              <a:rPr lang="en-US" dirty="0" err="1"/>
+              <a:t>Oli</a:t>
+            </a:r>
+            <a:r>
+              <a:rPr lang="en-US" dirty="0"/>
+              <a:t>, W. L. Kendall, and G. Scott Boomer. 2021. A better approach for dealing with reproducibility and replicability in science. </a:t>
+            </a:r>
+            <a:r>
+              <a:rPr lang="en-US" i="1" dirty="0"/>
+              <a:t>Proceedings of the National Academy of Sciences of the United States of America</a:t>
+            </a:r>
+            <a:r>
+              <a:rPr lang="en-US" dirty="0"/>
+              <a:t> 118 (7):1–5.</a:t>
+            </a:r>
+          </a:p>
+        </p:txBody>
+      </p:sp>
+      <p:sp>
+        <p:nvSpPr>
+          <p:cNvPr id="3" name="Footer Placeholder 2"/>
+          <p:cNvSpPr>
+            <a:spLocks noGrp="1"/>
+          </p:cNvSpPr>
+          <p:nvPr>
+            <p:ph type="ftr" sz="quarter" idx="11"/>
+          </p:nvPr>
+        </p:nvSpPr>
+        <p:spPr/>
+        <p:txBody>
+          <a:bodyPr/>
+          <a:lstStyle/>
+          <a:p>
+            <a:r>
+              <a:rPr lang="en-US" smtClean="0"/>
+              <a:t>github.com/HEGSRR  doi.org/10.17605/OSF.IO/C5A2R</a:t>
+            </a:r>
+            <a:endParaRPr lang="en-US"/>
+          </a:p>
+        </p:txBody>
+      </p:sp>
+      <p:sp>
+        <p:nvSpPr>
+          <p:cNvPr id="4" name="Slide Number Placeholder 3"/>
+          <p:cNvSpPr>
+            <a:spLocks noGrp="1"/>
+          </p:cNvSpPr>
+          <p:nvPr>
+            <p:ph type="sldNum" sz="quarter" idx="12"/>
+          </p:nvPr>
+        </p:nvSpPr>
+        <p:spPr/>
+        <p:txBody>
+          <a:bodyPr>
+            <a:normAutofit lnSpcReduction="10000"/>
+          </a:bodyPr>
+          <a:lstStyle/>
+          <a:p>
+            <a:fld id="{981D5A7C-6207-499C-AB20-37C4B4B2E810}" type="slidenum">
+              <a:rPr lang="en-US" smtClean="0"/>
+              <a:t>8</a:t>
+            </a:fld>
+            <a:endParaRPr lang="en-US"/>
+          </a:p>
+        </p:txBody>
+      </p:sp>
+    </p:spTree>
+    <p:extLst>
+      <p:ext uri="{BB962C8B-B14F-4D97-AF65-F5344CB8AC3E}">
+        <p14:creationId xmlns:p14="http://schemas.microsoft.com/office/powerpoint/2010/main" val="2634522250"/>
+      </p:ext>
+    </p:extLst>
+  </p:cSld>
+  <p:clrMapOvr>
+    <a:masterClrMapping/>
+  </p:clrMapOvr>
+</p:sld>
+</file>
+
+<file path=ppt/slides/slide9.xml><?xml version="1.0" encoding="utf-8"?>
+<p:sld xmlns:a="http://schemas.openxmlformats.org/drawingml/2006/main" xmlns:r="http://schemas.openxmlformats.org/officeDocument/2006/relationships" xmlns:p="http://schemas.openxmlformats.org/presentationml/2006/main">
+  <p:cSld>
+    <p:spTree>
+      <p:nvGrpSpPr>
+        <p:cNvPr id="1" name=""/>
+        <p:cNvGrpSpPr/>
+        <p:nvPr/>
+      </p:nvGrpSpPr>
+      <p:grpSpPr>
+        <a:xfrm>
+          <a:off x="0" y="0"/>
+          <a:ext cx="0" cy="0"/>
+          <a:chOff x="0" y="0"/>
+          <a:chExt cx="0" cy="0"/>
+        </a:xfrm>
+      </p:grpSpPr>
+      <p:sp>
+        <p:nvSpPr>
+          <p:cNvPr id="2" name="Title 1"/>
+          <p:cNvSpPr>
+            <a:spLocks noGrp="1"/>
+          </p:cNvSpPr>
+          <p:nvPr>
+            <p:ph type="title"/>
+          </p:nvPr>
+        </p:nvSpPr>
+        <p:spPr/>
+        <p:txBody>
+          <a:bodyPr/>
+          <a:lstStyle/>
+          <a:p>
+            <a:r>
+              <a:rPr lang="en-US" dirty="0" smtClean="0"/>
+              <a:t>Defining R&amp;R</a:t>
+            </a:r>
+            <a:endParaRPr lang="en-US" dirty="0"/>
+          </a:p>
+        </p:txBody>
+      </p:sp>
+      <p:sp>
+        <p:nvSpPr>
+          <p:cNvPr id="3" name="Footer Placeholder 2"/>
+          <p:cNvSpPr>
+            <a:spLocks noGrp="1"/>
+          </p:cNvSpPr>
+          <p:nvPr>
+            <p:ph type="ftr" sz="quarter" idx="11"/>
+          </p:nvPr>
+        </p:nvSpPr>
+        <p:spPr/>
+        <p:txBody>
+          <a:bodyPr/>
+          <a:lstStyle/>
+          <a:p>
+            <a:r>
+              <a:rPr lang="en-US" smtClean="0"/>
+              <a:t>github.com/HEGSRR  doi.org/10.17605/OSF.IO/C5A2R</a:t>
+            </a:r>
+            <a:endParaRPr lang="en-US"/>
+          </a:p>
+        </p:txBody>
+      </p:sp>
+      <p:sp>
+        <p:nvSpPr>
+          <p:cNvPr id="4" name="Slide Number Placeholder 3"/>
+          <p:cNvSpPr>
+            <a:spLocks noGrp="1"/>
+          </p:cNvSpPr>
+          <p:nvPr>
+            <p:ph type="sldNum" sz="quarter" idx="12"/>
+          </p:nvPr>
+        </p:nvSpPr>
+        <p:spPr/>
+        <p:txBody>
+          <a:bodyPr>
+            <a:normAutofit lnSpcReduction="10000"/>
+          </a:bodyPr>
+          <a:lstStyle/>
+          <a:p>
+            <a:fld id="{981D5A7C-6207-499C-AB20-37C4B4B2E810}" type="slidenum">
+              <a:rPr lang="en-US" smtClean="0"/>
+              <a:t>9</a:t>
             </a:fld>
             <a:endParaRPr lang="en-US"/>
           </a:p>
@@ -4829,7 +8558,7 @@
             <p:ph idx="1"/>
             <p:extLst>
               <p:ext uri="{D42A27DB-BD31-4B8C-83A1-F6EECF244321}">
-                <p14:modId xmlns:p14="http://schemas.microsoft.com/office/powerpoint/2010/main" val="2587913890"/>
+                <p14:modId xmlns:p14="http://schemas.microsoft.com/office/powerpoint/2010/main" val="1506896683"/>
               </p:ext>
             </p:extLst>
           </p:nvPr>
@@ -5140,7 +8869,7 @@
                             <a:schemeClr val="bg1"/>
                           </a:solidFill>
                         </a:rPr>
-                        <a:t>Reproduction</a:t>
+                        <a:t>Reproduction (Verification)</a:t>
                       </a:r>
                       <a:endParaRPr lang="en-US" sz="2400" dirty="0">
                         <a:solidFill>
@@ -5366,7 +9095,7 @@
                             <a:schemeClr val="bg1"/>
                           </a:solidFill>
                         </a:rPr>
-                        <a:t>Replication</a:t>
+                        <a:t>(Direct) Replication</a:t>
                       </a:r>
                       <a:endParaRPr lang="en-US" sz="2400" dirty="0">
                         <a:solidFill>
@@ -5525,7 +9254,7 @@
         </p:spPr>
         <p:txBody>
           <a:bodyPr vert="horz" lIns="91440" tIns="45720" rIns="91440" bIns="45720" rtlCol="0">
-            <a:normAutofit/>
+            <a:normAutofit fontScale="92500"/>
           </a:bodyPr>
           <a:lstStyle>
             <a:lvl1pPr marL="182880" indent="-182880" algn="l" defTabSz="914400" rtl="0" eaLnBrk="1" latinLnBrk="0" hangingPunct="1">
@@ -5774,7 +9503,7 @@
             </a:pPr>
             <a:r>
               <a:rPr lang="en-US" sz="1800" dirty="0" smtClean="0"/>
-              <a:t>Table modified from Christensen, </a:t>
+              <a:t>Modified from Christensen, </a:t>
             </a:r>
             <a:r>
               <a:rPr lang="en-US" sz="1800" dirty="0" err="1" smtClean="0"/>
@@ -5782,7 +9511,15 @@
             </a:r>
             <a:r>
               <a:rPr lang="en-US" sz="1800" dirty="0" smtClean="0"/>
-              <a:t> and Miguel (2019)</a:t>
+              <a:t> and Miguel (2019, Table 9.1 </a:t>
+            </a:r>
+            <a:r>
+              <a:rPr lang="en-US" sz="1800" dirty="0" err="1" smtClean="0"/>
+              <a:t>pg</a:t>
+            </a:r>
+            <a:r>
+              <a:rPr lang="en-US" sz="1800" dirty="0" smtClean="0"/>
+              <a:t> 159)</a:t>
             </a:r>
             <a:endParaRPr lang="en-US" sz="1800" dirty="0"/>
           </a:p>
@@ -5792,924 +9529,6 @@
     <p:extLst>
       <p:ext uri="{BB962C8B-B14F-4D97-AF65-F5344CB8AC3E}">
         <p14:creationId xmlns:p14="http://schemas.microsoft.com/office/powerpoint/2010/main" val="1152631371"/>
-      </p:ext>
-    </p:extLst>
-  </p:cSld>
-  <p:clrMapOvr>
-    <a:masterClrMapping/>
-  </p:clrMapOvr>
-</p:sld>
-</file>
-
-<file path=ppt/slides/slide4.xml><?xml version="1.0" encoding="utf-8"?>
-<p:sld xmlns:a="http://schemas.openxmlformats.org/drawingml/2006/main" xmlns:r="http://schemas.openxmlformats.org/officeDocument/2006/relationships" xmlns:p="http://schemas.openxmlformats.org/presentationml/2006/main">
-  <p:cSld>
-    <p:spTree>
-      <p:nvGrpSpPr>
-        <p:cNvPr id="1" name=""/>
-        <p:cNvGrpSpPr/>
-        <p:nvPr/>
-      </p:nvGrpSpPr>
-      <p:grpSpPr>
-        <a:xfrm>
-          <a:off x="0" y="0"/>
-          <a:ext cx="0" cy="0"/>
-          <a:chOff x="0" y="0"/>
-          <a:chExt cx="0" cy="0"/>
-        </a:xfrm>
-      </p:grpSpPr>
-      <p:sp>
-        <p:nvSpPr>
-          <p:cNvPr id="2" name="Title 1"/>
-          <p:cNvSpPr>
-            <a:spLocks noGrp="1"/>
-          </p:cNvSpPr>
-          <p:nvPr>
-            <p:ph type="title"/>
-          </p:nvPr>
-        </p:nvSpPr>
-        <p:spPr/>
-        <p:txBody>
-          <a:bodyPr/>
-          <a:lstStyle/>
-          <a:p>
-            <a:r>
-              <a:rPr lang="en-US" dirty="0" smtClean="0"/>
-              <a:t>Defining R&amp;R</a:t>
-            </a:r>
-            <a:endParaRPr lang="en-US" dirty="0"/>
-          </a:p>
-        </p:txBody>
-      </p:sp>
-      <p:sp>
-        <p:nvSpPr>
-          <p:cNvPr id="3" name="Footer Placeholder 2"/>
-          <p:cNvSpPr>
-            <a:spLocks noGrp="1"/>
-          </p:cNvSpPr>
-          <p:nvPr>
-            <p:ph type="ftr" sz="quarter" idx="11"/>
-          </p:nvPr>
-        </p:nvSpPr>
-        <p:spPr/>
-        <p:txBody>
-          <a:bodyPr/>
-          <a:lstStyle/>
-          <a:p>
-            <a:r>
-              <a:rPr lang="en-US" smtClean="0"/>
-              <a:t>github.com/HEGSRR  doi.org/10.17605/OSF.IO/C5A2R</a:t>
-            </a:r>
-            <a:endParaRPr lang="en-US"/>
-          </a:p>
-        </p:txBody>
-      </p:sp>
-      <p:sp>
-        <p:nvSpPr>
-          <p:cNvPr id="4" name="Slide Number Placeholder 3"/>
-          <p:cNvSpPr>
-            <a:spLocks noGrp="1"/>
-          </p:cNvSpPr>
-          <p:nvPr>
-            <p:ph type="sldNum" sz="quarter" idx="12"/>
-          </p:nvPr>
-        </p:nvSpPr>
-        <p:spPr/>
-        <p:txBody>
-          <a:bodyPr>
-            <a:normAutofit lnSpcReduction="10000"/>
-          </a:bodyPr>
-          <a:lstStyle/>
-          <a:p>
-            <a:fld id="{981D5A7C-6207-499C-AB20-37C4B4B2E810}" type="slidenum">
-              <a:rPr lang="en-US" smtClean="0"/>
-              <a:t>4</a:t>
-            </a:fld>
-            <a:endParaRPr lang="en-US"/>
-          </a:p>
-        </p:txBody>
-      </p:sp>
-      <p:sp>
-        <p:nvSpPr>
-          <p:cNvPr id="5" name="Content Placeholder 4"/>
-          <p:cNvSpPr>
-            <a:spLocks noGrp="1"/>
-          </p:cNvSpPr>
-          <p:nvPr>
-            <p:ph idx="1"/>
-          </p:nvPr>
-        </p:nvSpPr>
-        <p:spPr/>
-        <p:txBody>
-          <a:bodyPr/>
-          <a:lstStyle/>
-          <a:p>
-            <a:endParaRPr lang="en-US"/>
-          </a:p>
-        </p:txBody>
-      </p:sp>
-    </p:spTree>
-    <p:extLst>
-      <p:ext uri="{BB962C8B-B14F-4D97-AF65-F5344CB8AC3E}">
-        <p14:creationId xmlns:p14="http://schemas.microsoft.com/office/powerpoint/2010/main" val="2609929176"/>
-      </p:ext>
-    </p:extLst>
-  </p:cSld>
-  <p:clrMapOvr>
-    <a:masterClrMapping/>
-  </p:clrMapOvr>
-</p:sld>
-</file>
-
-<file path=ppt/slides/slide5.xml><?xml version="1.0" encoding="utf-8"?>
-<p:sld xmlns:a="http://schemas.openxmlformats.org/drawingml/2006/main" xmlns:r="http://schemas.openxmlformats.org/officeDocument/2006/relationships" xmlns:p="http://schemas.openxmlformats.org/presentationml/2006/main">
-  <p:cSld>
-    <p:spTree>
-      <p:nvGrpSpPr>
-        <p:cNvPr id="1" name=""/>
-        <p:cNvGrpSpPr/>
-        <p:nvPr/>
-      </p:nvGrpSpPr>
-      <p:grpSpPr>
-        <a:xfrm>
-          <a:off x="0" y="0"/>
-          <a:ext cx="0" cy="0"/>
-          <a:chOff x="0" y="0"/>
-          <a:chExt cx="0" cy="0"/>
-        </a:xfrm>
-      </p:grpSpPr>
-      <p:sp>
-        <p:nvSpPr>
-          <p:cNvPr id="2" name="Title 1"/>
-          <p:cNvSpPr>
-            <a:spLocks noGrp="1"/>
-          </p:cNvSpPr>
-          <p:nvPr>
-            <p:ph type="title"/>
-          </p:nvPr>
-        </p:nvSpPr>
-        <p:spPr/>
-        <p:txBody>
-          <a:bodyPr/>
-          <a:lstStyle/>
-          <a:p>
-            <a:r>
-              <a:rPr lang="en-US" dirty="0" smtClean="0"/>
-              <a:t>Practicing</a:t>
-            </a:r>
-            <a:r>
-              <a:rPr lang="en-US" i="1" dirty="0" smtClean="0"/>
-              <a:t> </a:t>
-            </a:r>
-            <a:r>
-              <a:rPr lang="en-US" dirty="0" smtClean="0"/>
-              <a:t>R&amp;R in HEGS</a:t>
-            </a:r>
-            <a:endParaRPr lang="en-US" i="1" dirty="0"/>
-          </a:p>
-        </p:txBody>
-      </p:sp>
-      <p:sp>
-        <p:nvSpPr>
-          <p:cNvPr id="3" name="Content Placeholder 2"/>
-          <p:cNvSpPr>
-            <a:spLocks noGrp="1"/>
-          </p:cNvSpPr>
-          <p:nvPr>
-            <p:ph idx="1"/>
-          </p:nvPr>
-        </p:nvSpPr>
-        <p:spPr/>
-        <p:txBody>
-          <a:bodyPr/>
-          <a:lstStyle/>
-          <a:p>
-            <a:r>
-              <a:rPr lang="en-US" dirty="0" smtClean="0"/>
-              <a:t>Reproducible research practices</a:t>
-            </a:r>
-          </a:p>
-          <a:p>
-            <a:r>
-              <a:rPr lang="en-US" dirty="0" smtClean="0"/>
-              <a:t>Open science principles</a:t>
-            </a:r>
-          </a:p>
-          <a:p>
-            <a:r>
-              <a:rPr lang="en-US" dirty="0" smtClean="0"/>
-              <a:t>Designing, implementing, and publishing reproduction studies and replication studies in geography</a:t>
-            </a:r>
-            <a:endParaRPr lang="en-US" dirty="0"/>
-          </a:p>
-        </p:txBody>
-      </p:sp>
-      <p:sp>
-        <p:nvSpPr>
-          <p:cNvPr id="4" name="Footer Placeholder 3"/>
-          <p:cNvSpPr>
-            <a:spLocks noGrp="1"/>
-          </p:cNvSpPr>
-          <p:nvPr>
-            <p:ph type="ftr" sz="quarter" idx="11"/>
-          </p:nvPr>
-        </p:nvSpPr>
-        <p:spPr/>
-        <p:txBody>
-          <a:bodyPr/>
-          <a:lstStyle/>
-          <a:p>
-            <a:r>
-              <a:rPr lang="en-US" smtClean="0"/>
-              <a:t>github.com/HEGSRR  doi.org/10.17605/OSF.IO/C5A2R</a:t>
-            </a:r>
-            <a:endParaRPr lang="en-US"/>
-          </a:p>
-        </p:txBody>
-      </p:sp>
-      <p:sp>
-        <p:nvSpPr>
-          <p:cNvPr id="5" name="Slide Number Placeholder 4"/>
-          <p:cNvSpPr>
-            <a:spLocks noGrp="1"/>
-          </p:cNvSpPr>
-          <p:nvPr>
-            <p:ph type="sldNum" sz="quarter" idx="12"/>
-          </p:nvPr>
-        </p:nvSpPr>
-        <p:spPr/>
-        <p:txBody>
-          <a:bodyPr>
-            <a:normAutofit lnSpcReduction="10000"/>
-          </a:bodyPr>
-          <a:lstStyle/>
-          <a:p>
-            <a:fld id="{981D5A7C-6207-499C-AB20-37C4B4B2E810}" type="slidenum">
-              <a:rPr lang="en-US" smtClean="0"/>
-              <a:t>5</a:t>
-            </a:fld>
-            <a:endParaRPr lang="en-US"/>
-          </a:p>
-        </p:txBody>
-      </p:sp>
-    </p:spTree>
-    <p:extLst>
-      <p:ext uri="{BB962C8B-B14F-4D97-AF65-F5344CB8AC3E}">
-        <p14:creationId xmlns:p14="http://schemas.microsoft.com/office/powerpoint/2010/main" val="3225258025"/>
-      </p:ext>
-    </p:extLst>
-  </p:cSld>
-  <p:clrMapOvr>
-    <a:masterClrMapping/>
-  </p:clrMapOvr>
-</p:sld>
-</file>
-
-<file path=ppt/slides/slide6.xml><?xml version="1.0" encoding="utf-8"?>
-<p:sld xmlns:a="http://schemas.openxmlformats.org/drawingml/2006/main" xmlns:r="http://schemas.openxmlformats.org/officeDocument/2006/relationships" xmlns:p="http://schemas.openxmlformats.org/presentationml/2006/main">
-  <p:cSld>
-    <p:spTree>
-      <p:nvGrpSpPr>
-        <p:cNvPr id="1" name=""/>
-        <p:cNvGrpSpPr/>
-        <p:nvPr/>
-      </p:nvGrpSpPr>
-      <p:grpSpPr>
-        <a:xfrm>
-          <a:off x="0" y="0"/>
-          <a:ext cx="0" cy="0"/>
-          <a:chOff x="0" y="0"/>
-          <a:chExt cx="0" cy="0"/>
-        </a:xfrm>
-      </p:grpSpPr>
-      <p:sp>
-        <p:nvSpPr>
-          <p:cNvPr id="2" name="Title 1"/>
-          <p:cNvSpPr>
-            <a:spLocks noGrp="1"/>
-          </p:cNvSpPr>
-          <p:nvPr>
-            <p:ph type="title"/>
-          </p:nvPr>
-        </p:nvSpPr>
-        <p:spPr/>
-        <p:txBody>
-          <a:bodyPr/>
-          <a:lstStyle/>
-          <a:p>
-            <a:r>
-              <a:rPr lang="en-US" dirty="0" smtClean="0"/>
-              <a:t>Teaching R&amp;R in HEGS</a:t>
-            </a:r>
-            <a:endParaRPr lang="en-US" dirty="0"/>
-          </a:p>
-        </p:txBody>
-      </p:sp>
-      <p:sp>
-        <p:nvSpPr>
-          <p:cNvPr id="3" name="Content Placeholder 2"/>
-          <p:cNvSpPr>
-            <a:spLocks noGrp="1"/>
-          </p:cNvSpPr>
-          <p:nvPr>
-            <p:ph idx="1"/>
-          </p:nvPr>
-        </p:nvSpPr>
-        <p:spPr/>
-        <p:txBody>
-          <a:bodyPr>
-            <a:normAutofit/>
-          </a:bodyPr>
-          <a:lstStyle/>
-          <a:p>
-            <a:r>
-              <a:rPr lang="en-US" dirty="0" smtClean="0"/>
-              <a:t>Teaching competencies for doing reproducible research</a:t>
-            </a:r>
-          </a:p>
-          <a:p>
-            <a:r>
-              <a:rPr lang="en-US" dirty="0" smtClean="0"/>
-              <a:t>Reproduction and replication studies with students in…</a:t>
-            </a:r>
-          </a:p>
-          <a:p>
-            <a:pPr lvl="1"/>
-            <a:r>
-              <a:rPr lang="en-US" dirty="0" smtClean="0"/>
-              <a:t>Methods courses</a:t>
-            </a:r>
-          </a:p>
-          <a:p>
-            <a:pPr lvl="1"/>
-            <a:r>
-              <a:rPr lang="en-US" dirty="0" smtClean="0"/>
-              <a:t>Independent or small groups</a:t>
-            </a:r>
-          </a:p>
-          <a:p>
-            <a:pPr lvl="1"/>
-            <a:r>
-              <a:rPr lang="en-US" dirty="0" smtClean="0"/>
-              <a:t>Research assistantships</a:t>
-            </a:r>
-          </a:p>
-          <a:p>
-            <a:r>
-              <a:rPr lang="en-US" dirty="0" smtClean="0"/>
-              <a:t>Teaching geographic concepts and methods through reproduction and replication studies</a:t>
-            </a:r>
-            <a:endParaRPr lang="en-US" dirty="0"/>
-          </a:p>
-        </p:txBody>
-      </p:sp>
-      <p:sp>
-        <p:nvSpPr>
-          <p:cNvPr id="4" name="Footer Placeholder 3"/>
-          <p:cNvSpPr>
-            <a:spLocks noGrp="1"/>
-          </p:cNvSpPr>
-          <p:nvPr>
-            <p:ph type="ftr" sz="quarter" idx="11"/>
-          </p:nvPr>
-        </p:nvSpPr>
-        <p:spPr/>
-        <p:txBody>
-          <a:bodyPr/>
-          <a:lstStyle/>
-          <a:p>
-            <a:r>
-              <a:rPr lang="en-US" smtClean="0"/>
-              <a:t>github.com/HEGSRR  doi.org/10.17605/OSF.IO/C5A2R</a:t>
-            </a:r>
-            <a:endParaRPr lang="en-US"/>
-          </a:p>
-        </p:txBody>
-      </p:sp>
-      <p:sp>
-        <p:nvSpPr>
-          <p:cNvPr id="5" name="Slide Number Placeholder 4"/>
-          <p:cNvSpPr>
-            <a:spLocks noGrp="1"/>
-          </p:cNvSpPr>
-          <p:nvPr>
-            <p:ph type="sldNum" sz="quarter" idx="12"/>
-          </p:nvPr>
-        </p:nvSpPr>
-        <p:spPr/>
-        <p:txBody>
-          <a:bodyPr>
-            <a:normAutofit lnSpcReduction="10000"/>
-          </a:bodyPr>
-          <a:lstStyle/>
-          <a:p>
-            <a:fld id="{981D5A7C-6207-499C-AB20-37C4B4B2E810}" type="slidenum">
-              <a:rPr lang="en-US" smtClean="0"/>
-              <a:t>6</a:t>
-            </a:fld>
-            <a:endParaRPr lang="en-US"/>
-          </a:p>
-        </p:txBody>
-      </p:sp>
-    </p:spTree>
-    <p:extLst>
-      <p:ext uri="{BB962C8B-B14F-4D97-AF65-F5344CB8AC3E}">
-        <p14:creationId xmlns:p14="http://schemas.microsoft.com/office/powerpoint/2010/main" val="944982193"/>
-      </p:ext>
-    </p:extLst>
-  </p:cSld>
-  <p:clrMapOvr>
-    <a:masterClrMapping/>
-  </p:clrMapOvr>
-</p:sld>
-</file>
-
-<file path=ppt/slides/slide7.xml><?xml version="1.0" encoding="utf-8"?>
-<p:sld xmlns:a="http://schemas.openxmlformats.org/drawingml/2006/main" xmlns:r="http://schemas.openxmlformats.org/officeDocument/2006/relationships" xmlns:p="http://schemas.openxmlformats.org/presentationml/2006/main">
-  <p:cSld>
-    <p:spTree>
-      <p:nvGrpSpPr>
-        <p:cNvPr id="1" name=""/>
-        <p:cNvGrpSpPr/>
-        <p:nvPr/>
-      </p:nvGrpSpPr>
-      <p:grpSpPr>
-        <a:xfrm>
-          <a:off x="0" y="0"/>
-          <a:ext cx="0" cy="0"/>
-          <a:chOff x="0" y="0"/>
-          <a:chExt cx="0" cy="0"/>
-        </a:xfrm>
-      </p:grpSpPr>
-      <p:sp>
-        <p:nvSpPr>
-          <p:cNvPr id="2" name="Title 1"/>
-          <p:cNvSpPr>
-            <a:spLocks noGrp="1"/>
-          </p:cNvSpPr>
-          <p:nvPr>
-            <p:ph type="title"/>
-          </p:nvPr>
-        </p:nvSpPr>
-        <p:spPr/>
-        <p:txBody>
-          <a:bodyPr/>
-          <a:lstStyle/>
-          <a:p>
-            <a:r>
-              <a:rPr lang="en-US" dirty="0" smtClean="0"/>
-              <a:t>Teaching R&amp;R in HEGS</a:t>
-            </a:r>
-            <a:endParaRPr lang="en-US" dirty="0"/>
-          </a:p>
-        </p:txBody>
-      </p:sp>
-      <p:sp>
-        <p:nvSpPr>
-          <p:cNvPr id="3" name="Footer Placeholder 2"/>
-          <p:cNvSpPr>
-            <a:spLocks noGrp="1"/>
-          </p:cNvSpPr>
-          <p:nvPr>
-            <p:ph type="ftr" sz="quarter" idx="11"/>
-          </p:nvPr>
-        </p:nvSpPr>
-        <p:spPr/>
-        <p:txBody>
-          <a:bodyPr/>
-          <a:lstStyle/>
-          <a:p>
-            <a:r>
-              <a:rPr lang="en-US" smtClean="0"/>
-              <a:t>github.com/HEGSRR  doi.org/10.17605/OSF.IO/C5A2R</a:t>
-            </a:r>
-            <a:endParaRPr lang="en-US"/>
-          </a:p>
-        </p:txBody>
-      </p:sp>
-      <p:sp>
-        <p:nvSpPr>
-          <p:cNvPr id="4" name="Slide Number Placeholder 3"/>
-          <p:cNvSpPr>
-            <a:spLocks noGrp="1"/>
-          </p:cNvSpPr>
-          <p:nvPr>
-            <p:ph type="sldNum" sz="quarter" idx="12"/>
-          </p:nvPr>
-        </p:nvSpPr>
-        <p:spPr/>
-        <p:txBody>
-          <a:bodyPr>
-            <a:normAutofit lnSpcReduction="10000"/>
-          </a:bodyPr>
-          <a:lstStyle/>
-          <a:p>
-            <a:fld id="{981D5A7C-6207-499C-AB20-37C4B4B2E810}" type="slidenum">
-              <a:rPr lang="en-US" smtClean="0"/>
-              <a:t>7</a:t>
-            </a:fld>
-            <a:endParaRPr lang="en-US"/>
-          </a:p>
-        </p:txBody>
-      </p:sp>
-      <p:sp>
-        <p:nvSpPr>
-          <p:cNvPr id="5" name="Content Placeholder 4"/>
-          <p:cNvSpPr>
-            <a:spLocks noGrp="1"/>
-          </p:cNvSpPr>
-          <p:nvPr>
-            <p:ph idx="1"/>
-          </p:nvPr>
-        </p:nvSpPr>
-        <p:spPr/>
-        <p:txBody>
-          <a:bodyPr/>
-          <a:lstStyle/>
-          <a:p>
-            <a:r>
-              <a:rPr lang="en-US" dirty="0" smtClean="0"/>
-              <a:t>Software-specific methods &amp; extensions? No…</a:t>
-            </a:r>
-          </a:p>
-          <a:p>
-            <a:r>
-              <a:rPr lang="en-US" dirty="0" smtClean="0"/>
-              <a:t>Learn and practice competencies for:</a:t>
-            </a:r>
-          </a:p>
-          <a:p>
-            <a:pPr lvl="1"/>
-            <a:r>
-              <a:rPr lang="en-US" dirty="0" smtClean="0"/>
-              <a:t>Reading published research</a:t>
-            </a:r>
-          </a:p>
-          <a:p>
-            <a:pPr lvl="1"/>
-            <a:r>
-              <a:rPr lang="en-US" dirty="0"/>
-              <a:t>Research </a:t>
-            </a:r>
-            <a:r>
-              <a:rPr lang="en-US" dirty="0" smtClean="0"/>
-              <a:t>planning / design</a:t>
-            </a:r>
-            <a:endParaRPr lang="en-US" dirty="0"/>
-          </a:p>
-          <a:p>
-            <a:pPr lvl="1"/>
-            <a:r>
-              <a:rPr lang="en-US" dirty="0" smtClean="0"/>
-              <a:t>Learning new (open source) software</a:t>
-            </a:r>
-          </a:p>
-          <a:p>
-            <a:pPr lvl="1"/>
-            <a:r>
-              <a:rPr lang="en-US" dirty="0" smtClean="0"/>
-              <a:t>Comparing results / assessing error and uncertainty</a:t>
-            </a:r>
-          </a:p>
-          <a:p>
-            <a:pPr lvl="1"/>
-            <a:r>
-              <a:rPr lang="en-US" dirty="0" smtClean="0"/>
-              <a:t>Reporting findings</a:t>
-            </a:r>
-          </a:p>
-          <a:p>
-            <a:pPr lvl="1"/>
-            <a:endParaRPr lang="en-US" dirty="0"/>
-          </a:p>
-        </p:txBody>
-      </p:sp>
-    </p:spTree>
-    <p:extLst>
-      <p:ext uri="{BB962C8B-B14F-4D97-AF65-F5344CB8AC3E}">
-        <p14:creationId xmlns:p14="http://schemas.microsoft.com/office/powerpoint/2010/main" val="3490376964"/>
-      </p:ext>
-    </p:extLst>
-  </p:cSld>
-  <p:clrMapOvr>
-    <a:masterClrMapping/>
-  </p:clrMapOvr>
-</p:sld>
-</file>
-
-<file path=ppt/slides/slide8.xml><?xml version="1.0" encoding="utf-8"?>
-<p:sld xmlns:a="http://schemas.openxmlformats.org/drawingml/2006/main" xmlns:r="http://schemas.openxmlformats.org/officeDocument/2006/relationships" xmlns:p="http://schemas.openxmlformats.org/presentationml/2006/main">
-  <p:cSld>
-    <p:spTree>
-      <p:nvGrpSpPr>
-        <p:cNvPr id="1" name=""/>
-        <p:cNvGrpSpPr/>
-        <p:nvPr/>
-      </p:nvGrpSpPr>
-      <p:grpSpPr>
-        <a:xfrm>
-          <a:off x="0" y="0"/>
-          <a:ext cx="0" cy="0"/>
-          <a:chOff x="0" y="0"/>
-          <a:chExt cx="0" cy="0"/>
-        </a:xfrm>
-      </p:grpSpPr>
-      <p:sp>
-        <p:nvSpPr>
-          <p:cNvPr id="2" name="Title 1"/>
-          <p:cNvSpPr>
-            <a:spLocks noGrp="1"/>
-          </p:cNvSpPr>
-          <p:nvPr>
-            <p:ph type="title"/>
-          </p:nvPr>
-        </p:nvSpPr>
-        <p:spPr/>
-        <p:txBody>
-          <a:bodyPr/>
-          <a:lstStyle/>
-          <a:p>
-            <a:r>
-              <a:rPr lang="en-US" dirty="0" smtClean="0"/>
-              <a:t>Teaching R&amp;R in HEGS</a:t>
-            </a:r>
-            <a:endParaRPr lang="en-US" dirty="0"/>
-          </a:p>
-        </p:txBody>
-      </p:sp>
-      <p:sp>
-        <p:nvSpPr>
-          <p:cNvPr id="3" name="Footer Placeholder 2"/>
-          <p:cNvSpPr>
-            <a:spLocks noGrp="1"/>
-          </p:cNvSpPr>
-          <p:nvPr>
-            <p:ph type="ftr" sz="quarter" idx="11"/>
-          </p:nvPr>
-        </p:nvSpPr>
-        <p:spPr/>
-        <p:txBody>
-          <a:bodyPr/>
-          <a:lstStyle/>
-          <a:p>
-            <a:r>
-              <a:rPr lang="en-US" smtClean="0"/>
-              <a:t>github.com/HEGSRR  doi.org/10.17605/OSF.IO/C5A2R</a:t>
-            </a:r>
-            <a:endParaRPr lang="en-US"/>
-          </a:p>
-        </p:txBody>
-      </p:sp>
-      <p:sp>
-        <p:nvSpPr>
-          <p:cNvPr id="4" name="Slide Number Placeholder 3"/>
-          <p:cNvSpPr>
-            <a:spLocks noGrp="1"/>
-          </p:cNvSpPr>
-          <p:nvPr>
-            <p:ph type="sldNum" sz="quarter" idx="12"/>
-          </p:nvPr>
-        </p:nvSpPr>
-        <p:spPr/>
-        <p:txBody>
-          <a:bodyPr>
-            <a:normAutofit lnSpcReduction="10000"/>
-          </a:bodyPr>
-          <a:lstStyle/>
-          <a:p>
-            <a:fld id="{981D5A7C-6207-499C-AB20-37C4B4B2E810}" type="slidenum">
-              <a:rPr lang="en-US" smtClean="0"/>
-              <a:t>8</a:t>
-            </a:fld>
-            <a:endParaRPr lang="en-US"/>
-          </a:p>
-        </p:txBody>
-      </p:sp>
-      <p:sp>
-        <p:nvSpPr>
-          <p:cNvPr id="5" name="Content Placeholder 4"/>
-          <p:cNvSpPr>
-            <a:spLocks noGrp="1"/>
-          </p:cNvSpPr>
-          <p:nvPr>
-            <p:ph idx="1"/>
-          </p:nvPr>
-        </p:nvSpPr>
-        <p:spPr>
-          <a:xfrm>
-            <a:off x="6374166" y="1595077"/>
-            <a:ext cx="4456130" cy="4681306"/>
-          </a:xfrm>
-        </p:spPr>
-        <p:txBody>
-          <a:bodyPr>
-            <a:normAutofit/>
-          </a:bodyPr>
-          <a:lstStyle/>
-          <a:p>
-            <a:r>
-              <a:rPr lang="en-US" dirty="0" smtClean="0"/>
-              <a:t>Reproduction studies as project-based learning</a:t>
-            </a:r>
-          </a:p>
-          <a:p>
-            <a:pPr lvl="1"/>
-            <a:r>
-              <a:rPr lang="en-US" dirty="0" smtClean="0"/>
-              <a:t>Refocus learning goals on competencies</a:t>
-            </a:r>
-          </a:p>
-          <a:p>
-            <a:pPr lvl="1"/>
-            <a:r>
-              <a:rPr lang="en-US" dirty="0" smtClean="0"/>
-              <a:t>Improved engagement</a:t>
-            </a:r>
-          </a:p>
-          <a:p>
-            <a:pPr lvl="1"/>
-            <a:r>
-              <a:rPr lang="en-US" dirty="0" smtClean="0"/>
-              <a:t>Retain diversity in STEM</a:t>
-            </a:r>
-          </a:p>
-          <a:p>
-            <a:pPr lvl="2"/>
-            <a:endParaRPr lang="en-US" dirty="0" smtClean="0"/>
-          </a:p>
-          <a:p>
-            <a:pPr lvl="2"/>
-            <a:endParaRPr lang="en-US" dirty="0"/>
-          </a:p>
-        </p:txBody>
-      </p:sp>
-      <p:pic>
-        <p:nvPicPr>
-          <p:cNvPr id="1026" name="Picture 2" descr="https://lh4.googleusercontent.com/_XMqRFyCQ-y8_r2_S4Bk_uasq31BldkyB4sNV-5jMHg5feLCqc6eCMTowm_5r6mPF3xmlK67wW-fpQabtomYl1SAr0OKO1MVlDM25wl-vnsJJmlYoArgdS-axOyKXiEvvkyBN9VQKnZ9Zk6jLjgb"/>
-          <p:cNvPicPr>
-            <a:picLocks noChangeAspect="1" noChangeArrowheads="1"/>
-          </p:cNvPicPr>
-          <p:nvPr/>
-        </p:nvPicPr>
-        <p:blipFill rotWithShape="1">
-          <a:blip r:embed="rId2" cstate="print">
-            <a:extLst>
-              <a:ext uri="{28A0092B-C50C-407E-A947-70E740481C1C}">
-                <a14:useLocalDpi xmlns:a14="http://schemas.microsoft.com/office/drawing/2010/main" val="0"/>
-              </a:ext>
-            </a:extLst>
-          </a:blip>
-          <a:srcRect t="22835"/>
-          <a:stretch/>
-        </p:blipFill>
-        <p:spPr bwMode="auto">
-          <a:xfrm>
-            <a:off x="1454414" y="1595077"/>
-            <a:ext cx="4727210" cy="4681305"/>
-          </a:xfrm>
-          <a:prstGeom prst="rect">
-            <a:avLst/>
-          </a:prstGeom>
-          <a:noFill/>
-          <a:extLst>
-            <a:ext uri="{909E8E84-426E-40DD-AFC4-6F175D3DCCD1}">
-              <a14:hiddenFill xmlns:a14="http://schemas.microsoft.com/office/drawing/2010/main">
-                <a:solidFill>
-                  <a:srgbClr val="FFFFFF"/>
-                </a:solidFill>
-              </a14:hiddenFill>
-            </a:ext>
-          </a:extLst>
-        </p:spPr>
-      </p:pic>
-    </p:spTree>
-    <p:extLst>
-      <p:ext uri="{BB962C8B-B14F-4D97-AF65-F5344CB8AC3E}">
-        <p14:creationId xmlns:p14="http://schemas.microsoft.com/office/powerpoint/2010/main" val="3192259551"/>
-      </p:ext>
-    </p:extLst>
-  </p:cSld>
-  <p:clrMapOvr>
-    <a:masterClrMapping/>
-  </p:clrMapOvr>
-</p:sld>
-</file>
-
-<file path=ppt/slides/slide9.xml><?xml version="1.0" encoding="utf-8"?>
-<p:sld xmlns:a="http://schemas.openxmlformats.org/drawingml/2006/main" xmlns:r="http://schemas.openxmlformats.org/officeDocument/2006/relationships" xmlns:p="http://schemas.openxmlformats.org/presentationml/2006/main">
-  <p:cSld>
-    <p:spTree>
-      <p:nvGrpSpPr>
-        <p:cNvPr id="1" name=""/>
-        <p:cNvGrpSpPr/>
-        <p:nvPr/>
-      </p:nvGrpSpPr>
-      <p:grpSpPr>
-        <a:xfrm>
-          <a:off x="0" y="0"/>
-          <a:ext cx="0" cy="0"/>
-          <a:chOff x="0" y="0"/>
-          <a:chExt cx="0" cy="0"/>
-        </a:xfrm>
-      </p:grpSpPr>
-      <p:sp>
-        <p:nvSpPr>
-          <p:cNvPr id="2" name="Title 1"/>
-          <p:cNvSpPr>
-            <a:spLocks noGrp="1"/>
-          </p:cNvSpPr>
-          <p:nvPr>
-            <p:ph type="title"/>
-          </p:nvPr>
-        </p:nvSpPr>
-        <p:spPr/>
-        <p:txBody>
-          <a:bodyPr/>
-          <a:lstStyle/>
-          <a:p>
-            <a:r>
-              <a:rPr lang="en-US" dirty="0" smtClean="0"/>
-              <a:t>State of the Research</a:t>
-            </a:r>
-            <a:endParaRPr lang="en-US" dirty="0"/>
-          </a:p>
-        </p:txBody>
-      </p:sp>
-      <p:sp>
-        <p:nvSpPr>
-          <p:cNvPr id="3" name="Content Placeholder 2"/>
-          <p:cNvSpPr>
-            <a:spLocks noGrp="1"/>
-          </p:cNvSpPr>
-          <p:nvPr>
-            <p:ph idx="1"/>
-          </p:nvPr>
-        </p:nvSpPr>
-        <p:spPr/>
-        <p:txBody>
-          <a:bodyPr/>
-          <a:lstStyle/>
-          <a:p>
-            <a:r>
-              <a:rPr lang="en-US" i="1" dirty="0" smtClean="0"/>
-              <a:t>Annals of Epidemiology</a:t>
-            </a:r>
-            <a:endParaRPr lang="en-US" i="1" dirty="0"/>
-          </a:p>
-        </p:txBody>
-      </p:sp>
-      <p:sp>
-        <p:nvSpPr>
-          <p:cNvPr id="4" name="Footer Placeholder 3"/>
-          <p:cNvSpPr>
-            <a:spLocks noGrp="1"/>
-          </p:cNvSpPr>
-          <p:nvPr>
-            <p:ph type="ftr" sz="quarter" idx="11"/>
-          </p:nvPr>
-        </p:nvSpPr>
-        <p:spPr/>
-        <p:txBody>
-          <a:bodyPr/>
-          <a:lstStyle/>
-          <a:p>
-            <a:r>
-              <a:rPr lang="en-US" smtClean="0"/>
-              <a:t>github.com/HEGSRR  doi.org/10.17605/OSF.IO/C5A2R</a:t>
-            </a:r>
-            <a:endParaRPr lang="en-US"/>
-          </a:p>
-        </p:txBody>
-      </p:sp>
-      <p:sp>
-        <p:nvSpPr>
-          <p:cNvPr id="5" name="Slide Number Placeholder 4"/>
-          <p:cNvSpPr>
-            <a:spLocks noGrp="1"/>
-          </p:cNvSpPr>
-          <p:nvPr>
-            <p:ph type="sldNum" sz="quarter" idx="12"/>
-          </p:nvPr>
-        </p:nvSpPr>
-        <p:spPr/>
-        <p:txBody>
-          <a:bodyPr>
-            <a:normAutofit lnSpcReduction="10000"/>
-          </a:bodyPr>
-          <a:lstStyle/>
-          <a:p>
-            <a:fld id="{981D5A7C-6207-499C-AB20-37C4B4B2E810}" type="slidenum">
-              <a:rPr lang="en-US" smtClean="0"/>
-              <a:t>9</a:t>
-            </a:fld>
-            <a:endParaRPr lang="en-US"/>
-          </a:p>
-        </p:txBody>
-      </p:sp>
-    </p:spTree>
-    <p:extLst>
-      <p:ext uri="{BB962C8B-B14F-4D97-AF65-F5344CB8AC3E}">
-        <p14:creationId xmlns:p14="http://schemas.microsoft.com/office/powerpoint/2010/main" val="937141648"/>
       </p:ext>
     </p:extLst>
   </p:cSld>

--- a/01_Introduction.pptx
+++ b/01_Introduction.pptx
@@ -5,7 +5,7 @@
     <p:sldMasterId id="2147483684" r:id="rId1"/>
   </p:sldMasterIdLst>
   <p:notesMasterIdLst>
-    <p:notesMasterId r:id="rId29"/>
+    <p:notesMasterId r:id="rId39"/>
   </p:notesMasterIdLst>
   <p:sldIdLst>
     <p:sldId id="256" r:id="rId2"/>
@@ -30,11 +30,21 @@
     <p:sldId id="274" r:id="rId21"/>
     <p:sldId id="270" r:id="rId22"/>
     <p:sldId id="271" r:id="rId23"/>
-    <p:sldId id="279" r:id="rId24"/>
-    <p:sldId id="283" r:id="rId25"/>
-    <p:sldId id="281" r:id="rId26"/>
-    <p:sldId id="280" r:id="rId27"/>
-    <p:sldId id="282" r:id="rId28"/>
+    <p:sldId id="286" r:id="rId24"/>
+    <p:sldId id="287" r:id="rId25"/>
+    <p:sldId id="285" r:id="rId26"/>
+    <p:sldId id="279" r:id="rId27"/>
+    <p:sldId id="283" r:id="rId28"/>
+    <p:sldId id="281" r:id="rId29"/>
+    <p:sldId id="280" r:id="rId30"/>
+    <p:sldId id="282" r:id="rId31"/>
+    <p:sldId id="284" r:id="rId32"/>
+    <p:sldId id="288" r:id="rId33"/>
+    <p:sldId id="289" r:id="rId34"/>
+    <p:sldId id="290" r:id="rId35"/>
+    <p:sldId id="291" r:id="rId36"/>
+    <p:sldId id="292" r:id="rId37"/>
+    <p:sldId id="293" r:id="rId38"/>
   </p:sldIdLst>
   <p:sldSz cx="12192000" cy="6858000"/>
   <p:notesSz cx="6858000" cy="9144000"/>
@@ -166,6 +176,13 @@
             <p14:sldId id="271"/>
           </p14:sldIdLst>
         </p14:section>
+        <p14:section name="Preanalysis" id="{7B45A056-36A9-4FCE-A8D8-87BCB71E5691}">
+          <p14:sldIdLst>
+            <p14:sldId id="286"/>
+            <p14:sldId id="287"/>
+            <p14:sldId id="285"/>
+          </p14:sldIdLst>
+        </p14:section>
         <p14:section name="Spatial Scan Statistic" id="{39FF2EA0-AA93-4F5D-B1CD-4AB6E653975E}">
           <p14:sldIdLst>
             <p14:sldId id="279"/>
@@ -173,6 +190,13 @@
             <p14:sldId id="281"/>
             <p14:sldId id="280"/>
             <p14:sldId id="282"/>
+            <p14:sldId id="284"/>
+            <p14:sldId id="288"/>
+            <p14:sldId id="289"/>
+            <p14:sldId id="290"/>
+            <p14:sldId id="291"/>
+            <p14:sldId id="292"/>
+            <p14:sldId id="293"/>
           </p14:sldIdLst>
         </p14:section>
       </p14:sectionLst>
@@ -277,7 +301,7 @@
           <a:p>
             <a:fld id="{DBFC531D-25D0-4EA8-9C4C-7207B4443956}" type="datetimeFigureOut">
               <a:rPr lang="en-US" smtClean="0"/>
-              <a:t>6/1/2022</a:t>
+              <a:t>6/2/2022</a:t>
             </a:fld>
             <a:endParaRPr lang="en-US"/>
           </a:p>
@@ -686,6 +710,174 @@
 </p:notes>
 </file>
 
+<file path=ppt/notesSlides/notesSlide2.xml><?xml version="1.0" encoding="utf-8"?>
+<p:notes xmlns:a="http://schemas.openxmlformats.org/drawingml/2006/main" xmlns:r="http://schemas.openxmlformats.org/officeDocument/2006/relationships" xmlns:p="http://schemas.openxmlformats.org/presentationml/2006/main">
+  <p:cSld>
+    <p:spTree>
+      <p:nvGrpSpPr>
+        <p:cNvPr id="1" name=""/>
+        <p:cNvGrpSpPr/>
+        <p:nvPr/>
+      </p:nvGrpSpPr>
+      <p:grpSpPr>
+        <a:xfrm>
+          <a:off x="0" y="0"/>
+          <a:ext cx="0" cy="0"/>
+          <a:chOff x="0" y="0"/>
+          <a:chExt cx="0" cy="0"/>
+        </a:xfrm>
+      </p:grpSpPr>
+      <p:sp>
+        <p:nvSpPr>
+          <p:cNvPr id="2" name="Slide Image Placeholder 1"/>
+          <p:cNvSpPr>
+            <a:spLocks noGrp="1" noRot="1" noChangeAspect="1"/>
+          </p:cNvSpPr>
+          <p:nvPr>
+            <p:ph type="sldImg"/>
+          </p:nvPr>
+        </p:nvSpPr>
+        <p:spPr/>
+      </p:sp>
+      <p:sp>
+        <p:nvSpPr>
+          <p:cNvPr id="3" name="Notes Placeholder 2"/>
+          <p:cNvSpPr>
+            <a:spLocks noGrp="1"/>
+          </p:cNvSpPr>
+          <p:nvPr>
+            <p:ph type="body" idx="1"/>
+          </p:nvPr>
+        </p:nvSpPr>
+        <p:spPr/>
+        <p:txBody>
+          <a:bodyPr/>
+          <a:lstStyle/>
+          <a:p>
+            <a:r>
+              <a:rPr lang="en-US" dirty="0" err="1" smtClean="0"/>
+              <a:t>Github</a:t>
+            </a:r>
+            <a:r>
+              <a:rPr lang="en-US" baseline="0" dirty="0" smtClean="0"/>
+              <a:t> &amp; </a:t>
+            </a:r>
+            <a:r>
+              <a:rPr lang="en-US" baseline="0" dirty="0" err="1" smtClean="0"/>
+              <a:t>Git</a:t>
+            </a:r>
+            <a:r>
+              <a:rPr lang="en-US" baseline="0" dirty="0" smtClean="0"/>
+              <a:t>: Version tracking, collaborative platforms for projects &amp; coding, website rendering &amp; serving with Jekyll </a:t>
+            </a:r>
+          </a:p>
+          <a:p>
+            <a:endParaRPr lang="en-US" baseline="0" dirty="0" smtClean="0"/>
+          </a:p>
+          <a:p>
+            <a:r>
+              <a:rPr lang="en-US" baseline="0" dirty="0" smtClean="0"/>
+              <a:t>Open Science Foundation – register </a:t>
+            </a:r>
+            <a:r>
+              <a:rPr lang="en-US" baseline="0" dirty="0" err="1" smtClean="0"/>
+              <a:t>preanalysis</a:t>
+            </a:r>
+            <a:r>
+              <a:rPr lang="en-US" baseline="0" dirty="0" smtClean="0"/>
+              <a:t> plans, reports, preprints, data, code, GitHub integration</a:t>
+            </a:r>
+          </a:p>
+          <a:p>
+            <a:endParaRPr lang="en-US" baseline="0" dirty="0" smtClean="0"/>
+          </a:p>
+          <a:p>
+            <a:r>
+              <a:rPr lang="en-US" baseline="0" dirty="0" smtClean="0"/>
+              <a:t>Python </a:t>
+            </a:r>
+            <a:r>
+              <a:rPr lang="en-US" baseline="0" dirty="0" err="1" smtClean="0"/>
+              <a:t>Jupyter</a:t>
+            </a:r>
+            <a:r>
+              <a:rPr lang="en-US" baseline="0" dirty="0" smtClean="0"/>
+              <a:t> Notebooks; R </a:t>
+            </a:r>
+            <a:r>
+              <a:rPr lang="en-US" baseline="0" dirty="0" err="1" smtClean="0"/>
+              <a:t>Rmarkdown</a:t>
+            </a:r>
+            <a:r>
+              <a:rPr lang="en-US" baseline="0" dirty="0" smtClean="0"/>
+              <a:t> – computational notebooks, computing languages of data science with robust spatial extensions</a:t>
+            </a:r>
+          </a:p>
+          <a:p>
+            <a:endParaRPr lang="en-US" baseline="0" dirty="0" smtClean="0"/>
+          </a:p>
+          <a:p>
+            <a:r>
+              <a:rPr lang="en-US" baseline="0" dirty="0" smtClean="0"/>
+              <a:t>Docker – containerize the computational environment </a:t>
+            </a:r>
+          </a:p>
+          <a:p>
+            <a:endParaRPr lang="en-US" baseline="0" dirty="0" smtClean="0"/>
+          </a:p>
+          <a:p>
+            <a:r>
+              <a:rPr lang="en-US" baseline="0" dirty="0" smtClean="0"/>
+              <a:t>Cyberinfrastructure – shared high-performance computing environment for running </a:t>
+            </a:r>
+            <a:r>
+              <a:rPr lang="en-US" baseline="0" dirty="0" err="1" smtClean="0"/>
+              <a:t>Jupyter</a:t>
+            </a:r>
+            <a:r>
+              <a:rPr lang="en-US" baseline="0" dirty="0" smtClean="0"/>
+              <a:t> notebooks</a:t>
+            </a:r>
+            <a:endParaRPr lang="en-US" dirty="0"/>
+          </a:p>
+        </p:txBody>
+      </p:sp>
+      <p:sp>
+        <p:nvSpPr>
+          <p:cNvPr id="4" name="Slide Number Placeholder 3"/>
+          <p:cNvSpPr>
+            <a:spLocks noGrp="1"/>
+          </p:cNvSpPr>
+          <p:nvPr>
+            <p:ph type="sldNum" sz="quarter" idx="10"/>
+          </p:nvPr>
+        </p:nvSpPr>
+        <p:spPr/>
+        <p:txBody>
+          <a:bodyPr/>
+          <a:lstStyle/>
+          <a:p>
+            <a:fld id="{B4EADCF6-4BAA-4B84-A8F1-8C83BA247140}" type="slidenum">
+              <a:rPr lang="en-US" smtClean="0"/>
+              <a:t>32</a:t>
+            </a:fld>
+            <a:endParaRPr lang="en-US"/>
+          </a:p>
+        </p:txBody>
+      </p:sp>
+    </p:spTree>
+    <p:extLst>
+      <p:ext uri="{BB962C8B-B14F-4D97-AF65-F5344CB8AC3E}">
+        <p14:creationId xmlns:p14="http://schemas.microsoft.com/office/powerpoint/2010/main" val="3462419651"/>
+      </p:ext>
+    </p:extLst>
+  </p:cSld>
+  <p:clrMapOvr>
+    <a:masterClrMapping/>
+  </p:clrMapOvr>
+</p:notes>
+</file>
+
 <file path=ppt/slideLayouts/slideLayout1.xml><?xml version="1.0" encoding="utf-8"?>
 <p:sldLayout xmlns:a="http://schemas.openxmlformats.org/drawingml/2006/main" xmlns:r="http://schemas.openxmlformats.org/officeDocument/2006/relationships" xmlns:p="http://schemas.openxmlformats.org/presentationml/2006/main" showMasterSp="0" type="title" preserve="1">
   <p:cSld name="Title Slide">
@@ -854,7 +1046,7 @@
           <a:p>
             <a:fld id="{F4BFCB00-81AB-467B-86AA-35059D5E0AE4}" type="datetime1">
               <a:rPr lang="en-US" smtClean="0"/>
-              <a:t>6/1/2022</a:t>
+              <a:t>6/2/2022</a:t>
             </a:fld>
             <a:endParaRPr lang="en-US"/>
           </a:p>
@@ -1086,7 +1278,7 @@
           <a:p>
             <a:fld id="{199005A6-DE78-42AA-95FF-090EB70A6D7D}" type="datetime1">
               <a:rPr lang="en-US" smtClean="0"/>
-              <a:t>6/1/2022</a:t>
+              <a:t>6/2/2022</a:t>
             </a:fld>
             <a:endParaRPr lang="en-US"/>
           </a:p>
@@ -1270,7 +1462,7 @@
           <a:p>
             <a:fld id="{E1D54591-2AE9-48E5-8281-190FBBE42B0D}" type="datetime1">
               <a:rPr lang="en-US" smtClean="0"/>
-              <a:t>6/1/2022</a:t>
+              <a:t>6/2/2022</a:t>
             </a:fld>
             <a:endParaRPr lang="en-US"/>
           </a:p>
@@ -1392,7 +1584,7 @@
           <a:p>
             <a:fld id="{E2BB4963-528D-4500-9B67-333791626A6E}" type="datetime1">
               <a:rPr lang="en-US" smtClean="0"/>
-              <a:t>6/1/2022</a:t>
+              <a:t>6/2/2022</a:t>
             </a:fld>
             <a:endParaRPr lang="en-US"/>
           </a:p>
@@ -1712,7 +1904,7 @@
           <a:p>
             <a:fld id="{469EA241-FBD8-46D7-82AE-AF612D7B7D2A}" type="datetime1">
               <a:rPr lang="en-US" smtClean="0"/>
-              <a:t>6/1/2022</a:t>
+              <a:t>6/2/2022</a:t>
             </a:fld>
             <a:endParaRPr lang="en-US"/>
           </a:p>
@@ -2042,7 +2234,7 @@
           <a:p>
             <a:fld id="{8F9E7ABD-92CC-44D5-812F-6E001F6AC66C}" type="datetime1">
               <a:rPr lang="en-US" smtClean="0"/>
-              <a:t>6/1/2022</a:t>
+              <a:t>6/2/2022</a:t>
             </a:fld>
             <a:endParaRPr lang="en-US"/>
           </a:p>
@@ -2497,7 +2689,7 @@
           <a:p>
             <a:fld id="{22F7C429-F118-4020-A2DD-3BC780BE1E37}" type="datetime1">
               <a:rPr lang="en-US" smtClean="0"/>
-              <a:t>6/1/2022</a:t>
+              <a:t>6/2/2022</a:t>
             </a:fld>
             <a:endParaRPr lang="en-US"/>
           </a:p>
@@ -2619,7 +2811,7 @@
           <a:p>
             <a:fld id="{EF935929-6DF1-40D0-98F7-4A925CC5EDC4}" type="datetime1">
               <a:rPr lang="en-US" smtClean="0"/>
-              <a:t>6/1/2022</a:t>
+              <a:t>6/2/2022</a:t>
             </a:fld>
             <a:endParaRPr lang="en-US"/>
           </a:p>
@@ -2718,7 +2910,7 @@
           <a:p>
             <a:fld id="{94491080-5631-4C41-97FA-2B29ED7DB398}" type="datetime1">
               <a:rPr lang="en-US" smtClean="0"/>
-              <a:t>6/1/2022</a:t>
+              <a:t>6/2/2022</a:t>
             </a:fld>
             <a:endParaRPr lang="en-US"/>
           </a:p>
@@ -3009,7 +3201,7 @@
           <a:p>
             <a:fld id="{4E84E37C-AD71-4C21-80AB-7BB98F34BE7A}" type="datetime1">
               <a:rPr lang="en-US" smtClean="0"/>
-              <a:t>6/1/2022</a:t>
+              <a:t>6/2/2022</a:t>
             </a:fld>
             <a:endParaRPr lang="en-US"/>
           </a:p>
@@ -3335,7 +3527,7 @@
           <a:p>
             <a:fld id="{8A8F1312-AA6B-4D5C-A2DB-373C62ACA32F}" type="datetime1">
               <a:rPr lang="en-US" smtClean="0"/>
-              <a:t>6/1/2022</a:t>
+              <a:t>6/2/2022</a:t>
             </a:fld>
             <a:endParaRPr lang="en-US"/>
           </a:p>
@@ -3596,7 +3788,7 @@
           <a:p>
             <a:fld id="{8B1F2FB7-32C9-40DF-B6A2-F94AAC625BDA}" type="datetime1">
               <a:rPr lang="en-US" smtClean="0"/>
-              <a:t>6/1/2022</a:t>
+              <a:t>6/2/2022</a:t>
             </a:fld>
             <a:endParaRPr lang="en-US"/>
           </a:p>
@@ -4415,7 +4607,7 @@
           <a:p>
             <a:r>
               <a:rPr lang="en-US" dirty="0" smtClean="0"/>
-              <a:t>Let’s Discuss</a:t>
+              <a:t>Discuss</a:t>
             </a:r>
             <a:endParaRPr lang="en-US" dirty="0"/>
           </a:p>
@@ -5789,7 +5981,12 @@
             <p:ph type="title"/>
           </p:nvPr>
         </p:nvSpPr>
-        <p:spPr/>
+        <p:spPr>
+          <a:xfrm>
+            <a:off x="1261872" y="365760"/>
+            <a:ext cx="4154859" cy="1325562"/>
+          </a:xfrm>
+        </p:spPr>
         <p:txBody>
           <a:bodyPr/>
           <a:lstStyle/>
@@ -5874,8 +6071,8 @@
         </p:blipFill>
         <p:spPr>
           <a:xfrm>
-            <a:off x="7808890" y="1612032"/>
-            <a:ext cx="3145622" cy="4714751"/>
+            <a:off x="8377645" y="2891564"/>
+            <a:ext cx="2414559" cy="3619012"/>
           </a:xfrm>
         </p:spPr>
       </p:pic>
@@ -5901,8 +6098,8 @@
         </p:blipFill>
         <p:spPr>
           <a:xfrm>
-            <a:off x="4413540" y="1612031"/>
-            <a:ext cx="3119400" cy="4714751"/>
+            <a:off x="5886994" y="2891564"/>
+            <a:ext cx="2394857" cy="3619656"/>
           </a:xfrm>
           <a:prstGeom prst="rect">
             <a:avLst/>
@@ -5931,8 +6128,61 @@
         </p:blipFill>
         <p:spPr>
           <a:xfrm>
-            <a:off x="994425" y="1612034"/>
-            <a:ext cx="3143166" cy="4714749"/>
+            <a:off x="909258" y="2891563"/>
+            <a:ext cx="2404460" cy="3606689"/>
+          </a:xfrm>
+          <a:prstGeom prst="rect">
+            <a:avLst/>
+          </a:prstGeom>
+        </p:spPr>
+      </p:pic>
+      <p:pic>
+        <p:nvPicPr>
+          <p:cNvPr id="5" name="Picture 4"/>
+          <p:cNvPicPr>
+            <a:picLocks noChangeAspect="1"/>
+          </p:cNvPicPr>
+          <p:nvPr/>
+        </p:nvPicPr>
+        <p:blipFill rotWithShape="1">
+          <a:blip r:embed="rId5"/>
+          <a:srcRect b="48722"/>
+          <a:stretch/>
+        </p:blipFill>
+        <p:spPr>
+          <a:xfrm>
+            <a:off x="5886994" y="78141"/>
+            <a:ext cx="4905211" cy="2714277"/>
+          </a:xfrm>
+          <a:prstGeom prst="rect">
+            <a:avLst/>
+          </a:prstGeom>
+        </p:spPr>
+      </p:pic>
+      <p:pic>
+        <p:nvPicPr>
+          <p:cNvPr id="7" name="Picture 6"/>
+          <p:cNvPicPr>
+            <a:picLocks noChangeAspect="1"/>
+          </p:cNvPicPr>
+          <p:nvPr/>
+        </p:nvPicPr>
+        <p:blipFill>
+          <a:blip r:embed="rId6">
+            <a:extLst>
+              <a:ext uri="{28A0092B-C50C-407E-A947-70E740481C1C}">
+                <a14:useLocalDpi xmlns:a14="http://schemas.microsoft.com/office/drawing/2010/main" val="0"/>
+              </a:ext>
+            </a:extLst>
+          </a:blip>
+          <a:stretch>
+            <a:fillRect/>
+          </a:stretch>
+        </p:blipFill>
+        <p:spPr>
+          <a:xfrm>
+            <a:off x="3405051" y="2891563"/>
+            <a:ext cx="2408027" cy="3606689"/>
           </a:xfrm>
           <a:prstGeom prst="rect">
             <a:avLst/>
@@ -6586,29 +6836,12 @@
         </p:nvSpPr>
         <p:spPr/>
         <p:txBody>
-          <a:bodyPr>
-            <a:normAutofit fontScale="90000"/>
-          </a:bodyPr>
-          <a:lstStyle/>
-          <a:p>
-            <a:r>
-              <a:rPr lang="en-US" dirty="0" smtClean="0"/>
-              <a:t>The Spatial Scan Statistic: </a:t>
-            </a:r>
-            <a:br>
-              <a:rPr lang="en-US" dirty="0" smtClean="0"/>
-            </a:br>
-            <a:r>
-              <a:rPr lang="en-US" dirty="0" err="1" smtClean="0"/>
-              <a:t>SaTScan</a:t>
-            </a:r>
-            <a:r>
-              <a:rPr lang="en-US" dirty="0" smtClean="0"/>
-              <a:t> &amp; </a:t>
-            </a:r>
-            <a:r>
-              <a:rPr lang="en-US" dirty="0" err="1" smtClean="0"/>
-              <a:t>SpatialEpi</a:t>
+          <a:bodyPr/>
+          <a:lstStyle/>
+          <a:p>
+            <a:r>
+              <a:rPr lang="en-US" dirty="0" smtClean="0"/>
+              <a:t>Pre-analysis Planning &amp; Registration</a:t>
             </a:r>
             <a:endParaRPr lang="en-US" dirty="0"/>
           </a:p>
@@ -6616,49 +6849,30 @@
       </p:sp>
       <p:sp>
         <p:nvSpPr>
-          <p:cNvPr id="3" name="Text Placeholder 2"/>
-          <p:cNvSpPr>
-            <a:spLocks noGrp="1"/>
-          </p:cNvSpPr>
-          <p:nvPr>
-            <p:ph type="body" idx="1"/>
-          </p:nvPr>
-        </p:nvSpPr>
-        <p:spPr/>
-        <p:txBody>
-          <a:bodyPr/>
-          <a:lstStyle/>
-          <a:p>
+          <p:cNvPr id="3" name="Footer Placeholder 2"/>
+          <p:cNvSpPr>
+            <a:spLocks noGrp="1"/>
+          </p:cNvSpPr>
+          <p:nvPr>
+            <p:ph type="ftr" sz="quarter" idx="11"/>
+          </p:nvPr>
+        </p:nvSpPr>
+        <p:spPr/>
+        <p:txBody>
+          <a:bodyPr/>
+          <a:lstStyle/>
+          <a:p>
+            <a:r>
+              <a:rPr lang="en-US" smtClean="0"/>
+              <a:t>github.com/HEGSRR  doi.org/10.17605/OSF.IO/C5A2R</a:t>
+            </a:r>
             <a:endParaRPr lang="en-US"/>
           </a:p>
         </p:txBody>
       </p:sp>
       <p:sp>
         <p:nvSpPr>
-          <p:cNvPr id="4" name="Footer Placeholder 3"/>
-          <p:cNvSpPr>
-            <a:spLocks noGrp="1"/>
-          </p:cNvSpPr>
-          <p:nvPr>
-            <p:ph type="ftr" sz="quarter" idx="11"/>
-          </p:nvPr>
-        </p:nvSpPr>
-        <p:spPr/>
-        <p:txBody>
-          <a:bodyPr/>
-          <a:lstStyle/>
-          <a:p>
-            <a:r>
-              <a:rPr lang="en-US" smtClean="0"/>
-              <a:t>github.com/HEGSRR  doi.org/10.17605/OSF.IO/C5A2R</a:t>
-            </a:r>
-            <a:endParaRPr lang="en-US"/>
-          </a:p>
-        </p:txBody>
-      </p:sp>
-      <p:sp>
-        <p:nvSpPr>
-          <p:cNvPr id="5" name="Slide Number Placeholder 4"/>
+          <p:cNvPr id="4" name="Slide Number Placeholder 3"/>
           <p:cNvSpPr>
             <a:spLocks noGrp="1"/>
           </p:cNvSpPr>
@@ -6681,10 +6895,132 @@
           </a:p>
         </p:txBody>
       </p:sp>
+      <p:sp>
+        <p:nvSpPr>
+          <p:cNvPr id="5" name="Content Placeholder 4"/>
+          <p:cNvSpPr>
+            <a:spLocks noGrp="1"/>
+          </p:cNvSpPr>
+          <p:nvPr>
+            <p:ph idx="1"/>
+          </p:nvPr>
+        </p:nvSpPr>
+        <p:spPr/>
+        <p:txBody>
+          <a:bodyPr/>
+          <a:lstStyle/>
+          <a:p>
+            <a:r>
+              <a:rPr lang="en-US" dirty="0" smtClean="0"/>
+              <a:t>Challenge: P-hacking, Research File Drawer</a:t>
+            </a:r>
+            <a:endParaRPr lang="en-US" dirty="0"/>
+          </a:p>
+        </p:txBody>
+      </p:sp>
+      <p:pic>
+        <p:nvPicPr>
+          <p:cNvPr id="6" name="Picture 5"/>
+          <p:cNvPicPr>
+            <a:picLocks noChangeAspect="1"/>
+          </p:cNvPicPr>
+          <p:nvPr/>
+        </p:nvPicPr>
+        <p:blipFill>
+          <a:blip r:embed="rId2">
+            <a:extLst>
+              <a:ext uri="{28A0092B-C50C-407E-A947-70E740481C1C}">
+                <a14:useLocalDpi xmlns:a14="http://schemas.microsoft.com/office/drawing/2010/main" val="0"/>
+              </a:ext>
+            </a:extLst>
+          </a:blip>
+          <a:stretch>
+            <a:fillRect/>
+          </a:stretch>
+        </p:blipFill>
+        <p:spPr>
+          <a:xfrm>
+            <a:off x="1611796" y="2499359"/>
+            <a:ext cx="5338058" cy="3607829"/>
+          </a:xfrm>
+          <a:prstGeom prst="rect">
+            <a:avLst/>
+          </a:prstGeom>
+        </p:spPr>
+      </p:pic>
+      <p:pic>
+        <p:nvPicPr>
+          <p:cNvPr id="7" name="Picture 6" descr="Cabinet Data File · Free vector graphic on Pixabay"/>
+          <p:cNvPicPr>
+            <a:picLocks noChangeAspect="1"/>
+          </p:cNvPicPr>
+          <p:nvPr/>
+        </p:nvPicPr>
+        <p:blipFill>
+          <a:blip r:embed="rId3" cstate="print">
+            <a:extLst>
+              <a:ext uri="{28A0092B-C50C-407E-A947-70E740481C1C}">
+                <a14:useLocalDpi xmlns:a14="http://schemas.microsoft.com/office/drawing/2010/main" val="0"/>
+              </a:ext>
+            </a:extLst>
+          </a:blip>
+          <a:stretch>
+            <a:fillRect/>
+          </a:stretch>
+        </p:blipFill>
+        <p:spPr>
+          <a:xfrm flipH="1">
+            <a:off x="8103142" y="1828800"/>
+            <a:ext cx="2471894" cy="2008414"/>
+          </a:xfrm>
+          <a:prstGeom prst="rect">
+            <a:avLst/>
+          </a:prstGeom>
+        </p:spPr>
+      </p:pic>
+      <p:pic>
+        <p:nvPicPr>
+          <p:cNvPr id="8" name="Picture 7" descr="Free Stock Photo 5399 Waste paper in a bin | freeimageslive"/>
+          <p:cNvPicPr>
+            <a:picLocks noChangeAspect="1"/>
+          </p:cNvPicPr>
+          <p:nvPr/>
+        </p:nvPicPr>
+        <p:blipFill>
+          <a:blip r:embed="rId4" cstate="print">
+            <a:extLst>
+              <a:ext uri="{BEBA8EAE-BF5A-486C-A8C5-ECC9F3942E4B}">
+                <a14:imgProps xmlns:a14="http://schemas.microsoft.com/office/drawing/2010/main">
+                  <a14:imgLayer r:embed="rId5">
+                    <a14:imgEffect>
+                      <a14:backgroundRemoval t="10000" b="90000" l="10000" r="90000"/>
+                    </a14:imgEffect>
+                  </a14:imgLayer>
+                </a14:imgProps>
+              </a:ext>
+              <a:ext uri="{28A0092B-C50C-407E-A947-70E740481C1C}">
+                <a14:useLocalDpi xmlns:a14="http://schemas.microsoft.com/office/drawing/2010/main" val="0"/>
+              </a:ext>
+            </a:extLst>
+          </a:blip>
+          <a:stretch>
+            <a:fillRect/>
+          </a:stretch>
+        </p:blipFill>
+        <p:spPr>
+          <a:xfrm>
+            <a:off x="7064693" y="3439367"/>
+            <a:ext cx="3731926" cy="2878248"/>
+          </a:xfrm>
+          <a:prstGeom prst="rect">
+            <a:avLst/>
+          </a:prstGeom>
+        </p:spPr>
+      </p:pic>
     </p:spTree>
     <p:extLst>
       <p:ext uri="{BB962C8B-B14F-4D97-AF65-F5344CB8AC3E}">
-        <p14:creationId xmlns:p14="http://schemas.microsoft.com/office/powerpoint/2010/main" val="949268639"/>
+        <p14:creationId xmlns:p14="http://schemas.microsoft.com/office/powerpoint/2010/main" val="4268163327"/>
       </p:ext>
     </p:extLst>
   </p:cSld>
@@ -6713,7 +7049,7 @@
       </p:grpSpPr>
       <p:sp>
         <p:nvSpPr>
-          <p:cNvPr id="6" name="Title 5"/>
+          <p:cNvPr id="2" name="Title 1"/>
           <p:cNvSpPr>
             <a:spLocks noGrp="1"/>
           </p:cNvSpPr>
@@ -6727,16 +7063,15 @@
           <a:lstStyle/>
           <a:p>
             <a:r>
-              <a:rPr lang="en-US" dirty="0" err="1" smtClean="0"/>
-              <a:t>SaTScan</a:t>
-            </a:r>
-            <a:endParaRPr lang="en-US" dirty="0"/>
-          </a:p>
-        </p:txBody>
-      </p:sp>
-      <p:sp>
-        <p:nvSpPr>
-          <p:cNvPr id="4" name="Footer Placeholder 3"/>
+              <a:rPr lang="en-US" dirty="0"/>
+              <a:t>Pre-analysis Planning &amp; Registration</a:t>
+            </a:r>
+          </a:p>
+        </p:txBody>
+      </p:sp>
+      <p:sp>
+        <p:nvSpPr>
+          <p:cNvPr id="3" name="Footer Placeholder 2"/>
           <p:cNvSpPr>
             <a:spLocks noGrp="1"/>
           </p:cNvSpPr>
@@ -6759,7 +7094,7 @@
       </p:sp>
       <p:sp>
         <p:nvSpPr>
-          <p:cNvPr id="5" name="Slide Number Placeholder 4"/>
+          <p:cNvPr id="4" name="Slide Number Placeholder 3"/>
           <p:cNvSpPr>
             <a:spLocks noGrp="1"/>
           </p:cNvSpPr>
@@ -6777,6 +7112,448 @@
             <a:fld id="{981D5A7C-6207-499C-AB20-37C4B4B2E810}" type="slidenum">
               <a:rPr lang="en-US" smtClean="0"/>
               <a:t>24</a:t>
+            </a:fld>
+            <a:endParaRPr lang="en-US"/>
+          </a:p>
+        </p:txBody>
+      </p:sp>
+      <p:sp>
+        <p:nvSpPr>
+          <p:cNvPr id="5" name="Content Placeholder 4"/>
+          <p:cNvSpPr>
+            <a:spLocks noGrp="1"/>
+          </p:cNvSpPr>
+          <p:nvPr>
+            <p:ph idx="1"/>
+          </p:nvPr>
+        </p:nvSpPr>
+        <p:spPr/>
+        <p:txBody>
+          <a:bodyPr/>
+          <a:lstStyle/>
+          <a:p>
+            <a:r>
+              <a:rPr lang="en-US" dirty="0" smtClean="0"/>
+              <a:t>Challenge: Reading scientific papers and translating into sufficiently detailed methods</a:t>
+            </a:r>
+          </a:p>
+          <a:p>
+            <a:endParaRPr lang="en-US" dirty="0"/>
+          </a:p>
+        </p:txBody>
+      </p:sp>
+    </p:spTree>
+    <p:extLst>
+      <p:ext uri="{BB962C8B-B14F-4D97-AF65-F5344CB8AC3E}">
+        <p14:creationId xmlns:p14="http://schemas.microsoft.com/office/powerpoint/2010/main" val="600665628"/>
+      </p:ext>
+    </p:extLst>
+  </p:cSld>
+  <p:clrMapOvr>
+    <a:masterClrMapping/>
+  </p:clrMapOvr>
+</p:sld>
+</file>
+
+<file path=ppt/slides/slide25.xml><?xml version="1.0" encoding="utf-8"?>
+<p:sld xmlns:a="http://schemas.openxmlformats.org/drawingml/2006/main" xmlns:r="http://schemas.openxmlformats.org/officeDocument/2006/relationships" xmlns:p="http://schemas.openxmlformats.org/presentationml/2006/main">
+  <p:cSld>
+    <p:spTree>
+      <p:nvGrpSpPr>
+        <p:cNvPr id="1" name=""/>
+        <p:cNvGrpSpPr/>
+        <p:nvPr/>
+      </p:nvGrpSpPr>
+      <p:grpSpPr>
+        <a:xfrm>
+          <a:off x="0" y="0"/>
+          <a:ext cx="0" cy="0"/>
+          <a:chOff x="0" y="0"/>
+          <a:chExt cx="0" cy="0"/>
+        </a:xfrm>
+      </p:grpSpPr>
+      <p:sp>
+        <p:nvSpPr>
+          <p:cNvPr id="2" name="Title 1"/>
+          <p:cNvSpPr>
+            <a:spLocks noGrp="1"/>
+          </p:cNvSpPr>
+          <p:nvPr>
+            <p:ph type="title"/>
+          </p:nvPr>
+        </p:nvSpPr>
+        <p:spPr/>
+        <p:txBody>
+          <a:bodyPr>
+            <a:normAutofit fontScale="90000"/>
+          </a:bodyPr>
+          <a:lstStyle/>
+          <a:p>
+            <a:r>
+              <a:rPr lang="en-US" dirty="0" smtClean="0"/>
+              <a:t>Discuss after Workflow &amp; </a:t>
+            </a:r>
+            <a:r>
+              <a:rPr lang="en-US" dirty="0" err="1" smtClean="0"/>
+              <a:t>Preanalysis</a:t>
+            </a:r>
+            <a:endParaRPr lang="en-US" dirty="0"/>
+          </a:p>
+        </p:txBody>
+      </p:sp>
+      <p:pic>
+        <p:nvPicPr>
+          <p:cNvPr id="6" name="Content Placeholder 5" descr="Download Chat Png Image HQ PNG Image | FreePNGImg"/>
+          <p:cNvPicPr>
+            <a:picLocks noGrp="1" noChangeAspect="1"/>
+          </p:cNvPicPr>
+          <p:nvPr>
+            <p:ph sz="half" idx="1"/>
+          </p:nvPr>
+        </p:nvPicPr>
+        <p:blipFill>
+          <a:blip r:embed="rId2" cstate="print">
+            <a:extLst>
+              <a:ext uri="{28A0092B-C50C-407E-A947-70E740481C1C}">
+                <a14:useLocalDpi xmlns:a14="http://schemas.microsoft.com/office/drawing/2010/main" val="0"/>
+              </a:ext>
+            </a:extLst>
+          </a:blip>
+          <a:stretch>
+            <a:fillRect/>
+          </a:stretch>
+        </p:blipFill>
+        <p:spPr>
+          <a:xfrm>
+            <a:off x="1262064" y="2882900"/>
+            <a:ext cx="3641924" cy="2913538"/>
+          </a:xfrm>
+        </p:spPr>
+      </p:pic>
+      <p:sp>
+        <p:nvSpPr>
+          <p:cNvPr id="7" name="Content Placeholder 6"/>
+          <p:cNvSpPr>
+            <a:spLocks noGrp="1"/>
+          </p:cNvSpPr>
+          <p:nvPr>
+            <p:ph sz="half" idx="2"/>
+          </p:nvPr>
+        </p:nvSpPr>
+        <p:spPr>
+          <a:xfrm>
+            <a:off x="5156200" y="1828800"/>
+            <a:ext cx="5450840" cy="4351337"/>
+          </a:xfrm>
+        </p:spPr>
+        <p:txBody>
+          <a:bodyPr/>
+          <a:lstStyle/>
+          <a:p>
+            <a:r>
+              <a:rPr lang="en-US" dirty="0" smtClean="0"/>
+              <a:t>What have we learned about Chakraborty’s analysis that </a:t>
+            </a:r>
+            <a:r>
+              <a:rPr lang="en-US" i="1" dirty="0" smtClean="0"/>
+              <a:t>we did not know</a:t>
+            </a:r>
+            <a:r>
+              <a:rPr lang="en-US" dirty="0" smtClean="0"/>
+              <a:t> based on the paper?</a:t>
+            </a:r>
+            <a:endParaRPr lang="en-US" dirty="0" smtClean="0"/>
+          </a:p>
+          <a:p>
+            <a:r>
+              <a:rPr lang="en-US" dirty="0" smtClean="0"/>
+              <a:t>Why should we try? What are our individual and collective motivations?</a:t>
+            </a:r>
+            <a:endParaRPr lang="en-US" dirty="0"/>
+          </a:p>
+        </p:txBody>
+      </p:sp>
+      <p:sp>
+        <p:nvSpPr>
+          <p:cNvPr id="3" name="Footer Placeholder 2"/>
+          <p:cNvSpPr>
+            <a:spLocks noGrp="1"/>
+          </p:cNvSpPr>
+          <p:nvPr>
+            <p:ph type="ftr" sz="quarter" idx="11"/>
+          </p:nvPr>
+        </p:nvSpPr>
+        <p:spPr/>
+        <p:txBody>
+          <a:bodyPr/>
+          <a:lstStyle/>
+          <a:p>
+            <a:r>
+              <a:rPr lang="en-US" smtClean="0"/>
+              <a:t>github.com/HEGSRR  doi.org/10.17605/OSF.IO/C5A2R</a:t>
+            </a:r>
+            <a:endParaRPr lang="en-US"/>
+          </a:p>
+        </p:txBody>
+      </p:sp>
+      <p:sp>
+        <p:nvSpPr>
+          <p:cNvPr id="4" name="Slide Number Placeholder 3"/>
+          <p:cNvSpPr>
+            <a:spLocks noGrp="1"/>
+          </p:cNvSpPr>
+          <p:nvPr>
+            <p:ph type="sldNum" sz="quarter" idx="12"/>
+          </p:nvPr>
+        </p:nvSpPr>
+        <p:spPr/>
+        <p:txBody>
+          <a:bodyPr>
+            <a:normAutofit lnSpcReduction="10000"/>
+          </a:bodyPr>
+          <a:lstStyle/>
+          <a:p>
+            <a:fld id="{981D5A7C-6207-499C-AB20-37C4B4B2E810}" type="slidenum">
+              <a:rPr lang="en-US" smtClean="0"/>
+              <a:t>25</a:t>
+            </a:fld>
+            <a:endParaRPr lang="en-US"/>
+          </a:p>
+        </p:txBody>
+      </p:sp>
+    </p:spTree>
+    <p:extLst>
+      <p:ext uri="{BB962C8B-B14F-4D97-AF65-F5344CB8AC3E}">
+        <p14:creationId xmlns:p14="http://schemas.microsoft.com/office/powerpoint/2010/main" val="3506010937"/>
+      </p:ext>
+    </p:extLst>
+  </p:cSld>
+  <p:clrMapOvr>
+    <a:masterClrMapping/>
+  </p:clrMapOvr>
+</p:sld>
+</file>
+
+<file path=ppt/slides/slide26.xml><?xml version="1.0" encoding="utf-8"?>
+<p:sld xmlns:a="http://schemas.openxmlformats.org/drawingml/2006/main" xmlns:r="http://schemas.openxmlformats.org/officeDocument/2006/relationships" xmlns:p="http://schemas.openxmlformats.org/presentationml/2006/main">
+  <p:cSld>
+    <p:spTree>
+      <p:nvGrpSpPr>
+        <p:cNvPr id="1" name=""/>
+        <p:cNvGrpSpPr/>
+        <p:nvPr/>
+      </p:nvGrpSpPr>
+      <p:grpSpPr>
+        <a:xfrm>
+          <a:off x="0" y="0"/>
+          <a:ext cx="0" cy="0"/>
+          <a:chOff x="0" y="0"/>
+          <a:chExt cx="0" cy="0"/>
+        </a:xfrm>
+      </p:grpSpPr>
+      <p:sp>
+        <p:nvSpPr>
+          <p:cNvPr id="2" name="Title 1"/>
+          <p:cNvSpPr>
+            <a:spLocks noGrp="1"/>
+          </p:cNvSpPr>
+          <p:nvPr>
+            <p:ph type="title"/>
+          </p:nvPr>
+        </p:nvSpPr>
+        <p:spPr/>
+        <p:txBody>
+          <a:bodyPr>
+            <a:normAutofit fontScale="90000"/>
+          </a:bodyPr>
+          <a:lstStyle/>
+          <a:p>
+            <a:r>
+              <a:rPr lang="en-US" dirty="0" smtClean="0"/>
+              <a:t>The Spatial Scan Statistic: </a:t>
+            </a:r>
+            <a:br>
+              <a:rPr lang="en-US" dirty="0" smtClean="0"/>
+            </a:br>
+            <a:r>
+              <a:rPr lang="en-US" dirty="0" err="1" smtClean="0"/>
+              <a:t>SaTScan</a:t>
+            </a:r>
+            <a:r>
+              <a:rPr lang="en-US" dirty="0" smtClean="0"/>
+              <a:t> &amp; </a:t>
+            </a:r>
+            <a:r>
+              <a:rPr lang="en-US" dirty="0" err="1" smtClean="0"/>
+              <a:t>SpatialEpi</a:t>
+            </a:r>
+            <a:endParaRPr lang="en-US" dirty="0"/>
+          </a:p>
+        </p:txBody>
+      </p:sp>
+      <p:sp>
+        <p:nvSpPr>
+          <p:cNvPr id="3" name="Text Placeholder 2"/>
+          <p:cNvSpPr>
+            <a:spLocks noGrp="1"/>
+          </p:cNvSpPr>
+          <p:nvPr>
+            <p:ph type="body" idx="1"/>
+          </p:nvPr>
+        </p:nvSpPr>
+        <p:spPr/>
+        <p:txBody>
+          <a:bodyPr/>
+          <a:lstStyle/>
+          <a:p>
+            <a:endParaRPr lang="en-US"/>
+          </a:p>
+        </p:txBody>
+      </p:sp>
+      <p:sp>
+        <p:nvSpPr>
+          <p:cNvPr id="4" name="Footer Placeholder 3"/>
+          <p:cNvSpPr>
+            <a:spLocks noGrp="1"/>
+          </p:cNvSpPr>
+          <p:nvPr>
+            <p:ph type="ftr" sz="quarter" idx="11"/>
+          </p:nvPr>
+        </p:nvSpPr>
+        <p:spPr/>
+        <p:txBody>
+          <a:bodyPr/>
+          <a:lstStyle/>
+          <a:p>
+            <a:r>
+              <a:rPr lang="en-US" smtClean="0"/>
+              <a:t>github.com/HEGSRR  doi.org/10.17605/OSF.IO/C5A2R</a:t>
+            </a:r>
+            <a:endParaRPr lang="en-US"/>
+          </a:p>
+        </p:txBody>
+      </p:sp>
+      <p:sp>
+        <p:nvSpPr>
+          <p:cNvPr id="5" name="Slide Number Placeholder 4"/>
+          <p:cNvSpPr>
+            <a:spLocks noGrp="1"/>
+          </p:cNvSpPr>
+          <p:nvPr>
+            <p:ph type="sldNum" sz="quarter" idx="12"/>
+          </p:nvPr>
+        </p:nvSpPr>
+        <p:spPr/>
+        <p:txBody>
+          <a:bodyPr>
+            <a:normAutofit lnSpcReduction="10000"/>
+          </a:bodyPr>
+          <a:lstStyle/>
+          <a:p>
+            <a:fld id="{981D5A7C-6207-499C-AB20-37C4B4B2E810}" type="slidenum">
+              <a:rPr lang="en-US" smtClean="0"/>
+              <a:t>26</a:t>
+            </a:fld>
+            <a:endParaRPr lang="en-US"/>
+          </a:p>
+        </p:txBody>
+      </p:sp>
+    </p:spTree>
+    <p:extLst>
+      <p:ext uri="{BB962C8B-B14F-4D97-AF65-F5344CB8AC3E}">
+        <p14:creationId xmlns:p14="http://schemas.microsoft.com/office/powerpoint/2010/main" val="949268639"/>
+      </p:ext>
+    </p:extLst>
+  </p:cSld>
+  <p:clrMapOvr>
+    <a:masterClrMapping/>
+  </p:clrMapOvr>
+</p:sld>
+</file>
+
+<file path=ppt/slides/slide27.xml><?xml version="1.0" encoding="utf-8"?>
+<p:sld xmlns:a="http://schemas.openxmlformats.org/drawingml/2006/main" xmlns:r="http://schemas.openxmlformats.org/officeDocument/2006/relationships" xmlns:p="http://schemas.openxmlformats.org/presentationml/2006/main">
+  <p:cSld>
+    <p:spTree>
+      <p:nvGrpSpPr>
+        <p:cNvPr id="1" name=""/>
+        <p:cNvGrpSpPr/>
+        <p:nvPr/>
+      </p:nvGrpSpPr>
+      <p:grpSpPr>
+        <a:xfrm>
+          <a:off x="0" y="0"/>
+          <a:ext cx="0" cy="0"/>
+          <a:chOff x="0" y="0"/>
+          <a:chExt cx="0" cy="0"/>
+        </a:xfrm>
+      </p:grpSpPr>
+      <p:sp>
+        <p:nvSpPr>
+          <p:cNvPr id="6" name="Title 5"/>
+          <p:cNvSpPr>
+            <a:spLocks noGrp="1"/>
+          </p:cNvSpPr>
+          <p:nvPr>
+            <p:ph type="title"/>
+          </p:nvPr>
+        </p:nvSpPr>
+        <p:spPr/>
+        <p:txBody>
+          <a:bodyPr/>
+          <a:lstStyle/>
+          <a:p>
+            <a:r>
+              <a:rPr lang="en-US" dirty="0" err="1" smtClean="0"/>
+              <a:t>SaTScan</a:t>
+            </a:r>
+            <a:endParaRPr lang="en-US" dirty="0"/>
+          </a:p>
+        </p:txBody>
+      </p:sp>
+      <p:sp>
+        <p:nvSpPr>
+          <p:cNvPr id="4" name="Footer Placeholder 3"/>
+          <p:cNvSpPr>
+            <a:spLocks noGrp="1"/>
+          </p:cNvSpPr>
+          <p:nvPr>
+            <p:ph type="ftr" sz="quarter" idx="11"/>
+          </p:nvPr>
+        </p:nvSpPr>
+        <p:spPr/>
+        <p:txBody>
+          <a:bodyPr/>
+          <a:lstStyle/>
+          <a:p>
+            <a:r>
+              <a:rPr lang="en-US" smtClean="0"/>
+              <a:t>github.com/HEGSRR  doi.org/10.17605/OSF.IO/C5A2R</a:t>
+            </a:r>
+            <a:endParaRPr lang="en-US"/>
+          </a:p>
+        </p:txBody>
+      </p:sp>
+      <p:sp>
+        <p:nvSpPr>
+          <p:cNvPr id="5" name="Slide Number Placeholder 4"/>
+          <p:cNvSpPr>
+            <a:spLocks noGrp="1"/>
+          </p:cNvSpPr>
+          <p:nvPr>
+            <p:ph type="sldNum" sz="quarter" idx="12"/>
+          </p:nvPr>
+        </p:nvSpPr>
+        <p:spPr/>
+        <p:txBody>
+          <a:bodyPr>
+            <a:normAutofit lnSpcReduction="10000"/>
+          </a:bodyPr>
+          <a:lstStyle/>
+          <a:p>
+            <a:fld id="{981D5A7C-6207-499C-AB20-37C4B4B2E810}" type="slidenum">
+              <a:rPr lang="en-US" smtClean="0"/>
+              <a:t>27</a:t>
             </a:fld>
             <a:endParaRPr lang="en-US"/>
           </a:p>
@@ -6949,7 +7726,7 @@
 </p:sld>
 </file>
 
-<file path=ppt/slides/slide25.xml><?xml version="1.0" encoding="utf-8"?>
+<file path=ppt/slides/slide28.xml><?xml version="1.0" encoding="utf-8"?>
 <p:sld xmlns:a="http://schemas.openxmlformats.org/drawingml/2006/main" xmlns:r="http://schemas.openxmlformats.org/officeDocument/2006/relationships" xmlns:p="http://schemas.openxmlformats.org/presentationml/2006/main">
   <p:cSld>
     <p:spTree>
@@ -7035,7 +7812,7 @@
           <a:p>
             <a:fld id="{981D5A7C-6207-499C-AB20-37C4B4B2E810}" type="slidenum">
               <a:rPr lang="en-US" smtClean="0"/>
-              <a:t>25</a:t>
+              <a:t>28</a:t>
             </a:fld>
             <a:endParaRPr lang="en-US"/>
           </a:p>
@@ -7080,7 +7857,7 @@
 </p:sld>
 </file>
 
-<file path=ppt/slides/slide26.xml><?xml version="1.0" encoding="utf-8"?>
+<file path=ppt/slides/slide29.xml><?xml version="1.0" encoding="utf-8"?>
 <p:sld xmlns:a="http://schemas.openxmlformats.org/drawingml/2006/main" xmlns:r="http://schemas.openxmlformats.org/officeDocument/2006/relationships" xmlns:p="http://schemas.openxmlformats.org/presentationml/2006/main">
   <p:cSld>
     <p:spTree>
@@ -7166,7 +7943,7 @@
           <a:p>
             <a:fld id="{981D5A7C-6207-499C-AB20-37C4B4B2E810}" type="slidenum">
               <a:rPr lang="en-US" smtClean="0"/>
-              <a:t>26</a:t>
+              <a:t>29</a:t>
             </a:fld>
             <a:endParaRPr lang="en-US"/>
           </a:p>
@@ -7211,158 +7988,6 @@
 </p:sld>
 </file>
 
-<file path=ppt/slides/slide27.xml><?xml version="1.0" encoding="utf-8"?>
-<p:sld xmlns:a="http://schemas.openxmlformats.org/drawingml/2006/main" xmlns:r="http://schemas.openxmlformats.org/officeDocument/2006/relationships" xmlns:p="http://schemas.openxmlformats.org/presentationml/2006/main">
-  <p:cSld>
-    <p:spTree>
-      <p:nvGrpSpPr>
-        <p:cNvPr id="1" name=""/>
-        <p:cNvGrpSpPr/>
-        <p:nvPr/>
-      </p:nvGrpSpPr>
-      <p:grpSpPr>
-        <a:xfrm>
-          <a:off x="0" y="0"/>
-          <a:ext cx="0" cy="0"/>
-          <a:chOff x="0" y="0"/>
-          <a:chExt cx="0" cy="0"/>
-        </a:xfrm>
-      </p:grpSpPr>
-      <p:sp>
-        <p:nvSpPr>
-          <p:cNvPr id="2" name="Title 1"/>
-          <p:cNvSpPr>
-            <a:spLocks noGrp="1"/>
-          </p:cNvSpPr>
-          <p:nvPr>
-            <p:ph type="title"/>
-          </p:nvPr>
-        </p:nvSpPr>
-        <p:spPr/>
-        <p:txBody>
-          <a:bodyPr/>
-          <a:lstStyle/>
-          <a:p>
-            <a:r>
-              <a:rPr lang="en-US" dirty="0" err="1"/>
-              <a:t>SaTScan</a:t>
-            </a:r>
-            <a:r>
-              <a:rPr lang="en-US" dirty="0"/>
-              <a:t> </a:t>
-            </a:r>
-            <a:r>
-              <a:rPr lang="en-US" dirty="0" smtClean="0"/>
-              <a:t>Advanced Options</a:t>
-            </a:r>
-            <a:endParaRPr lang="en-US" dirty="0"/>
-          </a:p>
-        </p:txBody>
-      </p:sp>
-      <p:sp>
-        <p:nvSpPr>
-          <p:cNvPr id="3" name="Footer Placeholder 2"/>
-          <p:cNvSpPr>
-            <a:spLocks noGrp="1"/>
-          </p:cNvSpPr>
-          <p:nvPr>
-            <p:ph type="ftr" sz="quarter" idx="11"/>
-          </p:nvPr>
-        </p:nvSpPr>
-        <p:spPr/>
-        <p:txBody>
-          <a:bodyPr/>
-          <a:lstStyle/>
-          <a:p>
-            <a:r>
-              <a:rPr lang="en-US" smtClean="0"/>
-              <a:t>github.com/HEGSRR  doi.org/10.17605/OSF.IO/C5A2R</a:t>
-            </a:r>
-            <a:endParaRPr lang="en-US"/>
-          </a:p>
-        </p:txBody>
-      </p:sp>
-      <p:sp>
-        <p:nvSpPr>
-          <p:cNvPr id="4" name="Slide Number Placeholder 3"/>
-          <p:cNvSpPr>
-            <a:spLocks noGrp="1"/>
-          </p:cNvSpPr>
-          <p:nvPr>
-            <p:ph type="sldNum" sz="quarter" idx="12"/>
-          </p:nvPr>
-        </p:nvSpPr>
-        <p:spPr/>
-        <p:txBody>
-          <a:bodyPr>
-            <a:normAutofit lnSpcReduction="10000"/>
-          </a:bodyPr>
-          <a:lstStyle/>
-          <a:p>
-            <a:fld id="{981D5A7C-6207-499C-AB20-37C4B4B2E810}" type="slidenum">
-              <a:rPr lang="en-US" smtClean="0"/>
-              <a:t>27</a:t>
-            </a:fld>
-            <a:endParaRPr lang="en-US"/>
-          </a:p>
-        </p:txBody>
-      </p:sp>
-      <p:sp>
-        <p:nvSpPr>
-          <p:cNvPr id="5" name="Content Placeholder 4"/>
-          <p:cNvSpPr>
-            <a:spLocks noGrp="1"/>
-          </p:cNvSpPr>
-          <p:nvPr>
-            <p:ph idx="1"/>
-          </p:nvPr>
-        </p:nvSpPr>
-        <p:spPr/>
-        <p:txBody>
-          <a:bodyPr/>
-          <a:lstStyle/>
-          <a:p>
-            <a:r>
-              <a:rPr lang="en-US" dirty="0" smtClean="0"/>
-              <a:t>Check data for temporal extent</a:t>
-            </a:r>
-          </a:p>
-          <a:p>
-            <a:r>
-              <a:rPr lang="en-US" dirty="0" smtClean="0"/>
-              <a:t>Check data for geographic extent</a:t>
-            </a:r>
-          </a:p>
-          <a:p>
-            <a:r>
-              <a:rPr lang="en-US" dirty="0" smtClean="0"/>
-              <a:t>Define non-Euclidean spatial neighbors</a:t>
-            </a:r>
-          </a:p>
-          <a:p>
-            <a:r>
-              <a:rPr lang="en-US" dirty="0" smtClean="0"/>
-              <a:t>Use network space</a:t>
-            </a:r>
-          </a:p>
-          <a:p>
-            <a:endParaRPr lang="en-US" dirty="0"/>
-          </a:p>
-        </p:txBody>
-      </p:sp>
-    </p:spTree>
-    <p:extLst>
-      <p:ext uri="{BB962C8B-B14F-4D97-AF65-F5344CB8AC3E}">
-        <p14:creationId xmlns:p14="http://schemas.microsoft.com/office/powerpoint/2010/main" val="1661944316"/>
-      </p:ext>
-    </p:extLst>
-  </p:cSld>
-  <p:clrMapOvr>
-    <a:masterClrMapping/>
-  </p:clrMapOvr>
-</p:sld>
-</file>
-
 <file path=ppt/slides/slide3.xml><?xml version="1.0" encoding="utf-8"?>
 <p:sld xmlns:a="http://schemas.openxmlformats.org/drawingml/2006/main" xmlns:r="http://schemas.openxmlformats.org/officeDocument/2006/relationships" xmlns:p="http://schemas.openxmlformats.org/presentationml/2006/main">
   <p:cSld>
@@ -7496,6 +8121,1756 @@
     <p:extLst>
       <p:ext uri="{BB962C8B-B14F-4D97-AF65-F5344CB8AC3E}">
         <p14:creationId xmlns:p14="http://schemas.microsoft.com/office/powerpoint/2010/main" val="1778278052"/>
+      </p:ext>
+    </p:extLst>
+  </p:cSld>
+  <p:clrMapOvr>
+    <a:masterClrMapping/>
+  </p:clrMapOvr>
+</p:sld>
+</file>
+
+<file path=ppt/slides/slide30.xml><?xml version="1.0" encoding="utf-8"?>
+<p:sld xmlns:a="http://schemas.openxmlformats.org/drawingml/2006/main" xmlns:r="http://schemas.openxmlformats.org/officeDocument/2006/relationships" xmlns:p="http://schemas.openxmlformats.org/presentationml/2006/main">
+  <p:cSld>
+    <p:spTree>
+      <p:nvGrpSpPr>
+        <p:cNvPr id="1" name=""/>
+        <p:cNvGrpSpPr/>
+        <p:nvPr/>
+      </p:nvGrpSpPr>
+      <p:grpSpPr>
+        <a:xfrm>
+          <a:off x="0" y="0"/>
+          <a:ext cx="0" cy="0"/>
+          <a:chOff x="0" y="0"/>
+          <a:chExt cx="0" cy="0"/>
+        </a:xfrm>
+      </p:grpSpPr>
+      <p:sp>
+        <p:nvSpPr>
+          <p:cNvPr id="2" name="Title 1"/>
+          <p:cNvSpPr>
+            <a:spLocks noGrp="1"/>
+          </p:cNvSpPr>
+          <p:nvPr>
+            <p:ph type="title"/>
+          </p:nvPr>
+        </p:nvSpPr>
+        <p:spPr/>
+        <p:txBody>
+          <a:bodyPr/>
+          <a:lstStyle/>
+          <a:p>
+            <a:r>
+              <a:rPr lang="en-US" dirty="0" err="1"/>
+              <a:t>SaTScan</a:t>
+            </a:r>
+            <a:r>
+              <a:rPr lang="en-US" dirty="0"/>
+              <a:t> </a:t>
+            </a:r>
+            <a:r>
+              <a:rPr lang="en-US" dirty="0" smtClean="0"/>
+              <a:t>Advanced Options</a:t>
+            </a:r>
+            <a:endParaRPr lang="en-US" dirty="0"/>
+          </a:p>
+        </p:txBody>
+      </p:sp>
+      <p:sp>
+        <p:nvSpPr>
+          <p:cNvPr id="3" name="Footer Placeholder 2"/>
+          <p:cNvSpPr>
+            <a:spLocks noGrp="1"/>
+          </p:cNvSpPr>
+          <p:nvPr>
+            <p:ph type="ftr" sz="quarter" idx="11"/>
+          </p:nvPr>
+        </p:nvSpPr>
+        <p:spPr/>
+        <p:txBody>
+          <a:bodyPr/>
+          <a:lstStyle/>
+          <a:p>
+            <a:r>
+              <a:rPr lang="en-US" smtClean="0"/>
+              <a:t>github.com/HEGSRR  doi.org/10.17605/OSF.IO/C5A2R</a:t>
+            </a:r>
+            <a:endParaRPr lang="en-US"/>
+          </a:p>
+        </p:txBody>
+      </p:sp>
+      <p:sp>
+        <p:nvSpPr>
+          <p:cNvPr id="4" name="Slide Number Placeholder 3"/>
+          <p:cNvSpPr>
+            <a:spLocks noGrp="1"/>
+          </p:cNvSpPr>
+          <p:nvPr>
+            <p:ph type="sldNum" sz="quarter" idx="12"/>
+          </p:nvPr>
+        </p:nvSpPr>
+        <p:spPr/>
+        <p:txBody>
+          <a:bodyPr>
+            <a:normAutofit lnSpcReduction="10000"/>
+          </a:bodyPr>
+          <a:lstStyle/>
+          <a:p>
+            <a:fld id="{981D5A7C-6207-499C-AB20-37C4B4B2E810}" type="slidenum">
+              <a:rPr lang="en-US" smtClean="0"/>
+              <a:t>30</a:t>
+            </a:fld>
+            <a:endParaRPr lang="en-US"/>
+          </a:p>
+        </p:txBody>
+      </p:sp>
+      <p:sp>
+        <p:nvSpPr>
+          <p:cNvPr id="5" name="Content Placeholder 4"/>
+          <p:cNvSpPr>
+            <a:spLocks noGrp="1"/>
+          </p:cNvSpPr>
+          <p:nvPr>
+            <p:ph idx="1"/>
+          </p:nvPr>
+        </p:nvSpPr>
+        <p:spPr/>
+        <p:txBody>
+          <a:bodyPr/>
+          <a:lstStyle/>
+          <a:p>
+            <a:r>
+              <a:rPr lang="en-US" dirty="0" smtClean="0"/>
+              <a:t>Check data for temporal extent</a:t>
+            </a:r>
+          </a:p>
+          <a:p>
+            <a:r>
+              <a:rPr lang="en-US" dirty="0" smtClean="0"/>
+              <a:t>Check data for geographic extent</a:t>
+            </a:r>
+          </a:p>
+          <a:p>
+            <a:r>
+              <a:rPr lang="en-US" dirty="0" smtClean="0"/>
+              <a:t>Define non-Euclidean spatial neighbors</a:t>
+            </a:r>
+          </a:p>
+          <a:p>
+            <a:r>
+              <a:rPr lang="en-US" dirty="0" smtClean="0"/>
+              <a:t>Use network space</a:t>
+            </a:r>
+          </a:p>
+          <a:p>
+            <a:endParaRPr lang="en-US" dirty="0"/>
+          </a:p>
+        </p:txBody>
+      </p:sp>
+    </p:spTree>
+    <p:extLst>
+      <p:ext uri="{BB962C8B-B14F-4D97-AF65-F5344CB8AC3E}">
+        <p14:creationId xmlns:p14="http://schemas.microsoft.com/office/powerpoint/2010/main" val="1661944316"/>
+      </p:ext>
+    </p:extLst>
+  </p:cSld>
+  <p:clrMapOvr>
+    <a:masterClrMapping/>
+  </p:clrMapOvr>
+</p:sld>
+</file>
+
+<file path=ppt/slides/slide31.xml><?xml version="1.0" encoding="utf-8"?>
+<p:sld xmlns:a="http://schemas.openxmlformats.org/drawingml/2006/main" xmlns:r="http://schemas.openxmlformats.org/officeDocument/2006/relationships" xmlns:p="http://schemas.openxmlformats.org/presentationml/2006/main">
+  <p:cSld>
+    <p:spTree>
+      <p:nvGrpSpPr>
+        <p:cNvPr id="1" name=""/>
+        <p:cNvGrpSpPr/>
+        <p:nvPr/>
+      </p:nvGrpSpPr>
+      <p:grpSpPr>
+        <a:xfrm>
+          <a:off x="0" y="0"/>
+          <a:ext cx="0" cy="0"/>
+          <a:chOff x="0" y="0"/>
+          <a:chExt cx="0" cy="0"/>
+        </a:xfrm>
+      </p:grpSpPr>
+      <p:sp>
+        <p:nvSpPr>
+          <p:cNvPr id="2" name="Title 1"/>
+          <p:cNvSpPr>
+            <a:spLocks noGrp="1"/>
+          </p:cNvSpPr>
+          <p:nvPr>
+            <p:ph type="title"/>
+          </p:nvPr>
+        </p:nvSpPr>
+        <p:spPr/>
+        <p:txBody>
+          <a:bodyPr/>
+          <a:lstStyle/>
+          <a:p>
+            <a:r>
+              <a:rPr lang="en-US" dirty="0" smtClean="0"/>
+              <a:t>Discuss after Reproduction</a:t>
+            </a:r>
+            <a:endParaRPr lang="en-US" dirty="0"/>
+          </a:p>
+        </p:txBody>
+      </p:sp>
+      <p:pic>
+        <p:nvPicPr>
+          <p:cNvPr id="6" name="Content Placeholder 5" descr="Download Chat Png Image HQ PNG Image | FreePNGImg"/>
+          <p:cNvPicPr>
+            <a:picLocks noGrp="1" noChangeAspect="1"/>
+          </p:cNvPicPr>
+          <p:nvPr>
+            <p:ph sz="half" idx="1"/>
+          </p:nvPr>
+        </p:nvPicPr>
+        <p:blipFill>
+          <a:blip r:embed="rId2" cstate="print">
+            <a:extLst>
+              <a:ext uri="{28A0092B-C50C-407E-A947-70E740481C1C}">
+                <a14:useLocalDpi xmlns:a14="http://schemas.microsoft.com/office/drawing/2010/main" val="0"/>
+              </a:ext>
+            </a:extLst>
+          </a:blip>
+          <a:stretch>
+            <a:fillRect/>
+          </a:stretch>
+        </p:blipFill>
+        <p:spPr>
+          <a:xfrm>
+            <a:off x="1262064" y="2882900"/>
+            <a:ext cx="3641924" cy="2913538"/>
+          </a:xfrm>
+        </p:spPr>
+      </p:pic>
+      <p:sp>
+        <p:nvSpPr>
+          <p:cNvPr id="7" name="Content Placeholder 6"/>
+          <p:cNvSpPr>
+            <a:spLocks noGrp="1"/>
+          </p:cNvSpPr>
+          <p:nvPr>
+            <p:ph sz="half" idx="2"/>
+          </p:nvPr>
+        </p:nvSpPr>
+        <p:spPr>
+          <a:xfrm>
+            <a:off x="5156200" y="1828800"/>
+            <a:ext cx="5450840" cy="4351337"/>
+          </a:xfrm>
+        </p:spPr>
+        <p:txBody>
+          <a:bodyPr/>
+          <a:lstStyle/>
+          <a:p>
+            <a:r>
+              <a:rPr lang="en-US" dirty="0" smtClean="0"/>
+              <a:t>What have we learned about Chakraborty’s analysis that </a:t>
+            </a:r>
+            <a:r>
+              <a:rPr lang="en-US" i="1" dirty="0" smtClean="0"/>
+              <a:t>we did not know</a:t>
+            </a:r>
+            <a:r>
+              <a:rPr lang="en-US" dirty="0" smtClean="0"/>
+              <a:t> based on the paper?</a:t>
+            </a:r>
+            <a:endParaRPr lang="en-US" dirty="0" smtClean="0"/>
+          </a:p>
+          <a:p>
+            <a:r>
+              <a:rPr lang="en-US" dirty="0" smtClean="0"/>
+              <a:t>Why should we try? What are our individual and collective motivations?</a:t>
+            </a:r>
+            <a:endParaRPr lang="en-US" dirty="0"/>
+          </a:p>
+        </p:txBody>
+      </p:sp>
+      <p:sp>
+        <p:nvSpPr>
+          <p:cNvPr id="3" name="Footer Placeholder 2"/>
+          <p:cNvSpPr>
+            <a:spLocks noGrp="1"/>
+          </p:cNvSpPr>
+          <p:nvPr>
+            <p:ph type="ftr" sz="quarter" idx="11"/>
+          </p:nvPr>
+        </p:nvSpPr>
+        <p:spPr/>
+        <p:txBody>
+          <a:bodyPr/>
+          <a:lstStyle/>
+          <a:p>
+            <a:r>
+              <a:rPr lang="en-US" smtClean="0"/>
+              <a:t>github.com/HEGSRR  doi.org/10.17605/OSF.IO/C5A2R</a:t>
+            </a:r>
+            <a:endParaRPr lang="en-US"/>
+          </a:p>
+        </p:txBody>
+      </p:sp>
+      <p:sp>
+        <p:nvSpPr>
+          <p:cNvPr id="4" name="Slide Number Placeholder 3"/>
+          <p:cNvSpPr>
+            <a:spLocks noGrp="1"/>
+          </p:cNvSpPr>
+          <p:nvPr>
+            <p:ph type="sldNum" sz="quarter" idx="12"/>
+          </p:nvPr>
+        </p:nvSpPr>
+        <p:spPr/>
+        <p:txBody>
+          <a:bodyPr>
+            <a:normAutofit lnSpcReduction="10000"/>
+          </a:bodyPr>
+          <a:lstStyle/>
+          <a:p>
+            <a:fld id="{981D5A7C-6207-499C-AB20-37C4B4B2E810}" type="slidenum">
+              <a:rPr lang="en-US" smtClean="0"/>
+              <a:t>31</a:t>
+            </a:fld>
+            <a:endParaRPr lang="en-US"/>
+          </a:p>
+        </p:txBody>
+      </p:sp>
+    </p:spTree>
+    <p:extLst>
+      <p:ext uri="{BB962C8B-B14F-4D97-AF65-F5344CB8AC3E}">
+        <p14:creationId xmlns:p14="http://schemas.microsoft.com/office/powerpoint/2010/main" val="1193919771"/>
+      </p:ext>
+    </p:extLst>
+  </p:cSld>
+  <p:clrMapOvr>
+    <a:masterClrMapping/>
+  </p:clrMapOvr>
+</p:sld>
+</file>
+
+<file path=ppt/slides/slide32.xml><?xml version="1.0" encoding="utf-8"?>
+<p:sld xmlns:a="http://schemas.openxmlformats.org/drawingml/2006/main" xmlns:r="http://schemas.openxmlformats.org/officeDocument/2006/relationships" xmlns:p="http://schemas.openxmlformats.org/presentationml/2006/main">
+  <p:cSld>
+    <p:spTree>
+      <p:nvGrpSpPr>
+        <p:cNvPr id="1" name=""/>
+        <p:cNvGrpSpPr/>
+        <p:nvPr/>
+      </p:nvGrpSpPr>
+      <p:grpSpPr>
+        <a:xfrm>
+          <a:off x="0" y="0"/>
+          <a:ext cx="0" cy="0"/>
+          <a:chOff x="0" y="0"/>
+          <a:chExt cx="0" cy="0"/>
+        </a:xfrm>
+      </p:grpSpPr>
+      <p:sp>
+        <p:nvSpPr>
+          <p:cNvPr id="2" name="Title 1"/>
+          <p:cNvSpPr>
+            <a:spLocks noGrp="1"/>
+          </p:cNvSpPr>
+          <p:nvPr>
+            <p:ph type="title"/>
+          </p:nvPr>
+        </p:nvSpPr>
+        <p:spPr/>
+        <p:txBody>
+          <a:bodyPr/>
+          <a:lstStyle/>
+          <a:p>
+            <a:r>
+              <a:rPr lang="en-US" dirty="0" smtClean="0"/>
+              <a:t>Infrastructure for Reproducibility</a:t>
+            </a:r>
+            <a:endParaRPr lang="en-US" dirty="0"/>
+          </a:p>
+        </p:txBody>
+      </p:sp>
+      <p:sp>
+        <p:nvSpPr>
+          <p:cNvPr id="3" name="Footer Placeholder 2"/>
+          <p:cNvSpPr>
+            <a:spLocks noGrp="1"/>
+          </p:cNvSpPr>
+          <p:nvPr>
+            <p:ph type="ftr" sz="quarter" idx="11"/>
+          </p:nvPr>
+        </p:nvSpPr>
+        <p:spPr/>
+        <p:txBody>
+          <a:bodyPr/>
+          <a:lstStyle/>
+          <a:p>
+            <a:r>
+              <a:rPr lang="en-US" dirty="0" smtClean="0"/>
+              <a:t>github.com/HEGSRR  doi.org/10.17605/OSF.IO/C5A2R</a:t>
+            </a:r>
+            <a:endParaRPr lang="en-US" dirty="0"/>
+          </a:p>
+        </p:txBody>
+      </p:sp>
+      <p:sp>
+        <p:nvSpPr>
+          <p:cNvPr id="4" name="Slide Number Placeholder 3"/>
+          <p:cNvSpPr>
+            <a:spLocks noGrp="1"/>
+          </p:cNvSpPr>
+          <p:nvPr>
+            <p:ph type="sldNum" sz="quarter" idx="12"/>
+          </p:nvPr>
+        </p:nvSpPr>
+        <p:spPr/>
+        <p:txBody>
+          <a:bodyPr>
+            <a:normAutofit lnSpcReduction="10000"/>
+          </a:bodyPr>
+          <a:lstStyle/>
+          <a:p>
+            <a:fld id="{981D5A7C-6207-499C-AB20-37C4B4B2E810}" type="slidenum">
+              <a:rPr lang="en-US" smtClean="0"/>
+              <a:t>32</a:t>
+            </a:fld>
+            <a:endParaRPr lang="en-US"/>
+          </a:p>
+        </p:txBody>
+      </p:sp>
+      <p:sp>
+        <p:nvSpPr>
+          <p:cNvPr id="5" name="Content Placeholder 4"/>
+          <p:cNvSpPr>
+            <a:spLocks noGrp="1"/>
+          </p:cNvSpPr>
+          <p:nvPr>
+            <p:ph idx="1"/>
+          </p:nvPr>
+        </p:nvSpPr>
+        <p:spPr>
+          <a:xfrm>
+            <a:off x="1261872" y="1828800"/>
+            <a:ext cx="9888476" cy="4351337"/>
+          </a:xfrm>
+        </p:spPr>
+        <p:txBody>
+          <a:bodyPr>
+            <a:normAutofit fontScale="92500" lnSpcReduction="10000"/>
+          </a:bodyPr>
+          <a:lstStyle/>
+          <a:p>
+            <a:r>
+              <a:rPr lang="en-US" dirty="0" err="1" smtClean="0"/>
+              <a:t>Git</a:t>
+            </a:r>
+            <a:r>
+              <a:rPr lang="en-US" dirty="0" smtClean="0"/>
+              <a:t>, GitHub, Markdown &amp; Jekyll</a:t>
+            </a:r>
+          </a:p>
+          <a:p>
+            <a:pPr lvl="1"/>
+            <a:r>
+              <a:rPr lang="en-US" dirty="0" smtClean="0"/>
+              <a:t>Template Repository</a:t>
+            </a:r>
+            <a:endParaRPr lang="en-US" dirty="0"/>
+          </a:p>
+          <a:p>
+            <a:r>
+              <a:rPr lang="en-US" dirty="0" smtClean="0"/>
+              <a:t>OSF / </a:t>
+            </a:r>
+            <a:r>
+              <a:rPr lang="en-US" dirty="0" err="1" smtClean="0"/>
+              <a:t>Figshare</a:t>
+            </a:r>
+            <a:endParaRPr lang="en-US" dirty="0" smtClean="0"/>
+          </a:p>
+          <a:p>
+            <a:r>
+              <a:rPr lang="en-US" dirty="0" smtClean="0"/>
+              <a:t>Python </a:t>
+            </a:r>
+            <a:r>
+              <a:rPr lang="en-US" dirty="0" err="1" smtClean="0"/>
+              <a:t>Jupyter</a:t>
+            </a:r>
+            <a:r>
+              <a:rPr lang="en-US" dirty="0" smtClean="0"/>
+              <a:t> Notebooks / R Markdown</a:t>
+            </a:r>
+          </a:p>
+          <a:p>
+            <a:r>
+              <a:rPr lang="en-US" dirty="0" smtClean="0"/>
+              <a:t>Docker</a:t>
+            </a:r>
+          </a:p>
+          <a:p>
+            <a:r>
+              <a:rPr lang="en-US" dirty="0" smtClean="0"/>
+              <a:t>Cyberinfrastructure, e.g. </a:t>
+            </a:r>
+            <a:r>
+              <a:rPr lang="en-US" dirty="0" err="1" smtClean="0"/>
+              <a:t>CyberGISX</a:t>
+            </a:r>
+            <a:endParaRPr lang="en-US" dirty="0" smtClean="0"/>
+          </a:p>
+          <a:p>
+            <a:r>
+              <a:rPr lang="en-US" dirty="0" smtClean="0"/>
+              <a:t>Data repository with access based on ethics review</a:t>
+            </a:r>
+          </a:p>
+          <a:p>
+            <a:r>
+              <a:rPr lang="en-US" dirty="0" smtClean="0"/>
+              <a:t>R&amp;R publishing guidelines / article types / exemplar studies</a:t>
+            </a:r>
+          </a:p>
+        </p:txBody>
+      </p:sp>
+      <p:pic>
+        <p:nvPicPr>
+          <p:cNvPr id="6" name="Picture 5"/>
+          <p:cNvPicPr>
+            <a:picLocks noChangeAspect="1"/>
+          </p:cNvPicPr>
+          <p:nvPr/>
+        </p:nvPicPr>
+        <p:blipFill>
+          <a:blip r:embed="rId3">
+            <a:extLst>
+              <a:ext uri="{28A0092B-C50C-407E-A947-70E740481C1C}">
+                <a14:useLocalDpi xmlns:a14="http://schemas.microsoft.com/office/drawing/2010/main" val="0"/>
+              </a:ext>
+            </a:extLst>
+          </a:blip>
+          <a:stretch>
+            <a:fillRect/>
+          </a:stretch>
+        </p:blipFill>
+        <p:spPr>
+          <a:xfrm>
+            <a:off x="8908296" y="2594003"/>
+            <a:ext cx="2242052" cy="698124"/>
+          </a:xfrm>
+          <a:prstGeom prst="rect">
+            <a:avLst/>
+          </a:prstGeom>
+          <a:solidFill>
+            <a:schemeClr val="bg1">
+              <a:lumMod val="85000"/>
+            </a:schemeClr>
+          </a:solidFill>
+          <a:ln>
+            <a:solidFill>
+              <a:schemeClr val="bg1"/>
+            </a:solidFill>
+          </a:ln>
+        </p:spPr>
+      </p:pic>
+      <p:pic>
+        <p:nvPicPr>
+          <p:cNvPr id="7" name="Picture 6"/>
+          <p:cNvPicPr>
+            <a:picLocks noChangeAspect="1"/>
+          </p:cNvPicPr>
+          <p:nvPr/>
+        </p:nvPicPr>
+        <p:blipFill rotWithShape="1">
+          <a:blip r:embed="rId4" cstate="print">
+            <a:extLst>
+              <a:ext uri="{28A0092B-C50C-407E-A947-70E740481C1C}">
+                <a14:useLocalDpi xmlns:a14="http://schemas.microsoft.com/office/drawing/2010/main" val="0"/>
+              </a:ext>
+            </a:extLst>
+          </a:blip>
+          <a:srcRect r="62695"/>
+          <a:stretch/>
+        </p:blipFill>
+        <p:spPr>
+          <a:xfrm>
+            <a:off x="6639872" y="2594003"/>
+            <a:ext cx="1950616" cy="698124"/>
+          </a:xfrm>
+          <a:prstGeom prst="rect">
+            <a:avLst/>
+          </a:prstGeom>
+          <a:solidFill>
+            <a:schemeClr val="bg1">
+              <a:lumMod val="85000"/>
+            </a:schemeClr>
+          </a:solidFill>
+          <a:ln>
+            <a:solidFill>
+              <a:schemeClr val="bg1"/>
+            </a:solidFill>
+          </a:ln>
+        </p:spPr>
+      </p:pic>
+      <p:pic>
+        <p:nvPicPr>
+          <p:cNvPr id="9" name="Picture 8"/>
+          <p:cNvPicPr>
+            <a:picLocks noChangeAspect="1"/>
+          </p:cNvPicPr>
+          <p:nvPr/>
+        </p:nvPicPr>
+        <p:blipFill>
+          <a:blip r:embed="rId5">
+            <a:extLst>
+              <a:ext uri="{28A0092B-C50C-407E-A947-70E740481C1C}">
+                <a14:useLocalDpi xmlns:a14="http://schemas.microsoft.com/office/drawing/2010/main" val="0"/>
+              </a:ext>
+            </a:extLst>
+          </a:blip>
+          <a:stretch>
+            <a:fillRect/>
+          </a:stretch>
+        </p:blipFill>
+        <p:spPr>
+          <a:xfrm>
+            <a:off x="6639871" y="1691322"/>
+            <a:ext cx="1632081" cy="682506"/>
+          </a:xfrm>
+          <a:prstGeom prst="rect">
+            <a:avLst/>
+          </a:prstGeom>
+          <a:solidFill>
+            <a:schemeClr val="bg1">
+              <a:lumMod val="85000"/>
+            </a:schemeClr>
+          </a:solidFill>
+          <a:ln>
+            <a:solidFill>
+              <a:schemeClr val="bg1"/>
+            </a:solidFill>
+          </a:ln>
+        </p:spPr>
+      </p:pic>
+      <p:pic>
+        <p:nvPicPr>
+          <p:cNvPr id="10" name="Picture 9"/>
+          <p:cNvPicPr>
+            <a:picLocks noChangeAspect="1"/>
+          </p:cNvPicPr>
+          <p:nvPr/>
+        </p:nvPicPr>
+        <p:blipFill>
+          <a:blip r:embed="rId6" cstate="print">
+            <a:extLst>
+              <a:ext uri="{28A0092B-C50C-407E-A947-70E740481C1C}">
+                <a14:useLocalDpi xmlns:a14="http://schemas.microsoft.com/office/drawing/2010/main" val="0"/>
+              </a:ext>
+            </a:extLst>
+          </a:blip>
+          <a:stretch>
+            <a:fillRect/>
+          </a:stretch>
+        </p:blipFill>
+        <p:spPr>
+          <a:xfrm>
+            <a:off x="8537883" y="1691322"/>
+            <a:ext cx="2612465" cy="682506"/>
+          </a:xfrm>
+          <a:prstGeom prst="rect">
+            <a:avLst/>
+          </a:prstGeom>
+          <a:solidFill>
+            <a:schemeClr val="bg1">
+              <a:lumMod val="85000"/>
+            </a:schemeClr>
+          </a:solidFill>
+          <a:ln>
+            <a:solidFill>
+              <a:schemeClr val="bg1"/>
+            </a:solidFill>
+          </a:ln>
+        </p:spPr>
+      </p:pic>
+      <p:pic>
+        <p:nvPicPr>
+          <p:cNvPr id="11" name="Picture 10"/>
+          <p:cNvPicPr>
+            <a:picLocks noChangeAspect="1"/>
+          </p:cNvPicPr>
+          <p:nvPr/>
+        </p:nvPicPr>
+        <p:blipFill>
+          <a:blip r:embed="rId7">
+            <a:extLst>
+              <a:ext uri="{28A0092B-C50C-407E-A947-70E740481C1C}">
+                <a14:useLocalDpi xmlns:a14="http://schemas.microsoft.com/office/drawing/2010/main" val="0"/>
+              </a:ext>
+            </a:extLst>
+          </a:blip>
+          <a:stretch>
+            <a:fillRect/>
+          </a:stretch>
+        </p:blipFill>
+        <p:spPr>
+          <a:xfrm>
+            <a:off x="8350901" y="4775364"/>
+            <a:ext cx="2799447" cy="712587"/>
+          </a:xfrm>
+          <a:prstGeom prst="rect">
+            <a:avLst/>
+          </a:prstGeom>
+          <a:solidFill>
+            <a:schemeClr val="bg1">
+              <a:lumMod val="85000"/>
+            </a:schemeClr>
+          </a:solidFill>
+          <a:ln>
+            <a:solidFill>
+              <a:schemeClr val="bg1"/>
+            </a:solidFill>
+          </a:ln>
+        </p:spPr>
+      </p:pic>
+      <p:pic>
+        <p:nvPicPr>
+          <p:cNvPr id="12" name="Picture 11"/>
+          <p:cNvPicPr>
+            <a:picLocks noChangeAspect="1"/>
+          </p:cNvPicPr>
+          <p:nvPr/>
+        </p:nvPicPr>
+        <p:blipFill>
+          <a:blip r:embed="rId8">
+            <a:extLst>
+              <a:ext uri="{28A0092B-C50C-407E-A947-70E740481C1C}">
+                <a14:useLocalDpi xmlns:a14="http://schemas.microsoft.com/office/drawing/2010/main" val="0"/>
+              </a:ext>
+            </a:extLst>
+          </a:blip>
+          <a:stretch>
+            <a:fillRect/>
+          </a:stretch>
+        </p:blipFill>
+        <p:spPr>
+          <a:xfrm>
+            <a:off x="7598585" y="3466443"/>
+            <a:ext cx="966359" cy="1122050"/>
+          </a:xfrm>
+          <a:prstGeom prst="rect">
+            <a:avLst/>
+          </a:prstGeom>
+          <a:solidFill>
+            <a:schemeClr val="bg1">
+              <a:lumMod val="85000"/>
+            </a:schemeClr>
+          </a:solidFill>
+          <a:ln>
+            <a:solidFill>
+              <a:schemeClr val="bg1"/>
+            </a:solidFill>
+          </a:ln>
+        </p:spPr>
+      </p:pic>
+      <p:pic>
+        <p:nvPicPr>
+          <p:cNvPr id="14" name="Picture 13"/>
+          <p:cNvPicPr>
+            <a:picLocks noChangeAspect="1"/>
+          </p:cNvPicPr>
+          <p:nvPr/>
+        </p:nvPicPr>
+        <p:blipFill>
+          <a:blip r:embed="rId9" cstate="print">
+            <a:extLst>
+              <a:ext uri="{28A0092B-C50C-407E-A947-70E740481C1C}">
+                <a14:useLocalDpi xmlns:a14="http://schemas.microsoft.com/office/drawing/2010/main" val="0"/>
+              </a:ext>
+            </a:extLst>
+          </a:blip>
+          <a:stretch>
+            <a:fillRect/>
+          </a:stretch>
+        </p:blipFill>
+        <p:spPr>
+          <a:xfrm>
+            <a:off x="8888395" y="3607314"/>
+            <a:ext cx="2261953" cy="794308"/>
+          </a:xfrm>
+          <a:prstGeom prst="rect">
+            <a:avLst/>
+          </a:prstGeom>
+          <a:solidFill>
+            <a:schemeClr val="bg1">
+              <a:lumMod val="85000"/>
+            </a:schemeClr>
+          </a:solidFill>
+          <a:ln>
+            <a:solidFill>
+              <a:schemeClr val="bg1"/>
+            </a:solidFill>
+          </a:ln>
+        </p:spPr>
+      </p:pic>
+    </p:spTree>
+    <p:extLst>
+      <p:ext uri="{BB962C8B-B14F-4D97-AF65-F5344CB8AC3E}">
+        <p14:creationId xmlns:p14="http://schemas.microsoft.com/office/powerpoint/2010/main" val="210900834"/>
+      </p:ext>
+    </p:extLst>
+  </p:cSld>
+  <p:clrMapOvr>
+    <a:masterClrMapping/>
+  </p:clrMapOvr>
+</p:sld>
+</file>
+
+<file path=ppt/slides/slide33.xml><?xml version="1.0" encoding="utf-8"?>
+<p:sld xmlns:a="http://schemas.openxmlformats.org/drawingml/2006/main" xmlns:r="http://schemas.openxmlformats.org/officeDocument/2006/relationships" xmlns:p="http://schemas.openxmlformats.org/presentationml/2006/main">
+  <p:cSld>
+    <p:spTree>
+      <p:nvGrpSpPr>
+        <p:cNvPr id="1" name=""/>
+        <p:cNvGrpSpPr/>
+        <p:nvPr/>
+      </p:nvGrpSpPr>
+      <p:grpSpPr>
+        <a:xfrm>
+          <a:off x="0" y="0"/>
+          <a:ext cx="0" cy="0"/>
+          <a:chOff x="0" y="0"/>
+          <a:chExt cx="0" cy="0"/>
+        </a:xfrm>
+      </p:grpSpPr>
+      <p:sp>
+        <p:nvSpPr>
+          <p:cNvPr id="2" name="Title 1"/>
+          <p:cNvSpPr>
+            <a:spLocks noGrp="1"/>
+          </p:cNvSpPr>
+          <p:nvPr>
+            <p:ph type="title"/>
+          </p:nvPr>
+        </p:nvSpPr>
+        <p:spPr/>
+        <p:txBody>
+          <a:bodyPr/>
+          <a:lstStyle/>
+          <a:p>
+            <a:r>
+              <a:rPr lang="en-US" dirty="0" smtClean="0"/>
+              <a:t>Science</a:t>
+            </a:r>
+            <a:endParaRPr lang="en-US" dirty="0"/>
+          </a:p>
+        </p:txBody>
+      </p:sp>
+      <p:sp>
+        <p:nvSpPr>
+          <p:cNvPr id="3" name="Footer Placeholder 2"/>
+          <p:cNvSpPr>
+            <a:spLocks noGrp="1"/>
+          </p:cNvSpPr>
+          <p:nvPr>
+            <p:ph type="ftr" sz="quarter" idx="11"/>
+          </p:nvPr>
+        </p:nvSpPr>
+        <p:spPr/>
+        <p:txBody>
+          <a:bodyPr/>
+          <a:lstStyle/>
+          <a:p>
+            <a:r>
+              <a:rPr lang="en-US" smtClean="0"/>
+              <a:t>github.com/HEGSRR  doi.org/10.17605/OSF.IO/C5A2R</a:t>
+            </a:r>
+            <a:endParaRPr lang="en-US"/>
+          </a:p>
+        </p:txBody>
+      </p:sp>
+      <p:sp>
+        <p:nvSpPr>
+          <p:cNvPr id="4" name="Slide Number Placeholder 3"/>
+          <p:cNvSpPr>
+            <a:spLocks noGrp="1"/>
+          </p:cNvSpPr>
+          <p:nvPr>
+            <p:ph type="sldNum" sz="quarter" idx="12"/>
+          </p:nvPr>
+        </p:nvSpPr>
+        <p:spPr/>
+        <p:txBody>
+          <a:bodyPr>
+            <a:normAutofit lnSpcReduction="10000"/>
+          </a:bodyPr>
+          <a:lstStyle/>
+          <a:p>
+            <a:fld id="{981D5A7C-6207-499C-AB20-37C4B4B2E810}" type="slidenum">
+              <a:rPr lang="en-US" smtClean="0"/>
+              <a:t>33</a:t>
+            </a:fld>
+            <a:endParaRPr lang="en-US"/>
+          </a:p>
+        </p:txBody>
+      </p:sp>
+      <p:sp>
+        <p:nvSpPr>
+          <p:cNvPr id="5" name="Content Placeholder 4"/>
+          <p:cNvSpPr>
+            <a:spLocks noGrp="1"/>
+          </p:cNvSpPr>
+          <p:nvPr>
+            <p:ph idx="1"/>
+          </p:nvPr>
+        </p:nvSpPr>
+        <p:spPr/>
+        <p:txBody>
+          <a:bodyPr/>
+          <a:lstStyle/>
+          <a:p>
+            <a:r>
+              <a:rPr lang="en-US" dirty="0">
+                <a:cs typeface="Arial" panose="020B0604020202020204" pitchFamily="34" charset="0"/>
+              </a:rPr>
+              <a:t>Science builds explanatory structures, tells stories which are scrupulously tested to see if they are stories about real life</a:t>
+            </a:r>
+            <a:r>
+              <a:rPr lang="en-US" dirty="0" smtClean="0">
+                <a:cs typeface="Arial" panose="020B0604020202020204" pitchFamily="34" charset="0"/>
+              </a:rPr>
+              <a:t>.</a:t>
+            </a:r>
+            <a:br>
+              <a:rPr lang="en-US" dirty="0" smtClean="0">
+                <a:cs typeface="Arial" panose="020B0604020202020204" pitchFamily="34" charset="0"/>
+              </a:rPr>
+            </a:br>
+            <a:r>
+              <a:rPr lang="en-US" dirty="0" smtClean="0">
+                <a:cs typeface="Arial" panose="020B0604020202020204" pitchFamily="34" charset="0"/>
+              </a:rPr>
+              <a:t>-Medawar 1967</a:t>
+            </a:r>
+          </a:p>
+          <a:p>
+            <a:endParaRPr lang="en-US" dirty="0">
+              <a:cs typeface="Arial" panose="020B0604020202020204" pitchFamily="34" charset="0"/>
+            </a:endParaRPr>
+          </a:p>
+          <a:p>
+            <a:r>
+              <a:rPr lang="en-US" dirty="0">
+                <a:cs typeface="Arial" panose="020B0604020202020204" pitchFamily="34" charset="0"/>
+              </a:rPr>
+              <a:t>Science is about finding the most reliable way of thinking at the present level of knowledge</a:t>
+            </a:r>
+            <a:r>
+              <a:rPr lang="en-US" dirty="0" smtClean="0">
+                <a:cs typeface="Arial" panose="020B0604020202020204" pitchFamily="34" charset="0"/>
+              </a:rPr>
+              <a:t>.</a:t>
+            </a:r>
+            <a:br>
+              <a:rPr lang="en-US" dirty="0" smtClean="0">
+                <a:cs typeface="Arial" panose="020B0604020202020204" pitchFamily="34" charset="0"/>
+              </a:rPr>
+            </a:br>
+            <a:r>
+              <a:rPr lang="en-US" dirty="0" smtClean="0">
+                <a:cs typeface="Arial" panose="020B0604020202020204" pitchFamily="34" charset="0"/>
+              </a:rPr>
+              <a:t>-</a:t>
+            </a:r>
+            <a:r>
+              <a:rPr lang="en-US" dirty="0" err="1" smtClean="0">
+                <a:cs typeface="Arial" panose="020B0604020202020204" pitchFamily="34" charset="0"/>
+              </a:rPr>
+              <a:t>Rovelli</a:t>
+            </a:r>
+            <a:r>
+              <a:rPr lang="en-US" dirty="0" smtClean="0">
+                <a:cs typeface="Arial" panose="020B0604020202020204" pitchFamily="34" charset="0"/>
+              </a:rPr>
+              <a:t> 2014</a:t>
+            </a:r>
+            <a:endParaRPr lang="en-US" dirty="0">
+              <a:cs typeface="Arial" panose="020B0604020202020204" pitchFamily="34" charset="0"/>
+            </a:endParaRPr>
+          </a:p>
+          <a:p>
+            <a:endParaRPr lang="en-US" dirty="0"/>
+          </a:p>
+        </p:txBody>
+      </p:sp>
+    </p:spTree>
+    <p:extLst>
+      <p:ext uri="{BB962C8B-B14F-4D97-AF65-F5344CB8AC3E}">
+        <p14:creationId xmlns:p14="http://schemas.microsoft.com/office/powerpoint/2010/main" val="2064649476"/>
+      </p:ext>
+    </p:extLst>
+  </p:cSld>
+  <p:clrMapOvr>
+    <a:masterClrMapping/>
+  </p:clrMapOvr>
+</p:sld>
+</file>
+
+<file path=ppt/slides/slide34.xml><?xml version="1.0" encoding="utf-8"?>
+<p:sld xmlns:a="http://schemas.openxmlformats.org/drawingml/2006/main" xmlns:r="http://schemas.openxmlformats.org/officeDocument/2006/relationships" xmlns:p="http://schemas.openxmlformats.org/presentationml/2006/main">
+  <p:cSld>
+    <p:spTree>
+      <p:nvGrpSpPr>
+        <p:cNvPr id="1" name=""/>
+        <p:cNvGrpSpPr/>
+        <p:nvPr/>
+      </p:nvGrpSpPr>
+      <p:grpSpPr>
+        <a:xfrm>
+          <a:off x="0" y="0"/>
+          <a:ext cx="0" cy="0"/>
+          <a:chOff x="0" y="0"/>
+          <a:chExt cx="0" cy="0"/>
+        </a:xfrm>
+      </p:grpSpPr>
+      <p:sp>
+        <p:nvSpPr>
+          <p:cNvPr id="2" name="Title 1"/>
+          <p:cNvSpPr>
+            <a:spLocks noGrp="1"/>
+          </p:cNvSpPr>
+          <p:nvPr>
+            <p:ph type="title"/>
+          </p:nvPr>
+        </p:nvSpPr>
+        <p:spPr/>
+        <p:txBody>
+          <a:bodyPr/>
+          <a:lstStyle/>
+          <a:p>
+            <a:r>
+              <a:rPr lang="en-US" dirty="0" smtClean="0"/>
+              <a:t>GitHub Features</a:t>
+            </a:r>
+            <a:endParaRPr lang="en-US" dirty="0"/>
+          </a:p>
+        </p:txBody>
+      </p:sp>
+      <p:sp>
+        <p:nvSpPr>
+          <p:cNvPr id="3" name="Footer Placeholder 2"/>
+          <p:cNvSpPr>
+            <a:spLocks noGrp="1"/>
+          </p:cNvSpPr>
+          <p:nvPr>
+            <p:ph type="ftr" sz="quarter" idx="11"/>
+          </p:nvPr>
+        </p:nvSpPr>
+        <p:spPr/>
+        <p:txBody>
+          <a:bodyPr/>
+          <a:lstStyle/>
+          <a:p>
+            <a:r>
+              <a:rPr lang="en-US" smtClean="0"/>
+              <a:t>github.com/HEGSRR  doi.org/10.17605/OSF.IO/C5A2R</a:t>
+            </a:r>
+            <a:endParaRPr lang="en-US"/>
+          </a:p>
+        </p:txBody>
+      </p:sp>
+      <p:sp>
+        <p:nvSpPr>
+          <p:cNvPr id="4" name="Slide Number Placeholder 3"/>
+          <p:cNvSpPr>
+            <a:spLocks noGrp="1"/>
+          </p:cNvSpPr>
+          <p:nvPr>
+            <p:ph type="sldNum" sz="quarter" idx="12"/>
+          </p:nvPr>
+        </p:nvSpPr>
+        <p:spPr/>
+        <p:txBody>
+          <a:bodyPr>
+            <a:normAutofit lnSpcReduction="10000"/>
+          </a:bodyPr>
+          <a:lstStyle/>
+          <a:p>
+            <a:fld id="{981D5A7C-6207-499C-AB20-37C4B4B2E810}" type="slidenum">
+              <a:rPr lang="en-US" smtClean="0"/>
+              <a:t>34</a:t>
+            </a:fld>
+            <a:endParaRPr lang="en-US"/>
+          </a:p>
+        </p:txBody>
+      </p:sp>
+      <p:sp>
+        <p:nvSpPr>
+          <p:cNvPr id="5" name="Content Placeholder 4"/>
+          <p:cNvSpPr>
+            <a:spLocks noGrp="1"/>
+          </p:cNvSpPr>
+          <p:nvPr>
+            <p:ph idx="1"/>
+          </p:nvPr>
+        </p:nvSpPr>
+        <p:spPr>
+          <a:xfrm>
+            <a:off x="1261871" y="1828800"/>
+            <a:ext cx="9342793" cy="4351337"/>
+          </a:xfrm>
+        </p:spPr>
+        <p:txBody>
+          <a:bodyPr>
+            <a:normAutofit fontScale="70000" lnSpcReduction="20000"/>
+          </a:bodyPr>
+          <a:lstStyle/>
+          <a:p>
+            <a:r>
+              <a:rPr lang="en-US" dirty="0" smtClean="0"/>
+              <a:t>Markdown pages, including readme</a:t>
+            </a:r>
+          </a:p>
+          <a:p>
+            <a:r>
+              <a:rPr lang="en-US" dirty="0" smtClean="0"/>
+              <a:t>LICENSE file</a:t>
+            </a:r>
+          </a:p>
+          <a:p>
+            <a:r>
+              <a:rPr lang="en-US" dirty="0" smtClean="0"/>
+              <a:t>.CFF citation file</a:t>
+            </a:r>
+          </a:p>
+          <a:p>
+            <a:r>
+              <a:rPr lang="en-US" dirty="0" smtClean="0"/>
+              <a:t>.</a:t>
+            </a:r>
+            <a:r>
+              <a:rPr lang="en-US" dirty="0" err="1" smtClean="0"/>
+              <a:t>gitignore</a:t>
+            </a:r>
+            <a:endParaRPr lang="en-US" dirty="0"/>
+          </a:p>
+          <a:p>
+            <a:r>
+              <a:rPr lang="en-US" dirty="0" smtClean="0"/>
+              <a:t>Jekyll integration for rendering webpages</a:t>
+            </a:r>
+          </a:p>
+          <a:p>
+            <a:r>
+              <a:rPr lang="en-US" dirty="0" smtClean="0"/>
+              <a:t>Overleaf integration for authoring </a:t>
+            </a:r>
+            <a:r>
+              <a:rPr lang="en-US" dirty="0" err="1" smtClean="0"/>
+              <a:t>LaTeX</a:t>
+            </a:r>
+            <a:r>
+              <a:rPr lang="en-US" dirty="0" smtClean="0"/>
+              <a:t> papers</a:t>
+            </a:r>
+          </a:p>
+          <a:p>
+            <a:r>
+              <a:rPr lang="en-US" dirty="0" smtClean="0"/>
+              <a:t>Issues, Discussions, and Wikis</a:t>
+            </a:r>
+          </a:p>
+          <a:p>
+            <a:r>
+              <a:rPr lang="en-US" dirty="0" smtClean="0"/>
+              <a:t>Release versions, e.g. pre-analysis, preprint, submission, peer review, publishing</a:t>
+            </a:r>
+          </a:p>
+          <a:p>
+            <a:r>
+              <a:rPr lang="en-US" dirty="0" smtClean="0"/>
+              <a:t>GitHub Educators /  Campus Advisors access free services</a:t>
+            </a:r>
+            <a:endParaRPr lang="en-US" dirty="0"/>
+          </a:p>
+        </p:txBody>
+      </p:sp>
+    </p:spTree>
+    <p:extLst>
+      <p:ext uri="{BB962C8B-B14F-4D97-AF65-F5344CB8AC3E}">
+        <p14:creationId xmlns:p14="http://schemas.microsoft.com/office/powerpoint/2010/main" val="4279379654"/>
+      </p:ext>
+    </p:extLst>
+  </p:cSld>
+  <p:clrMapOvr>
+    <a:masterClrMapping/>
+  </p:clrMapOvr>
+</p:sld>
+</file>
+
+<file path=ppt/slides/slide35.xml><?xml version="1.0" encoding="utf-8"?>
+<p:sld xmlns:a="http://schemas.openxmlformats.org/drawingml/2006/main" xmlns:r="http://schemas.openxmlformats.org/officeDocument/2006/relationships" xmlns:p="http://schemas.openxmlformats.org/presentationml/2006/main">
+  <p:cSld>
+    <p:spTree>
+      <p:nvGrpSpPr>
+        <p:cNvPr id="1" name=""/>
+        <p:cNvGrpSpPr/>
+        <p:nvPr/>
+      </p:nvGrpSpPr>
+      <p:grpSpPr>
+        <a:xfrm>
+          <a:off x="0" y="0"/>
+          <a:ext cx="0" cy="0"/>
+          <a:chOff x="0" y="0"/>
+          <a:chExt cx="0" cy="0"/>
+        </a:xfrm>
+      </p:grpSpPr>
+      <p:sp>
+        <p:nvSpPr>
+          <p:cNvPr id="2" name="Title 1"/>
+          <p:cNvSpPr>
+            <a:spLocks noGrp="1"/>
+          </p:cNvSpPr>
+          <p:nvPr>
+            <p:ph type="title"/>
+          </p:nvPr>
+        </p:nvSpPr>
+        <p:spPr/>
+        <p:txBody>
+          <a:bodyPr/>
+          <a:lstStyle/>
+          <a:p>
+            <a:r>
+              <a:rPr lang="en-US" dirty="0" smtClean="0"/>
+              <a:t>RStudio</a:t>
+            </a:r>
+            <a:endParaRPr lang="en-US" dirty="0"/>
+          </a:p>
+        </p:txBody>
+      </p:sp>
+      <p:sp>
+        <p:nvSpPr>
+          <p:cNvPr id="3" name="Footer Placeholder 2"/>
+          <p:cNvSpPr>
+            <a:spLocks noGrp="1"/>
+          </p:cNvSpPr>
+          <p:nvPr>
+            <p:ph type="ftr" sz="quarter" idx="11"/>
+          </p:nvPr>
+        </p:nvSpPr>
+        <p:spPr/>
+        <p:txBody>
+          <a:bodyPr/>
+          <a:lstStyle/>
+          <a:p>
+            <a:r>
+              <a:rPr lang="en-US" smtClean="0"/>
+              <a:t>github.com/HEGSRR  doi.org/10.17605/OSF.IO/C5A2R</a:t>
+            </a:r>
+            <a:endParaRPr lang="en-US"/>
+          </a:p>
+        </p:txBody>
+      </p:sp>
+      <p:sp>
+        <p:nvSpPr>
+          <p:cNvPr id="4" name="Slide Number Placeholder 3"/>
+          <p:cNvSpPr>
+            <a:spLocks noGrp="1"/>
+          </p:cNvSpPr>
+          <p:nvPr>
+            <p:ph type="sldNum" sz="quarter" idx="12"/>
+          </p:nvPr>
+        </p:nvSpPr>
+        <p:spPr/>
+        <p:txBody>
+          <a:bodyPr>
+            <a:normAutofit lnSpcReduction="10000"/>
+          </a:bodyPr>
+          <a:lstStyle/>
+          <a:p>
+            <a:fld id="{981D5A7C-6207-499C-AB20-37C4B4B2E810}" type="slidenum">
+              <a:rPr lang="en-US" smtClean="0"/>
+              <a:t>35</a:t>
+            </a:fld>
+            <a:endParaRPr lang="en-US"/>
+          </a:p>
+        </p:txBody>
+      </p:sp>
+      <p:sp>
+        <p:nvSpPr>
+          <p:cNvPr id="5" name="Content Placeholder 4"/>
+          <p:cNvSpPr>
+            <a:spLocks noGrp="1"/>
+          </p:cNvSpPr>
+          <p:nvPr>
+            <p:ph idx="1"/>
+          </p:nvPr>
+        </p:nvSpPr>
+        <p:spPr/>
+        <p:txBody>
+          <a:bodyPr/>
+          <a:lstStyle/>
+          <a:p>
+            <a:r>
+              <a:rPr lang="en-US" dirty="0" smtClean="0"/>
+              <a:t>Graphic interface for R language</a:t>
+            </a:r>
+          </a:p>
+          <a:p>
+            <a:r>
+              <a:rPr lang="en-US" dirty="0" smtClean="0"/>
+              <a:t>Panels:</a:t>
+            </a:r>
+          </a:p>
+          <a:p>
+            <a:pPr lvl="1"/>
+            <a:r>
+              <a:rPr lang="en-US" dirty="0" smtClean="0"/>
+              <a:t>Console</a:t>
+            </a:r>
+          </a:p>
+          <a:p>
+            <a:pPr lvl="1"/>
+            <a:r>
+              <a:rPr lang="en-US" dirty="0" smtClean="0"/>
+              <a:t>Source (code)</a:t>
+            </a:r>
+          </a:p>
+          <a:p>
+            <a:pPr lvl="1"/>
+            <a:r>
+              <a:rPr lang="en-US" dirty="0" smtClean="0"/>
+              <a:t>Environment (variables, data tables)</a:t>
+            </a:r>
+          </a:p>
+          <a:p>
+            <a:pPr lvl="1"/>
+            <a:r>
+              <a:rPr lang="en-US" dirty="0" smtClean="0"/>
+              <a:t>Files</a:t>
+            </a:r>
+          </a:p>
+          <a:p>
+            <a:pPr lvl="1"/>
+            <a:r>
+              <a:rPr lang="en-US" dirty="0" smtClean="0"/>
+              <a:t>Plots</a:t>
+            </a:r>
+          </a:p>
+          <a:p>
+            <a:pPr lvl="1"/>
+            <a:r>
+              <a:rPr lang="en-US" dirty="0" smtClean="0"/>
+              <a:t>Packages</a:t>
+            </a:r>
+          </a:p>
+          <a:p>
+            <a:pPr lvl="1"/>
+            <a:r>
+              <a:rPr lang="en-US" dirty="0" smtClean="0"/>
+              <a:t>Help</a:t>
+            </a:r>
+          </a:p>
+          <a:p>
+            <a:pPr lvl="1"/>
+            <a:endParaRPr lang="en-US" dirty="0" smtClean="0"/>
+          </a:p>
+        </p:txBody>
+      </p:sp>
+    </p:spTree>
+    <p:extLst>
+      <p:ext uri="{BB962C8B-B14F-4D97-AF65-F5344CB8AC3E}">
+        <p14:creationId xmlns:p14="http://schemas.microsoft.com/office/powerpoint/2010/main" val="3390469422"/>
+      </p:ext>
+    </p:extLst>
+  </p:cSld>
+  <p:clrMapOvr>
+    <a:masterClrMapping/>
+  </p:clrMapOvr>
+</p:sld>
+</file>
+
+<file path=ppt/slides/slide36.xml><?xml version="1.0" encoding="utf-8"?>
+<p:sld xmlns:a="http://schemas.openxmlformats.org/drawingml/2006/main" xmlns:r="http://schemas.openxmlformats.org/officeDocument/2006/relationships" xmlns:p="http://schemas.openxmlformats.org/presentationml/2006/main">
+  <p:cSld>
+    <p:spTree>
+      <p:nvGrpSpPr>
+        <p:cNvPr id="1" name=""/>
+        <p:cNvGrpSpPr/>
+        <p:nvPr/>
+      </p:nvGrpSpPr>
+      <p:grpSpPr>
+        <a:xfrm>
+          <a:off x="0" y="0"/>
+          <a:ext cx="0" cy="0"/>
+          <a:chOff x="0" y="0"/>
+          <a:chExt cx="0" cy="0"/>
+        </a:xfrm>
+      </p:grpSpPr>
+      <p:sp>
+        <p:nvSpPr>
+          <p:cNvPr id="2" name="Title 1"/>
+          <p:cNvSpPr>
+            <a:spLocks noGrp="1"/>
+          </p:cNvSpPr>
+          <p:nvPr>
+            <p:ph type="title"/>
+          </p:nvPr>
+        </p:nvSpPr>
+        <p:spPr/>
+        <p:txBody>
+          <a:bodyPr/>
+          <a:lstStyle/>
+          <a:p>
+            <a:r>
+              <a:rPr lang="en-US" dirty="0" smtClean="0"/>
+              <a:t>R / R Markdown Practices</a:t>
+            </a:r>
+            <a:endParaRPr lang="en-US" dirty="0"/>
+          </a:p>
+        </p:txBody>
+      </p:sp>
+      <p:sp>
+        <p:nvSpPr>
+          <p:cNvPr id="3" name="Footer Placeholder 2"/>
+          <p:cNvSpPr>
+            <a:spLocks noGrp="1"/>
+          </p:cNvSpPr>
+          <p:nvPr>
+            <p:ph type="ftr" sz="quarter" idx="11"/>
+          </p:nvPr>
+        </p:nvSpPr>
+        <p:spPr/>
+        <p:txBody>
+          <a:bodyPr/>
+          <a:lstStyle/>
+          <a:p>
+            <a:r>
+              <a:rPr lang="en-US" smtClean="0"/>
+              <a:t>github.com/HEGSRR  doi.org/10.17605/OSF.IO/C5A2R</a:t>
+            </a:r>
+            <a:endParaRPr lang="en-US"/>
+          </a:p>
+        </p:txBody>
+      </p:sp>
+      <p:sp>
+        <p:nvSpPr>
+          <p:cNvPr id="4" name="Slide Number Placeholder 3"/>
+          <p:cNvSpPr>
+            <a:spLocks noGrp="1"/>
+          </p:cNvSpPr>
+          <p:nvPr>
+            <p:ph type="sldNum" sz="quarter" idx="12"/>
+          </p:nvPr>
+        </p:nvSpPr>
+        <p:spPr/>
+        <p:txBody>
+          <a:bodyPr>
+            <a:normAutofit lnSpcReduction="10000"/>
+          </a:bodyPr>
+          <a:lstStyle/>
+          <a:p>
+            <a:fld id="{981D5A7C-6207-499C-AB20-37C4B4B2E810}" type="slidenum">
+              <a:rPr lang="en-US" smtClean="0"/>
+              <a:t>36</a:t>
+            </a:fld>
+            <a:endParaRPr lang="en-US"/>
+          </a:p>
+        </p:txBody>
+      </p:sp>
+      <p:sp>
+        <p:nvSpPr>
+          <p:cNvPr id="5" name="Content Placeholder 4"/>
+          <p:cNvSpPr>
+            <a:spLocks noGrp="1"/>
+          </p:cNvSpPr>
+          <p:nvPr>
+            <p:ph idx="1"/>
+          </p:nvPr>
+        </p:nvSpPr>
+        <p:spPr>
+          <a:xfrm>
+            <a:off x="1261872" y="1828800"/>
+            <a:ext cx="9435720" cy="4509856"/>
+          </a:xfrm>
+        </p:spPr>
+        <p:txBody>
+          <a:bodyPr>
+            <a:normAutofit fontScale="62500" lnSpcReduction="20000"/>
+          </a:bodyPr>
+          <a:lstStyle/>
+          <a:p>
+            <a:r>
+              <a:rPr lang="en-US" dirty="0"/>
+              <a:t>open project in root directory </a:t>
+            </a:r>
+            <a:r>
+              <a:rPr lang="en-US" dirty="0" smtClean="0"/>
+              <a:t>of compendium to begin</a:t>
+            </a:r>
+            <a:endParaRPr lang="en-US" dirty="0"/>
+          </a:p>
+          <a:p>
+            <a:r>
+              <a:rPr lang="en-US" dirty="0" smtClean="0"/>
+              <a:t>load and install packages automatically</a:t>
+            </a:r>
+          </a:p>
+          <a:p>
+            <a:r>
+              <a:rPr lang="en-US" dirty="0" smtClean="0"/>
+              <a:t>record the processing environment</a:t>
+            </a:r>
+          </a:p>
+          <a:p>
+            <a:r>
+              <a:rPr lang="en-US" dirty="0"/>
+              <a:t>u</a:t>
+            </a:r>
+            <a:r>
+              <a:rPr lang="en-US" dirty="0" smtClean="0"/>
+              <a:t>se the </a:t>
+            </a:r>
+            <a:r>
+              <a:rPr lang="en-US" b="1" dirty="0" smtClean="0"/>
+              <a:t>here</a:t>
+            </a:r>
+            <a:r>
+              <a:rPr lang="en-US" dirty="0" smtClean="0"/>
+              <a:t> package for relative path names</a:t>
+            </a:r>
+          </a:p>
+          <a:p>
+            <a:r>
+              <a:rPr lang="en-US" dirty="0" smtClean="0"/>
+              <a:t>write code in </a:t>
+            </a:r>
+            <a:r>
+              <a:rPr lang="en-US" dirty="0" err="1" smtClean="0"/>
+              <a:t>Rmarkdown</a:t>
+            </a:r>
+            <a:r>
+              <a:rPr lang="en-US" dirty="0" smtClean="0"/>
+              <a:t> or R scripts, not the console!</a:t>
+            </a:r>
+          </a:p>
+          <a:p>
+            <a:r>
+              <a:rPr lang="en-US" dirty="0" smtClean="0"/>
+              <a:t>save API keys, passwords in local environment or scratch directory that is not version-tracked</a:t>
+            </a:r>
+          </a:p>
+          <a:p>
+            <a:r>
+              <a:rPr lang="en-US" dirty="0" smtClean="0"/>
+              <a:t>discrete code chunks that view &amp; check results</a:t>
+            </a:r>
+          </a:p>
+          <a:p>
+            <a:r>
+              <a:rPr lang="en-US" dirty="0"/>
+              <a:t>save important inputs and results as individual objects in .</a:t>
+            </a:r>
+            <a:r>
+              <a:rPr lang="en-US" dirty="0" err="1"/>
+              <a:t>rds</a:t>
+            </a:r>
+            <a:r>
+              <a:rPr lang="en-US" dirty="0"/>
+              <a:t> </a:t>
+            </a:r>
+            <a:r>
+              <a:rPr lang="en-US" dirty="0" smtClean="0"/>
+              <a:t>files:</a:t>
+            </a:r>
+            <a:br>
+              <a:rPr lang="en-US" dirty="0" smtClean="0"/>
+            </a:br>
+            <a:r>
+              <a:rPr lang="en-US" dirty="0" smtClean="0"/>
+              <a:t>Do not rely on the .</a:t>
+            </a:r>
+            <a:r>
+              <a:rPr lang="en-US" dirty="0" err="1" smtClean="0"/>
+              <a:t>RData</a:t>
+            </a:r>
+            <a:r>
+              <a:rPr lang="en-US" dirty="0" smtClean="0"/>
+              <a:t> file or objects stored in the environment</a:t>
+            </a:r>
+          </a:p>
+          <a:p>
+            <a:r>
+              <a:rPr lang="en-US" dirty="0" smtClean="0"/>
+              <a:t>save figures with code, not manually</a:t>
+            </a:r>
+          </a:p>
+          <a:p>
+            <a:r>
+              <a:rPr lang="en-US" b="1" dirty="0" err="1"/>
+              <a:t>tidyverse</a:t>
+            </a:r>
+            <a:r>
+              <a:rPr lang="en-US" dirty="0"/>
+              <a:t> style guide &amp; helper </a:t>
+            </a:r>
+            <a:r>
+              <a:rPr lang="en-US" dirty="0" smtClean="0"/>
+              <a:t>functions for legible code</a:t>
+            </a:r>
+            <a:endParaRPr lang="en-US" dirty="0"/>
+          </a:p>
+          <a:p>
+            <a:endParaRPr lang="en-US" dirty="0" smtClean="0"/>
+          </a:p>
+          <a:p>
+            <a:endParaRPr lang="en-US" dirty="0"/>
+          </a:p>
+        </p:txBody>
+      </p:sp>
+    </p:spTree>
+    <p:extLst>
+      <p:ext uri="{BB962C8B-B14F-4D97-AF65-F5344CB8AC3E}">
+        <p14:creationId xmlns:p14="http://schemas.microsoft.com/office/powerpoint/2010/main" val="913370652"/>
+      </p:ext>
+    </p:extLst>
+  </p:cSld>
+  <p:clrMapOvr>
+    <a:masterClrMapping/>
+  </p:clrMapOvr>
+</p:sld>
+</file>
+
+<file path=ppt/slides/slide37.xml><?xml version="1.0" encoding="utf-8"?>
+<p:sld xmlns:a="http://schemas.openxmlformats.org/drawingml/2006/main" xmlns:r="http://schemas.openxmlformats.org/officeDocument/2006/relationships" xmlns:p="http://schemas.openxmlformats.org/presentationml/2006/main">
+  <p:cSld>
+    <p:spTree>
+      <p:nvGrpSpPr>
+        <p:cNvPr id="1" name=""/>
+        <p:cNvGrpSpPr/>
+        <p:nvPr/>
+      </p:nvGrpSpPr>
+      <p:grpSpPr>
+        <a:xfrm>
+          <a:off x="0" y="0"/>
+          <a:ext cx="0" cy="0"/>
+          <a:chOff x="0" y="0"/>
+          <a:chExt cx="0" cy="0"/>
+        </a:xfrm>
+      </p:grpSpPr>
+      <p:sp>
+        <p:nvSpPr>
+          <p:cNvPr id="2" name="Title 1"/>
+          <p:cNvSpPr>
+            <a:spLocks noGrp="1"/>
+          </p:cNvSpPr>
+          <p:nvPr>
+            <p:ph type="title"/>
+          </p:nvPr>
+        </p:nvSpPr>
+        <p:spPr/>
+        <p:txBody>
+          <a:bodyPr/>
+          <a:lstStyle/>
+          <a:p>
+            <a:r>
+              <a:rPr lang="en-US" dirty="0" smtClean="0"/>
+              <a:t>Reading a Research Compendium</a:t>
+            </a:r>
+            <a:endParaRPr lang="en-US" dirty="0"/>
+          </a:p>
+        </p:txBody>
+      </p:sp>
+      <p:sp>
+        <p:nvSpPr>
+          <p:cNvPr id="3" name="Footer Placeholder 2"/>
+          <p:cNvSpPr>
+            <a:spLocks noGrp="1"/>
+          </p:cNvSpPr>
+          <p:nvPr>
+            <p:ph type="ftr" sz="quarter" idx="11"/>
+          </p:nvPr>
+        </p:nvSpPr>
+        <p:spPr/>
+        <p:txBody>
+          <a:bodyPr/>
+          <a:lstStyle/>
+          <a:p>
+            <a:r>
+              <a:rPr lang="en-US" smtClean="0"/>
+              <a:t>github.com/HEGSRR  doi.org/10.17605/OSF.IO/C5A2R</a:t>
+            </a:r>
+            <a:endParaRPr lang="en-US"/>
+          </a:p>
+        </p:txBody>
+      </p:sp>
+      <p:sp>
+        <p:nvSpPr>
+          <p:cNvPr id="4" name="Slide Number Placeholder 3"/>
+          <p:cNvSpPr>
+            <a:spLocks noGrp="1"/>
+          </p:cNvSpPr>
+          <p:nvPr>
+            <p:ph type="sldNum" sz="quarter" idx="12"/>
+          </p:nvPr>
+        </p:nvSpPr>
+        <p:spPr/>
+        <p:txBody>
+          <a:bodyPr>
+            <a:normAutofit lnSpcReduction="10000"/>
+          </a:bodyPr>
+          <a:lstStyle/>
+          <a:p>
+            <a:fld id="{981D5A7C-6207-499C-AB20-37C4B4B2E810}" type="slidenum">
+              <a:rPr lang="en-US" smtClean="0"/>
+              <a:t>37</a:t>
+            </a:fld>
+            <a:endParaRPr lang="en-US"/>
+          </a:p>
+        </p:txBody>
+      </p:sp>
+      <p:sp>
+        <p:nvSpPr>
+          <p:cNvPr id="5" name="Content Placeholder 4"/>
+          <p:cNvSpPr>
+            <a:spLocks noGrp="1"/>
+          </p:cNvSpPr>
+          <p:nvPr>
+            <p:ph idx="1"/>
+          </p:nvPr>
+        </p:nvSpPr>
+        <p:spPr/>
+        <p:txBody>
+          <a:bodyPr/>
+          <a:lstStyle/>
+          <a:p>
+            <a:r>
+              <a:rPr lang="en-US" dirty="0" err="1"/>
+              <a:t>Nüst</a:t>
+            </a:r>
+            <a:r>
+              <a:rPr lang="en-US" dirty="0"/>
+              <a:t>, D., C. Boettiger, and B. Marwick. 2018. How to Read a Research Compendium. </a:t>
+            </a:r>
+            <a:r>
+              <a:rPr lang="en-US" i="1" dirty="0" err="1"/>
+              <a:t>arXiv</a:t>
+            </a:r>
+            <a:r>
+              <a:rPr lang="en-US" dirty="0"/>
+              <a:t>. http://arxiv.org/abs/1806.09525.</a:t>
+            </a:r>
+          </a:p>
+        </p:txBody>
+      </p:sp>
+    </p:spTree>
+    <p:extLst>
+      <p:ext uri="{BB962C8B-B14F-4D97-AF65-F5344CB8AC3E}">
+        <p14:creationId xmlns:p14="http://schemas.microsoft.com/office/powerpoint/2010/main" val="1042475407"/>
       </p:ext>
     </p:extLst>
   </p:cSld>

--- a/01_Introduction.pptx
+++ b/01_Introduction.pptx
@@ -5,7 +5,7 @@
     <p:sldMasterId id="2147483684" r:id="rId1"/>
   </p:sldMasterIdLst>
   <p:notesMasterIdLst>
-    <p:notesMasterId r:id="rId50"/>
+    <p:notesMasterId r:id="rId51"/>
   </p:notesMasterIdLst>
   <p:sldIdLst>
     <p:sldId id="256" r:id="rId2"/>
@@ -31,31 +31,32 @@
     <p:sldId id="260" r:id="rId22"/>
     <p:sldId id="309" r:id="rId23"/>
     <p:sldId id="262" r:id="rId24"/>
-    <p:sldId id="274" r:id="rId25"/>
-    <p:sldId id="294" r:id="rId26"/>
-    <p:sldId id="295" r:id="rId27"/>
-    <p:sldId id="298" r:id="rId28"/>
-    <p:sldId id="297" r:id="rId29"/>
-    <p:sldId id="299" r:id="rId30"/>
-    <p:sldId id="270" r:id="rId31"/>
-    <p:sldId id="271" r:id="rId32"/>
-    <p:sldId id="300" r:id="rId33"/>
-    <p:sldId id="307" r:id="rId34"/>
-    <p:sldId id="286" r:id="rId35"/>
-    <p:sldId id="287" r:id="rId36"/>
-    <p:sldId id="306" r:id="rId37"/>
-    <p:sldId id="285" r:id="rId38"/>
-    <p:sldId id="312" r:id="rId39"/>
-    <p:sldId id="311" r:id="rId40"/>
-    <p:sldId id="279" r:id="rId41"/>
-    <p:sldId id="283" r:id="rId42"/>
-    <p:sldId id="281" r:id="rId43"/>
-    <p:sldId id="280" r:id="rId44"/>
-    <p:sldId id="282" r:id="rId45"/>
-    <p:sldId id="284" r:id="rId46"/>
-    <p:sldId id="291" r:id="rId47"/>
-    <p:sldId id="292" r:id="rId48"/>
-    <p:sldId id="308" r:id="rId49"/>
+    <p:sldId id="313" r:id="rId25"/>
+    <p:sldId id="274" r:id="rId26"/>
+    <p:sldId id="294" r:id="rId27"/>
+    <p:sldId id="295" r:id="rId28"/>
+    <p:sldId id="298" r:id="rId29"/>
+    <p:sldId id="297" r:id="rId30"/>
+    <p:sldId id="299" r:id="rId31"/>
+    <p:sldId id="270" r:id="rId32"/>
+    <p:sldId id="271" r:id="rId33"/>
+    <p:sldId id="300" r:id="rId34"/>
+    <p:sldId id="307" r:id="rId35"/>
+    <p:sldId id="286" r:id="rId36"/>
+    <p:sldId id="287" r:id="rId37"/>
+    <p:sldId id="306" r:id="rId38"/>
+    <p:sldId id="285" r:id="rId39"/>
+    <p:sldId id="312" r:id="rId40"/>
+    <p:sldId id="311" r:id="rId41"/>
+    <p:sldId id="279" r:id="rId42"/>
+    <p:sldId id="283" r:id="rId43"/>
+    <p:sldId id="281" r:id="rId44"/>
+    <p:sldId id="280" r:id="rId45"/>
+    <p:sldId id="282" r:id="rId46"/>
+    <p:sldId id="284" r:id="rId47"/>
+    <p:sldId id="291" r:id="rId48"/>
+    <p:sldId id="292" r:id="rId49"/>
+    <p:sldId id="314" r:id="rId50"/>
   </p:sldIdLst>
   <p:sldSz cx="12192000" cy="6858000"/>
   <p:notesSz cx="6858000" cy="9144000"/>
@@ -190,6 +191,7 @@
             <p14:sldId id="260"/>
             <p14:sldId id="309"/>
             <p14:sldId id="262"/>
+            <p14:sldId id="313"/>
             <p14:sldId id="274"/>
             <p14:sldId id="294"/>
             <p14:sldId id="295"/>
@@ -226,7 +228,7 @@
             <p14:sldId id="284"/>
             <p14:sldId id="291"/>
             <p14:sldId id="292"/>
-            <p14:sldId id="308"/>
+            <p14:sldId id="314"/>
           </p14:sldIdLst>
         </p14:section>
       </p14:sectionLst>
@@ -1075,7 +1077,7 @@
             </a:lvl1pPr>
           </a:lstStyle>
           <a:p>
-            <a:fld id="{F4BFCB00-81AB-467B-86AA-35059D5E0AE4}" type="datetime1">
+            <a:fld id="{2D7910E4-3782-4A89-B111-E8DF8C16DE57}" type="datetime1">
               <a:rPr lang="en-US" smtClean="0"/>
               <a:t>6/2/2022</a:t>
             </a:fld>
@@ -1110,7 +1112,7 @@
           <a:p>
             <a:r>
               <a:rPr lang="en-US" smtClean="0"/>
-              <a:t>github.com/HEGSRR  doi.org/10.17605/OSF.IO/C5A2R</a:t>
+              <a:t>github.com/HEGSRR  OSF.IO/C5A2R</a:t>
             </a:r>
             <a:endParaRPr lang="en-US"/>
           </a:p>
@@ -1307,7 +1309,7 @@
           <a:bodyPr/>
           <a:lstStyle/>
           <a:p>
-            <a:fld id="{199005A6-DE78-42AA-95FF-090EB70A6D7D}" type="datetime1">
+            <a:fld id="{754601C4-C4EC-4913-AA0E-E5A9C7416288}" type="datetime1">
               <a:rPr lang="en-US" smtClean="0"/>
               <a:t>6/2/2022</a:t>
             </a:fld>
@@ -1332,7 +1334,7 @@
           <a:p>
             <a:r>
               <a:rPr lang="en-US" smtClean="0"/>
-              <a:t>github.com/HEGSRR  doi.org/10.17605/OSF.IO/C5A2R</a:t>
+              <a:t>github.com/HEGSRR  OSF.IO/C5A2R</a:t>
             </a:r>
             <a:endParaRPr lang="en-US"/>
           </a:p>
@@ -1491,7 +1493,7 @@
           <a:bodyPr/>
           <a:lstStyle/>
           <a:p>
-            <a:fld id="{E1D54591-2AE9-48E5-8281-190FBBE42B0D}" type="datetime1">
+            <a:fld id="{CC08E914-6170-4804-9D2C-9381A7A7EB5A}" type="datetime1">
               <a:rPr lang="en-US" smtClean="0"/>
               <a:t>6/2/2022</a:t>
             </a:fld>
@@ -1516,7 +1518,7 @@
           <a:p>
             <a:r>
               <a:rPr lang="en-US" smtClean="0"/>
-              <a:t>github.com/HEGSRR  doi.org/10.17605/OSF.IO/C5A2R</a:t>
+              <a:t>github.com/HEGSRR  OSF.IO/C5A2R</a:t>
             </a:r>
             <a:endParaRPr lang="en-US"/>
           </a:p>
@@ -1613,7 +1615,7 @@
           <a:bodyPr/>
           <a:lstStyle/>
           <a:p>
-            <a:fld id="{E2BB4963-528D-4500-9B67-333791626A6E}" type="datetime1">
+            <a:fld id="{F4B9CDB7-3864-460D-9BEC-6BC447370A90}" type="datetime1">
               <a:rPr lang="en-US" smtClean="0"/>
               <a:t>6/2/2022</a:t>
             </a:fld>
@@ -1638,7 +1640,7 @@
           <a:p>
             <a:r>
               <a:rPr lang="en-US" smtClean="0"/>
-              <a:t>github.com/HEGSRR  doi.org/10.17605/OSF.IO/C5A2R</a:t>
+              <a:t>github.com/HEGSRR  OSF.IO/C5A2R</a:t>
             </a:r>
             <a:endParaRPr lang="en-US"/>
           </a:p>
@@ -1933,7 +1935,7 @@
           <a:bodyPr/>
           <a:lstStyle/>
           <a:p>
-            <a:fld id="{469EA241-FBD8-46D7-82AE-AF612D7B7D2A}" type="datetime1">
+            <a:fld id="{65973C46-9B3F-4808-8178-E6CA268B0A1E}" type="datetime1">
               <a:rPr lang="en-US" smtClean="0"/>
               <a:t>6/2/2022</a:t>
             </a:fld>
@@ -1958,7 +1960,7 @@
           <a:p>
             <a:r>
               <a:rPr lang="en-US" smtClean="0"/>
-              <a:t>github.com/HEGSRR  doi.org/10.17605/OSF.IO/C5A2R</a:t>
+              <a:t>github.com/HEGSRR  OSF.IO/C5A2R</a:t>
             </a:r>
             <a:endParaRPr lang="en-US"/>
           </a:p>
@@ -2263,7 +2265,7 @@
           <a:bodyPr/>
           <a:lstStyle/>
           <a:p>
-            <a:fld id="{8F9E7ABD-92CC-44D5-812F-6E001F6AC66C}" type="datetime1">
+            <a:fld id="{422AF604-0FE2-43FA-9800-8842F7A60C62}" type="datetime1">
               <a:rPr lang="en-US" smtClean="0"/>
               <a:t>6/2/2022</a:t>
             </a:fld>
@@ -2288,7 +2290,7 @@
           <a:p>
             <a:r>
               <a:rPr lang="en-US" smtClean="0"/>
-              <a:t>github.com/HEGSRR  doi.org/10.17605/OSF.IO/C5A2R</a:t>
+              <a:t>github.com/HEGSRR  OSF.IO/C5A2R</a:t>
             </a:r>
             <a:endParaRPr lang="en-US"/>
           </a:p>
@@ -2718,7 +2720,7 @@
           <a:bodyPr/>
           <a:lstStyle/>
           <a:p>
-            <a:fld id="{22F7C429-F118-4020-A2DD-3BC780BE1E37}" type="datetime1">
+            <a:fld id="{04447AF9-344F-4DCB-BC4F-6FE99CBF0856}" type="datetime1">
               <a:rPr lang="en-US" smtClean="0"/>
               <a:t>6/2/2022</a:t>
             </a:fld>
@@ -2743,7 +2745,7 @@
           <a:p>
             <a:r>
               <a:rPr lang="en-US" smtClean="0"/>
-              <a:t>github.com/HEGSRR  doi.org/10.17605/OSF.IO/C5A2R</a:t>
+              <a:t>github.com/HEGSRR  OSF.IO/C5A2R</a:t>
             </a:r>
             <a:endParaRPr lang="en-US"/>
           </a:p>
@@ -2840,7 +2842,7 @@
           <a:bodyPr/>
           <a:lstStyle/>
           <a:p>
-            <a:fld id="{EF935929-6DF1-40D0-98F7-4A925CC5EDC4}" type="datetime1">
+            <a:fld id="{E5CF53B7-49EE-450F-A7A9-D36CA22194F8}" type="datetime1">
               <a:rPr lang="en-US" smtClean="0"/>
               <a:t>6/2/2022</a:t>
             </a:fld>
@@ -2865,7 +2867,7 @@
           <a:p>
             <a:r>
               <a:rPr lang="en-US" smtClean="0"/>
-              <a:t>github.com/HEGSRR  doi.org/10.17605/OSF.IO/C5A2R</a:t>
+              <a:t>github.com/HEGSRR  OSF.IO/C5A2R</a:t>
             </a:r>
             <a:endParaRPr lang="en-US"/>
           </a:p>
@@ -2939,7 +2941,7 @@
           <a:bodyPr/>
           <a:lstStyle/>
           <a:p>
-            <a:fld id="{94491080-5631-4C41-97FA-2B29ED7DB398}" type="datetime1">
+            <a:fld id="{9F64D345-29B6-485A-A66B-F498BB650D32}" type="datetime1">
               <a:rPr lang="en-US" smtClean="0"/>
               <a:t>6/2/2022</a:t>
             </a:fld>
@@ -2964,7 +2966,7 @@
           <a:p>
             <a:r>
               <a:rPr lang="en-US" smtClean="0"/>
-              <a:t>github.com/HEGSRR  doi.org/10.17605/OSF.IO/C5A2R</a:t>
+              <a:t>github.com/HEGSRR  OSF.IO/C5A2R</a:t>
             </a:r>
             <a:endParaRPr lang="en-US"/>
           </a:p>
@@ -3230,7 +3232,7 @@
           <a:bodyPr/>
           <a:lstStyle/>
           <a:p>
-            <a:fld id="{4E84E37C-AD71-4C21-80AB-7BB98F34BE7A}" type="datetime1">
+            <a:fld id="{11172785-BD5B-4F60-B709-053B230242F3}" type="datetime1">
               <a:rPr lang="en-US" smtClean="0"/>
               <a:t>6/2/2022</a:t>
             </a:fld>
@@ -3255,7 +3257,7 @@
           <a:p>
             <a:r>
               <a:rPr lang="en-US" smtClean="0"/>
-              <a:t>github.com/HEGSRR  doi.org/10.17605/OSF.IO/C5A2R</a:t>
+              <a:t>github.com/HEGSRR  OSF.IO/C5A2R</a:t>
             </a:r>
             <a:endParaRPr lang="en-US"/>
           </a:p>
@@ -3556,7 +3558,7 @@
           <a:bodyPr/>
           <a:lstStyle/>
           <a:p>
-            <a:fld id="{8A8F1312-AA6B-4D5C-A2DB-373C62ACA32F}" type="datetime1">
+            <a:fld id="{114BBD7E-3DEB-418A-9CB7-37E28CA5269C}" type="datetime1">
               <a:rPr lang="en-US" smtClean="0"/>
               <a:t>6/2/2022</a:t>
             </a:fld>
@@ -3581,7 +3583,7 @@
           <a:p>
             <a:r>
               <a:rPr lang="en-US" smtClean="0"/>
-              <a:t>github.com/HEGSRR  doi.org/10.17605/OSF.IO/C5A2R</a:t>
+              <a:t>github.com/HEGSRR  OSF.IO/C5A2R</a:t>
             </a:r>
             <a:endParaRPr lang="en-US"/>
           </a:p>
@@ -3817,7 +3819,7 @@
             </a:lvl1pPr>
           </a:lstStyle>
           <a:p>
-            <a:fld id="{8B1F2FB7-32C9-40DF-B6A2-F94AAC625BDA}" type="datetime1">
+            <a:fld id="{0F454227-A545-4900-A706-7906DBBB9955}" type="datetime1">
               <a:rPr lang="en-US" smtClean="0"/>
               <a:t>6/2/2022</a:t>
             </a:fld>
@@ -3861,7 +3863,7 @@
           <a:p>
             <a:r>
               <a:rPr lang="en-US" smtClean="0"/>
-              <a:t>github.com/HEGSRR  doi.org/10.17605/OSF.IO/C5A2R</a:t>
+              <a:t>github.com/HEGSRR  OSF.IO/C5A2R</a:t>
             </a:r>
             <a:endParaRPr lang="en-US"/>
           </a:p>
@@ -4517,7 +4519,7 @@
           <a:p>
             <a:r>
               <a:rPr lang="en-US" smtClean="0"/>
-              <a:t>github.com/HEGSRR  doi.org/10.17605/OSF.IO/C5A2R</a:t>
+              <a:t>github.com/HEGSRR  OSF.IO/C5A2R</a:t>
             </a:r>
             <a:endParaRPr lang="en-US"/>
           </a:p>
@@ -4707,7 +4709,7 @@
           <a:p>
             <a:r>
               <a:rPr lang="en-US" smtClean="0"/>
-              <a:t>github.com/HEGSRR  doi.org/10.17605/OSF.IO/C5A2R</a:t>
+              <a:t>github.com/HEGSRR  OSF.IO/C5A2R</a:t>
             </a:r>
             <a:endParaRPr lang="en-US"/>
           </a:p>
@@ -4989,7 +4991,7 @@
           <a:p>
             <a:r>
               <a:rPr lang="en-US" smtClean="0"/>
-              <a:t>github.com/HEGSRR  doi.org/10.17605/OSF.IO/C5A2R</a:t>
+              <a:t>github.com/HEGSRR  OSF.IO/C5A2R</a:t>
             </a:r>
             <a:endParaRPr lang="en-US"/>
           </a:p>
@@ -5161,7 +5163,7 @@
           <a:p>
             <a:r>
               <a:rPr lang="en-US" smtClean="0"/>
-              <a:t>github.com/HEGSRR  doi.org/10.17605/OSF.IO/C5A2R</a:t>
+              <a:t>github.com/HEGSRR  OSF.IO/C5A2R</a:t>
             </a:r>
             <a:endParaRPr lang="en-US"/>
           </a:p>
@@ -5383,7 +5385,7 @@
           <a:p>
             <a:r>
               <a:rPr lang="en-US" smtClean="0"/>
-              <a:t>github.com/HEGSRR  doi.org/10.17605/OSF.IO/C5A2R</a:t>
+              <a:t>github.com/HEGSRR  OSF.IO/C5A2R</a:t>
             </a:r>
             <a:endParaRPr lang="en-US"/>
           </a:p>
@@ -5484,7 +5486,7 @@
           <a:p>
             <a:r>
               <a:rPr lang="en-US" smtClean="0"/>
-              <a:t>github.com/HEGSRR  doi.org/10.17605/OSF.IO/C5A2R</a:t>
+              <a:t>github.com/HEGSRR  OSF.IO/C5A2R</a:t>
             </a:r>
             <a:endParaRPr lang="en-US"/>
           </a:p>
@@ -6632,7 +6634,7 @@
           <a:p>
             <a:r>
               <a:rPr lang="en-US" smtClean="0"/>
-              <a:t>github.com/HEGSRR  doi.org/10.17605/OSF.IO/C5A2R</a:t>
+              <a:t>github.com/HEGSRR  OSF.IO/C5A2R</a:t>
             </a:r>
             <a:endParaRPr lang="en-US"/>
           </a:p>
@@ -6733,7 +6735,7 @@
           <a:p>
             <a:r>
               <a:rPr lang="en-US" smtClean="0"/>
-              <a:t>github.com/HEGSRR  doi.org/10.17605/OSF.IO/C5A2R</a:t>
+              <a:t>github.com/HEGSRR  OSF.IO/C5A2R</a:t>
             </a:r>
             <a:endParaRPr lang="en-US"/>
           </a:p>
@@ -6906,7 +6908,7 @@
           <a:p>
             <a:r>
               <a:rPr lang="en-US" smtClean="0"/>
-              <a:t>github.com/HEGSRR  doi.org/10.17605/OSF.IO/C5A2R</a:t>
+              <a:t>github.com/HEGSRR  OSF.IO/C5A2R</a:t>
             </a:r>
             <a:endParaRPr lang="en-US"/>
           </a:p>
@@ -7132,7 +7134,7 @@
           <a:p>
             <a:r>
               <a:rPr lang="en-US" smtClean="0"/>
-              <a:t>github.com/HEGSRR  doi.org/10.17605/OSF.IO/C5A2R</a:t>
+              <a:t>github.com/HEGSRR  OSF.IO/C5A2R</a:t>
             </a:r>
             <a:endParaRPr lang="en-US"/>
           </a:p>
@@ -7347,8 +7349,8 @@
           <a:lstStyle/>
           <a:p>
             <a:r>
-              <a:rPr lang="en-US" dirty="0" smtClean="0"/>
-              <a:t>github.com/HEGSRR  doi.org/10.17605/OSF.IO/C5A2R</a:t>
+              <a:rPr lang="en-US" smtClean="0"/>
+              <a:t>github.com/HEGSRR  OSF.IO/C5A2R</a:t>
             </a:r>
             <a:endParaRPr lang="en-US" dirty="0"/>
           </a:p>
@@ -7449,7 +7451,7 @@
           <a:p>
             <a:r>
               <a:rPr lang="en-US" smtClean="0"/>
-              <a:t>github.com/HEGSRR  doi.org/10.17605/OSF.IO/C5A2R</a:t>
+              <a:t>github.com/HEGSRR  OSF.IO/C5A2R</a:t>
             </a:r>
             <a:endParaRPr lang="en-US"/>
           </a:p>
@@ -7732,7 +7734,7 @@
           <a:p>
             <a:r>
               <a:rPr lang="en-US" smtClean="0"/>
-              <a:t>github.com/HEGSRR  doi.org/10.17605/OSF.IO/C5A2R</a:t>
+              <a:t>github.com/HEGSRR  OSF.IO/C5A2R</a:t>
             </a:r>
             <a:endParaRPr lang="en-US"/>
           </a:p>
@@ -7832,8 +7834,8 @@
           <a:lstStyle/>
           <a:p>
             <a:r>
-              <a:rPr lang="en-US" dirty="0" smtClean="0"/>
-              <a:t>github.com/HEGSRR  doi.org/10.17605/OSF.IO/C5A2R</a:t>
+              <a:rPr lang="en-US" smtClean="0"/>
+              <a:t>github.com/HEGSRR  OSF.IO/C5A2R</a:t>
             </a:r>
             <a:endParaRPr lang="en-US" dirty="0"/>
           </a:p>
@@ -8322,7 +8324,7 @@
           <a:p>
             <a:r>
               <a:rPr lang="en-US" smtClean="0"/>
-              <a:t>github.com/HEGSRR  doi.org/10.17605/OSF.IO/C5A2R</a:t>
+              <a:t>github.com/HEGSRR  OSF.IO/C5A2R</a:t>
             </a:r>
             <a:endParaRPr lang="en-US"/>
           </a:p>
@@ -8542,7 +8544,7 @@
           <a:p>
             <a:r>
               <a:rPr lang="en-US" dirty="0" smtClean="0"/>
-              <a:t>Vision for R&amp;R in Geography</a:t>
+              <a:t>R&amp;R in Geography</a:t>
             </a:r>
             <a:endParaRPr lang="en-US" dirty="0"/>
           </a:p>
@@ -8565,7 +8567,7 @@
           <a:p>
             <a:r>
               <a:rPr lang="en-US" smtClean="0"/>
-              <a:t>github.com/HEGSRR  doi.org/10.17605/OSF.IO/C5A2R</a:t>
+              <a:t>github.com/HEGSRR  OSF.IO/C5A2R</a:t>
             </a:r>
             <a:endParaRPr lang="en-US"/>
           </a:p>
@@ -8609,42 +8611,135 @@
         <p:spPr/>
         <p:txBody>
           <a:bodyPr>
-            <a:normAutofit lnSpcReduction="10000"/>
+            <a:normAutofit fontScale="70000" lnSpcReduction="20000"/>
           </a:bodyPr>
           <a:lstStyle/>
           <a:p>
             <a:r>
-              <a:rPr lang="en-US" dirty="0" smtClean="0"/>
-              <a:t>Studies are preregistered, conducted with open source software, published with permissible licenses, and attached to executable compendia</a:t>
-            </a:r>
-          </a:p>
-          <a:p>
-            <a:r>
-              <a:rPr lang="en-US" dirty="0" smtClean="0"/>
-              <a:t>Reproduction and replication studies are encouraged and published by preeminent journals</a:t>
-            </a:r>
-          </a:p>
-          <a:p>
-            <a:r>
-              <a:rPr lang="en-US" dirty="0" smtClean="0"/>
-              <a:t>Students learn contemporary methods and classic theories through reproductions and replications</a:t>
-            </a:r>
-          </a:p>
-          <a:p>
-            <a:r>
-              <a:rPr lang="en-US" dirty="0" smtClean="0"/>
-              <a:t>Students conduct and publish reproductions and replications</a:t>
-            </a:r>
-          </a:p>
-          <a:p>
+              <a:rPr lang="en-US" dirty="0"/>
+              <a:t>o2r: </a:t>
+            </a:r>
+            <a:r>
+              <a:rPr lang="en-US" dirty="0" err="1"/>
+              <a:t>Konkol</a:t>
+            </a:r>
+            <a:r>
+              <a:rPr lang="en-US" dirty="0"/>
+              <a:t>, Kray, </a:t>
+            </a:r>
+            <a:r>
+              <a:rPr lang="en-US" dirty="0" err="1" smtClean="0"/>
+              <a:t>Nüst</a:t>
+            </a:r>
+            <a:r>
+              <a:rPr lang="en-US" dirty="0" smtClean="0"/>
+              <a:t>, </a:t>
+            </a:r>
+            <a:r>
+              <a:rPr lang="en-US" dirty="0" err="1" smtClean="0"/>
+              <a:t>Pebesma</a:t>
+            </a:r>
             <a:endParaRPr lang="en-US" dirty="0"/>
+          </a:p>
+          <a:p>
+            <a:pPr lvl="1"/>
+            <a:r>
+              <a:rPr lang="en-US" dirty="0"/>
+              <a:t>computational reproducibility</a:t>
+            </a:r>
+          </a:p>
+          <a:p>
+            <a:pPr lvl="1"/>
+            <a:r>
+              <a:rPr lang="en-US" dirty="0" err="1"/>
+              <a:t>docker</a:t>
+            </a:r>
+            <a:r>
+              <a:rPr lang="en-US" dirty="0"/>
+              <a:t> containers for executable research compendia</a:t>
+            </a:r>
+          </a:p>
+          <a:p>
+            <a:r>
+              <a:rPr lang="en-US" dirty="0" smtClean="0"/>
+              <a:t>Wilson et al 5-star guide</a:t>
+            </a:r>
+          </a:p>
+          <a:p>
+            <a:pPr lvl="1"/>
+            <a:r>
+              <a:rPr lang="en-US" dirty="0" smtClean="0"/>
+              <a:t>1: Public repository &amp; open license</a:t>
+            </a:r>
+          </a:p>
+          <a:p>
+            <a:pPr lvl="1"/>
+            <a:r>
+              <a:rPr lang="en-US" dirty="0" smtClean="0"/>
+              <a:t>2: Metadata &amp; provenance</a:t>
+            </a:r>
+          </a:p>
+          <a:p>
+            <a:pPr lvl="1"/>
+            <a:r>
+              <a:rPr lang="en-US" dirty="0" smtClean="0"/>
+              <a:t>3: Complete, well structured metadata in open format</a:t>
+            </a:r>
+          </a:p>
+          <a:p>
+            <a:pPr lvl="1"/>
+            <a:r>
+              <a:rPr lang="en-US" dirty="0" smtClean="0"/>
+              <a:t>4. Geospatial standards for data and metadata (FGDC, ISO, OGC)</a:t>
+            </a:r>
+          </a:p>
+          <a:p>
+            <a:pPr lvl="1"/>
+            <a:r>
+              <a:rPr lang="en-US" dirty="0" smtClean="0"/>
+              <a:t>5. Processing Environment</a:t>
+            </a:r>
+          </a:p>
+          <a:p>
+            <a:r>
+              <a:rPr lang="en-US" dirty="0" err="1" smtClean="0"/>
+              <a:t>Tullis</a:t>
+            </a:r>
+            <a:r>
+              <a:rPr lang="en-US" dirty="0" smtClean="0"/>
+              <a:t> &amp; Kar</a:t>
+            </a:r>
+          </a:p>
+          <a:p>
+            <a:pPr lvl="1"/>
+            <a:r>
+              <a:rPr lang="en-US" dirty="0"/>
+              <a:t>t</a:t>
+            </a:r>
+            <a:r>
+              <a:rPr lang="en-US" dirty="0" smtClean="0"/>
+              <a:t>ensions between provenance, privacy, and data quality</a:t>
+            </a:r>
+          </a:p>
+          <a:p>
+            <a:r>
+              <a:rPr lang="en-US" dirty="0" smtClean="0"/>
+              <a:t>Wainwright; Sui and Kedron</a:t>
+            </a:r>
+          </a:p>
+          <a:p>
+            <a:pPr lvl="1"/>
+            <a:r>
+              <a:rPr lang="en-US" dirty="0" smtClean="0"/>
+              <a:t>Epistemology and Reproducibility</a:t>
+            </a:r>
           </a:p>
         </p:txBody>
       </p:sp>
     </p:spTree>
     <p:extLst>
       <p:ext uri="{BB962C8B-B14F-4D97-AF65-F5344CB8AC3E}">
-        <p14:creationId xmlns:p14="http://schemas.microsoft.com/office/powerpoint/2010/main" val="2281751692"/>
+        <p14:creationId xmlns:p14="http://schemas.microsoft.com/office/powerpoint/2010/main" val="2087216513"/>
       </p:ext>
     </p:extLst>
   </p:cSld>
@@ -8687,12 +8782,8 @@
           <a:lstStyle/>
           <a:p>
             <a:r>
-              <a:rPr lang="en-US" dirty="0" err="1" smtClean="0"/>
-              <a:t>Git</a:t>
-            </a:r>
-            <a:r>
-              <a:rPr lang="en-US" dirty="0" smtClean="0"/>
-              <a:t> &amp; GitHub</a:t>
+              <a:rPr lang="en-US" dirty="0" smtClean="0"/>
+              <a:t>Vision for R&amp;R in Geography</a:t>
             </a:r>
             <a:endParaRPr lang="en-US" dirty="0"/>
           </a:p>
@@ -8700,26 +8791,7 @@
       </p:sp>
       <p:sp>
         <p:nvSpPr>
-          <p:cNvPr id="3" name="Text Placeholder 2"/>
-          <p:cNvSpPr>
-            <a:spLocks noGrp="1"/>
-          </p:cNvSpPr>
-          <p:nvPr>
-            <p:ph type="body" idx="1"/>
-          </p:nvPr>
-        </p:nvSpPr>
-        <p:spPr/>
-        <p:txBody>
-          <a:bodyPr/>
-          <a:lstStyle/>
-          <a:p>
-            <a:endParaRPr lang="en-US" dirty="0"/>
-          </a:p>
-        </p:txBody>
-      </p:sp>
-      <p:sp>
-        <p:nvSpPr>
-          <p:cNvPr id="4" name="Footer Placeholder 3"/>
+          <p:cNvPr id="3" name="Footer Placeholder 2"/>
           <p:cNvSpPr>
             <a:spLocks noGrp="1"/>
           </p:cNvSpPr>
@@ -8734,7 +8806,7 @@
           <a:p>
             <a:r>
               <a:rPr lang="en-US" smtClean="0"/>
-              <a:t>github.com/HEGSRR  doi.org/10.17605/OSF.IO/C5A2R</a:t>
+              <a:t>github.com/HEGSRR  OSF.IO/C5A2R</a:t>
             </a:r>
             <a:endParaRPr lang="en-US"/>
           </a:p>
@@ -8742,7 +8814,7 @@
       </p:sp>
       <p:sp>
         <p:nvSpPr>
-          <p:cNvPr id="5" name="Slide Number Placeholder 4"/>
+          <p:cNvPr id="4" name="Slide Number Placeholder 3"/>
           <p:cNvSpPr>
             <a:spLocks noGrp="1"/>
           </p:cNvSpPr>
@@ -8765,10 +8837,55 @@
           </a:p>
         </p:txBody>
       </p:sp>
+      <p:sp>
+        <p:nvSpPr>
+          <p:cNvPr id="5" name="Content Placeholder 4"/>
+          <p:cNvSpPr>
+            <a:spLocks noGrp="1"/>
+          </p:cNvSpPr>
+          <p:nvPr>
+            <p:ph idx="1"/>
+          </p:nvPr>
+        </p:nvSpPr>
+        <p:spPr/>
+        <p:txBody>
+          <a:bodyPr>
+            <a:normAutofit lnSpcReduction="10000"/>
+          </a:bodyPr>
+          <a:lstStyle/>
+          <a:p>
+            <a:r>
+              <a:rPr lang="en-US" dirty="0" smtClean="0"/>
+              <a:t>Studies are preregistered, conducted with open source software, published with permissible licenses, and attached to executable compendia</a:t>
+            </a:r>
+          </a:p>
+          <a:p>
+            <a:r>
+              <a:rPr lang="en-US" dirty="0" smtClean="0"/>
+              <a:t>Reproduction and replication studies are encouraged and published by preeminent journals</a:t>
+            </a:r>
+          </a:p>
+          <a:p>
+            <a:r>
+              <a:rPr lang="en-US" dirty="0" smtClean="0"/>
+              <a:t>Students learn contemporary methods and classic theories through reproductions and replications</a:t>
+            </a:r>
+          </a:p>
+          <a:p>
+            <a:r>
+              <a:rPr lang="en-US" dirty="0" smtClean="0"/>
+              <a:t>Students conduct and publish reproductions and replications</a:t>
+            </a:r>
+          </a:p>
+          <a:p>
+            <a:endParaRPr lang="en-US" dirty="0"/>
+          </a:p>
+        </p:txBody>
+      </p:sp>
     </p:spTree>
     <p:extLst>
       <p:ext uri="{BB962C8B-B14F-4D97-AF65-F5344CB8AC3E}">
-        <p14:creationId xmlns:p14="http://schemas.microsoft.com/office/powerpoint/2010/main" val="4108933163"/>
+        <p14:creationId xmlns:p14="http://schemas.microsoft.com/office/powerpoint/2010/main" val="2281751692"/>
       </p:ext>
     </p:extLst>
   </p:cSld>
@@ -8797,7 +8914,7 @@
       </p:grpSpPr>
       <p:sp>
         <p:nvSpPr>
-          <p:cNvPr id="6" name="Title 5"/>
+          <p:cNvPr id="2" name="Title 1"/>
           <p:cNvSpPr>
             <a:spLocks noGrp="1"/>
           </p:cNvSpPr>
@@ -8811,8 +8928,12 @@
           <a:lstStyle/>
           <a:p>
             <a:r>
-              <a:rPr lang="en-US" dirty="0" smtClean="0"/>
-              <a:t>Challenges</a:t>
+              <a:rPr lang="en-US" dirty="0" err="1" smtClean="0"/>
+              <a:t>Git</a:t>
+            </a:r>
+            <a:r>
+              <a:rPr lang="en-US" dirty="0" smtClean="0"/>
+              <a:t> &amp; GitHub</a:t>
             </a:r>
             <a:endParaRPr lang="en-US" dirty="0"/>
           </a:p>
@@ -8820,6 +8941,25 @@
       </p:sp>
       <p:sp>
         <p:nvSpPr>
+          <p:cNvPr id="3" name="Text Placeholder 2"/>
+          <p:cNvSpPr>
+            <a:spLocks noGrp="1"/>
+          </p:cNvSpPr>
+          <p:nvPr>
+            <p:ph type="body" idx="1"/>
+          </p:nvPr>
+        </p:nvSpPr>
+        <p:spPr/>
+        <p:txBody>
+          <a:bodyPr/>
+          <a:lstStyle/>
+          <a:p>
+            <a:endParaRPr lang="en-US" dirty="0"/>
+          </a:p>
+        </p:txBody>
+      </p:sp>
+      <p:sp>
+        <p:nvSpPr>
           <p:cNvPr id="4" name="Footer Placeholder 3"/>
           <p:cNvSpPr>
             <a:spLocks noGrp="1"/>
@@ -8835,7 +8975,7 @@
           <a:p>
             <a:r>
               <a:rPr lang="en-US" smtClean="0"/>
-              <a:t>github.com/HEGSRR  doi.org/10.17605/OSF.IO/C5A2R</a:t>
+              <a:t>github.com/HEGSRR  OSF.IO/C5A2R</a:t>
             </a:r>
             <a:endParaRPr lang="en-US"/>
           </a:p>
@@ -8861,6 +9001,107 @@
             <a:fld id="{981D5A7C-6207-499C-AB20-37C4B4B2E810}" type="slidenum">
               <a:rPr lang="en-US" smtClean="0"/>
               <a:t>26</a:t>
+            </a:fld>
+            <a:endParaRPr lang="en-US"/>
+          </a:p>
+        </p:txBody>
+      </p:sp>
+    </p:spTree>
+    <p:extLst>
+      <p:ext uri="{BB962C8B-B14F-4D97-AF65-F5344CB8AC3E}">
+        <p14:creationId xmlns:p14="http://schemas.microsoft.com/office/powerpoint/2010/main" val="4108933163"/>
+      </p:ext>
+    </p:extLst>
+  </p:cSld>
+  <p:clrMapOvr>
+    <a:masterClrMapping/>
+  </p:clrMapOvr>
+</p:sld>
+</file>
+
+<file path=ppt/slides/slide27.xml><?xml version="1.0" encoding="utf-8"?>
+<p:sld xmlns:a="http://schemas.openxmlformats.org/drawingml/2006/main" xmlns:r="http://schemas.openxmlformats.org/officeDocument/2006/relationships" xmlns:p="http://schemas.openxmlformats.org/presentationml/2006/main">
+  <p:cSld>
+    <p:spTree>
+      <p:nvGrpSpPr>
+        <p:cNvPr id="1" name=""/>
+        <p:cNvGrpSpPr/>
+        <p:nvPr/>
+      </p:nvGrpSpPr>
+      <p:grpSpPr>
+        <a:xfrm>
+          <a:off x="0" y="0"/>
+          <a:ext cx="0" cy="0"/>
+          <a:chOff x="0" y="0"/>
+          <a:chExt cx="0" cy="0"/>
+        </a:xfrm>
+      </p:grpSpPr>
+      <p:sp>
+        <p:nvSpPr>
+          <p:cNvPr id="6" name="Title 5"/>
+          <p:cNvSpPr>
+            <a:spLocks noGrp="1"/>
+          </p:cNvSpPr>
+          <p:nvPr>
+            <p:ph type="title"/>
+          </p:nvPr>
+        </p:nvSpPr>
+        <p:spPr/>
+        <p:txBody>
+          <a:bodyPr/>
+          <a:lstStyle/>
+          <a:p>
+            <a:r>
+              <a:rPr lang="en-US" dirty="0" smtClean="0"/>
+              <a:t>Challenges</a:t>
+            </a:r>
+            <a:endParaRPr lang="en-US" dirty="0"/>
+          </a:p>
+        </p:txBody>
+      </p:sp>
+      <p:sp>
+        <p:nvSpPr>
+          <p:cNvPr id="4" name="Footer Placeholder 3"/>
+          <p:cNvSpPr>
+            <a:spLocks noGrp="1"/>
+          </p:cNvSpPr>
+          <p:nvPr>
+            <p:ph type="ftr" sz="quarter" idx="11"/>
+          </p:nvPr>
+        </p:nvSpPr>
+        <p:spPr/>
+        <p:txBody>
+          <a:bodyPr/>
+          <a:lstStyle/>
+          <a:p>
+            <a:r>
+              <a:rPr lang="en-US" smtClean="0"/>
+              <a:t>github.com/HEGSRR  OSF.IO/C5A2R</a:t>
+            </a:r>
+            <a:endParaRPr lang="en-US"/>
+          </a:p>
+        </p:txBody>
+      </p:sp>
+      <p:sp>
+        <p:nvSpPr>
+          <p:cNvPr id="5" name="Slide Number Placeholder 4"/>
+          <p:cNvSpPr>
+            <a:spLocks noGrp="1"/>
+          </p:cNvSpPr>
+          <p:nvPr>
+            <p:ph type="sldNum" sz="quarter" idx="12"/>
+          </p:nvPr>
+        </p:nvSpPr>
+        <p:spPr/>
+        <p:txBody>
+          <a:bodyPr>
+            <a:normAutofit lnSpcReduction="10000"/>
+          </a:bodyPr>
+          <a:lstStyle/>
+          <a:p>
+            <a:fld id="{981D5A7C-6207-499C-AB20-37C4B4B2E810}" type="slidenum">
+              <a:rPr lang="en-US" smtClean="0"/>
+              <a:t>27</a:t>
             </a:fld>
             <a:endParaRPr lang="en-US"/>
           </a:p>
@@ -8989,217 +9230,6 @@
 </p:sld>
 </file>
 
-<file path=ppt/slides/slide27.xml><?xml version="1.0" encoding="utf-8"?>
-<p:sld xmlns:a="http://schemas.openxmlformats.org/drawingml/2006/main" xmlns:r="http://schemas.openxmlformats.org/officeDocument/2006/relationships" xmlns:p="http://schemas.openxmlformats.org/presentationml/2006/main">
-  <p:cSld>
-    <p:spTree>
-      <p:nvGrpSpPr>
-        <p:cNvPr id="1" name=""/>
-        <p:cNvGrpSpPr/>
-        <p:nvPr/>
-      </p:nvGrpSpPr>
-      <p:grpSpPr>
-        <a:xfrm>
-          <a:off x="0" y="0"/>
-          <a:ext cx="0" cy="0"/>
-          <a:chOff x="0" y="0"/>
-          <a:chExt cx="0" cy="0"/>
-        </a:xfrm>
-      </p:grpSpPr>
-      <p:sp>
-        <p:nvSpPr>
-          <p:cNvPr id="2" name="Title 1"/>
-          <p:cNvSpPr>
-            <a:spLocks noGrp="1"/>
-          </p:cNvSpPr>
-          <p:nvPr>
-            <p:ph type="title"/>
-          </p:nvPr>
-        </p:nvSpPr>
-        <p:spPr/>
-        <p:txBody>
-          <a:bodyPr/>
-          <a:lstStyle/>
-          <a:p>
-            <a:r>
-              <a:rPr lang="en-US" dirty="0" err="1" smtClean="0"/>
-              <a:t>Git</a:t>
-            </a:r>
-            <a:r>
-              <a:rPr lang="en-US" dirty="0" smtClean="0"/>
-              <a:t> &amp; GitHub Features</a:t>
-            </a:r>
-            <a:endParaRPr lang="en-US" dirty="0"/>
-          </a:p>
-        </p:txBody>
-      </p:sp>
-      <p:sp>
-        <p:nvSpPr>
-          <p:cNvPr id="3" name="Footer Placeholder 2"/>
-          <p:cNvSpPr>
-            <a:spLocks noGrp="1"/>
-          </p:cNvSpPr>
-          <p:nvPr>
-            <p:ph type="ftr" sz="quarter" idx="11"/>
-          </p:nvPr>
-        </p:nvSpPr>
-        <p:spPr/>
-        <p:txBody>
-          <a:bodyPr/>
-          <a:lstStyle/>
-          <a:p>
-            <a:r>
-              <a:rPr lang="en-US" smtClean="0"/>
-              <a:t>github.com/HEGSRR  doi.org/10.17605/OSF.IO/C5A2R</a:t>
-            </a:r>
-            <a:endParaRPr lang="en-US"/>
-          </a:p>
-        </p:txBody>
-      </p:sp>
-      <p:sp>
-        <p:nvSpPr>
-          <p:cNvPr id="4" name="Slide Number Placeholder 3"/>
-          <p:cNvSpPr>
-            <a:spLocks noGrp="1"/>
-          </p:cNvSpPr>
-          <p:nvPr>
-            <p:ph type="sldNum" sz="quarter" idx="12"/>
-          </p:nvPr>
-        </p:nvSpPr>
-        <p:spPr/>
-        <p:txBody>
-          <a:bodyPr>
-            <a:normAutofit lnSpcReduction="10000"/>
-          </a:bodyPr>
-          <a:lstStyle/>
-          <a:p>
-            <a:fld id="{981D5A7C-6207-499C-AB20-37C4B4B2E810}" type="slidenum">
-              <a:rPr lang="en-US" smtClean="0"/>
-              <a:t>27</a:t>
-            </a:fld>
-            <a:endParaRPr lang="en-US"/>
-          </a:p>
-        </p:txBody>
-      </p:sp>
-      <p:sp>
-        <p:nvSpPr>
-          <p:cNvPr id="5" name="Content Placeholder 4"/>
-          <p:cNvSpPr>
-            <a:spLocks noGrp="1"/>
-          </p:cNvSpPr>
-          <p:nvPr>
-            <p:ph idx="1"/>
-          </p:nvPr>
-        </p:nvSpPr>
-        <p:spPr/>
-        <p:txBody>
-          <a:bodyPr>
-            <a:normAutofit fontScale="62500" lnSpcReduction="20000"/>
-          </a:bodyPr>
-          <a:lstStyle/>
-          <a:p>
-            <a:r>
-              <a:rPr lang="en-US" dirty="0" smtClean="0"/>
-              <a:t>GitHub is a software company implementing open source </a:t>
-            </a:r>
-            <a:r>
-              <a:rPr lang="en-US" dirty="0" err="1" smtClean="0"/>
-              <a:t>Git</a:t>
-            </a:r>
-            <a:r>
-              <a:rPr lang="en-US" dirty="0" smtClean="0"/>
-              <a:t> and hosting open repositories for free</a:t>
-            </a:r>
-          </a:p>
-          <a:p>
-            <a:r>
-              <a:rPr lang="en-US" dirty="0" smtClean="0"/>
-              <a:t>Clone </a:t>
-            </a:r>
-            <a:r>
-              <a:rPr lang="en-US" dirty="0" smtClean="0">
-                <a:sym typeface="Wingdings" panose="05000000000000000000" pitchFamily="2" charset="2"/>
-              </a:rPr>
-              <a:t> copy personal or public repository to your computer</a:t>
-            </a:r>
-          </a:p>
-          <a:p>
-            <a:r>
-              <a:rPr lang="en-US" dirty="0" smtClean="0">
-                <a:sym typeface="Wingdings" panose="05000000000000000000" pitchFamily="2" charset="2"/>
-              </a:rPr>
-              <a:t>Fork  copy repository to your GitHub account, maintaining relationship to original repository</a:t>
-            </a:r>
-          </a:p>
-          <a:p>
-            <a:r>
-              <a:rPr lang="en-US" dirty="0" smtClean="0">
-                <a:sym typeface="Wingdings" panose="05000000000000000000" pitchFamily="2" charset="2"/>
-              </a:rPr>
-              <a:t>Commit  save a batch of changes to the repository</a:t>
-            </a:r>
-          </a:p>
-          <a:p>
-            <a:r>
-              <a:rPr lang="en-US" dirty="0" smtClean="0">
-                <a:sym typeface="Wingdings" panose="05000000000000000000" pitchFamily="2" charset="2"/>
-              </a:rPr>
-              <a:t>Fetch  query remote repository for committed changes</a:t>
-            </a:r>
-          </a:p>
-          <a:p>
-            <a:r>
-              <a:rPr lang="en-US" dirty="0" smtClean="0">
-                <a:sym typeface="Wingdings" panose="05000000000000000000" pitchFamily="2" charset="2"/>
-              </a:rPr>
-              <a:t>Pull  adopt committed changes from remote repository</a:t>
-            </a:r>
-          </a:p>
-          <a:p>
-            <a:r>
-              <a:rPr lang="en-US" dirty="0" smtClean="0">
-                <a:sym typeface="Wingdings" panose="05000000000000000000" pitchFamily="2" charset="2"/>
-              </a:rPr>
-              <a:t>Push  upload committed changes to GitHub.com repository</a:t>
-            </a:r>
-          </a:p>
-          <a:p>
-            <a:r>
-              <a:rPr lang="en-US" dirty="0" smtClean="0">
-                <a:sym typeface="Wingdings" panose="05000000000000000000" pitchFamily="2" charset="2"/>
-              </a:rPr>
-              <a:t>Pull Request  send batch of proposed changes to main repository/branch</a:t>
-            </a:r>
-          </a:p>
-          <a:p>
-            <a:r>
-              <a:rPr lang="en-US" dirty="0" smtClean="0">
-                <a:sym typeface="Wingdings" panose="05000000000000000000" pitchFamily="2" charset="2"/>
-              </a:rPr>
-              <a:t>Branch </a:t>
-            </a:r>
-          </a:p>
-          <a:p>
-            <a:endParaRPr lang="en-US" dirty="0"/>
-          </a:p>
-          <a:p>
-            <a:endParaRPr lang="en-US" dirty="0"/>
-          </a:p>
-        </p:txBody>
-      </p:sp>
-    </p:spTree>
-    <p:extLst>
-      <p:ext uri="{BB962C8B-B14F-4D97-AF65-F5344CB8AC3E}">
-        <p14:creationId xmlns:p14="http://schemas.microsoft.com/office/powerpoint/2010/main" val="2874492602"/>
-      </p:ext>
-    </p:extLst>
-  </p:cSld>
-  <p:clrMapOvr>
-    <a:masterClrMapping/>
-  </p:clrMapOvr>
-</p:sld>
-</file>
-
 <file path=ppt/slides/slide28.xml><?xml version="1.0" encoding="utf-8"?>
 <p:sld xmlns:a="http://schemas.openxmlformats.org/drawingml/2006/main" xmlns:r="http://schemas.openxmlformats.org/officeDocument/2006/relationships" xmlns:p="http://schemas.openxmlformats.org/presentationml/2006/main">
   <p:cSld>
@@ -9233,8 +9263,12 @@
           <a:lstStyle/>
           <a:p>
             <a:r>
-              <a:rPr lang="en-US" dirty="0" smtClean="0"/>
-              <a:t>GitHub Features</a:t>
+              <a:rPr lang="en-US" dirty="0" err="1" smtClean="0"/>
+              <a:t>Git</a:t>
+            </a:r>
+            <a:r>
+              <a:rPr lang="en-US" dirty="0" smtClean="0"/>
+              <a:t> &amp; GitHub Features</a:t>
             </a:r>
             <a:endParaRPr lang="en-US" dirty="0"/>
           </a:p>
@@ -9257,7 +9291,7 @@
           <a:p>
             <a:r>
               <a:rPr lang="en-US" smtClean="0"/>
-              <a:t>github.com/HEGSRR  doi.org/10.17605/OSF.IO/C5A2R</a:t>
+              <a:t>github.com/HEGSRR  OSF.IO/C5A2R</a:t>
             </a:r>
             <a:endParaRPr lang="en-US"/>
           </a:p>
@@ -9298,95 +9332,98 @@
             <p:ph idx="1"/>
           </p:nvPr>
         </p:nvSpPr>
-        <p:spPr>
-          <a:xfrm>
-            <a:off x="1261871" y="1828800"/>
-            <a:ext cx="9342793" cy="4351337"/>
-          </a:xfrm>
-        </p:spPr>
+        <p:spPr/>
         <p:txBody>
           <a:bodyPr>
-            <a:normAutofit fontScale="70000" lnSpcReduction="20000"/>
+            <a:normAutofit fontScale="62500" lnSpcReduction="20000"/>
           </a:bodyPr>
           <a:lstStyle/>
           <a:p>
             <a:r>
               <a:rPr lang="en-US" dirty="0" smtClean="0"/>
-              <a:t>Markdown pages, including readme</a:t>
-            </a:r>
-          </a:p>
-          <a:p>
-            <a:r>
-              <a:rPr lang="en-US" dirty="0" smtClean="0"/>
-              <a:t>LICENSE file</a:t>
-            </a:r>
-          </a:p>
-          <a:p>
-            <a:r>
-              <a:rPr lang="en-US" dirty="0" smtClean="0"/>
-              <a:t>.CFF citation file</a:t>
-            </a:r>
-          </a:p>
-          <a:p>
-            <a:r>
-              <a:rPr lang="en-US" dirty="0" smtClean="0"/>
-              <a:t>Jekyll </a:t>
-            </a:r>
-            <a:r>
-              <a:rPr lang="en-US" dirty="0" smtClean="0"/>
-              <a:t>integration for rendering webpages</a:t>
-            </a:r>
-          </a:p>
-          <a:p>
-            <a:r>
-              <a:rPr lang="en-US" dirty="0" smtClean="0"/>
-              <a:t>Overleaf integration for authoring </a:t>
+              <a:t>GitHub is a software company implementing open source </a:t>
             </a:r>
             <a:r>
               <a:rPr lang="en-US" dirty="0" err="1" smtClean="0"/>
-              <a:t>LaTeX</a:t>
-            </a:r>
-            <a:r>
-              <a:rPr lang="en-US" dirty="0" smtClean="0"/>
-              <a:t> papers</a:t>
-            </a:r>
-          </a:p>
-          <a:p>
-            <a:r>
-              <a:rPr lang="en-US" dirty="0" smtClean="0"/>
-              <a:t>Issues, Discussions, and Wikis</a:t>
-            </a:r>
-          </a:p>
-          <a:p>
-            <a:r>
-              <a:rPr lang="en-US" dirty="0" smtClean="0"/>
-              <a:t>Release versions, e.g. pre-analysis, preprint, submission, peer review, </a:t>
-            </a:r>
-            <a:r>
-              <a:rPr lang="en-US" dirty="0" smtClean="0"/>
-              <a:t>publishing</a:t>
-            </a:r>
-          </a:p>
-          <a:p>
-            <a:r>
-              <a:rPr lang="en-US" dirty="0" smtClean="0"/>
-              <a:t>Private and Public Repositories, Organizations</a:t>
-            </a:r>
-            <a:r>
-              <a:rPr lang="en-US" dirty="0"/>
-              <a:t> </a:t>
-            </a:r>
-            <a:r>
-              <a:rPr lang="en-US" dirty="0" smtClean="0"/>
-              <a:t>and Teams help manage access</a:t>
-            </a:r>
-            <a:endParaRPr lang="en-US" dirty="0" smtClean="0"/>
-          </a:p>
-          <a:p>
-            <a:r>
-              <a:rPr lang="en-US" dirty="0" smtClean="0"/>
-              <a:t>GitHub Educators /  Campus Advisors access free services</a:t>
-            </a:r>
+              <a:t>Git</a:t>
+            </a:r>
+            <a:r>
+              <a:rPr lang="en-US" dirty="0" smtClean="0"/>
+              <a:t> and hosting open repositories for free</a:t>
+            </a:r>
+          </a:p>
+          <a:p>
+            <a:r>
+              <a:rPr lang="en-US" dirty="0" smtClean="0"/>
+              <a:t>Clone </a:t>
+            </a:r>
+            <a:r>
+              <a:rPr lang="en-US" dirty="0" smtClean="0">
+                <a:sym typeface="Wingdings" panose="05000000000000000000" pitchFamily="2" charset="2"/>
+              </a:rPr>
+              <a:t> copy personal or public repository to your computer</a:t>
+            </a:r>
+          </a:p>
+          <a:p>
+            <a:r>
+              <a:rPr lang="en-US" dirty="0" smtClean="0">
+                <a:sym typeface="Wingdings" panose="05000000000000000000" pitchFamily="2" charset="2"/>
+              </a:rPr>
+              <a:t>Fork  copy repository to your GitHub account, maintaining relationship to original repository</a:t>
+            </a:r>
+          </a:p>
+          <a:p>
+            <a:r>
+              <a:rPr lang="en-US" dirty="0" smtClean="0">
+                <a:sym typeface="Wingdings" panose="05000000000000000000" pitchFamily="2" charset="2"/>
+              </a:rPr>
+              <a:t>Commit  save a batch of changes to the repository</a:t>
+            </a:r>
+          </a:p>
+          <a:p>
+            <a:r>
+              <a:rPr lang="en-US" dirty="0" smtClean="0">
+                <a:sym typeface="Wingdings" panose="05000000000000000000" pitchFamily="2" charset="2"/>
+              </a:rPr>
+              <a:t>Fetch  query remote repository for committed changes</a:t>
+            </a:r>
+          </a:p>
+          <a:p>
+            <a:r>
+              <a:rPr lang="en-US" dirty="0" smtClean="0">
+                <a:sym typeface="Wingdings" panose="05000000000000000000" pitchFamily="2" charset="2"/>
+              </a:rPr>
+              <a:t>Pull  adopt committed changes from remote repository</a:t>
+            </a:r>
+          </a:p>
+          <a:p>
+            <a:r>
+              <a:rPr lang="en-US" dirty="0" smtClean="0">
+                <a:sym typeface="Wingdings" panose="05000000000000000000" pitchFamily="2" charset="2"/>
+              </a:rPr>
+              <a:t>Push  upload committed changes to GitHub.com repository</a:t>
+            </a:r>
+          </a:p>
+          <a:p>
+            <a:r>
+              <a:rPr lang="en-US" dirty="0" smtClean="0">
+                <a:sym typeface="Wingdings" panose="05000000000000000000" pitchFamily="2" charset="2"/>
+              </a:rPr>
+              <a:t>Pull Request  send batch of proposed changes to main repository/branch</a:t>
+            </a:r>
+          </a:p>
+          <a:p>
+            <a:r>
+              <a:rPr lang="en-US" dirty="0" smtClean="0">
+                <a:sym typeface="Wingdings" panose="05000000000000000000" pitchFamily="2" charset="2"/>
+              </a:rPr>
+              <a:t>Branch </a:t>
+            </a:r>
+          </a:p>
+          <a:p>
+            <a:endParaRPr lang="en-US" dirty="0"/>
+          </a:p>
+          <a:p>
             <a:endParaRPr lang="en-US" dirty="0"/>
           </a:p>
         </p:txBody>
@@ -9394,7 +9431,7 @@
     </p:spTree>
     <p:extLst>
       <p:ext uri="{BB962C8B-B14F-4D97-AF65-F5344CB8AC3E}">
-        <p14:creationId xmlns:p14="http://schemas.microsoft.com/office/powerpoint/2010/main" val="2306273245"/>
+        <p14:creationId xmlns:p14="http://schemas.microsoft.com/office/powerpoint/2010/main" val="2874492602"/>
       </p:ext>
     </p:extLst>
   </p:cSld>
@@ -9438,7 +9475,7 @@
           <a:p>
             <a:r>
               <a:rPr lang="en-US" dirty="0" smtClean="0"/>
-              <a:t>Tips &amp; Tricks</a:t>
+              <a:t>GitHub Features</a:t>
             </a:r>
             <a:endParaRPr lang="en-US" dirty="0"/>
           </a:p>
@@ -9461,7 +9498,7 @@
           <a:p>
             <a:r>
               <a:rPr lang="en-US" smtClean="0"/>
-              <a:t>github.com/HEGSRR  doi.org/10.17605/OSF.IO/C5A2R</a:t>
+              <a:t>github.com/HEGSRR  OSF.IO/C5A2R</a:t>
             </a:r>
             <a:endParaRPr lang="en-US"/>
           </a:p>
@@ -9502,28 +9539,94 @@
             <p:ph idx="1"/>
           </p:nvPr>
         </p:nvSpPr>
-        <p:spPr/>
-        <p:txBody>
-          <a:bodyPr/>
-          <a:lstStyle/>
-          <a:p>
-            <a:r>
-              <a:rPr lang="en-US" dirty="0" smtClean="0"/>
-              <a:t>One sentence on each new line</a:t>
-            </a:r>
-          </a:p>
-          <a:p>
-            <a:r>
-              <a:rPr lang="en-US" dirty="0" smtClean="0"/>
-              <a:t>Commit frequently with intention: </a:t>
+        <p:spPr>
+          <a:xfrm>
+            <a:off x="1261871" y="1828800"/>
+            <a:ext cx="9342793" cy="4351337"/>
+          </a:xfrm>
+        </p:spPr>
+        <p:txBody>
+          <a:bodyPr>
+            <a:normAutofit fontScale="70000" lnSpcReduction="20000"/>
+          </a:bodyPr>
+          <a:lstStyle/>
+          <a:p>
+            <a:r>
+              <a:rPr lang="en-US" dirty="0" smtClean="0"/>
+              <a:t>Markdown pages, including readme</a:t>
+            </a:r>
+          </a:p>
+          <a:p>
+            <a:r>
+              <a:rPr lang="en-US" dirty="0" smtClean="0"/>
+              <a:t>LICENSE file</a:t>
+            </a:r>
+          </a:p>
+          <a:p>
+            <a:r>
+              <a:rPr lang="en-US" dirty="0" smtClean="0"/>
+              <a:t>.CFF citation file</a:t>
+            </a:r>
+          </a:p>
+          <a:p>
+            <a:r>
+              <a:rPr lang="en-US" dirty="0" smtClean="0"/>
+              <a:t>Jekyll </a:t>
+            </a:r>
+            <a:r>
+              <a:rPr lang="en-US" dirty="0" smtClean="0"/>
+              <a:t>integration for rendering webpages</a:t>
+            </a:r>
+          </a:p>
+          <a:p>
+            <a:r>
+              <a:rPr lang="en-US" dirty="0" smtClean="0"/>
+              <a:t>Overleaf integration for authoring </a:t>
             </a:r>
             <a:r>
               <a:rPr lang="en-US" dirty="0" err="1" smtClean="0"/>
-              <a:t>Git</a:t>
-            </a:r>
-            <a:r>
-              <a:rPr lang="en-US" dirty="0" smtClean="0"/>
-              <a:t> can “undo” </a:t>
+              <a:t>LaTeX</a:t>
+            </a:r>
+            <a:r>
+              <a:rPr lang="en-US" dirty="0" smtClean="0"/>
+              <a:t> papers</a:t>
+            </a:r>
+          </a:p>
+          <a:p>
+            <a:r>
+              <a:rPr lang="en-US" dirty="0" smtClean="0"/>
+              <a:t>Issues, Discussions, and Wikis</a:t>
+            </a:r>
+          </a:p>
+          <a:p>
+            <a:r>
+              <a:rPr lang="en-US" dirty="0" smtClean="0"/>
+              <a:t>Release versions, e.g. pre-analysis, preprint, submission, peer review, </a:t>
+            </a:r>
+            <a:r>
+              <a:rPr lang="en-US" dirty="0" smtClean="0"/>
+              <a:t>publishing</a:t>
+            </a:r>
+          </a:p>
+          <a:p>
+            <a:r>
+              <a:rPr lang="en-US" dirty="0" smtClean="0"/>
+              <a:t>Private and Public Repositories, Organizations</a:t>
+            </a:r>
+            <a:r>
+              <a:rPr lang="en-US" dirty="0"/>
+              <a:t> </a:t>
+            </a:r>
+            <a:r>
+              <a:rPr lang="en-US" dirty="0" smtClean="0"/>
+              <a:t>and Teams help manage access</a:t>
+            </a:r>
+            <a:endParaRPr lang="en-US" dirty="0" smtClean="0"/>
+          </a:p>
+          <a:p>
+            <a:r>
+              <a:rPr lang="en-US" dirty="0" smtClean="0"/>
+              <a:t>GitHub Educators /  Campus Advisors access free services</a:t>
             </a:r>
             <a:endParaRPr lang="en-US" dirty="0"/>
           </a:p>
@@ -9532,7 +9635,7 @@
     </p:spTree>
     <p:extLst>
       <p:ext uri="{BB962C8B-B14F-4D97-AF65-F5344CB8AC3E}">
-        <p14:creationId xmlns:p14="http://schemas.microsoft.com/office/powerpoint/2010/main" val="1789330059"/>
+        <p14:creationId xmlns:p14="http://schemas.microsoft.com/office/powerpoint/2010/main" val="2306273245"/>
       </p:ext>
     </p:extLst>
   </p:cSld>
@@ -9599,7 +9702,7 @@
           <a:p>
             <a:r>
               <a:rPr lang="en-US" smtClean="0"/>
-              <a:t>github.com/HEGSRR  doi.org/10.17605/OSF.IO/C5A2R</a:t>
+              <a:t>github.com/HEGSRR  OSF.IO/C5A2R</a:t>
             </a:r>
             <a:endParaRPr lang="en-US"/>
           </a:p>
@@ -9713,51 +9816,98 @@
         </p:nvSpPr>
         <p:spPr/>
         <p:txBody>
+          <a:bodyPr/>
+          <a:lstStyle/>
+          <a:p>
+            <a:r>
+              <a:rPr lang="en-US" dirty="0" smtClean="0"/>
+              <a:t>Tips &amp; Tricks</a:t>
+            </a:r>
+            <a:endParaRPr lang="en-US" dirty="0"/>
+          </a:p>
+        </p:txBody>
+      </p:sp>
+      <p:sp>
+        <p:nvSpPr>
+          <p:cNvPr id="3" name="Footer Placeholder 2"/>
+          <p:cNvSpPr>
+            <a:spLocks noGrp="1"/>
+          </p:cNvSpPr>
+          <p:nvPr>
+            <p:ph type="ftr" sz="quarter" idx="11"/>
+          </p:nvPr>
+        </p:nvSpPr>
+        <p:spPr/>
+        <p:txBody>
+          <a:bodyPr/>
+          <a:lstStyle/>
+          <a:p>
+            <a:r>
+              <a:rPr lang="en-US" smtClean="0"/>
+              <a:t>github.com/HEGSRR  OSF.IO/C5A2R</a:t>
+            </a:r>
+            <a:endParaRPr lang="en-US"/>
+          </a:p>
+        </p:txBody>
+      </p:sp>
+      <p:sp>
+        <p:nvSpPr>
+          <p:cNvPr id="4" name="Slide Number Placeholder 3"/>
+          <p:cNvSpPr>
+            <a:spLocks noGrp="1"/>
+          </p:cNvSpPr>
+          <p:nvPr>
+            <p:ph type="sldNum" sz="quarter" idx="12"/>
+          </p:nvPr>
+        </p:nvSpPr>
+        <p:spPr/>
+        <p:txBody>
           <a:bodyPr>
-            <a:normAutofit/>
+            <a:normAutofit lnSpcReduction="10000"/>
           </a:bodyPr>
           <a:lstStyle/>
           <a:p>
-            <a:r>
-              <a:rPr lang="en-US" sz="4800" b="1" dirty="0"/>
-              <a:t>Template for </a:t>
-            </a:r>
-            <a:r>
-              <a:rPr lang="en-US" sz="4800" b="1" dirty="0" smtClean="0"/>
-              <a:t/>
-            </a:r>
-            <a:br>
-              <a:rPr lang="en-US" sz="4800" b="1" dirty="0" smtClean="0"/>
-            </a:br>
-            <a:r>
-              <a:rPr lang="en-US" sz="4800" b="1" dirty="0" smtClean="0"/>
-              <a:t>R&amp;R </a:t>
-            </a:r>
-            <a:r>
-              <a:rPr lang="en-US" sz="4800" b="1" dirty="0" smtClean="0"/>
-              <a:t>Research in HEGS</a:t>
-            </a:r>
-            <a:endParaRPr lang="en-US" sz="4800" b="1" dirty="0">
-              <a:effectLst/>
-            </a:endParaRPr>
-          </a:p>
-        </p:txBody>
-      </p:sp>
-      <p:sp>
-        <p:nvSpPr>
-          <p:cNvPr id="4" name="Text Placeholder 3"/>
-          <p:cNvSpPr>
-            <a:spLocks noGrp="1"/>
-          </p:cNvSpPr>
-          <p:nvPr>
-            <p:ph type="body" idx="1"/>
-          </p:nvPr>
-        </p:nvSpPr>
-        <p:spPr/>
-        <p:txBody>
-          <a:bodyPr/>
-          <a:lstStyle/>
-          <a:p>
+            <a:fld id="{981D5A7C-6207-499C-AB20-37C4B4B2E810}" type="slidenum">
+              <a:rPr lang="en-US" smtClean="0"/>
+              <a:t>30</a:t>
+            </a:fld>
+            <a:endParaRPr lang="en-US"/>
+          </a:p>
+        </p:txBody>
+      </p:sp>
+      <p:sp>
+        <p:nvSpPr>
+          <p:cNvPr id="5" name="Content Placeholder 4"/>
+          <p:cNvSpPr>
+            <a:spLocks noGrp="1"/>
+          </p:cNvSpPr>
+          <p:nvPr>
+            <p:ph idx="1"/>
+          </p:nvPr>
+        </p:nvSpPr>
+        <p:spPr/>
+        <p:txBody>
+          <a:bodyPr/>
+          <a:lstStyle/>
+          <a:p>
+            <a:r>
+              <a:rPr lang="en-US" dirty="0" smtClean="0"/>
+              <a:t>One sentence on each new line</a:t>
+            </a:r>
+          </a:p>
+          <a:p>
+            <a:r>
+              <a:rPr lang="en-US" dirty="0" smtClean="0"/>
+              <a:t>Commit frequently with intention: </a:t>
+            </a:r>
+            <a:r>
+              <a:rPr lang="en-US" dirty="0" err="1" smtClean="0"/>
+              <a:t>Git</a:t>
+            </a:r>
+            <a:r>
+              <a:rPr lang="en-US" dirty="0" smtClean="0"/>
+              <a:t> can “undo” </a:t>
+            </a:r>
             <a:endParaRPr lang="en-US" dirty="0"/>
           </a:p>
         </p:txBody>
@@ -9765,7 +9915,7 @@
     </p:spTree>
     <p:extLst>
       <p:ext uri="{BB962C8B-B14F-4D97-AF65-F5344CB8AC3E}">
-        <p14:creationId xmlns:p14="http://schemas.microsoft.com/office/powerpoint/2010/main" val="728304785"/>
+        <p14:creationId xmlns:p14="http://schemas.microsoft.com/office/powerpoint/2010/main" val="1789330059"/>
       </p:ext>
     </p:extLst>
   </p:cSld>
@@ -9794,7 +9944,7 @@
       </p:grpSpPr>
       <p:sp>
         <p:nvSpPr>
-          <p:cNvPr id="6" name="Title 5"/>
+          <p:cNvPr id="2" name="Title 1"/>
           <p:cNvSpPr>
             <a:spLocks noGrp="1"/>
           </p:cNvSpPr>
@@ -9804,20 +9954,58 @@
         </p:nvSpPr>
         <p:spPr/>
         <p:txBody>
-          <a:bodyPr/>
-          <a:lstStyle/>
-          <a:p>
-            <a:r>
-              <a:rPr lang="en-US" dirty="0" smtClean="0"/>
-              <a:t>(Executable) Research Compendium</a:t>
-            </a:r>
+          <a:bodyPr>
+            <a:normAutofit/>
+          </a:bodyPr>
+          <a:lstStyle/>
+          <a:p>
+            <a:r>
+              <a:rPr lang="en-US" sz="4800" b="1" dirty="0"/>
+              <a:t>Template for </a:t>
+            </a:r>
+            <a:r>
+              <a:rPr lang="en-US" sz="4800" b="1" dirty="0" smtClean="0"/>
+              <a:t/>
+            </a:r>
+            <a:br>
+              <a:rPr lang="en-US" sz="4800" b="1" dirty="0" smtClean="0"/>
+            </a:br>
+            <a:r>
+              <a:rPr lang="en-US" sz="4800" b="1" dirty="0" smtClean="0"/>
+              <a:t>R&amp;R </a:t>
+            </a:r>
+            <a:r>
+              <a:rPr lang="en-US" sz="4800" b="1" dirty="0" smtClean="0"/>
+              <a:t>Research in HEGS</a:t>
+            </a:r>
+            <a:endParaRPr lang="en-US" sz="4800" b="1" dirty="0">
+              <a:effectLst/>
+            </a:endParaRPr>
+          </a:p>
+        </p:txBody>
+      </p:sp>
+      <p:sp>
+        <p:nvSpPr>
+          <p:cNvPr id="4" name="Text Placeholder 3"/>
+          <p:cNvSpPr>
+            <a:spLocks noGrp="1"/>
+          </p:cNvSpPr>
+          <p:nvPr>
+            <p:ph type="body" idx="1"/>
+          </p:nvPr>
+        </p:nvSpPr>
+        <p:spPr/>
+        <p:txBody>
+          <a:bodyPr/>
+          <a:lstStyle/>
+          <a:p>
             <a:endParaRPr lang="en-US" dirty="0"/>
           </a:p>
         </p:txBody>
       </p:sp>
       <p:sp>
         <p:nvSpPr>
-          <p:cNvPr id="4" name="Footer Placeholder 3"/>
+          <p:cNvPr id="3" name="Footer Placeholder 2"/>
           <p:cNvSpPr>
             <a:spLocks noGrp="1"/>
           </p:cNvSpPr>
@@ -9832,7 +10020,7 @@
           <a:p>
             <a:r>
               <a:rPr lang="en-US" smtClean="0"/>
-              <a:t>github.com/HEGSRR  doi.org/10.17605/OSF.IO/C5A2R</a:t>
+              <a:t>github.com/HEGSRR  OSF.IO/C5A2R</a:t>
             </a:r>
             <a:endParaRPr lang="en-US"/>
           </a:p>
@@ -9863,86 +10051,10 @@
           </a:p>
         </p:txBody>
       </p:sp>
-      <p:sp>
-        <p:nvSpPr>
-          <p:cNvPr id="7" name="Content Placeholder 6"/>
-          <p:cNvSpPr>
-            <a:spLocks noGrp="1"/>
-          </p:cNvSpPr>
-          <p:nvPr>
-            <p:ph idx="1"/>
-          </p:nvPr>
-        </p:nvSpPr>
-        <p:spPr/>
-        <p:txBody>
-          <a:bodyPr/>
-          <a:lstStyle/>
-          <a:p>
-            <a:r>
-              <a:rPr lang="en-US" dirty="0" smtClean="0"/>
-              <a:t>Computational Notebook: Narrative and Code</a:t>
-            </a:r>
-          </a:p>
-          <a:p>
-            <a:r>
-              <a:rPr lang="en-US" dirty="0" smtClean="0"/>
-              <a:t>Data</a:t>
-            </a:r>
-          </a:p>
-          <a:p>
-            <a:r>
-              <a:rPr lang="en-US" dirty="0" smtClean="0"/>
-              <a:t>Processing Environment</a:t>
-            </a:r>
-          </a:p>
-          <a:p>
-            <a:r>
-              <a:rPr lang="en-US" dirty="0" smtClean="0"/>
-              <a:t>Metadata</a:t>
-            </a:r>
-          </a:p>
-          <a:p>
-            <a:r>
-              <a:rPr lang="en-US" dirty="0" smtClean="0"/>
-              <a:t>License</a:t>
-            </a:r>
-          </a:p>
-          <a:p>
-            <a:r>
-              <a:rPr lang="en-US" dirty="0" smtClean="0"/>
-              <a:t>Compile: Markdown </a:t>
-            </a:r>
-            <a:r>
-              <a:rPr lang="en-US" dirty="0" smtClean="0">
-                <a:sym typeface="Wingdings" panose="05000000000000000000" pitchFamily="2" charset="2"/>
-              </a:rPr>
-              <a:t> </a:t>
-            </a:r>
-            <a:r>
-              <a:rPr lang="en-US" dirty="0" err="1" smtClean="0"/>
-              <a:t>LaTeX</a:t>
-            </a:r>
-            <a:r>
-              <a:rPr lang="en-US" dirty="0" smtClean="0"/>
-              <a:t> </a:t>
-            </a:r>
-            <a:r>
-              <a:rPr lang="en-US" dirty="0">
-                <a:sym typeface="Wingdings" panose="05000000000000000000" pitchFamily="2" charset="2"/>
-              </a:rPr>
-              <a:t></a:t>
-            </a:r>
-            <a:r>
-              <a:rPr lang="en-US" dirty="0" smtClean="0"/>
-              <a:t> Publication &amp; Website</a:t>
-            </a:r>
-          </a:p>
-        </p:txBody>
-      </p:sp>
     </p:spTree>
     <p:extLst>
       <p:ext uri="{BB962C8B-B14F-4D97-AF65-F5344CB8AC3E}">
-        <p14:creationId xmlns:p14="http://schemas.microsoft.com/office/powerpoint/2010/main" val="2689614884"/>
+        <p14:creationId xmlns:p14="http://schemas.microsoft.com/office/powerpoint/2010/main" val="728304785"/>
       </p:ext>
     </p:extLst>
   </p:cSld>
@@ -9971,7 +10083,7 @@
       </p:grpSpPr>
       <p:sp>
         <p:nvSpPr>
-          <p:cNvPr id="2" name="Title 1"/>
+          <p:cNvPr id="6" name="Title 5"/>
           <p:cNvSpPr>
             <a:spLocks noGrp="1"/>
           </p:cNvSpPr>
@@ -9986,7 +10098,7 @@
           <a:p>
             <a:r>
               <a:rPr lang="en-US" dirty="0" smtClean="0"/>
-              <a:t>Challenges</a:t>
+              <a:t>(Executable) Research Compendium</a:t>
             </a:r>
             <a:endParaRPr lang="en-US" dirty="0"/>
           </a:p>
@@ -9994,7 +10106,7 @@
       </p:sp>
       <p:sp>
         <p:nvSpPr>
-          <p:cNvPr id="3" name="Footer Placeholder 2"/>
+          <p:cNvPr id="4" name="Footer Placeholder 3"/>
           <p:cNvSpPr>
             <a:spLocks noGrp="1"/>
           </p:cNvSpPr>
@@ -10009,7 +10121,7 @@
           <a:p>
             <a:r>
               <a:rPr lang="en-US" smtClean="0"/>
-              <a:t>github.com/HEGSRR  doi.org/10.17605/OSF.IO/C5A2R</a:t>
+              <a:t>github.com/HEGSRR  OSF.IO/C5A2R</a:t>
             </a:r>
             <a:endParaRPr lang="en-US"/>
           </a:p>
@@ -10017,7 +10129,7 @@
       </p:sp>
       <p:sp>
         <p:nvSpPr>
-          <p:cNvPr id="4" name="Slide Number Placeholder 3"/>
+          <p:cNvPr id="5" name="Slide Number Placeholder 4"/>
           <p:cNvSpPr>
             <a:spLocks noGrp="1"/>
           </p:cNvSpPr>
@@ -10035,6 +10147,183 @@
             <a:fld id="{981D5A7C-6207-499C-AB20-37C4B4B2E810}" type="slidenum">
               <a:rPr lang="en-US" smtClean="0"/>
               <a:t>32</a:t>
+            </a:fld>
+            <a:endParaRPr lang="en-US"/>
+          </a:p>
+        </p:txBody>
+      </p:sp>
+      <p:sp>
+        <p:nvSpPr>
+          <p:cNvPr id="7" name="Content Placeholder 6"/>
+          <p:cNvSpPr>
+            <a:spLocks noGrp="1"/>
+          </p:cNvSpPr>
+          <p:nvPr>
+            <p:ph idx="1"/>
+          </p:nvPr>
+        </p:nvSpPr>
+        <p:spPr/>
+        <p:txBody>
+          <a:bodyPr/>
+          <a:lstStyle/>
+          <a:p>
+            <a:r>
+              <a:rPr lang="en-US" dirty="0" smtClean="0"/>
+              <a:t>Computational Notebook: Narrative and Code</a:t>
+            </a:r>
+          </a:p>
+          <a:p>
+            <a:r>
+              <a:rPr lang="en-US" dirty="0" smtClean="0"/>
+              <a:t>Data</a:t>
+            </a:r>
+          </a:p>
+          <a:p>
+            <a:r>
+              <a:rPr lang="en-US" dirty="0" smtClean="0"/>
+              <a:t>Processing Environment</a:t>
+            </a:r>
+          </a:p>
+          <a:p>
+            <a:r>
+              <a:rPr lang="en-US" dirty="0" smtClean="0"/>
+              <a:t>Metadata</a:t>
+            </a:r>
+          </a:p>
+          <a:p>
+            <a:r>
+              <a:rPr lang="en-US" dirty="0" smtClean="0"/>
+              <a:t>License</a:t>
+            </a:r>
+          </a:p>
+          <a:p>
+            <a:r>
+              <a:rPr lang="en-US" dirty="0" smtClean="0"/>
+              <a:t>Compile: Markdown </a:t>
+            </a:r>
+            <a:r>
+              <a:rPr lang="en-US" dirty="0" smtClean="0">
+                <a:sym typeface="Wingdings" panose="05000000000000000000" pitchFamily="2" charset="2"/>
+              </a:rPr>
+              <a:t> </a:t>
+            </a:r>
+            <a:r>
+              <a:rPr lang="en-US" dirty="0" err="1" smtClean="0"/>
+              <a:t>LaTeX</a:t>
+            </a:r>
+            <a:r>
+              <a:rPr lang="en-US" dirty="0" smtClean="0"/>
+              <a:t> </a:t>
+            </a:r>
+            <a:r>
+              <a:rPr lang="en-US" dirty="0">
+                <a:sym typeface="Wingdings" panose="05000000000000000000" pitchFamily="2" charset="2"/>
+              </a:rPr>
+              <a:t></a:t>
+            </a:r>
+            <a:r>
+              <a:rPr lang="en-US" dirty="0" smtClean="0"/>
+              <a:t> Publication &amp; Website</a:t>
+            </a:r>
+          </a:p>
+        </p:txBody>
+      </p:sp>
+    </p:spTree>
+    <p:extLst>
+      <p:ext uri="{BB962C8B-B14F-4D97-AF65-F5344CB8AC3E}">
+        <p14:creationId xmlns:p14="http://schemas.microsoft.com/office/powerpoint/2010/main" val="2689614884"/>
+      </p:ext>
+    </p:extLst>
+  </p:cSld>
+  <p:clrMapOvr>
+    <a:masterClrMapping/>
+  </p:clrMapOvr>
+</p:sld>
+</file>
+
+<file path=ppt/slides/slide33.xml><?xml version="1.0" encoding="utf-8"?>
+<p:sld xmlns:a="http://schemas.openxmlformats.org/drawingml/2006/main" xmlns:r="http://schemas.openxmlformats.org/officeDocument/2006/relationships" xmlns:p="http://schemas.openxmlformats.org/presentationml/2006/main">
+  <p:cSld>
+    <p:spTree>
+      <p:nvGrpSpPr>
+        <p:cNvPr id="1" name=""/>
+        <p:cNvGrpSpPr/>
+        <p:nvPr/>
+      </p:nvGrpSpPr>
+      <p:grpSpPr>
+        <a:xfrm>
+          <a:off x="0" y="0"/>
+          <a:ext cx="0" cy="0"/>
+          <a:chOff x="0" y="0"/>
+          <a:chExt cx="0" cy="0"/>
+        </a:xfrm>
+      </p:grpSpPr>
+      <p:sp>
+        <p:nvSpPr>
+          <p:cNvPr id="2" name="Title 1"/>
+          <p:cNvSpPr>
+            <a:spLocks noGrp="1"/>
+          </p:cNvSpPr>
+          <p:nvPr>
+            <p:ph type="title"/>
+          </p:nvPr>
+        </p:nvSpPr>
+        <p:spPr/>
+        <p:txBody>
+          <a:bodyPr/>
+          <a:lstStyle/>
+          <a:p>
+            <a:r>
+              <a:rPr lang="en-US" dirty="0" smtClean="0"/>
+              <a:t>Challenges</a:t>
+            </a:r>
+            <a:endParaRPr lang="en-US" dirty="0"/>
+          </a:p>
+        </p:txBody>
+      </p:sp>
+      <p:sp>
+        <p:nvSpPr>
+          <p:cNvPr id="3" name="Footer Placeholder 2"/>
+          <p:cNvSpPr>
+            <a:spLocks noGrp="1"/>
+          </p:cNvSpPr>
+          <p:nvPr>
+            <p:ph type="ftr" sz="quarter" idx="11"/>
+          </p:nvPr>
+        </p:nvSpPr>
+        <p:spPr/>
+        <p:txBody>
+          <a:bodyPr/>
+          <a:lstStyle/>
+          <a:p>
+            <a:r>
+              <a:rPr lang="en-US" smtClean="0"/>
+              <a:t>github.com/HEGSRR  OSF.IO/C5A2R</a:t>
+            </a:r>
+            <a:endParaRPr lang="en-US"/>
+          </a:p>
+        </p:txBody>
+      </p:sp>
+      <p:sp>
+        <p:nvSpPr>
+          <p:cNvPr id="4" name="Slide Number Placeholder 3"/>
+          <p:cNvSpPr>
+            <a:spLocks noGrp="1"/>
+          </p:cNvSpPr>
+          <p:nvPr>
+            <p:ph type="sldNum" sz="quarter" idx="12"/>
+          </p:nvPr>
+        </p:nvSpPr>
+        <p:spPr/>
+        <p:txBody>
+          <a:bodyPr>
+            <a:normAutofit lnSpcReduction="10000"/>
+          </a:bodyPr>
+          <a:lstStyle/>
+          <a:p>
+            <a:fld id="{981D5A7C-6207-499C-AB20-37C4B4B2E810}" type="slidenum">
+              <a:rPr lang="en-US" smtClean="0"/>
+              <a:t>33</a:t>
             </a:fld>
             <a:endParaRPr lang="en-US"/>
           </a:p>
@@ -10360,126 +10649,6 @@
 </p:sld>
 </file>
 
-<file path=ppt/slides/slide33.xml><?xml version="1.0" encoding="utf-8"?>
-<p:sld xmlns:a="http://schemas.openxmlformats.org/drawingml/2006/main" xmlns:r="http://schemas.openxmlformats.org/officeDocument/2006/relationships" xmlns:p="http://schemas.openxmlformats.org/presentationml/2006/main">
-  <p:cSld>
-    <p:spTree>
-      <p:nvGrpSpPr>
-        <p:cNvPr id="1" name=""/>
-        <p:cNvGrpSpPr/>
-        <p:nvPr/>
-      </p:nvGrpSpPr>
-      <p:grpSpPr>
-        <a:xfrm>
-          <a:off x="0" y="0"/>
-          <a:ext cx="0" cy="0"/>
-          <a:chOff x="0" y="0"/>
-          <a:chExt cx="0" cy="0"/>
-        </a:xfrm>
-      </p:grpSpPr>
-      <p:sp>
-        <p:nvSpPr>
-          <p:cNvPr id="2" name="Title 1"/>
-          <p:cNvSpPr>
-            <a:spLocks noGrp="1"/>
-          </p:cNvSpPr>
-          <p:nvPr>
-            <p:ph type="title"/>
-          </p:nvPr>
-        </p:nvSpPr>
-        <p:spPr/>
-        <p:txBody>
-          <a:bodyPr/>
-          <a:lstStyle/>
-          <a:p>
-            <a:r>
-              <a:rPr lang="en-US" dirty="0" smtClean="0"/>
-              <a:t>Pre-analysis Planning and Registration</a:t>
-            </a:r>
-            <a:endParaRPr lang="en-US" dirty="0"/>
-          </a:p>
-        </p:txBody>
-      </p:sp>
-      <p:sp>
-        <p:nvSpPr>
-          <p:cNvPr id="3" name="Text Placeholder 2"/>
-          <p:cNvSpPr>
-            <a:spLocks noGrp="1"/>
-          </p:cNvSpPr>
-          <p:nvPr>
-            <p:ph type="body" idx="1"/>
-          </p:nvPr>
-        </p:nvSpPr>
-        <p:spPr/>
-        <p:txBody>
-          <a:bodyPr/>
-          <a:lstStyle/>
-          <a:p>
-            <a:endParaRPr lang="en-US"/>
-          </a:p>
-        </p:txBody>
-      </p:sp>
-      <p:sp>
-        <p:nvSpPr>
-          <p:cNvPr id="4" name="Footer Placeholder 3"/>
-          <p:cNvSpPr>
-            <a:spLocks noGrp="1"/>
-          </p:cNvSpPr>
-          <p:nvPr>
-            <p:ph type="ftr" sz="quarter" idx="11"/>
-          </p:nvPr>
-        </p:nvSpPr>
-        <p:spPr/>
-        <p:txBody>
-          <a:bodyPr/>
-          <a:lstStyle/>
-          <a:p>
-            <a:r>
-              <a:rPr lang="en-US" smtClean="0"/>
-              <a:t>github.com/HEGSRR  doi.org/10.17605/OSF.IO/C5A2R</a:t>
-            </a:r>
-            <a:endParaRPr lang="en-US"/>
-          </a:p>
-        </p:txBody>
-      </p:sp>
-      <p:sp>
-        <p:nvSpPr>
-          <p:cNvPr id="5" name="Slide Number Placeholder 4"/>
-          <p:cNvSpPr>
-            <a:spLocks noGrp="1"/>
-          </p:cNvSpPr>
-          <p:nvPr>
-            <p:ph type="sldNum" sz="quarter" idx="12"/>
-          </p:nvPr>
-        </p:nvSpPr>
-        <p:spPr/>
-        <p:txBody>
-          <a:bodyPr>
-            <a:normAutofit lnSpcReduction="10000"/>
-          </a:bodyPr>
-          <a:lstStyle/>
-          <a:p>
-            <a:fld id="{981D5A7C-6207-499C-AB20-37C4B4B2E810}" type="slidenum">
-              <a:rPr lang="en-US" smtClean="0"/>
-              <a:t>33</a:t>
-            </a:fld>
-            <a:endParaRPr lang="en-US"/>
-          </a:p>
-        </p:txBody>
-      </p:sp>
-    </p:spTree>
-    <p:extLst>
-      <p:ext uri="{BB962C8B-B14F-4D97-AF65-F5344CB8AC3E}">
-        <p14:creationId xmlns:p14="http://schemas.microsoft.com/office/powerpoint/2010/main" val="2352788894"/>
-      </p:ext>
-    </p:extLst>
-  </p:cSld>
-  <p:clrMapOvr>
-    <a:masterClrMapping/>
-  </p:clrMapOvr>
-</p:sld>
-</file>
-
 <file path=ppt/slides/slide34.xml><?xml version="1.0" encoding="utf-8"?>
 <p:sld xmlns:a="http://schemas.openxmlformats.org/drawingml/2006/main" xmlns:r="http://schemas.openxmlformats.org/officeDocument/2006/relationships" xmlns:p="http://schemas.openxmlformats.org/presentationml/2006/main">
   <p:cSld>
@@ -10514,7 +10683,7 @@
           <a:p>
             <a:r>
               <a:rPr lang="en-US" dirty="0" smtClean="0"/>
-              <a:t>Pre-analysis Planning &amp; Registration</a:t>
+              <a:t>Pre-analysis Planning and Registration</a:t>
             </a:r>
             <a:endParaRPr lang="en-US" dirty="0"/>
           </a:p>
@@ -10522,7 +10691,26 @@
       </p:sp>
       <p:sp>
         <p:nvSpPr>
-          <p:cNvPr id="3" name="Footer Placeholder 2"/>
+          <p:cNvPr id="3" name="Text Placeholder 2"/>
+          <p:cNvSpPr>
+            <a:spLocks noGrp="1"/>
+          </p:cNvSpPr>
+          <p:nvPr>
+            <p:ph type="body" idx="1"/>
+          </p:nvPr>
+        </p:nvSpPr>
+        <p:spPr/>
+        <p:txBody>
+          <a:bodyPr/>
+          <a:lstStyle/>
+          <a:p>
+            <a:endParaRPr lang="en-US"/>
+          </a:p>
+        </p:txBody>
+      </p:sp>
+      <p:sp>
+        <p:nvSpPr>
+          <p:cNvPr id="4" name="Footer Placeholder 3"/>
           <p:cNvSpPr>
             <a:spLocks noGrp="1"/>
           </p:cNvSpPr>
@@ -10537,7 +10725,7 @@
           <a:p>
             <a:r>
               <a:rPr lang="en-US" smtClean="0"/>
-              <a:t>github.com/HEGSRR  doi.org/10.17605/OSF.IO/C5A2R</a:t>
+              <a:t>github.com/HEGSRR  OSF.IO/C5A2R</a:t>
             </a:r>
             <a:endParaRPr lang="en-US"/>
           </a:p>
@@ -10545,7 +10733,7 @@
       </p:sp>
       <p:sp>
         <p:nvSpPr>
-          <p:cNvPr id="4" name="Slide Number Placeholder 3"/>
+          <p:cNvPr id="5" name="Slide Number Placeholder 4"/>
           <p:cNvSpPr>
             <a:spLocks noGrp="1"/>
           </p:cNvSpPr>
@@ -10563,6 +10751,107 @@
             <a:fld id="{981D5A7C-6207-499C-AB20-37C4B4B2E810}" type="slidenum">
               <a:rPr lang="en-US" smtClean="0"/>
               <a:t>34</a:t>
+            </a:fld>
+            <a:endParaRPr lang="en-US"/>
+          </a:p>
+        </p:txBody>
+      </p:sp>
+    </p:spTree>
+    <p:extLst>
+      <p:ext uri="{BB962C8B-B14F-4D97-AF65-F5344CB8AC3E}">
+        <p14:creationId xmlns:p14="http://schemas.microsoft.com/office/powerpoint/2010/main" val="2352788894"/>
+      </p:ext>
+    </p:extLst>
+  </p:cSld>
+  <p:clrMapOvr>
+    <a:masterClrMapping/>
+  </p:clrMapOvr>
+</p:sld>
+</file>
+
+<file path=ppt/slides/slide35.xml><?xml version="1.0" encoding="utf-8"?>
+<p:sld xmlns:a="http://schemas.openxmlformats.org/drawingml/2006/main" xmlns:r="http://schemas.openxmlformats.org/officeDocument/2006/relationships" xmlns:p="http://schemas.openxmlformats.org/presentationml/2006/main">
+  <p:cSld>
+    <p:spTree>
+      <p:nvGrpSpPr>
+        <p:cNvPr id="1" name=""/>
+        <p:cNvGrpSpPr/>
+        <p:nvPr/>
+      </p:nvGrpSpPr>
+      <p:grpSpPr>
+        <a:xfrm>
+          <a:off x="0" y="0"/>
+          <a:ext cx="0" cy="0"/>
+          <a:chOff x="0" y="0"/>
+          <a:chExt cx="0" cy="0"/>
+        </a:xfrm>
+      </p:grpSpPr>
+      <p:sp>
+        <p:nvSpPr>
+          <p:cNvPr id="2" name="Title 1"/>
+          <p:cNvSpPr>
+            <a:spLocks noGrp="1"/>
+          </p:cNvSpPr>
+          <p:nvPr>
+            <p:ph type="title"/>
+          </p:nvPr>
+        </p:nvSpPr>
+        <p:spPr/>
+        <p:txBody>
+          <a:bodyPr/>
+          <a:lstStyle/>
+          <a:p>
+            <a:r>
+              <a:rPr lang="en-US" dirty="0" smtClean="0"/>
+              <a:t>Pre-analysis Planning &amp; Registration</a:t>
+            </a:r>
+            <a:endParaRPr lang="en-US" dirty="0"/>
+          </a:p>
+        </p:txBody>
+      </p:sp>
+      <p:sp>
+        <p:nvSpPr>
+          <p:cNvPr id="3" name="Footer Placeholder 2"/>
+          <p:cNvSpPr>
+            <a:spLocks noGrp="1"/>
+          </p:cNvSpPr>
+          <p:nvPr>
+            <p:ph type="ftr" sz="quarter" idx="11"/>
+          </p:nvPr>
+        </p:nvSpPr>
+        <p:spPr/>
+        <p:txBody>
+          <a:bodyPr/>
+          <a:lstStyle/>
+          <a:p>
+            <a:r>
+              <a:rPr lang="en-US" smtClean="0"/>
+              <a:t>github.com/HEGSRR  OSF.IO/C5A2R</a:t>
+            </a:r>
+            <a:endParaRPr lang="en-US"/>
+          </a:p>
+        </p:txBody>
+      </p:sp>
+      <p:sp>
+        <p:nvSpPr>
+          <p:cNvPr id="4" name="Slide Number Placeholder 3"/>
+          <p:cNvSpPr>
+            <a:spLocks noGrp="1"/>
+          </p:cNvSpPr>
+          <p:nvPr>
+            <p:ph type="sldNum" sz="quarter" idx="12"/>
+          </p:nvPr>
+        </p:nvSpPr>
+        <p:spPr/>
+        <p:txBody>
+          <a:bodyPr>
+            <a:normAutofit lnSpcReduction="10000"/>
+          </a:bodyPr>
+          <a:lstStyle/>
+          <a:p>
+            <a:fld id="{981D5A7C-6207-499C-AB20-37C4B4B2E810}" type="slidenum">
+              <a:rPr lang="en-US" smtClean="0"/>
+              <a:t>35</a:t>
             </a:fld>
             <a:endParaRPr lang="en-US"/>
           </a:p>
@@ -10703,136 +10992,6 @@
 </p:sld>
 </file>
 
-<file path=ppt/slides/slide35.xml><?xml version="1.0" encoding="utf-8"?>
-<p:sld xmlns:a="http://schemas.openxmlformats.org/drawingml/2006/main" xmlns:r="http://schemas.openxmlformats.org/officeDocument/2006/relationships" xmlns:p="http://schemas.openxmlformats.org/presentationml/2006/main">
-  <p:cSld>
-    <p:spTree>
-      <p:nvGrpSpPr>
-        <p:cNvPr id="1" name=""/>
-        <p:cNvGrpSpPr/>
-        <p:nvPr/>
-      </p:nvGrpSpPr>
-      <p:grpSpPr>
-        <a:xfrm>
-          <a:off x="0" y="0"/>
-          <a:ext cx="0" cy="0"/>
-          <a:chOff x="0" y="0"/>
-          <a:chExt cx="0" cy="0"/>
-        </a:xfrm>
-      </p:grpSpPr>
-      <p:sp>
-        <p:nvSpPr>
-          <p:cNvPr id="2" name="Title 1"/>
-          <p:cNvSpPr>
-            <a:spLocks noGrp="1"/>
-          </p:cNvSpPr>
-          <p:nvPr>
-            <p:ph type="title"/>
-          </p:nvPr>
-        </p:nvSpPr>
-        <p:spPr/>
-        <p:txBody>
-          <a:bodyPr/>
-          <a:lstStyle/>
-          <a:p>
-            <a:r>
-              <a:rPr lang="en-US" dirty="0"/>
-              <a:t>Pre-analysis </a:t>
-            </a:r>
-            <a:r>
-              <a:rPr lang="en-US" dirty="0" smtClean="0"/>
-              <a:t>Planning</a:t>
-            </a:r>
-            <a:endParaRPr lang="en-US" dirty="0"/>
-          </a:p>
-        </p:txBody>
-      </p:sp>
-      <p:sp>
-        <p:nvSpPr>
-          <p:cNvPr id="3" name="Footer Placeholder 2"/>
-          <p:cNvSpPr>
-            <a:spLocks noGrp="1"/>
-          </p:cNvSpPr>
-          <p:nvPr>
-            <p:ph type="ftr" sz="quarter" idx="11"/>
-          </p:nvPr>
-        </p:nvSpPr>
-        <p:spPr/>
-        <p:txBody>
-          <a:bodyPr/>
-          <a:lstStyle/>
-          <a:p>
-            <a:r>
-              <a:rPr lang="en-US" smtClean="0"/>
-              <a:t>github.com/HEGSRR  doi.org/10.17605/OSF.IO/C5A2R</a:t>
-            </a:r>
-            <a:endParaRPr lang="en-US"/>
-          </a:p>
-        </p:txBody>
-      </p:sp>
-      <p:sp>
-        <p:nvSpPr>
-          <p:cNvPr id="4" name="Slide Number Placeholder 3"/>
-          <p:cNvSpPr>
-            <a:spLocks noGrp="1"/>
-          </p:cNvSpPr>
-          <p:nvPr>
-            <p:ph type="sldNum" sz="quarter" idx="12"/>
-          </p:nvPr>
-        </p:nvSpPr>
-        <p:spPr/>
-        <p:txBody>
-          <a:bodyPr>
-            <a:normAutofit lnSpcReduction="10000"/>
-          </a:bodyPr>
-          <a:lstStyle/>
-          <a:p>
-            <a:fld id="{981D5A7C-6207-499C-AB20-37C4B4B2E810}" type="slidenum">
-              <a:rPr lang="en-US" smtClean="0"/>
-              <a:t>35</a:t>
-            </a:fld>
-            <a:endParaRPr lang="en-US"/>
-          </a:p>
-        </p:txBody>
-      </p:sp>
-      <p:sp>
-        <p:nvSpPr>
-          <p:cNvPr id="5" name="Content Placeholder 4"/>
-          <p:cNvSpPr>
-            <a:spLocks noGrp="1"/>
-          </p:cNvSpPr>
-          <p:nvPr>
-            <p:ph idx="1"/>
-          </p:nvPr>
-        </p:nvSpPr>
-        <p:spPr/>
-        <p:txBody>
-          <a:bodyPr/>
-          <a:lstStyle/>
-          <a:p>
-            <a:r>
-              <a:rPr lang="en-US" dirty="0" smtClean="0"/>
-              <a:t>Challenge: Reading scientific papers and translating into sufficiently detailed methods</a:t>
-            </a:r>
-          </a:p>
-          <a:p>
-            <a:endParaRPr lang="en-US" dirty="0"/>
-          </a:p>
-        </p:txBody>
-      </p:sp>
-    </p:spTree>
-    <p:extLst>
-      <p:ext uri="{BB962C8B-B14F-4D97-AF65-F5344CB8AC3E}">
-        <p14:creationId xmlns:p14="http://schemas.microsoft.com/office/powerpoint/2010/main" val="600665628"/>
-      </p:ext>
-    </p:extLst>
-  </p:cSld>
-  <p:clrMapOvr>
-    <a:masterClrMapping/>
-  </p:clrMapOvr>
-</p:sld>
-</file>
-
 <file path=ppt/slides/slide36.xml><?xml version="1.0" encoding="utf-8"?>
 <p:sld xmlns:a="http://schemas.openxmlformats.org/drawingml/2006/main" xmlns:r="http://schemas.openxmlformats.org/officeDocument/2006/relationships" xmlns:p="http://schemas.openxmlformats.org/presentationml/2006/main">
   <p:cSld>
@@ -10866,8 +11025,12 @@
           <a:lstStyle/>
           <a:p>
             <a:r>
-              <a:rPr lang="en-US" dirty="0" smtClean="0"/>
-              <a:t>Close &amp; Critical Reading</a:t>
+              <a:rPr lang="en-US" dirty="0"/>
+              <a:t>Pre-analysis </a:t>
+            </a:r>
+            <a:r>
+              <a:rPr lang="en-US" dirty="0" smtClean="0"/>
+              <a:t>Planning</a:t>
             </a:r>
             <a:endParaRPr lang="en-US" dirty="0"/>
           </a:p>
@@ -10890,7 +11053,7 @@
           <a:p>
             <a:r>
               <a:rPr lang="en-US" smtClean="0"/>
-              <a:t>github.com/HEGSRR  doi.org/10.17605/OSF.IO/C5A2R</a:t>
+              <a:t>github.com/HEGSRR  OSF.IO/C5A2R</a:t>
             </a:r>
             <a:endParaRPr lang="en-US"/>
           </a:p>
@@ -10937,54 +11100,11 @@
           <a:lstStyle/>
           <a:p>
             <a:r>
-              <a:rPr lang="en-US" dirty="0"/>
-              <a:t>Close reading of paper, highlighting</a:t>
-            </a:r>
-          </a:p>
-          <a:p>
-            <a:pPr lvl="1"/>
-            <a:r>
-              <a:rPr lang="en-US" dirty="0"/>
-              <a:t>Data Sources / Inputs</a:t>
-            </a:r>
-          </a:p>
-          <a:p>
-            <a:pPr lvl="1"/>
-            <a:r>
-              <a:rPr lang="en-US" dirty="0"/>
-              <a:t>Methodology and Data Processing / Methods / Tools</a:t>
-            </a:r>
-          </a:p>
-          <a:p>
-            <a:pPr lvl="1"/>
-            <a:r>
-              <a:rPr lang="en-US" dirty="0"/>
-              <a:t>Intermediary and Final Results / Outputs</a:t>
-            </a:r>
-          </a:p>
-          <a:p>
-            <a:r>
-              <a:rPr lang="en-US" dirty="0"/>
-              <a:t>Workflow Diagram</a:t>
-            </a:r>
-          </a:p>
-          <a:p>
-            <a:pPr lvl="1"/>
-            <a:r>
-              <a:rPr lang="en-US" dirty="0"/>
-              <a:t>Circular data layers</a:t>
-            </a:r>
-          </a:p>
-          <a:p>
-            <a:pPr lvl="1"/>
-            <a:r>
-              <a:rPr lang="en-US" dirty="0"/>
-              <a:t>Rectangular </a:t>
-            </a:r>
-            <a:r>
-              <a:rPr lang="en-US" dirty="0" smtClean="0"/>
-              <a:t>processes</a:t>
-            </a:r>
+              <a:rPr lang="en-US" dirty="0" smtClean="0"/>
+              <a:t>Challenge: Reading scientific papers and translating into sufficiently detailed methods</a:t>
+            </a:r>
+          </a:p>
+          <a:p>
             <a:endParaRPr lang="en-US" dirty="0"/>
           </a:p>
         </p:txBody>
@@ -10992,7 +11112,7 @@
     </p:spTree>
     <p:extLst>
       <p:ext uri="{BB962C8B-B14F-4D97-AF65-F5344CB8AC3E}">
-        <p14:creationId xmlns:p14="http://schemas.microsoft.com/office/powerpoint/2010/main" val="2205697267"/>
+        <p14:creationId xmlns:p14="http://schemas.microsoft.com/office/powerpoint/2010/main" val="600665628"/>
       </p:ext>
     </p:extLst>
   </p:cSld>
@@ -11031,95 +11151,17 @@
         </p:nvSpPr>
         <p:spPr/>
         <p:txBody>
-          <a:bodyPr>
-            <a:normAutofit fontScale="90000"/>
-          </a:bodyPr>
-          <a:lstStyle/>
-          <a:p>
-            <a:r>
-              <a:rPr lang="en-US" dirty="0" smtClean="0"/>
-              <a:t>Discuss after Workflow &amp; </a:t>
-            </a:r>
-            <a:r>
-              <a:rPr lang="en-US" dirty="0" err="1" smtClean="0"/>
-              <a:t>Preanalysis</a:t>
+          <a:bodyPr/>
+          <a:lstStyle/>
+          <a:p>
+            <a:r>
+              <a:rPr lang="en-US" dirty="0" smtClean="0"/>
+              <a:t>Close &amp; Critical Reading</a:t>
             </a:r>
             <a:endParaRPr lang="en-US" dirty="0"/>
           </a:p>
         </p:txBody>
       </p:sp>
-      <p:pic>
-        <p:nvPicPr>
-          <p:cNvPr id="6" name="Content Placeholder 5" descr="Download Chat Png Image HQ PNG Image | FreePNGImg"/>
-          <p:cNvPicPr>
-            <a:picLocks noGrp="1" noChangeAspect="1"/>
-          </p:cNvPicPr>
-          <p:nvPr>
-            <p:ph sz="half" idx="1"/>
-          </p:nvPr>
-        </p:nvPicPr>
-        <p:blipFill>
-          <a:blip r:embed="rId2" cstate="print">
-            <a:extLst>
-              <a:ext uri="{28A0092B-C50C-407E-A947-70E740481C1C}">
-                <a14:useLocalDpi xmlns:a14="http://schemas.microsoft.com/office/drawing/2010/main" val="0"/>
-              </a:ext>
-            </a:extLst>
-          </a:blip>
-          <a:stretch>
-            <a:fillRect/>
-          </a:stretch>
-        </p:blipFill>
-        <p:spPr>
-          <a:xfrm>
-            <a:off x="1262064" y="2882900"/>
-            <a:ext cx="3641924" cy="2913538"/>
-          </a:xfrm>
-        </p:spPr>
-      </p:pic>
-      <p:sp>
-        <p:nvSpPr>
-          <p:cNvPr id="7" name="Content Placeholder 6"/>
-          <p:cNvSpPr>
-            <a:spLocks noGrp="1"/>
-          </p:cNvSpPr>
-          <p:nvPr>
-            <p:ph sz="half" idx="2"/>
-          </p:nvPr>
-        </p:nvSpPr>
-        <p:spPr>
-          <a:xfrm>
-            <a:off x="5156200" y="1828800"/>
-            <a:ext cx="5450840" cy="4351337"/>
-          </a:xfrm>
-        </p:spPr>
-        <p:txBody>
-          <a:bodyPr/>
-          <a:lstStyle/>
-          <a:p>
-            <a:r>
-              <a:rPr lang="en-US" dirty="0" smtClean="0"/>
-              <a:t>What have we learned about Chakraborty’s analysis that </a:t>
-            </a:r>
-            <a:r>
-              <a:rPr lang="en-US" i="1" dirty="0" smtClean="0"/>
-              <a:t>we did not know</a:t>
-            </a:r>
-            <a:r>
-              <a:rPr lang="en-US" dirty="0" smtClean="0"/>
-              <a:t> based on reading the paper?</a:t>
-            </a:r>
-            <a:endParaRPr lang="en-US" dirty="0" smtClean="0"/>
-          </a:p>
-          <a:p>
-            <a:r>
-              <a:rPr lang="en-US" dirty="0" smtClean="0"/>
-              <a:t>Why should we try? What are our individual and collective motivations?</a:t>
-            </a:r>
-            <a:endParaRPr lang="en-US" dirty="0"/>
-          </a:p>
-        </p:txBody>
-      </p:sp>
       <p:sp>
         <p:nvSpPr>
           <p:cNvPr id="3" name="Footer Placeholder 2"/>
@@ -11137,7 +11179,7 @@
           <a:p>
             <a:r>
               <a:rPr lang="en-US" smtClean="0"/>
-              <a:t>github.com/HEGSRR  doi.org/10.17605/OSF.IO/C5A2R</a:t>
+              <a:t>github.com/HEGSRR  OSF.IO/C5A2R</a:t>
             </a:r>
             <a:endParaRPr lang="en-US"/>
           </a:p>
@@ -11168,10 +11210,78 @@
           </a:p>
         </p:txBody>
       </p:sp>
+      <p:sp>
+        <p:nvSpPr>
+          <p:cNvPr id="5" name="Content Placeholder 4"/>
+          <p:cNvSpPr>
+            <a:spLocks noGrp="1"/>
+          </p:cNvSpPr>
+          <p:nvPr>
+            <p:ph idx="1"/>
+          </p:nvPr>
+        </p:nvSpPr>
+        <p:spPr/>
+        <p:txBody>
+          <a:bodyPr/>
+          <a:lstStyle/>
+          <a:p>
+            <a:r>
+              <a:rPr lang="en-US" dirty="0"/>
+              <a:t>Close reading of paper, highlighting</a:t>
+            </a:r>
+          </a:p>
+          <a:p>
+            <a:pPr lvl="1"/>
+            <a:r>
+              <a:rPr lang="en-US" dirty="0"/>
+              <a:t>Data Sources / Inputs</a:t>
+            </a:r>
+          </a:p>
+          <a:p>
+            <a:pPr lvl="1"/>
+            <a:r>
+              <a:rPr lang="en-US" dirty="0"/>
+              <a:t>Methodology and Data Processing / Methods / Tools</a:t>
+            </a:r>
+          </a:p>
+          <a:p>
+            <a:pPr lvl="1"/>
+            <a:r>
+              <a:rPr lang="en-US" dirty="0"/>
+              <a:t>Intermediary and Final Results / Outputs</a:t>
+            </a:r>
+          </a:p>
+          <a:p>
+            <a:r>
+              <a:rPr lang="en-US" dirty="0"/>
+              <a:t>Workflow Diagram</a:t>
+            </a:r>
+          </a:p>
+          <a:p>
+            <a:pPr lvl="1"/>
+            <a:r>
+              <a:rPr lang="en-US" dirty="0"/>
+              <a:t>Circular data layers</a:t>
+            </a:r>
+          </a:p>
+          <a:p>
+            <a:pPr lvl="1"/>
+            <a:r>
+              <a:rPr lang="en-US" dirty="0"/>
+              <a:t>Rectangular </a:t>
+            </a:r>
+            <a:r>
+              <a:rPr lang="en-US" dirty="0" smtClean="0"/>
+              <a:t>processes</a:t>
+            </a:r>
+            <a:endParaRPr lang="en-US" dirty="0"/>
+          </a:p>
+        </p:txBody>
+      </p:sp>
     </p:spTree>
     <p:extLst>
       <p:ext uri="{BB962C8B-B14F-4D97-AF65-F5344CB8AC3E}">
-        <p14:creationId xmlns:p14="http://schemas.microsoft.com/office/powerpoint/2010/main" val="3506010937"/>
+        <p14:creationId xmlns:p14="http://schemas.microsoft.com/office/powerpoint/2010/main" val="2205697267"/>
       </p:ext>
     </p:extLst>
   </p:cSld>
@@ -11210,20 +11320,98 @@
         </p:nvSpPr>
         <p:spPr/>
         <p:txBody>
-          <a:bodyPr/>
-          <a:lstStyle/>
-          <a:p>
-            <a:r>
-              <a:rPr lang="en-US" dirty="0" smtClean="0"/>
-              <a:t>OSF Registration</a:t>
+          <a:bodyPr>
+            <a:normAutofit fontScale="90000"/>
+          </a:bodyPr>
+          <a:lstStyle/>
+          <a:p>
+            <a:r>
+              <a:rPr lang="en-US" dirty="0" smtClean="0"/>
+              <a:t>Discuss after Workflow &amp; </a:t>
+            </a:r>
+            <a:r>
+              <a:rPr lang="en-US" dirty="0" err="1" smtClean="0"/>
+              <a:t>Preanalysis</a:t>
             </a:r>
             <a:endParaRPr lang="en-US" dirty="0"/>
           </a:p>
         </p:txBody>
       </p:sp>
-      <p:sp>
-        <p:nvSpPr>
-          <p:cNvPr id="5" name="Footer Placeholder 4"/>
+      <p:pic>
+        <p:nvPicPr>
+          <p:cNvPr id="6" name="Content Placeholder 5" descr="Download Chat Png Image HQ PNG Image | FreePNGImg"/>
+          <p:cNvPicPr>
+            <a:picLocks noGrp="1" noChangeAspect="1"/>
+          </p:cNvPicPr>
+          <p:nvPr>
+            <p:ph sz="half" idx="1"/>
+          </p:nvPr>
+        </p:nvPicPr>
+        <p:blipFill>
+          <a:blip r:embed="rId2" cstate="print">
+            <a:extLst>
+              <a:ext uri="{28A0092B-C50C-407E-A947-70E740481C1C}">
+                <a14:useLocalDpi xmlns:a14="http://schemas.microsoft.com/office/drawing/2010/main" val="0"/>
+              </a:ext>
+            </a:extLst>
+          </a:blip>
+          <a:stretch>
+            <a:fillRect/>
+          </a:stretch>
+        </p:blipFill>
+        <p:spPr>
+          <a:xfrm>
+            <a:off x="1262064" y="2882900"/>
+            <a:ext cx="3641924" cy="2913538"/>
+          </a:xfrm>
+        </p:spPr>
+      </p:pic>
+      <p:sp>
+        <p:nvSpPr>
+          <p:cNvPr id="7" name="Content Placeholder 6"/>
+          <p:cNvSpPr>
+            <a:spLocks noGrp="1"/>
+          </p:cNvSpPr>
+          <p:nvPr>
+            <p:ph sz="half" idx="2"/>
+          </p:nvPr>
+        </p:nvSpPr>
+        <p:spPr>
+          <a:xfrm>
+            <a:off x="5156200" y="1828800"/>
+            <a:ext cx="5450840" cy="4351337"/>
+          </a:xfrm>
+        </p:spPr>
+        <p:txBody>
+          <a:bodyPr/>
+          <a:lstStyle/>
+          <a:p>
+            <a:r>
+              <a:rPr lang="en-US" dirty="0" smtClean="0"/>
+              <a:t>What have we learned about Chakraborty’s analysis that </a:t>
+            </a:r>
+            <a:r>
+              <a:rPr lang="en-US" i="1" dirty="0" smtClean="0"/>
+              <a:t>we did not know</a:t>
+            </a:r>
+            <a:r>
+              <a:rPr lang="en-US" dirty="0" smtClean="0"/>
+              <a:t> based on reading the paper?</a:t>
+            </a:r>
+            <a:endParaRPr lang="en-US" dirty="0" smtClean="0"/>
+          </a:p>
+          <a:p>
+            <a:r>
+              <a:rPr lang="en-US" dirty="0" smtClean="0"/>
+              <a:t>Why should we try? What are our individual and collective motivations?</a:t>
+            </a:r>
+            <a:endParaRPr lang="en-US" dirty="0"/>
+          </a:p>
+        </p:txBody>
+      </p:sp>
+      <p:sp>
+        <p:nvSpPr>
+          <p:cNvPr id="3" name="Footer Placeholder 2"/>
           <p:cNvSpPr>
             <a:spLocks noGrp="1"/>
           </p:cNvSpPr>
@@ -11238,7 +11426,7 @@
           <a:p>
             <a:r>
               <a:rPr lang="en-US" smtClean="0"/>
-              <a:t>github.com/HEGSRR  doi.org/10.17605/OSF.IO/C5A2R</a:t>
+              <a:t>github.com/HEGSRR  OSF.IO/C5A2R</a:t>
             </a:r>
             <a:endParaRPr lang="en-US"/>
           </a:p>
@@ -11246,7 +11434,7 @@
       </p:sp>
       <p:sp>
         <p:nvSpPr>
-          <p:cNvPr id="6" name="Slide Number Placeholder 5"/>
+          <p:cNvPr id="4" name="Slide Number Placeholder 3"/>
           <p:cNvSpPr>
             <a:spLocks noGrp="1"/>
           </p:cNvSpPr>
@@ -11269,66 +11457,10 @@
           </a:p>
         </p:txBody>
       </p:sp>
-      <p:sp>
-        <p:nvSpPr>
-          <p:cNvPr id="3" name="Content Placeholder 2"/>
-          <p:cNvSpPr>
-            <a:spLocks noGrp="1"/>
-          </p:cNvSpPr>
-          <p:nvPr>
-            <p:ph idx="1"/>
-          </p:nvPr>
-        </p:nvSpPr>
-        <p:spPr/>
-        <p:txBody>
-          <a:bodyPr/>
-          <a:lstStyle/>
-          <a:p>
-            <a:r>
-              <a:rPr lang="en-US" dirty="0"/>
-              <a:t>Holler, J., Kedron, P., An-Pham, D., Burt, D., &amp; Zhou, J. (2022, June 2). </a:t>
-            </a:r>
-            <a:r>
-              <a:rPr lang="en-US" i="1" dirty="0"/>
-              <a:t>Reproduction of Chakraborty 2021 Distribution of COVID-19 and intra-categorical analysis of people with disabilities</a:t>
-            </a:r>
-            <a:r>
-              <a:rPr lang="en-US" dirty="0"/>
-              <a:t>. </a:t>
-            </a:r>
-            <a:endParaRPr lang="en-US" dirty="0" smtClean="0"/>
-          </a:p>
-          <a:p>
-            <a:r>
-              <a:rPr lang="en-US" dirty="0" smtClean="0">
-                <a:hlinkClick r:id="rId2"/>
-              </a:rPr>
-              <a:t>https</a:t>
-            </a:r>
-            <a:r>
-              <a:rPr lang="en-US" dirty="0">
-                <a:hlinkClick r:id="rId2"/>
-              </a:rPr>
-              <a:t>://</a:t>
-            </a:r>
-            <a:r>
-              <a:rPr lang="en-US" dirty="0" smtClean="0">
-                <a:hlinkClick r:id="rId2"/>
-              </a:rPr>
-              <a:t>doi.org/10.17605/OSF.IO/S5MTQ</a:t>
-            </a:r>
-            <a:r>
-              <a:rPr lang="en-US" dirty="0" smtClean="0"/>
-              <a:t>   </a:t>
-            </a:r>
-            <a:endParaRPr lang="en-US" dirty="0"/>
-          </a:p>
-        </p:txBody>
-      </p:sp>
     </p:spTree>
     <p:extLst>
       <p:ext uri="{BB962C8B-B14F-4D97-AF65-F5344CB8AC3E}">
-        <p14:creationId xmlns:p14="http://schemas.microsoft.com/office/powerpoint/2010/main" val="778042015"/>
+        <p14:creationId xmlns:p14="http://schemas.microsoft.com/office/powerpoint/2010/main" val="3506010937"/>
       </p:ext>
     </p:extLst>
   </p:cSld>
@@ -11357,7 +11489,7 @@
       </p:grpSpPr>
       <p:sp>
         <p:nvSpPr>
-          <p:cNvPr id="7" name="Title 6"/>
+          <p:cNvPr id="2" name="Title 1"/>
           <p:cNvSpPr>
             <a:spLocks noGrp="1"/>
           </p:cNvSpPr>
@@ -11395,7 +11527,7 @@
           <a:p>
             <a:r>
               <a:rPr lang="en-US" smtClean="0"/>
-              <a:t>github.com/HEGSRR  doi.org/10.17605/OSF.IO/C5A2R</a:t>
+              <a:t>github.com/HEGSRR  OSF.IO/C5A2R</a:t>
             </a:r>
             <a:endParaRPr lang="en-US"/>
           </a:p>
@@ -11428,7 +11560,7 @@
       </p:sp>
       <p:sp>
         <p:nvSpPr>
-          <p:cNvPr id="8" name="Content Placeholder 7"/>
+          <p:cNvPr id="3" name="Content Placeholder 2"/>
           <p:cNvSpPr>
             <a:spLocks noGrp="1"/>
           </p:cNvSpPr>
@@ -11438,105 +11570,45 @@
         </p:nvSpPr>
         <p:spPr/>
         <p:txBody>
-          <a:bodyPr>
-            <a:normAutofit fontScale="62500" lnSpcReduction="20000"/>
-          </a:bodyPr>
-          <a:lstStyle/>
-          <a:p>
-            <a:r>
-              <a:rPr lang="en-US" dirty="0" smtClean="0"/>
-              <a:t>Log in with ORCID</a:t>
-            </a:r>
-          </a:p>
-          <a:p>
-            <a:r>
-              <a:rPr lang="en-US" dirty="0" smtClean="0"/>
-              <a:t>Create a project (public or private)</a:t>
-            </a:r>
-          </a:p>
-          <a:p>
-            <a:pPr lvl="1"/>
-            <a:r>
-              <a:rPr lang="en-US" dirty="0" smtClean="0"/>
-              <a:t>Contributors</a:t>
-            </a:r>
-          </a:p>
-          <a:p>
-            <a:r>
-              <a:rPr lang="en-US" dirty="0" smtClean="0"/>
-              <a:t>Link to GitHub repository (Add-ons </a:t>
-            </a:r>
+          <a:bodyPr/>
+          <a:lstStyle/>
+          <a:p>
+            <a:r>
+              <a:rPr lang="en-US" dirty="0"/>
+              <a:t>Holler, J., Kedron, P., An-Pham, D., Burt, D., &amp; Zhou, J. (2022, June 2). </a:t>
+            </a:r>
+            <a:r>
+              <a:rPr lang="en-US" i="1" dirty="0"/>
+              <a:t>Reproduction of Chakraborty 2021 Distribution of COVID-19 and intra-categorical analysis of people with disabilities</a:t>
+            </a:r>
+            <a:r>
+              <a:rPr lang="en-US" dirty="0"/>
+              <a:t>. </a:t>
+            </a:r>
+            <a:endParaRPr lang="en-US" dirty="0" smtClean="0"/>
+          </a:p>
+          <a:p>
             <a:r>
               <a:rPr lang="en-US" dirty="0" smtClean="0">
-                <a:sym typeface="Wingdings" panose="05000000000000000000" pitchFamily="2" charset="2"/>
+                <a:hlinkClick r:id="rId2"/>
               </a:rPr>
-              <a:t> GitHub)</a:t>
-            </a:r>
-          </a:p>
-          <a:p>
-            <a:pPr lvl="1"/>
+              <a:t>https</a:t>
+            </a:r>
             <a:r>
               <a:rPr lang="en-US" dirty="0">
                 <a:hlinkClick r:id="rId2"/>
               </a:rPr>
-              <a:t>https://help.osf.io/article/211-connect-github-to-a-project</a:t>
-            </a:r>
-            <a:r>
-              <a:rPr lang="en-US" dirty="0"/>
-              <a:t> </a:t>
-            </a:r>
-            <a:endParaRPr lang="en-US" dirty="0" smtClean="0"/>
-          </a:p>
-          <a:p>
-            <a:r>
-              <a:rPr lang="en-US" dirty="0" smtClean="0"/>
-              <a:t>Go to Registrations </a:t>
+              <a:t>://</a:t>
             </a:r>
             <a:r>
               <a:rPr lang="en-US" dirty="0" smtClean="0">
-                <a:sym typeface="Wingdings" panose="05000000000000000000" pitchFamily="2" charset="2"/>
+                <a:hlinkClick r:id="rId2"/>
               </a:rPr>
-              <a:t> New Registration</a:t>
-            </a:r>
-            <a:endParaRPr lang="en-US" dirty="0" smtClean="0"/>
-          </a:p>
-          <a:p>
-            <a:pPr lvl="1"/>
-            <a:r>
-              <a:rPr lang="en-US" dirty="0" smtClean="0"/>
-              <a:t>Title</a:t>
-            </a:r>
-          </a:p>
-          <a:p>
-            <a:pPr lvl="1"/>
-            <a:r>
-              <a:rPr lang="en-US" dirty="0" smtClean="0"/>
-              <a:t>Description (abstract)</a:t>
-            </a:r>
-          </a:p>
-          <a:p>
-            <a:pPr lvl="1"/>
-            <a:r>
-              <a:rPr lang="en-US" dirty="0" smtClean="0"/>
-              <a:t>Contributors, Category: Procedure, License (BSD 3-Clause)</a:t>
-            </a:r>
-          </a:p>
-          <a:p>
-            <a:r>
-              <a:rPr lang="en-US" dirty="0" smtClean="0"/>
-              <a:t>Will be archived, after which it cannot be revised.</a:t>
-            </a:r>
-          </a:p>
-          <a:p>
-            <a:r>
-              <a:rPr lang="en-US" dirty="0" smtClean="0"/>
-              <a:t>You may embargo the registration.</a:t>
-            </a:r>
-          </a:p>
-          <a:p>
-            <a:r>
-              <a:rPr lang="en-US" dirty="0" smtClean="0"/>
-              <a:t>Generate DOI for any public OSF project or project component</a:t>
+              <a:t>doi.org/10.17605/OSF.IO/S5MTQ</a:t>
+            </a:r>
+            <a:r>
+              <a:rPr lang="en-US" dirty="0" smtClean="0"/>
+              <a:t>   </a:t>
             </a:r>
             <a:endParaRPr lang="en-US" dirty="0"/>
           </a:p>
@@ -11545,7 +11617,7 @@
     </p:spTree>
     <p:extLst>
       <p:ext uri="{BB962C8B-B14F-4D97-AF65-F5344CB8AC3E}">
-        <p14:creationId xmlns:p14="http://schemas.microsoft.com/office/powerpoint/2010/main" val="1473114040"/>
+        <p14:creationId xmlns:p14="http://schemas.microsoft.com/office/powerpoint/2010/main" val="778042015"/>
       </p:ext>
     </p:extLst>
   </p:cSld>
@@ -11612,7 +11684,7 @@
           <a:p>
             <a:r>
               <a:rPr lang="en-US" smtClean="0"/>
-              <a:t>github.com/HEGSRR  doi.org/10.17605/OSF.IO/C5A2R</a:t>
+              <a:t>github.com/HEGSRR  OSF.IO/C5A2R</a:t>
             </a:r>
             <a:endParaRPr lang="en-US"/>
           </a:p>
@@ -11751,7 +11823,7 @@
       </p:grpSpPr>
       <p:sp>
         <p:nvSpPr>
-          <p:cNvPr id="2" name="Title 1"/>
+          <p:cNvPr id="7" name="Title 6"/>
           <p:cNvSpPr>
             <a:spLocks noGrp="1"/>
           </p:cNvSpPr>
@@ -11761,29 +11833,12 @@
         </p:nvSpPr>
         <p:spPr/>
         <p:txBody>
-          <a:bodyPr>
-            <a:normAutofit fontScale="90000"/>
-          </a:bodyPr>
-          <a:lstStyle/>
-          <a:p>
-            <a:r>
-              <a:rPr lang="en-US" dirty="0" smtClean="0"/>
-              <a:t>The Spatial Scan Statistic: </a:t>
-            </a:r>
-            <a:br>
-              <a:rPr lang="en-US" dirty="0" smtClean="0"/>
-            </a:br>
-            <a:r>
-              <a:rPr lang="en-US" dirty="0" err="1" smtClean="0"/>
-              <a:t>SaTScan</a:t>
-            </a:r>
-            <a:r>
-              <a:rPr lang="en-US" dirty="0" smtClean="0"/>
-              <a:t> &amp; </a:t>
-            </a:r>
-            <a:r>
-              <a:rPr lang="en-US" dirty="0" err="1" smtClean="0"/>
-              <a:t>SpatialEpi</a:t>
+          <a:bodyPr/>
+          <a:lstStyle/>
+          <a:p>
+            <a:r>
+              <a:rPr lang="en-US" dirty="0" smtClean="0"/>
+              <a:t>OSF Registration</a:t>
             </a:r>
             <a:endParaRPr lang="en-US" dirty="0"/>
           </a:p>
@@ -11791,49 +11846,30 @@
       </p:sp>
       <p:sp>
         <p:nvSpPr>
-          <p:cNvPr id="3" name="Text Placeholder 2"/>
-          <p:cNvSpPr>
-            <a:spLocks noGrp="1"/>
-          </p:cNvSpPr>
-          <p:nvPr>
-            <p:ph type="body" idx="1"/>
-          </p:nvPr>
-        </p:nvSpPr>
-        <p:spPr/>
-        <p:txBody>
-          <a:bodyPr/>
-          <a:lstStyle/>
-          <a:p>
+          <p:cNvPr id="5" name="Footer Placeholder 4"/>
+          <p:cNvSpPr>
+            <a:spLocks noGrp="1"/>
+          </p:cNvSpPr>
+          <p:nvPr>
+            <p:ph type="ftr" sz="quarter" idx="11"/>
+          </p:nvPr>
+        </p:nvSpPr>
+        <p:spPr/>
+        <p:txBody>
+          <a:bodyPr/>
+          <a:lstStyle/>
+          <a:p>
+            <a:r>
+              <a:rPr lang="en-US" smtClean="0"/>
+              <a:t>github.com/HEGSRR  OSF.IO/C5A2R</a:t>
+            </a:r>
             <a:endParaRPr lang="en-US"/>
           </a:p>
         </p:txBody>
       </p:sp>
       <p:sp>
         <p:nvSpPr>
-          <p:cNvPr id="4" name="Footer Placeholder 3"/>
-          <p:cNvSpPr>
-            <a:spLocks noGrp="1"/>
-          </p:cNvSpPr>
-          <p:nvPr>
-            <p:ph type="ftr" sz="quarter" idx="11"/>
-          </p:nvPr>
-        </p:nvSpPr>
-        <p:spPr/>
-        <p:txBody>
-          <a:bodyPr/>
-          <a:lstStyle/>
-          <a:p>
-            <a:r>
-              <a:rPr lang="en-US" smtClean="0"/>
-              <a:t>github.com/HEGSRR  doi.org/10.17605/OSF.IO/C5A2R</a:t>
-            </a:r>
-            <a:endParaRPr lang="en-US"/>
-          </a:p>
-        </p:txBody>
-      </p:sp>
-      <p:sp>
-        <p:nvSpPr>
-          <p:cNvPr id="5" name="Slide Number Placeholder 4"/>
+          <p:cNvPr id="6" name="Slide Number Placeholder 5"/>
           <p:cNvSpPr>
             <a:spLocks noGrp="1"/>
           </p:cNvSpPr>
@@ -11856,10 +11892,126 @@
           </a:p>
         </p:txBody>
       </p:sp>
+      <p:sp>
+        <p:nvSpPr>
+          <p:cNvPr id="8" name="Content Placeholder 7"/>
+          <p:cNvSpPr>
+            <a:spLocks noGrp="1"/>
+          </p:cNvSpPr>
+          <p:nvPr>
+            <p:ph idx="1"/>
+          </p:nvPr>
+        </p:nvSpPr>
+        <p:spPr/>
+        <p:txBody>
+          <a:bodyPr>
+            <a:normAutofit fontScale="62500" lnSpcReduction="20000"/>
+          </a:bodyPr>
+          <a:lstStyle/>
+          <a:p>
+            <a:r>
+              <a:rPr lang="en-US" dirty="0" smtClean="0"/>
+              <a:t>Log in with ORCID</a:t>
+            </a:r>
+          </a:p>
+          <a:p>
+            <a:r>
+              <a:rPr lang="en-US" dirty="0" smtClean="0"/>
+              <a:t>Create a project (public or private)</a:t>
+            </a:r>
+          </a:p>
+          <a:p>
+            <a:pPr lvl="1"/>
+            <a:r>
+              <a:rPr lang="en-US" dirty="0" smtClean="0"/>
+              <a:t>Contributors</a:t>
+            </a:r>
+          </a:p>
+          <a:p>
+            <a:r>
+              <a:rPr lang="en-US" dirty="0" smtClean="0"/>
+              <a:t>Link to GitHub repository (Add-ons </a:t>
+            </a:r>
+            <a:r>
+              <a:rPr lang="en-US" dirty="0" smtClean="0">
+                <a:sym typeface="Wingdings" panose="05000000000000000000" pitchFamily="2" charset="2"/>
+              </a:rPr>
+              <a:t> GitHub)</a:t>
+            </a:r>
+          </a:p>
+          <a:p>
+            <a:pPr lvl="1"/>
+            <a:r>
+              <a:rPr lang="en-US" dirty="0">
+                <a:hlinkClick r:id="rId2"/>
+              </a:rPr>
+              <a:t>https://help.osf.io/article/211-connect-github-to-a-project</a:t>
+            </a:r>
+            <a:r>
+              <a:rPr lang="en-US" dirty="0"/>
+              <a:t> </a:t>
+            </a:r>
+            <a:endParaRPr lang="en-US" dirty="0" smtClean="0"/>
+          </a:p>
+          <a:p>
+            <a:r>
+              <a:rPr lang="en-US" dirty="0" smtClean="0"/>
+              <a:t>Go to Registrations </a:t>
+            </a:r>
+            <a:r>
+              <a:rPr lang="en-US" dirty="0" smtClean="0">
+                <a:sym typeface="Wingdings" panose="05000000000000000000" pitchFamily="2" charset="2"/>
+              </a:rPr>
+              <a:t> New Registration</a:t>
+            </a:r>
+            <a:endParaRPr lang="en-US" dirty="0" smtClean="0"/>
+          </a:p>
+          <a:p>
+            <a:pPr lvl="1"/>
+            <a:r>
+              <a:rPr lang="en-US" dirty="0" smtClean="0"/>
+              <a:t>Title</a:t>
+            </a:r>
+          </a:p>
+          <a:p>
+            <a:pPr lvl="1"/>
+            <a:r>
+              <a:rPr lang="en-US" dirty="0" smtClean="0"/>
+              <a:t>Description (abstract)</a:t>
+            </a:r>
+          </a:p>
+          <a:p>
+            <a:pPr lvl="1"/>
+            <a:r>
+              <a:rPr lang="en-US" dirty="0" smtClean="0"/>
+              <a:t>Contributors, Category: Procedure, License (BSD 3-Clause)</a:t>
+            </a:r>
+          </a:p>
+          <a:p>
+            <a:r>
+              <a:rPr lang="en-US" dirty="0" smtClean="0"/>
+              <a:t>Will be archived &amp; cannot be revised/retracted. Will appear under “registrations”</a:t>
+            </a:r>
+          </a:p>
+          <a:p>
+            <a:r>
+              <a:rPr lang="en-US" dirty="0" smtClean="0"/>
+              <a:t>You may embargo the registration</a:t>
+            </a:r>
+          </a:p>
+          <a:p>
+            <a:r>
+              <a:rPr lang="en-US" dirty="0" smtClean="0"/>
+              <a:t>Generate DOI for any public OSF project or project component</a:t>
+            </a:r>
+            <a:endParaRPr lang="en-US" dirty="0"/>
+          </a:p>
+        </p:txBody>
+      </p:sp>
     </p:spTree>
     <p:extLst>
       <p:ext uri="{BB962C8B-B14F-4D97-AF65-F5344CB8AC3E}">
-        <p14:creationId xmlns:p14="http://schemas.microsoft.com/office/powerpoint/2010/main" val="949268639"/>
+        <p14:creationId xmlns:p14="http://schemas.microsoft.com/office/powerpoint/2010/main" val="1473114040"/>
       </p:ext>
     </p:extLst>
   </p:cSld>
@@ -11888,7 +12040,7 @@
       </p:grpSpPr>
       <p:sp>
         <p:nvSpPr>
-          <p:cNvPr id="6" name="Title 5"/>
+          <p:cNvPr id="2" name="Title 1"/>
           <p:cNvSpPr>
             <a:spLocks noGrp="1"/>
           </p:cNvSpPr>
@@ -11898,19 +12050,55 @@
         </p:nvSpPr>
         <p:spPr/>
         <p:txBody>
-          <a:bodyPr/>
-          <a:lstStyle/>
-          <a:p>
+          <a:bodyPr>
+            <a:normAutofit fontScale="90000"/>
+          </a:bodyPr>
+          <a:lstStyle/>
+          <a:p>
+            <a:r>
+              <a:rPr lang="en-US" dirty="0" smtClean="0"/>
+              <a:t>The Spatial Scan Statistic: </a:t>
+            </a:r>
+            <a:br>
+              <a:rPr lang="en-US" dirty="0" smtClean="0"/>
+            </a:br>
             <a:r>
               <a:rPr lang="en-US" dirty="0" err="1" smtClean="0"/>
               <a:t>SaTScan</a:t>
             </a:r>
+            <a:r>
+              <a:rPr lang="en-US" dirty="0" smtClean="0"/>
+              <a:t> &amp; </a:t>
+            </a:r>
+            <a:r>
+              <a:rPr lang="en-US" dirty="0" err="1" smtClean="0"/>
+              <a:t>SpatialEpi</a:t>
+            </a:r>
             <a:endParaRPr lang="en-US" dirty="0"/>
           </a:p>
         </p:txBody>
       </p:sp>
       <p:sp>
         <p:nvSpPr>
+          <p:cNvPr id="3" name="Text Placeholder 2"/>
+          <p:cNvSpPr>
+            <a:spLocks noGrp="1"/>
+          </p:cNvSpPr>
+          <p:nvPr>
+            <p:ph type="body" idx="1"/>
+          </p:nvPr>
+        </p:nvSpPr>
+        <p:spPr/>
+        <p:txBody>
+          <a:bodyPr/>
+          <a:lstStyle/>
+          <a:p>
+            <a:endParaRPr lang="en-US"/>
+          </a:p>
+        </p:txBody>
+      </p:sp>
+      <p:sp>
+        <p:nvSpPr>
           <p:cNvPr id="4" name="Footer Placeholder 3"/>
           <p:cNvSpPr>
             <a:spLocks noGrp="1"/>
@@ -11926,7 +12114,7 @@
           <a:p>
             <a:r>
               <a:rPr lang="en-US" smtClean="0"/>
-              <a:t>github.com/HEGSRR  doi.org/10.17605/OSF.IO/C5A2R</a:t>
+              <a:t>github.com/HEGSRR  OSF.IO/C5A2R</a:t>
             </a:r>
             <a:endParaRPr lang="en-US"/>
           </a:p>
@@ -11952,6 +12140,107 @@
             <a:fld id="{981D5A7C-6207-499C-AB20-37C4B4B2E810}" type="slidenum">
               <a:rPr lang="en-US" smtClean="0"/>
               <a:t>41</a:t>
+            </a:fld>
+            <a:endParaRPr lang="en-US"/>
+          </a:p>
+        </p:txBody>
+      </p:sp>
+    </p:spTree>
+    <p:extLst>
+      <p:ext uri="{BB962C8B-B14F-4D97-AF65-F5344CB8AC3E}">
+        <p14:creationId xmlns:p14="http://schemas.microsoft.com/office/powerpoint/2010/main" val="949268639"/>
+      </p:ext>
+    </p:extLst>
+  </p:cSld>
+  <p:clrMapOvr>
+    <a:masterClrMapping/>
+  </p:clrMapOvr>
+</p:sld>
+</file>
+
+<file path=ppt/slides/slide42.xml><?xml version="1.0" encoding="utf-8"?>
+<p:sld xmlns:a="http://schemas.openxmlformats.org/drawingml/2006/main" xmlns:r="http://schemas.openxmlformats.org/officeDocument/2006/relationships" xmlns:p="http://schemas.openxmlformats.org/presentationml/2006/main">
+  <p:cSld>
+    <p:spTree>
+      <p:nvGrpSpPr>
+        <p:cNvPr id="1" name=""/>
+        <p:cNvGrpSpPr/>
+        <p:nvPr/>
+      </p:nvGrpSpPr>
+      <p:grpSpPr>
+        <a:xfrm>
+          <a:off x="0" y="0"/>
+          <a:ext cx="0" cy="0"/>
+          <a:chOff x="0" y="0"/>
+          <a:chExt cx="0" cy="0"/>
+        </a:xfrm>
+      </p:grpSpPr>
+      <p:sp>
+        <p:nvSpPr>
+          <p:cNvPr id="6" name="Title 5"/>
+          <p:cNvSpPr>
+            <a:spLocks noGrp="1"/>
+          </p:cNvSpPr>
+          <p:nvPr>
+            <p:ph type="title"/>
+          </p:nvPr>
+        </p:nvSpPr>
+        <p:spPr/>
+        <p:txBody>
+          <a:bodyPr/>
+          <a:lstStyle/>
+          <a:p>
+            <a:r>
+              <a:rPr lang="en-US" dirty="0" err="1" smtClean="0"/>
+              <a:t>SaTScan</a:t>
+            </a:r>
+            <a:endParaRPr lang="en-US" dirty="0"/>
+          </a:p>
+        </p:txBody>
+      </p:sp>
+      <p:sp>
+        <p:nvSpPr>
+          <p:cNvPr id="4" name="Footer Placeholder 3"/>
+          <p:cNvSpPr>
+            <a:spLocks noGrp="1"/>
+          </p:cNvSpPr>
+          <p:nvPr>
+            <p:ph type="ftr" sz="quarter" idx="11"/>
+          </p:nvPr>
+        </p:nvSpPr>
+        <p:spPr/>
+        <p:txBody>
+          <a:bodyPr/>
+          <a:lstStyle/>
+          <a:p>
+            <a:r>
+              <a:rPr lang="en-US" smtClean="0"/>
+              <a:t>github.com/HEGSRR  OSF.IO/C5A2R</a:t>
+            </a:r>
+            <a:endParaRPr lang="en-US"/>
+          </a:p>
+        </p:txBody>
+      </p:sp>
+      <p:sp>
+        <p:nvSpPr>
+          <p:cNvPr id="5" name="Slide Number Placeholder 4"/>
+          <p:cNvSpPr>
+            <a:spLocks noGrp="1"/>
+          </p:cNvSpPr>
+          <p:nvPr>
+            <p:ph type="sldNum" sz="quarter" idx="12"/>
+          </p:nvPr>
+        </p:nvSpPr>
+        <p:spPr/>
+        <p:txBody>
+          <a:bodyPr>
+            <a:normAutofit lnSpcReduction="10000"/>
+          </a:bodyPr>
+          <a:lstStyle/>
+          <a:p>
+            <a:fld id="{981D5A7C-6207-499C-AB20-37C4B4B2E810}" type="slidenum">
+              <a:rPr lang="en-US" smtClean="0"/>
+              <a:t>42</a:t>
             </a:fld>
             <a:endParaRPr lang="en-US"/>
           </a:p>
@@ -12124,7 +12413,7 @@
 </p:sld>
 </file>
 
-<file path=ppt/slides/slide42.xml><?xml version="1.0" encoding="utf-8"?>
+<file path=ppt/slides/slide43.xml><?xml version="1.0" encoding="utf-8"?>
 <p:sld xmlns:a="http://schemas.openxmlformats.org/drawingml/2006/main" xmlns:r="http://schemas.openxmlformats.org/officeDocument/2006/relationships" xmlns:p="http://schemas.openxmlformats.org/presentationml/2006/main">
   <p:cSld>
     <p:spTree>
@@ -12185,7 +12474,7 @@
           <a:p>
             <a:r>
               <a:rPr lang="en-US" smtClean="0"/>
-              <a:t>github.com/HEGSRR  doi.org/10.17605/OSF.IO/C5A2R</a:t>
+              <a:t>github.com/HEGSRR  OSF.IO/C5A2R</a:t>
             </a:r>
             <a:endParaRPr lang="en-US"/>
           </a:p>
@@ -12210,7 +12499,7 @@
           <a:p>
             <a:fld id="{981D5A7C-6207-499C-AB20-37C4B4B2E810}" type="slidenum">
               <a:rPr lang="en-US" smtClean="0"/>
-              <a:t>42</a:t>
+              <a:t>43</a:t>
             </a:fld>
             <a:endParaRPr lang="en-US"/>
           </a:p>
@@ -12255,7 +12544,7 @@
 </p:sld>
 </file>
 
-<file path=ppt/slides/slide43.xml><?xml version="1.0" encoding="utf-8"?>
+<file path=ppt/slides/slide44.xml><?xml version="1.0" encoding="utf-8"?>
 <p:sld xmlns:a="http://schemas.openxmlformats.org/drawingml/2006/main" xmlns:r="http://schemas.openxmlformats.org/officeDocument/2006/relationships" xmlns:p="http://schemas.openxmlformats.org/presentationml/2006/main">
   <p:cSld>
     <p:spTree>
@@ -12316,7 +12605,7 @@
           <a:p>
             <a:r>
               <a:rPr lang="en-US" smtClean="0"/>
-              <a:t>github.com/HEGSRR  doi.org/10.17605/OSF.IO/C5A2R</a:t>
+              <a:t>github.com/HEGSRR  OSF.IO/C5A2R</a:t>
             </a:r>
             <a:endParaRPr lang="en-US"/>
           </a:p>
@@ -12341,7 +12630,7 @@
           <a:p>
             <a:fld id="{981D5A7C-6207-499C-AB20-37C4B4B2E810}" type="slidenum">
               <a:rPr lang="en-US" smtClean="0"/>
-              <a:t>43</a:t>
+              <a:t>44</a:t>
             </a:fld>
             <a:endParaRPr lang="en-US"/>
           </a:p>
@@ -12386,158 +12675,6 @@
 </p:sld>
 </file>
 
-<file path=ppt/slides/slide44.xml><?xml version="1.0" encoding="utf-8"?>
-<p:sld xmlns:a="http://schemas.openxmlformats.org/drawingml/2006/main" xmlns:r="http://schemas.openxmlformats.org/officeDocument/2006/relationships" xmlns:p="http://schemas.openxmlformats.org/presentationml/2006/main">
-  <p:cSld>
-    <p:spTree>
-      <p:nvGrpSpPr>
-        <p:cNvPr id="1" name=""/>
-        <p:cNvGrpSpPr/>
-        <p:nvPr/>
-      </p:nvGrpSpPr>
-      <p:grpSpPr>
-        <a:xfrm>
-          <a:off x="0" y="0"/>
-          <a:ext cx="0" cy="0"/>
-          <a:chOff x="0" y="0"/>
-          <a:chExt cx="0" cy="0"/>
-        </a:xfrm>
-      </p:grpSpPr>
-      <p:sp>
-        <p:nvSpPr>
-          <p:cNvPr id="2" name="Title 1"/>
-          <p:cNvSpPr>
-            <a:spLocks noGrp="1"/>
-          </p:cNvSpPr>
-          <p:nvPr>
-            <p:ph type="title"/>
-          </p:nvPr>
-        </p:nvSpPr>
-        <p:spPr/>
-        <p:txBody>
-          <a:bodyPr/>
-          <a:lstStyle/>
-          <a:p>
-            <a:r>
-              <a:rPr lang="en-US" dirty="0" err="1"/>
-              <a:t>SaTScan</a:t>
-            </a:r>
-            <a:r>
-              <a:rPr lang="en-US" dirty="0"/>
-              <a:t> </a:t>
-            </a:r>
-            <a:r>
-              <a:rPr lang="en-US" dirty="0" smtClean="0"/>
-              <a:t>Advanced Options</a:t>
-            </a:r>
-            <a:endParaRPr lang="en-US" dirty="0"/>
-          </a:p>
-        </p:txBody>
-      </p:sp>
-      <p:sp>
-        <p:nvSpPr>
-          <p:cNvPr id="3" name="Footer Placeholder 2"/>
-          <p:cNvSpPr>
-            <a:spLocks noGrp="1"/>
-          </p:cNvSpPr>
-          <p:nvPr>
-            <p:ph type="ftr" sz="quarter" idx="11"/>
-          </p:nvPr>
-        </p:nvSpPr>
-        <p:spPr/>
-        <p:txBody>
-          <a:bodyPr/>
-          <a:lstStyle/>
-          <a:p>
-            <a:r>
-              <a:rPr lang="en-US" smtClean="0"/>
-              <a:t>github.com/HEGSRR  doi.org/10.17605/OSF.IO/C5A2R</a:t>
-            </a:r>
-            <a:endParaRPr lang="en-US"/>
-          </a:p>
-        </p:txBody>
-      </p:sp>
-      <p:sp>
-        <p:nvSpPr>
-          <p:cNvPr id="4" name="Slide Number Placeholder 3"/>
-          <p:cNvSpPr>
-            <a:spLocks noGrp="1"/>
-          </p:cNvSpPr>
-          <p:nvPr>
-            <p:ph type="sldNum" sz="quarter" idx="12"/>
-          </p:nvPr>
-        </p:nvSpPr>
-        <p:spPr/>
-        <p:txBody>
-          <a:bodyPr>
-            <a:normAutofit lnSpcReduction="10000"/>
-          </a:bodyPr>
-          <a:lstStyle/>
-          <a:p>
-            <a:fld id="{981D5A7C-6207-499C-AB20-37C4B4B2E810}" type="slidenum">
-              <a:rPr lang="en-US" smtClean="0"/>
-              <a:t>44</a:t>
-            </a:fld>
-            <a:endParaRPr lang="en-US"/>
-          </a:p>
-        </p:txBody>
-      </p:sp>
-      <p:sp>
-        <p:nvSpPr>
-          <p:cNvPr id="5" name="Content Placeholder 4"/>
-          <p:cNvSpPr>
-            <a:spLocks noGrp="1"/>
-          </p:cNvSpPr>
-          <p:nvPr>
-            <p:ph idx="1"/>
-          </p:nvPr>
-        </p:nvSpPr>
-        <p:spPr/>
-        <p:txBody>
-          <a:bodyPr/>
-          <a:lstStyle/>
-          <a:p>
-            <a:r>
-              <a:rPr lang="en-US" dirty="0" smtClean="0"/>
-              <a:t>Check data for temporal extent</a:t>
-            </a:r>
-          </a:p>
-          <a:p>
-            <a:r>
-              <a:rPr lang="en-US" dirty="0" smtClean="0"/>
-              <a:t>Check data for geographic extent</a:t>
-            </a:r>
-          </a:p>
-          <a:p>
-            <a:r>
-              <a:rPr lang="en-US" dirty="0" smtClean="0"/>
-              <a:t>Define non-Euclidean spatial neighbors</a:t>
-            </a:r>
-          </a:p>
-          <a:p>
-            <a:r>
-              <a:rPr lang="en-US" dirty="0" smtClean="0"/>
-              <a:t>Use network space</a:t>
-            </a:r>
-          </a:p>
-          <a:p>
-            <a:endParaRPr lang="en-US" dirty="0"/>
-          </a:p>
-        </p:txBody>
-      </p:sp>
-    </p:spTree>
-    <p:extLst>
-      <p:ext uri="{BB962C8B-B14F-4D97-AF65-F5344CB8AC3E}">
-        <p14:creationId xmlns:p14="http://schemas.microsoft.com/office/powerpoint/2010/main" val="1661944316"/>
-      </p:ext>
-    </p:extLst>
-  </p:cSld>
-  <p:clrMapOvr>
-    <a:masterClrMapping/>
-  </p:clrMapOvr>
-</p:sld>
-</file>
-
 <file path=ppt/slides/slide45.xml><?xml version="1.0" encoding="utf-8"?>
 <p:sld xmlns:a="http://schemas.openxmlformats.org/drawingml/2006/main" xmlns:r="http://schemas.openxmlformats.org/officeDocument/2006/relationships" xmlns:p="http://schemas.openxmlformats.org/presentationml/2006/main">
   <p:cSld>
@@ -12571,85 +12708,21 @@
           <a:lstStyle/>
           <a:p>
             <a:r>
-              <a:rPr lang="en-US" dirty="0" smtClean="0"/>
-              <a:t>Discuss after Reproduction</a:t>
+              <a:rPr lang="en-US" dirty="0" err="1"/>
+              <a:t>SaTScan</a:t>
+            </a:r>
+            <a:r>
+              <a:rPr lang="en-US" dirty="0"/>
+              <a:t> </a:t>
+            </a:r>
+            <a:r>
+              <a:rPr lang="en-US" dirty="0" smtClean="0"/>
+              <a:t>Advanced Options</a:t>
             </a:r>
             <a:endParaRPr lang="en-US" dirty="0"/>
           </a:p>
         </p:txBody>
       </p:sp>
-      <p:pic>
-        <p:nvPicPr>
-          <p:cNvPr id="6" name="Content Placeholder 5" descr="Download Chat Png Image HQ PNG Image | FreePNGImg"/>
-          <p:cNvPicPr>
-            <a:picLocks noGrp="1" noChangeAspect="1"/>
-          </p:cNvPicPr>
-          <p:nvPr>
-            <p:ph sz="half" idx="1"/>
-          </p:nvPr>
-        </p:nvPicPr>
-        <p:blipFill>
-          <a:blip r:embed="rId2" cstate="print">
-            <a:extLst>
-              <a:ext uri="{28A0092B-C50C-407E-A947-70E740481C1C}">
-                <a14:useLocalDpi xmlns:a14="http://schemas.microsoft.com/office/drawing/2010/main" val="0"/>
-              </a:ext>
-            </a:extLst>
-          </a:blip>
-          <a:stretch>
-            <a:fillRect/>
-          </a:stretch>
-        </p:blipFill>
-        <p:spPr>
-          <a:xfrm>
-            <a:off x="1262064" y="2882900"/>
-            <a:ext cx="3641924" cy="2913538"/>
-          </a:xfrm>
-        </p:spPr>
-      </p:pic>
-      <p:sp>
-        <p:nvSpPr>
-          <p:cNvPr id="7" name="Content Placeholder 6"/>
-          <p:cNvSpPr>
-            <a:spLocks noGrp="1"/>
-          </p:cNvSpPr>
-          <p:nvPr>
-            <p:ph sz="half" idx="2"/>
-          </p:nvPr>
-        </p:nvSpPr>
-        <p:spPr>
-          <a:xfrm>
-            <a:off x="5156200" y="1828800"/>
-            <a:ext cx="5450840" cy="4351337"/>
-          </a:xfrm>
-        </p:spPr>
-        <p:txBody>
-          <a:bodyPr/>
-          <a:lstStyle/>
-          <a:p>
-            <a:r>
-              <a:rPr lang="en-US" dirty="0" smtClean="0"/>
-              <a:t>What have we learned about Chakraborty’s analysis that </a:t>
-            </a:r>
-            <a:r>
-              <a:rPr lang="en-US" i="1" dirty="0" smtClean="0"/>
-              <a:t>we did not know</a:t>
-            </a:r>
-            <a:r>
-              <a:rPr lang="en-US" dirty="0" smtClean="0"/>
-              <a:t> based on the paper?</a:t>
-            </a:r>
-            <a:endParaRPr lang="en-US" dirty="0" smtClean="0"/>
-          </a:p>
-          <a:p>
-            <a:r>
-              <a:rPr lang="en-US" dirty="0" smtClean="0"/>
-              <a:t>Why should we try? What are our individual and collective motivations?</a:t>
-            </a:r>
-            <a:endParaRPr lang="en-US" dirty="0"/>
-          </a:p>
-        </p:txBody>
-      </p:sp>
       <p:sp>
         <p:nvSpPr>
           <p:cNvPr id="3" name="Footer Placeholder 2"/>
@@ -12667,7 +12740,7 @@
           <a:p>
             <a:r>
               <a:rPr lang="en-US" smtClean="0"/>
-              <a:t>github.com/HEGSRR  doi.org/10.17605/OSF.IO/C5A2R</a:t>
+              <a:t>github.com/HEGSRR  OSF.IO/C5A2R</a:t>
             </a:r>
             <a:endParaRPr lang="en-US"/>
           </a:p>
@@ -12698,10 +12771,53 @@
           </a:p>
         </p:txBody>
       </p:sp>
+      <p:sp>
+        <p:nvSpPr>
+          <p:cNvPr id="5" name="Content Placeholder 4"/>
+          <p:cNvSpPr>
+            <a:spLocks noGrp="1"/>
+          </p:cNvSpPr>
+          <p:nvPr>
+            <p:ph idx="1"/>
+          </p:nvPr>
+        </p:nvSpPr>
+        <p:spPr/>
+        <p:txBody>
+          <a:bodyPr/>
+          <a:lstStyle/>
+          <a:p>
+            <a:r>
+              <a:rPr lang="en-US" dirty="0" smtClean="0"/>
+              <a:t>Check data for temporal extent</a:t>
+            </a:r>
+          </a:p>
+          <a:p>
+            <a:r>
+              <a:rPr lang="en-US" dirty="0" smtClean="0"/>
+              <a:t>Check data for geographic extent</a:t>
+            </a:r>
+          </a:p>
+          <a:p>
+            <a:r>
+              <a:rPr lang="en-US" dirty="0" smtClean="0"/>
+              <a:t>Define non-Euclidean spatial neighbors</a:t>
+            </a:r>
+          </a:p>
+          <a:p>
+            <a:r>
+              <a:rPr lang="en-US" dirty="0" smtClean="0"/>
+              <a:t>Use network space</a:t>
+            </a:r>
+          </a:p>
+          <a:p>
+            <a:endParaRPr lang="en-US" dirty="0"/>
+          </a:p>
+        </p:txBody>
+      </p:sp>
     </p:spTree>
     <p:extLst>
       <p:ext uri="{BB962C8B-B14F-4D97-AF65-F5344CB8AC3E}">
-        <p14:creationId xmlns:p14="http://schemas.microsoft.com/office/powerpoint/2010/main" val="1193919771"/>
+        <p14:creationId xmlns:p14="http://schemas.microsoft.com/office/powerpoint/2010/main" val="1661944316"/>
       </p:ext>
     </p:extLst>
   </p:cSld>
@@ -12745,12 +12861,84 @@
           <a:p>
             <a:r>
               <a:rPr lang="en-US" dirty="0" smtClean="0"/>
-              <a:t>RStudio</a:t>
+              <a:t>Discuss after Reproduction</a:t>
             </a:r>
             <a:endParaRPr lang="en-US" dirty="0"/>
           </a:p>
         </p:txBody>
       </p:sp>
+      <p:pic>
+        <p:nvPicPr>
+          <p:cNvPr id="6" name="Content Placeholder 5" descr="Download Chat Png Image HQ PNG Image | FreePNGImg"/>
+          <p:cNvPicPr>
+            <a:picLocks noGrp="1" noChangeAspect="1"/>
+          </p:cNvPicPr>
+          <p:nvPr>
+            <p:ph sz="half" idx="1"/>
+          </p:nvPr>
+        </p:nvPicPr>
+        <p:blipFill>
+          <a:blip r:embed="rId2" cstate="print">
+            <a:extLst>
+              <a:ext uri="{28A0092B-C50C-407E-A947-70E740481C1C}">
+                <a14:useLocalDpi xmlns:a14="http://schemas.microsoft.com/office/drawing/2010/main" val="0"/>
+              </a:ext>
+            </a:extLst>
+          </a:blip>
+          <a:stretch>
+            <a:fillRect/>
+          </a:stretch>
+        </p:blipFill>
+        <p:spPr>
+          <a:xfrm>
+            <a:off x="1262064" y="2882900"/>
+            <a:ext cx="3641924" cy="2913538"/>
+          </a:xfrm>
+        </p:spPr>
+      </p:pic>
+      <p:sp>
+        <p:nvSpPr>
+          <p:cNvPr id="7" name="Content Placeholder 6"/>
+          <p:cNvSpPr>
+            <a:spLocks noGrp="1"/>
+          </p:cNvSpPr>
+          <p:nvPr>
+            <p:ph sz="half" idx="2"/>
+          </p:nvPr>
+        </p:nvSpPr>
+        <p:spPr>
+          <a:xfrm>
+            <a:off x="5156200" y="1828800"/>
+            <a:ext cx="5450840" cy="4351337"/>
+          </a:xfrm>
+        </p:spPr>
+        <p:txBody>
+          <a:bodyPr/>
+          <a:lstStyle/>
+          <a:p>
+            <a:r>
+              <a:rPr lang="en-US" dirty="0" smtClean="0"/>
+              <a:t>What have we learned about Chakraborty’s analysis that </a:t>
+            </a:r>
+            <a:r>
+              <a:rPr lang="en-US" i="1" dirty="0" smtClean="0"/>
+              <a:t>we did not know</a:t>
+            </a:r>
+            <a:r>
+              <a:rPr lang="en-US" dirty="0" smtClean="0"/>
+              <a:t> based on the paper?</a:t>
+            </a:r>
+            <a:endParaRPr lang="en-US" dirty="0" smtClean="0"/>
+          </a:p>
+          <a:p>
+            <a:r>
+              <a:rPr lang="en-US" dirty="0" smtClean="0"/>
+              <a:t>Why should we try? What are our individual and collective motivations?</a:t>
+            </a:r>
+            <a:endParaRPr lang="en-US" dirty="0"/>
+          </a:p>
+        </p:txBody>
+      </p:sp>
       <p:sp>
         <p:nvSpPr>
           <p:cNvPr id="3" name="Footer Placeholder 2"/>
@@ -12768,7 +12956,7 @@
           <a:p>
             <a:r>
               <a:rPr lang="en-US" smtClean="0"/>
-              <a:t>github.com/HEGSRR  doi.org/10.17605/OSF.IO/C5A2R</a:t>
+              <a:t>github.com/HEGSRR  OSF.IO/C5A2R</a:t>
             </a:r>
             <a:endParaRPr lang="en-US"/>
           </a:p>
@@ -12799,91 +12987,10 @@
           </a:p>
         </p:txBody>
       </p:sp>
-      <p:sp>
-        <p:nvSpPr>
-          <p:cNvPr id="5" name="Content Placeholder 4"/>
-          <p:cNvSpPr>
-            <a:spLocks noGrp="1"/>
-          </p:cNvSpPr>
-          <p:nvPr>
-            <p:ph idx="1"/>
-          </p:nvPr>
-        </p:nvSpPr>
-        <p:spPr/>
-        <p:txBody>
-          <a:bodyPr/>
-          <a:lstStyle/>
-          <a:p>
-            <a:r>
-              <a:rPr lang="en-US" dirty="0" smtClean="0"/>
-              <a:t>Graphic interface for R language</a:t>
-            </a:r>
-          </a:p>
-          <a:p>
-            <a:r>
-              <a:rPr lang="en-US" dirty="0" smtClean="0"/>
-              <a:t>Panels:</a:t>
-            </a:r>
-          </a:p>
-          <a:p>
-            <a:pPr lvl="1"/>
-            <a:r>
-              <a:rPr lang="en-US" dirty="0" smtClean="0"/>
-              <a:t>Console</a:t>
-            </a:r>
-          </a:p>
-          <a:p>
-            <a:pPr lvl="1"/>
-            <a:r>
-              <a:rPr lang="en-US" dirty="0" smtClean="0"/>
-              <a:t>Source (code)</a:t>
-            </a:r>
-          </a:p>
-          <a:p>
-            <a:pPr lvl="1"/>
-            <a:r>
-              <a:rPr lang="en-US" dirty="0" smtClean="0"/>
-              <a:t>Environment (variables, data tables)</a:t>
-            </a:r>
-          </a:p>
-          <a:p>
-            <a:pPr lvl="1"/>
-            <a:r>
-              <a:rPr lang="en-US" dirty="0" smtClean="0"/>
-              <a:t>Files</a:t>
-            </a:r>
-          </a:p>
-          <a:p>
-            <a:pPr lvl="1"/>
-            <a:r>
-              <a:rPr lang="en-US" dirty="0" smtClean="0"/>
-              <a:t>Plots</a:t>
-            </a:r>
-          </a:p>
-          <a:p>
-            <a:pPr lvl="1"/>
-            <a:r>
-              <a:rPr lang="en-US" dirty="0" smtClean="0"/>
-              <a:t>Packages</a:t>
-            </a:r>
-          </a:p>
-          <a:p>
-            <a:pPr lvl="1"/>
-            <a:r>
-              <a:rPr lang="en-US" dirty="0" smtClean="0"/>
-              <a:t>Help</a:t>
-            </a:r>
-          </a:p>
-          <a:p>
-            <a:pPr lvl="1"/>
-            <a:endParaRPr lang="en-US" dirty="0" smtClean="0"/>
-          </a:p>
-        </p:txBody>
-      </p:sp>
     </p:spTree>
     <p:extLst>
       <p:ext uri="{BB962C8B-B14F-4D97-AF65-F5344CB8AC3E}">
-        <p14:creationId xmlns:p14="http://schemas.microsoft.com/office/powerpoint/2010/main" val="3390469422"/>
+        <p14:creationId xmlns:p14="http://schemas.microsoft.com/office/powerpoint/2010/main" val="1193919771"/>
       </p:ext>
     </p:extLst>
   </p:cSld>
@@ -12927,7 +13034,7 @@
           <a:p>
             <a:r>
               <a:rPr lang="en-US" dirty="0" smtClean="0"/>
-              <a:t>R / R Markdown Practices</a:t>
+              <a:t>RStudio</a:t>
             </a:r>
             <a:endParaRPr lang="en-US" dirty="0"/>
           </a:p>
@@ -12950,7 +13057,7 @@
           <a:p>
             <a:r>
               <a:rPr lang="en-US" smtClean="0"/>
-              <a:t>github.com/HEGSRR  doi.org/10.17605/OSF.IO/C5A2R</a:t>
+              <a:t>github.com/HEGSRR  OSF.IO/C5A2R</a:t>
             </a:r>
             <a:endParaRPr lang="en-US"/>
           </a:p>
@@ -12991,150 +13098,81 @@
             <p:ph idx="1"/>
           </p:nvPr>
         </p:nvSpPr>
-        <p:spPr>
-          <a:xfrm>
-            <a:off x="1261872" y="1828800"/>
-            <a:ext cx="9435720" cy="4509856"/>
-          </a:xfrm>
-        </p:spPr>
-        <p:txBody>
-          <a:bodyPr>
-            <a:normAutofit fontScale="62500" lnSpcReduction="20000"/>
-          </a:bodyPr>
-          <a:lstStyle/>
-          <a:p>
-            <a:r>
-              <a:rPr lang="en-US" dirty="0"/>
-              <a:t>open project in root directory </a:t>
-            </a:r>
-            <a:r>
-              <a:rPr lang="en-US" dirty="0" smtClean="0"/>
-              <a:t>of compendium to begin</a:t>
-            </a:r>
-            <a:endParaRPr lang="en-US" dirty="0"/>
-          </a:p>
-          <a:p>
-            <a:r>
-              <a:rPr lang="en-US" dirty="0" smtClean="0"/>
-              <a:t>load and install packages automatically</a:t>
-            </a:r>
-          </a:p>
-          <a:p>
-            <a:r>
-              <a:rPr lang="en-US" dirty="0" smtClean="0"/>
-              <a:t>record the processing environment</a:t>
-            </a:r>
-          </a:p>
-          <a:p>
-            <a:r>
-              <a:rPr lang="en-US" dirty="0"/>
-              <a:t>u</a:t>
-            </a:r>
-            <a:r>
-              <a:rPr lang="en-US" dirty="0" smtClean="0"/>
-              <a:t>se the </a:t>
-            </a:r>
-            <a:r>
-              <a:rPr lang="en-US" b="1" dirty="0" smtClean="0"/>
-              <a:t>here</a:t>
-            </a:r>
-            <a:r>
-              <a:rPr lang="en-US" dirty="0" smtClean="0"/>
-              <a:t> package for relative path names</a:t>
-            </a:r>
-          </a:p>
-          <a:p>
-            <a:r>
-              <a:rPr lang="en-US" dirty="0" smtClean="0"/>
-              <a:t>write code in </a:t>
-            </a:r>
-            <a:r>
-              <a:rPr lang="en-US" dirty="0" err="1" smtClean="0"/>
-              <a:t>Rmarkdown</a:t>
-            </a:r>
-            <a:r>
-              <a:rPr lang="en-US" dirty="0" smtClean="0"/>
-              <a:t> or R scripts, not the console!</a:t>
-            </a:r>
-          </a:p>
-          <a:p>
-            <a:r>
-              <a:rPr lang="en-US" dirty="0" smtClean="0"/>
-              <a:t>save API keys, passwords in local environment or scratch directory that is not version-tracked</a:t>
-            </a:r>
-          </a:p>
-          <a:p>
-            <a:r>
-              <a:rPr lang="en-US" dirty="0" smtClean="0"/>
-              <a:t>discrete code chunks that view &amp; check results</a:t>
-            </a:r>
-          </a:p>
-          <a:p>
-            <a:r>
-              <a:rPr lang="en-US" dirty="0"/>
-              <a:t>save important inputs and results as individual objects in .</a:t>
-            </a:r>
-            <a:r>
-              <a:rPr lang="en-US" dirty="0" err="1"/>
-              <a:t>rds</a:t>
-            </a:r>
-            <a:r>
-              <a:rPr lang="en-US" dirty="0"/>
-              <a:t> </a:t>
-            </a:r>
-            <a:r>
-              <a:rPr lang="en-US" dirty="0" smtClean="0"/>
-              <a:t>files:</a:t>
-            </a:r>
-            <a:br>
-              <a:rPr lang="en-US" dirty="0" smtClean="0"/>
-            </a:br>
-            <a:r>
-              <a:rPr lang="en-US" dirty="0" smtClean="0"/>
-              <a:t>Do not rely on the .</a:t>
-            </a:r>
-            <a:r>
-              <a:rPr lang="en-US" dirty="0" err="1" smtClean="0"/>
-              <a:t>RData</a:t>
-            </a:r>
-            <a:r>
-              <a:rPr lang="en-US" dirty="0" smtClean="0"/>
-              <a:t> file or objects stored in the environment</a:t>
-            </a:r>
-          </a:p>
-          <a:p>
-            <a:r>
-              <a:rPr lang="en-US" dirty="0" smtClean="0"/>
-              <a:t>save figures with code, not manually</a:t>
-            </a:r>
-          </a:p>
-          <a:p>
-            <a:r>
-              <a:rPr lang="en-US" b="1" dirty="0" err="1"/>
-              <a:t>tidyverse</a:t>
-            </a:r>
-            <a:r>
-              <a:rPr lang="en-US" dirty="0"/>
-              <a:t> style guide &amp; helper </a:t>
-            </a:r>
-            <a:r>
-              <a:rPr lang="en-US" dirty="0" smtClean="0"/>
-              <a:t>functions for legible code</a:t>
-            </a:r>
-            <a:endParaRPr lang="en-US" dirty="0"/>
-          </a:p>
-          <a:p>
+        <p:spPr/>
+        <p:txBody>
+          <a:bodyPr/>
+          <a:lstStyle/>
+          <a:p>
+            <a:r>
+              <a:rPr lang="en-US" dirty="0" smtClean="0"/>
+              <a:t>Graphic interface for R language</a:t>
+            </a:r>
+          </a:p>
+          <a:p>
+            <a:r>
+              <a:rPr lang="en-US" dirty="0" smtClean="0"/>
+              <a:t>Panels:</a:t>
+            </a:r>
+          </a:p>
+          <a:p>
+            <a:pPr lvl="1"/>
+            <a:r>
+              <a:rPr lang="en-US" dirty="0" smtClean="0"/>
+              <a:t>Console</a:t>
+            </a:r>
+          </a:p>
+          <a:p>
+            <a:pPr lvl="1"/>
+            <a:r>
+              <a:rPr lang="en-US" dirty="0" smtClean="0"/>
+              <a:t>Source (code)</a:t>
+            </a:r>
+          </a:p>
+          <a:p>
+            <a:pPr lvl="1"/>
+            <a:r>
+              <a:rPr lang="en-US" dirty="0" smtClean="0"/>
+              <a:t>Environment (variables, data tables)</a:t>
+            </a:r>
+          </a:p>
+          <a:p>
+            <a:pPr lvl="1"/>
+            <a:r>
+              <a:rPr lang="en-US" dirty="0" smtClean="0"/>
+              <a:t>Files</a:t>
+            </a:r>
+          </a:p>
+          <a:p>
+            <a:pPr lvl="1"/>
+            <a:r>
+              <a:rPr lang="en-US" dirty="0" smtClean="0"/>
+              <a:t>Plots</a:t>
+            </a:r>
+          </a:p>
+          <a:p>
+            <a:pPr lvl="1"/>
+            <a:r>
+              <a:rPr lang="en-US" dirty="0" smtClean="0"/>
+              <a:t>Packages</a:t>
+            </a:r>
+          </a:p>
+          <a:p>
+            <a:pPr lvl="1"/>
+            <a:r>
+              <a:rPr lang="en-US" dirty="0" smtClean="0"/>
+              <a:t>Help</a:t>
+            </a:r>
+          </a:p>
+          <a:p>
+            <a:pPr lvl="1"/>
             <a:endParaRPr lang="en-US" dirty="0" smtClean="0"/>
-          </a:p>
-          <a:p>
-            <a:endParaRPr lang="en-US" dirty="0"/>
           </a:p>
         </p:txBody>
       </p:sp>
     </p:spTree>
     <p:extLst>
       <p:ext uri="{BB962C8B-B14F-4D97-AF65-F5344CB8AC3E}">
-        <p14:creationId xmlns:p14="http://schemas.microsoft.com/office/powerpoint/2010/main" val="913370652"/>
+        <p14:creationId xmlns:p14="http://schemas.microsoft.com/office/powerpoint/2010/main" val="3390469422"/>
       </p:ext>
     </p:extLst>
   </p:cSld>
@@ -13178,7 +13216,7 @@
           <a:p>
             <a:r>
               <a:rPr lang="en-US" dirty="0" smtClean="0"/>
-              <a:t>Seminar Objectives</a:t>
+              <a:t>R / R Markdown Practices</a:t>
             </a:r>
             <a:endParaRPr lang="en-US" dirty="0"/>
           </a:p>
@@ -13201,7 +13239,7 @@
           <a:p>
             <a:r>
               <a:rPr lang="en-US" smtClean="0"/>
-              <a:t>github.com/HEGSRR  doi.org/10.17605/OSF.IO/C5A2R</a:t>
+              <a:t>github.com/HEGSRR  OSF.IO/C5A2R</a:t>
             </a:r>
             <a:endParaRPr lang="en-US"/>
           </a:p>
@@ -13242,86 +13280,142 @@
             <p:ph idx="1"/>
           </p:nvPr>
         </p:nvSpPr>
-        <p:spPr/>
+        <p:spPr>
+          <a:xfrm>
+            <a:off x="1261872" y="1828800"/>
+            <a:ext cx="9435720" cy="4509856"/>
+          </a:xfrm>
+        </p:spPr>
         <p:txBody>
           <a:bodyPr>
-            <a:normAutofit fontScale="92500" lnSpcReduction="10000"/>
+            <a:normAutofit fontScale="62500" lnSpcReduction="20000"/>
           </a:bodyPr>
           <a:lstStyle/>
           <a:p>
             <a:r>
-              <a:rPr lang="en-US" dirty="0" smtClean="0"/>
-              <a:t>Conceptual / Theoretical Overview:</a:t>
-            </a:r>
-          </a:p>
-          <a:p>
-            <a:pPr lvl="1"/>
-            <a:r>
-              <a:rPr lang="en-US" dirty="0" smtClean="0"/>
-              <a:t>R&amp;R in Human-Environment and Geographical Sciences</a:t>
-            </a:r>
-          </a:p>
-          <a:p>
-            <a:r>
-              <a:rPr lang="en-US" dirty="0" smtClean="0"/>
-              <a:t>Technical:</a:t>
-            </a:r>
-          </a:p>
-          <a:p>
-            <a:pPr lvl="1"/>
-            <a:r>
-              <a:rPr lang="en-US" dirty="0" smtClean="0"/>
-              <a:t>Research compendium in </a:t>
+              <a:rPr lang="en-US" dirty="0"/>
+              <a:t>open project in root directory </a:t>
+            </a:r>
+            <a:r>
+              <a:rPr lang="en-US" dirty="0" smtClean="0"/>
+              <a:t>of compendium to begin</a:t>
+            </a:r>
+            <a:endParaRPr lang="en-US" dirty="0"/>
+          </a:p>
+          <a:p>
+            <a:r>
+              <a:rPr lang="en-US" dirty="0" smtClean="0"/>
+              <a:t>load and install packages automatically</a:t>
+            </a:r>
+          </a:p>
+          <a:p>
+            <a:r>
+              <a:rPr lang="en-US" dirty="0" smtClean="0"/>
+              <a:t>record the processing environment</a:t>
+            </a:r>
+          </a:p>
+          <a:p>
+            <a:r>
+              <a:rPr lang="en-US" dirty="0"/>
+              <a:t>u</a:t>
+            </a:r>
+            <a:r>
+              <a:rPr lang="en-US" dirty="0" smtClean="0"/>
+              <a:t>se the </a:t>
+            </a:r>
+            <a:r>
+              <a:rPr lang="en-US" b="1" dirty="0" smtClean="0"/>
+              <a:t>here</a:t>
+            </a:r>
+            <a:r>
+              <a:rPr lang="en-US" dirty="0" smtClean="0"/>
+              <a:t> package for relative path names</a:t>
+            </a:r>
+          </a:p>
+          <a:p>
+            <a:r>
+              <a:rPr lang="en-US" dirty="0" smtClean="0"/>
+              <a:t>write code in </a:t>
             </a:r>
             <a:r>
               <a:rPr lang="en-US" dirty="0" err="1" smtClean="0"/>
-              <a:t>Git</a:t>
-            </a:r>
-            <a:r>
-              <a:rPr lang="en-US" dirty="0" smtClean="0"/>
-              <a:t> / GitHub</a:t>
-            </a:r>
-          </a:p>
-          <a:p>
-            <a:pPr lvl="1"/>
-            <a:r>
-              <a:rPr lang="en-US" dirty="0" smtClean="0"/>
-              <a:t>Planning and registering a reproduction study</a:t>
-            </a:r>
-          </a:p>
-          <a:p>
-            <a:pPr lvl="1"/>
-            <a:r>
-              <a:rPr lang="en-US" dirty="0" smtClean="0"/>
-              <a:t>Computational notebook in RStudio / R Markdown</a:t>
-            </a:r>
-          </a:p>
-          <a:p>
-            <a:r>
-              <a:rPr lang="en-US" dirty="0" smtClean="0"/>
-              <a:t>Practical:</a:t>
-            </a:r>
-          </a:p>
-          <a:p>
-            <a:pPr lvl="1"/>
-            <a:r>
-              <a:rPr lang="en-US" dirty="0" smtClean="0"/>
-              <a:t>Ability to read, access, and execute research compendia</a:t>
-            </a:r>
-          </a:p>
-          <a:p>
-            <a:pPr lvl="1"/>
-            <a:r>
-              <a:rPr lang="en-US" dirty="0" smtClean="0"/>
-              <a:t>Share ideas &amp; experience for research &amp; teaching R&amp;R</a:t>
-            </a:r>
-          </a:p>
-          <a:p>
-            <a:pPr lvl="1"/>
-            <a:r>
-              <a:rPr lang="en-US" dirty="0" smtClean="0"/>
-              <a:t>Resources for (self)teaching</a:t>
-            </a:r>
+              <a:t>Rmarkdown</a:t>
+            </a:r>
+            <a:r>
+              <a:rPr lang="en-US" dirty="0" smtClean="0"/>
+              <a:t> or R scripts, not the console!</a:t>
+            </a:r>
+          </a:p>
+          <a:p>
+            <a:r>
+              <a:rPr lang="en-US" dirty="0" smtClean="0"/>
+              <a:t>save API keys, passwords in local environment or scratch directory that is not version-tracked</a:t>
+            </a:r>
+          </a:p>
+          <a:p>
+            <a:r>
+              <a:rPr lang="en-US" dirty="0" smtClean="0"/>
+              <a:t>discrete code chunks that view &amp; check results</a:t>
+            </a:r>
+          </a:p>
+          <a:p>
+            <a:r>
+              <a:rPr lang="en-US" dirty="0"/>
+              <a:t>save important inputs and results as individual objects in .</a:t>
+            </a:r>
+            <a:r>
+              <a:rPr lang="en-US" dirty="0" err="1"/>
+              <a:t>rds</a:t>
+            </a:r>
+            <a:r>
+              <a:rPr lang="en-US" dirty="0"/>
+              <a:t> </a:t>
+            </a:r>
+            <a:r>
+              <a:rPr lang="en-US" dirty="0" smtClean="0"/>
+              <a:t>files:</a:t>
+            </a:r>
+            <a:br>
+              <a:rPr lang="en-US" dirty="0" smtClean="0"/>
+            </a:br>
+            <a:r>
+              <a:rPr lang="en-US" dirty="0" smtClean="0"/>
+              <a:t>Do not rely on the .</a:t>
+            </a:r>
+            <a:r>
+              <a:rPr lang="en-US" dirty="0" err="1" smtClean="0"/>
+              <a:t>RData</a:t>
+            </a:r>
+            <a:r>
+              <a:rPr lang="en-US" dirty="0" smtClean="0"/>
+              <a:t> file or objects stored in the environment</a:t>
+            </a:r>
+          </a:p>
+          <a:p>
+            <a:r>
+              <a:rPr lang="en-US" dirty="0" smtClean="0"/>
+              <a:t>save figures with code, not manually</a:t>
+            </a:r>
+          </a:p>
+          <a:p>
+            <a:r>
+              <a:rPr lang="en-US" b="1" dirty="0" err="1"/>
+              <a:t>tidyverse</a:t>
+            </a:r>
+            <a:r>
+              <a:rPr lang="en-US" dirty="0"/>
+              <a:t> style guide &amp; helper </a:t>
+            </a:r>
+            <a:r>
+              <a:rPr lang="en-US" dirty="0" smtClean="0"/>
+              <a:t>functions for legible code</a:t>
+            </a:r>
+            <a:endParaRPr lang="en-US" dirty="0"/>
+          </a:p>
+          <a:p>
+            <a:endParaRPr lang="en-US" dirty="0" smtClean="0"/>
+          </a:p>
+          <a:p>
             <a:endParaRPr lang="en-US" dirty="0"/>
           </a:p>
         </p:txBody>
@@ -13329,7 +13423,155 @@
     </p:spTree>
     <p:extLst>
       <p:ext uri="{BB962C8B-B14F-4D97-AF65-F5344CB8AC3E}">
-        <p14:creationId xmlns:p14="http://schemas.microsoft.com/office/powerpoint/2010/main" val="3324162061"/>
+        <p14:creationId xmlns:p14="http://schemas.microsoft.com/office/powerpoint/2010/main" val="913370652"/>
+      </p:ext>
+    </p:extLst>
+  </p:cSld>
+  <p:clrMapOvr>
+    <a:masterClrMapping/>
+  </p:clrMapOvr>
+</p:sld>
+</file>
+
+<file path=ppt/slides/slide49.xml><?xml version="1.0" encoding="utf-8"?>
+<p:sld xmlns:a="http://schemas.openxmlformats.org/drawingml/2006/main" xmlns:r="http://schemas.openxmlformats.org/officeDocument/2006/relationships" xmlns:p="http://schemas.openxmlformats.org/presentationml/2006/main">
+  <p:cSld>
+    <p:spTree>
+      <p:nvGrpSpPr>
+        <p:cNvPr id="1" name=""/>
+        <p:cNvGrpSpPr/>
+        <p:nvPr/>
+      </p:nvGrpSpPr>
+      <p:grpSpPr>
+        <a:xfrm>
+          <a:off x="0" y="0"/>
+          <a:ext cx="0" cy="0"/>
+          <a:chOff x="0" y="0"/>
+          <a:chExt cx="0" cy="0"/>
+        </a:xfrm>
+      </p:grpSpPr>
+      <p:sp>
+        <p:nvSpPr>
+          <p:cNvPr id="2" name="Title 1"/>
+          <p:cNvSpPr>
+            <a:spLocks noGrp="1"/>
+          </p:cNvSpPr>
+          <p:nvPr>
+            <p:ph type="title"/>
+          </p:nvPr>
+        </p:nvSpPr>
+        <p:spPr/>
+        <p:txBody>
+          <a:bodyPr/>
+          <a:lstStyle/>
+          <a:p>
+            <a:r>
+              <a:rPr lang="en-US" dirty="0" smtClean="0"/>
+              <a:t>Appreciation</a:t>
+            </a:r>
+            <a:endParaRPr lang="en-US" dirty="0"/>
+          </a:p>
+        </p:txBody>
+      </p:sp>
+      <p:sp>
+        <p:nvSpPr>
+          <p:cNvPr id="3" name="Footer Placeholder 2"/>
+          <p:cNvSpPr>
+            <a:spLocks noGrp="1"/>
+          </p:cNvSpPr>
+          <p:nvPr>
+            <p:ph type="ftr" sz="quarter" idx="11"/>
+          </p:nvPr>
+        </p:nvSpPr>
+        <p:spPr/>
+        <p:txBody>
+          <a:bodyPr/>
+          <a:lstStyle/>
+          <a:p>
+            <a:r>
+              <a:rPr lang="en-US" dirty="0" smtClean="0"/>
+              <a:t>github.com/HEGSRR  OSF.IO/C5A2R</a:t>
+            </a:r>
+            <a:endParaRPr lang="en-US" dirty="0"/>
+          </a:p>
+        </p:txBody>
+      </p:sp>
+      <p:sp>
+        <p:nvSpPr>
+          <p:cNvPr id="4" name="Slide Number Placeholder 3"/>
+          <p:cNvSpPr>
+            <a:spLocks noGrp="1"/>
+          </p:cNvSpPr>
+          <p:nvPr>
+            <p:ph type="sldNum" sz="quarter" idx="12"/>
+          </p:nvPr>
+        </p:nvSpPr>
+        <p:spPr/>
+        <p:txBody>
+          <a:bodyPr>
+            <a:normAutofit lnSpcReduction="10000"/>
+          </a:bodyPr>
+          <a:lstStyle/>
+          <a:p>
+            <a:fld id="{981D5A7C-6207-499C-AB20-37C4B4B2E810}" type="slidenum">
+              <a:rPr lang="en-US" smtClean="0"/>
+              <a:t>49</a:t>
+            </a:fld>
+            <a:endParaRPr lang="en-US"/>
+          </a:p>
+        </p:txBody>
+      </p:sp>
+      <p:sp>
+        <p:nvSpPr>
+          <p:cNvPr id="5" name="Content Placeholder 4"/>
+          <p:cNvSpPr>
+            <a:spLocks noGrp="1"/>
+          </p:cNvSpPr>
+          <p:nvPr>
+            <p:ph idx="1"/>
+          </p:nvPr>
+        </p:nvSpPr>
+        <p:spPr/>
+        <p:txBody>
+          <a:bodyPr/>
+          <a:lstStyle/>
+          <a:p>
+            <a:r>
+              <a:rPr lang="en-US" dirty="0" smtClean="0"/>
+              <a:t>National Science Foundation</a:t>
+            </a:r>
+          </a:p>
+          <a:p>
+            <a:r>
+              <a:rPr lang="en-US" dirty="0" smtClean="0"/>
+              <a:t>UCGIS</a:t>
+            </a:r>
+          </a:p>
+          <a:p>
+            <a:r>
+              <a:rPr lang="en-US" dirty="0" smtClean="0"/>
+              <a:t>Peter Kedron</a:t>
+            </a:r>
+          </a:p>
+          <a:p>
+            <a:r>
+              <a:rPr lang="en-US" dirty="0" smtClean="0"/>
+              <a:t>Research Assistants &amp; Independent Studies: Kufre Udoh, Derrick Burt, Sarah Bardin, Drew An-Pham, Emily Zhou, Maddie Tango</a:t>
+            </a:r>
+          </a:p>
+          <a:p>
+            <a:r>
+              <a:rPr lang="en-US" dirty="0" smtClean="0"/>
+              <a:t> </a:t>
+            </a:r>
+            <a:endParaRPr lang="en-US" dirty="0"/>
+          </a:p>
+        </p:txBody>
+      </p:sp>
+    </p:spTree>
+    <p:extLst>
+      <p:ext uri="{BB962C8B-B14F-4D97-AF65-F5344CB8AC3E}">
+        <p14:creationId xmlns:p14="http://schemas.microsoft.com/office/powerpoint/2010/main" val="38889191"/>
       </p:ext>
     </p:extLst>
   </p:cSld>
@@ -13433,7 +13675,7 @@
           <a:p>
             <a:r>
               <a:rPr lang="en-US" smtClean="0"/>
-              <a:t>github.com/HEGSRR  doi.org/10.17605/OSF.IO/C5A2R</a:t>
+              <a:t>github.com/HEGSRR  OSF.IO/C5A2R</a:t>
             </a:r>
             <a:endParaRPr lang="en-US"/>
           </a:p>
@@ -13592,7 +13834,7 @@
           <a:p>
             <a:r>
               <a:rPr lang="en-US" smtClean="0"/>
-              <a:t>github.com/HEGSRR  doi.org/10.17605/OSF.IO/C5A2R</a:t>
+              <a:t>github.com/HEGSRR  OSF.IO/C5A2R</a:t>
             </a:r>
             <a:endParaRPr lang="en-US"/>
           </a:p>
@@ -13693,7 +13935,7 @@
           <a:p>
             <a:r>
               <a:rPr lang="en-US" smtClean="0"/>
-              <a:t>github.com/HEGSRR  doi.org/10.17605/OSF.IO/C5A2R</a:t>
+              <a:t>github.com/HEGSRR  OSF.IO/C5A2R</a:t>
             </a:r>
             <a:endParaRPr lang="en-US"/>
           </a:p>
@@ -13871,7 +14113,7 @@
           <a:p>
             <a:r>
               <a:rPr lang="en-US" smtClean="0"/>
-              <a:t>github.com/HEGSRR  doi.org/10.17605/OSF.IO/C5A2R</a:t>
+              <a:t>github.com/HEGSRR  OSF.IO/C5A2R</a:t>
             </a:r>
             <a:endParaRPr lang="en-US"/>
           </a:p>
@@ -14091,7 +14333,7 @@
           <a:p>
             <a:r>
               <a:rPr lang="en-US" smtClean="0"/>
-              <a:t>github.com/HEGSRR  doi.org/10.17605/OSF.IO/C5A2R</a:t>
+              <a:t>github.com/HEGSRR  OSF.IO/C5A2R</a:t>
             </a:r>
             <a:endParaRPr lang="en-US"/>
           </a:p>
